--- a/lectures/week4/lecture3/notebooks/week4_lecture3.pptx
+++ b/lectures/week4/lecture3/notebooks/week4_lecture3.pptx
@@ -5,7 +5,7 @@
     <p:sldMasterId id="2147483661" r:id="rId1"/>
   </p:sldMasterIdLst>
   <p:notesMasterIdLst>
-    <p:notesMasterId r:id="rId25"/>
+    <p:notesMasterId r:id="rId26"/>
   </p:notesMasterIdLst>
   <p:sldIdLst>
     <p:sldId id="256" r:id="rId2"/>
@@ -18,37 +18,38 @@
     <p:sldId id="265" r:id="rId9"/>
     <p:sldId id="266" r:id="rId10"/>
     <p:sldId id="269" r:id="rId11"/>
-    <p:sldId id="291" r:id="rId12"/>
-    <p:sldId id="292" r:id="rId13"/>
-    <p:sldId id="274" r:id="rId14"/>
-    <p:sldId id="297" r:id="rId15"/>
-    <p:sldId id="293" r:id="rId16"/>
-    <p:sldId id="298" r:id="rId17"/>
-    <p:sldId id="294" r:id="rId18"/>
-    <p:sldId id="299" r:id="rId19"/>
-    <p:sldId id="279" r:id="rId20"/>
-    <p:sldId id="296" r:id="rId21"/>
-    <p:sldId id="295" r:id="rId22"/>
-    <p:sldId id="289" r:id="rId23"/>
-    <p:sldId id="290" r:id="rId24"/>
+    <p:sldId id="270" r:id="rId12"/>
+    <p:sldId id="271" r:id="rId13"/>
+    <p:sldId id="292" r:id="rId14"/>
+    <p:sldId id="274" r:id="rId15"/>
+    <p:sldId id="297" r:id="rId16"/>
+    <p:sldId id="275" r:id="rId17"/>
+    <p:sldId id="300" r:id="rId18"/>
+    <p:sldId id="276" r:id="rId19"/>
+    <p:sldId id="299" r:id="rId20"/>
+    <p:sldId id="279" r:id="rId21"/>
+    <p:sldId id="280" r:id="rId22"/>
+    <p:sldId id="281" r:id="rId23"/>
+    <p:sldId id="289" r:id="rId24"/>
+    <p:sldId id="290" r:id="rId25"/>
   </p:sldIdLst>
   <p:sldSz cx="9144000" cy="5143500" type="screen16x9"/>
   <p:notesSz cx="6858000" cy="9144000"/>
   <p:embeddedFontLst>
     <p:embeddedFont>
       <p:font typeface="Bebas Neue" panose="020B0606020202050201" pitchFamily="34" charset="0"/>
-      <p:regular r:id="rId26"/>
+      <p:regular r:id="rId27"/>
     </p:embeddedFont>
     <p:embeddedFont>
       <p:font typeface="Calibri" panose="020F0502020204030204" pitchFamily="34" charset="0"/>
-      <p:regular r:id="rId27"/>
-      <p:bold r:id="rId28"/>
-      <p:italic r:id="rId29"/>
-      <p:boldItalic r:id="rId30"/>
+      <p:regular r:id="rId28"/>
+      <p:bold r:id="rId29"/>
+      <p:italic r:id="rId30"/>
+      <p:boldItalic r:id="rId31"/>
     </p:embeddedFont>
     <p:embeddedFont>
       <p:font typeface="Della Respira" panose="020B0604020202020204" charset="0"/>
-      <p:regular r:id="rId31"/>
+      <p:regular r:id="rId32"/>
     </p:embeddedFont>
   </p:embeddedFontLst>
   <p:defaultTextStyle>
@@ -942,7 +943,7 @@
   <p:cSld>
     <p:spTree>
       <p:nvGrpSpPr>
-        <p:cNvPr id="1" name="Shape 333"/>
+        <p:cNvPr id="1" name="Shape 339"/>
         <p:cNvGrpSpPr/>
         <p:nvPr/>
       </p:nvGrpSpPr>
@@ -956,7 +957,7 @@
       </p:grpSpPr>
       <p:sp>
         <p:nvSpPr>
-          <p:cNvPr id="334" name="Google Shape;334;g7834a636a1_1_291:notes"/>
+          <p:cNvPr id="340" name="Google Shape;340;g7834a636a1_1_297:notes"/>
           <p:cNvSpPr>
             <a:spLocks noGrp="1" noRot="1" noChangeAspect="1"/>
           </p:cNvSpPr>
@@ -997,7 +998,7 @@
       </p:sp>
       <p:sp>
         <p:nvSpPr>
-          <p:cNvPr id="335" name="Google Shape;335;g7834a636a1_1_291:notes"/>
+          <p:cNvPr id="341" name="Google Shape;341;g7834a636a1_1_297:notes"/>
           <p:cNvSpPr txBox="1">
             <a:spLocks noGrp="1"/>
           </p:cNvSpPr>
@@ -1034,11 +1035,6 @@
         </p:txBody>
       </p:sp>
     </p:spTree>
-    <p:extLst>
-      <p:ext uri="{BB962C8B-B14F-4D97-AF65-F5344CB8AC3E}">
-        <p14:creationId xmlns:p14="http://schemas.microsoft.com/office/powerpoint/2010/main" val="2067833989"/>
-      </p:ext>
-    </p:extLst>
   </p:cSld>
   <p:clrMapOvr>
     <a:masterClrMapping/>
@@ -1047,6 +1043,110 @@
 </file>
 
 <file path=ppt/notesSlides/notesSlide12.xml><?xml version="1.0" encoding="utf-8"?>
+<p:notes xmlns:a="http://schemas.openxmlformats.org/drawingml/2006/main" xmlns:r="http://schemas.openxmlformats.org/officeDocument/2006/relationships" xmlns:p="http://schemas.openxmlformats.org/presentationml/2006/main" showMasterSp="0" showMasterPhAnim="0">
+  <p:cSld>
+    <p:spTree>
+      <p:nvGrpSpPr>
+        <p:cNvPr id="1" name="Shape 345"/>
+        <p:cNvGrpSpPr/>
+        <p:nvPr/>
+      </p:nvGrpSpPr>
+      <p:grpSpPr>
+        <a:xfrm>
+          <a:off x="0" y="0"/>
+          <a:ext cx="0" cy="0"/>
+          <a:chOff x="0" y="0"/>
+          <a:chExt cx="0" cy="0"/>
+        </a:xfrm>
+      </p:grpSpPr>
+      <p:sp>
+        <p:nvSpPr>
+          <p:cNvPr id="346" name="Google Shape;346;g7834a636a1_1_303:notes"/>
+          <p:cNvSpPr>
+            <a:spLocks noGrp="1" noRot="1" noChangeAspect="1"/>
+          </p:cNvSpPr>
+          <p:nvPr>
+            <p:ph type="sldImg" idx="2"/>
+          </p:nvPr>
+        </p:nvSpPr>
+        <p:spPr>
+          <a:xfrm>
+            <a:off x="381000" y="685800"/>
+            <a:ext cx="6096000" cy="3429000"/>
+          </a:xfrm>
+          <a:custGeom>
+            <a:avLst/>
+            <a:gdLst/>
+            <a:ahLst/>
+            <a:cxnLst/>
+            <a:rect l="l" t="t" r="r" b="b"/>
+            <a:pathLst>
+              <a:path w="120000" h="120000" extrusionOk="0">
+                <a:moveTo>
+                  <a:pt x="0" y="0"/>
+                </a:moveTo>
+                <a:lnTo>
+                  <a:pt x="120000" y="0"/>
+                </a:lnTo>
+                <a:lnTo>
+                  <a:pt x="120000" y="120000"/>
+                </a:lnTo>
+                <a:lnTo>
+                  <a:pt x="0" y="120000"/>
+                </a:lnTo>
+                <a:close/>
+              </a:path>
+            </a:pathLst>
+          </a:custGeom>
+        </p:spPr>
+      </p:sp>
+      <p:sp>
+        <p:nvSpPr>
+          <p:cNvPr id="347" name="Google Shape;347;g7834a636a1_1_303:notes"/>
+          <p:cNvSpPr txBox="1">
+            <a:spLocks noGrp="1"/>
+          </p:cNvSpPr>
+          <p:nvPr>
+            <p:ph type="body" idx="1"/>
+          </p:nvPr>
+        </p:nvSpPr>
+        <p:spPr>
+          <a:xfrm>
+            <a:off x="685800" y="4343400"/>
+            <a:ext cx="5486400" cy="4114800"/>
+          </a:xfrm>
+          <a:prstGeom prst="rect">
+            <a:avLst/>
+          </a:prstGeom>
+        </p:spPr>
+        <p:txBody>
+          <a:bodyPr spcFirstLastPara="1" wrap="square" lIns="91425" tIns="91425" rIns="91425" bIns="91425" anchor="t" anchorCtr="0">
+            <a:noAutofit/>
+          </a:bodyPr>
+          <a:lstStyle/>
+          <a:p>
+            <a:pPr marL="0" lvl="0" indent="0" algn="l" rtl="0">
+              <a:spcBef>
+                <a:spcPts val="0"/>
+              </a:spcBef>
+              <a:spcAft>
+                <a:spcPts val="0"/>
+              </a:spcAft>
+              <a:buNone/>
+            </a:pPr>
+            <a:endParaRPr/>
+          </a:p>
+        </p:txBody>
+      </p:sp>
+    </p:spTree>
+  </p:cSld>
+  <p:clrMapOvr>
+    <a:masterClrMapping/>
+  </p:clrMapOvr>
+</p:notes>
+</file>
+
+<file path=ppt/notesSlides/notesSlide13.xml><?xml version="1.0" encoding="utf-8"?>
 <p:notes xmlns:a="http://schemas.openxmlformats.org/drawingml/2006/main" xmlns:r="http://schemas.openxmlformats.org/officeDocument/2006/relationships" xmlns:p="http://schemas.openxmlformats.org/presentationml/2006/main" showMasterSp="0" showMasterPhAnim="0">
   <p:cSld>
     <p:spTree>
@@ -1148,110 +1248,6 @@
         <p14:creationId xmlns:p14="http://schemas.microsoft.com/office/powerpoint/2010/main" val="3443177742"/>
       </p:ext>
     </p:extLst>
-  </p:cSld>
-  <p:clrMapOvr>
-    <a:masterClrMapping/>
-  </p:clrMapOvr>
-</p:notes>
-</file>
-
-<file path=ppt/notesSlides/notesSlide13.xml><?xml version="1.0" encoding="utf-8"?>
-<p:notes xmlns:a="http://schemas.openxmlformats.org/drawingml/2006/main" xmlns:r="http://schemas.openxmlformats.org/officeDocument/2006/relationships" xmlns:p="http://schemas.openxmlformats.org/presentationml/2006/main" showMasterSp="0" showMasterPhAnim="0">
-  <p:cSld>
-    <p:spTree>
-      <p:nvGrpSpPr>
-        <p:cNvPr id="1" name="Shape 363"/>
-        <p:cNvGrpSpPr/>
-        <p:nvPr/>
-      </p:nvGrpSpPr>
-      <p:grpSpPr>
-        <a:xfrm>
-          <a:off x="0" y="0"/>
-          <a:ext cx="0" cy="0"/>
-          <a:chOff x="0" y="0"/>
-          <a:chExt cx="0" cy="0"/>
-        </a:xfrm>
-      </p:grpSpPr>
-      <p:sp>
-        <p:nvSpPr>
-          <p:cNvPr id="364" name="Google Shape;364;g7834a636a1_1_321:notes"/>
-          <p:cNvSpPr>
-            <a:spLocks noGrp="1" noRot="1" noChangeAspect="1"/>
-          </p:cNvSpPr>
-          <p:nvPr>
-            <p:ph type="sldImg" idx="2"/>
-          </p:nvPr>
-        </p:nvSpPr>
-        <p:spPr>
-          <a:xfrm>
-            <a:off x="381000" y="685800"/>
-            <a:ext cx="6096000" cy="3429000"/>
-          </a:xfrm>
-          <a:custGeom>
-            <a:avLst/>
-            <a:gdLst/>
-            <a:ahLst/>
-            <a:cxnLst/>
-            <a:rect l="l" t="t" r="r" b="b"/>
-            <a:pathLst>
-              <a:path w="120000" h="120000" extrusionOk="0">
-                <a:moveTo>
-                  <a:pt x="0" y="0"/>
-                </a:moveTo>
-                <a:lnTo>
-                  <a:pt x="120000" y="0"/>
-                </a:lnTo>
-                <a:lnTo>
-                  <a:pt x="120000" y="120000"/>
-                </a:lnTo>
-                <a:lnTo>
-                  <a:pt x="0" y="120000"/>
-                </a:lnTo>
-                <a:close/>
-              </a:path>
-            </a:pathLst>
-          </a:custGeom>
-        </p:spPr>
-      </p:sp>
-      <p:sp>
-        <p:nvSpPr>
-          <p:cNvPr id="365" name="Google Shape;365;g7834a636a1_1_321:notes"/>
-          <p:cNvSpPr txBox="1">
-            <a:spLocks noGrp="1"/>
-          </p:cNvSpPr>
-          <p:nvPr>
-            <p:ph type="body" idx="1"/>
-          </p:nvPr>
-        </p:nvSpPr>
-        <p:spPr>
-          <a:xfrm>
-            <a:off x="685800" y="4343400"/>
-            <a:ext cx="5486400" cy="4114800"/>
-          </a:xfrm>
-          <a:prstGeom prst="rect">
-            <a:avLst/>
-          </a:prstGeom>
-        </p:spPr>
-        <p:txBody>
-          <a:bodyPr spcFirstLastPara="1" wrap="square" lIns="91425" tIns="91425" rIns="91425" bIns="91425" anchor="t" anchorCtr="0">
-            <a:noAutofit/>
-          </a:bodyPr>
-          <a:lstStyle/>
-          <a:p>
-            <a:pPr marL="0" lvl="0" indent="0" algn="l" rtl="0">
-              <a:spcBef>
-                <a:spcPts val="0"/>
-              </a:spcBef>
-              <a:spcAft>
-                <a:spcPts val="0"/>
-              </a:spcAft>
-              <a:buNone/>
-            </a:pPr>
-            <a:endParaRPr/>
-          </a:p>
-        </p:txBody>
-      </p:sp>
-    </p:spTree>
   </p:cSld>
   <p:clrMapOvr>
     <a:masterClrMapping/>
@@ -1356,11 +1352,6 @@
         </p:txBody>
       </p:sp>
     </p:spTree>
-    <p:extLst>
-      <p:ext uri="{BB962C8B-B14F-4D97-AF65-F5344CB8AC3E}">
-        <p14:creationId xmlns:p14="http://schemas.microsoft.com/office/powerpoint/2010/main" val="2998656076"/>
-      </p:ext>
-    </p:extLst>
   </p:cSld>
   <p:clrMapOvr>
     <a:masterClrMapping/>
@@ -1467,7 +1458,7 @@
     </p:spTree>
     <p:extLst>
       <p:ext uri="{BB962C8B-B14F-4D97-AF65-F5344CB8AC3E}">
-        <p14:creationId xmlns:p14="http://schemas.microsoft.com/office/powerpoint/2010/main" val="3419335405"/>
+        <p14:creationId xmlns:p14="http://schemas.microsoft.com/office/powerpoint/2010/main" val="2998656076"/>
       </p:ext>
     </p:extLst>
   </p:cSld>
@@ -1482,7 +1473,7 @@
   <p:cSld>
     <p:spTree>
       <p:nvGrpSpPr>
-        <p:cNvPr id="1" name="Shape 363"/>
+        <p:cNvPr id="1" name="Shape 369"/>
         <p:cNvGrpSpPr/>
         <p:nvPr/>
       </p:nvGrpSpPr>
@@ -1496,7 +1487,7 @@
       </p:grpSpPr>
       <p:sp>
         <p:nvSpPr>
-          <p:cNvPr id="364" name="Google Shape;364;g7834a636a1_1_321:notes"/>
+          <p:cNvPr id="370" name="Google Shape;370;g7834a636a1_1_327:notes"/>
           <p:cNvSpPr>
             <a:spLocks noGrp="1" noRot="1" noChangeAspect="1"/>
           </p:cNvSpPr>
@@ -1537,7 +1528,7 @@
       </p:sp>
       <p:sp>
         <p:nvSpPr>
-          <p:cNvPr id="365" name="Google Shape;365;g7834a636a1_1_321:notes"/>
+          <p:cNvPr id="371" name="Google Shape;371;g7834a636a1_1_327:notes"/>
           <p:cNvSpPr txBox="1">
             <a:spLocks noGrp="1"/>
           </p:cNvSpPr>
@@ -1574,11 +1565,6 @@
         </p:txBody>
       </p:sp>
     </p:spTree>
-    <p:extLst>
-      <p:ext uri="{BB962C8B-B14F-4D97-AF65-F5344CB8AC3E}">
-        <p14:creationId xmlns:p14="http://schemas.microsoft.com/office/powerpoint/2010/main" val="2086847948"/>
-      </p:ext>
-    </p:extLst>
   </p:cSld>
   <p:clrMapOvr>
     <a:masterClrMapping/>
@@ -1685,7 +1671,7 @@
     </p:spTree>
     <p:extLst>
       <p:ext uri="{BB962C8B-B14F-4D97-AF65-F5344CB8AC3E}">
-        <p14:creationId xmlns:p14="http://schemas.microsoft.com/office/powerpoint/2010/main" val="3667554479"/>
+        <p14:creationId xmlns:p14="http://schemas.microsoft.com/office/powerpoint/2010/main" val="2139650927"/>
       </p:ext>
     </p:extLst>
   </p:cSld>
@@ -1696,6 +1682,110 @@
 </file>
 
 <file path=ppt/notesSlides/notesSlide18.xml><?xml version="1.0" encoding="utf-8"?>
+<p:notes xmlns:a="http://schemas.openxmlformats.org/drawingml/2006/main" xmlns:r="http://schemas.openxmlformats.org/officeDocument/2006/relationships" xmlns:p="http://schemas.openxmlformats.org/presentationml/2006/main" showMasterSp="0" showMasterPhAnim="0">
+  <p:cSld>
+    <p:spTree>
+      <p:nvGrpSpPr>
+        <p:cNvPr id="1" name="Shape 375"/>
+        <p:cNvGrpSpPr/>
+        <p:nvPr/>
+      </p:nvGrpSpPr>
+      <p:grpSpPr>
+        <a:xfrm>
+          <a:off x="0" y="0"/>
+          <a:ext cx="0" cy="0"/>
+          <a:chOff x="0" y="0"/>
+          <a:chExt cx="0" cy="0"/>
+        </a:xfrm>
+      </p:grpSpPr>
+      <p:sp>
+        <p:nvSpPr>
+          <p:cNvPr id="376" name="Google Shape;376;g7834a636a1_1_333:notes"/>
+          <p:cNvSpPr>
+            <a:spLocks noGrp="1" noRot="1" noChangeAspect="1"/>
+          </p:cNvSpPr>
+          <p:nvPr>
+            <p:ph type="sldImg" idx="2"/>
+          </p:nvPr>
+        </p:nvSpPr>
+        <p:spPr>
+          <a:xfrm>
+            <a:off x="381000" y="685800"/>
+            <a:ext cx="6096000" cy="3429000"/>
+          </a:xfrm>
+          <a:custGeom>
+            <a:avLst/>
+            <a:gdLst/>
+            <a:ahLst/>
+            <a:cxnLst/>
+            <a:rect l="l" t="t" r="r" b="b"/>
+            <a:pathLst>
+              <a:path w="120000" h="120000" extrusionOk="0">
+                <a:moveTo>
+                  <a:pt x="0" y="0"/>
+                </a:moveTo>
+                <a:lnTo>
+                  <a:pt x="120000" y="0"/>
+                </a:lnTo>
+                <a:lnTo>
+                  <a:pt x="120000" y="120000"/>
+                </a:lnTo>
+                <a:lnTo>
+                  <a:pt x="0" y="120000"/>
+                </a:lnTo>
+                <a:close/>
+              </a:path>
+            </a:pathLst>
+          </a:custGeom>
+        </p:spPr>
+      </p:sp>
+      <p:sp>
+        <p:nvSpPr>
+          <p:cNvPr id="377" name="Google Shape;377;g7834a636a1_1_333:notes"/>
+          <p:cNvSpPr txBox="1">
+            <a:spLocks noGrp="1"/>
+          </p:cNvSpPr>
+          <p:nvPr>
+            <p:ph type="body" idx="1"/>
+          </p:nvPr>
+        </p:nvSpPr>
+        <p:spPr>
+          <a:xfrm>
+            <a:off x="685800" y="4343400"/>
+            <a:ext cx="5486400" cy="4114800"/>
+          </a:xfrm>
+          <a:prstGeom prst="rect">
+            <a:avLst/>
+          </a:prstGeom>
+        </p:spPr>
+        <p:txBody>
+          <a:bodyPr spcFirstLastPara="1" wrap="square" lIns="91425" tIns="91425" rIns="91425" bIns="91425" anchor="t" anchorCtr="0">
+            <a:noAutofit/>
+          </a:bodyPr>
+          <a:lstStyle/>
+          <a:p>
+            <a:pPr marL="0" lvl="0" indent="0" algn="l" rtl="0">
+              <a:spcBef>
+                <a:spcPts val="0"/>
+              </a:spcBef>
+              <a:spcAft>
+                <a:spcPts val="0"/>
+              </a:spcAft>
+              <a:buNone/>
+            </a:pPr>
+            <a:endParaRPr/>
+          </a:p>
+        </p:txBody>
+      </p:sp>
+    </p:spTree>
+  </p:cSld>
+  <p:clrMapOvr>
+    <a:masterClrMapping/>
+  </p:clrMapOvr>
+</p:notes>
+</file>
+
+<file path=ppt/notesSlides/notesSlide19.xml><?xml version="1.0" encoding="utf-8"?>
 <p:notes xmlns:a="http://schemas.openxmlformats.org/drawingml/2006/main" xmlns:r="http://schemas.openxmlformats.org/officeDocument/2006/relationships" xmlns:p="http://schemas.openxmlformats.org/presentationml/2006/main" showMasterSp="0" showMasterPhAnim="0">
   <p:cSld>
     <p:spTree>
@@ -1797,110 +1887,6 @@
         <p14:creationId xmlns:p14="http://schemas.microsoft.com/office/powerpoint/2010/main" val="3926762884"/>
       </p:ext>
     </p:extLst>
-  </p:cSld>
-  <p:clrMapOvr>
-    <a:masterClrMapping/>
-  </p:clrMapOvr>
-</p:notes>
-</file>
-
-<file path=ppt/notesSlides/notesSlide19.xml><?xml version="1.0" encoding="utf-8"?>
-<p:notes xmlns:a="http://schemas.openxmlformats.org/drawingml/2006/main" xmlns:r="http://schemas.openxmlformats.org/officeDocument/2006/relationships" xmlns:p="http://schemas.openxmlformats.org/presentationml/2006/main" showMasterSp="0" showMasterPhAnim="0">
-  <p:cSld>
-    <p:spTree>
-      <p:nvGrpSpPr>
-        <p:cNvPr id="1" name="Shape 393"/>
-        <p:cNvGrpSpPr/>
-        <p:nvPr/>
-      </p:nvGrpSpPr>
-      <p:grpSpPr>
-        <a:xfrm>
-          <a:off x="0" y="0"/>
-          <a:ext cx="0" cy="0"/>
-          <a:chOff x="0" y="0"/>
-          <a:chExt cx="0" cy="0"/>
-        </a:xfrm>
-      </p:grpSpPr>
-      <p:sp>
-        <p:nvSpPr>
-          <p:cNvPr id="394" name="Google Shape;394;g7834a636a1_1_351:notes"/>
-          <p:cNvSpPr>
-            <a:spLocks noGrp="1" noRot="1" noChangeAspect="1"/>
-          </p:cNvSpPr>
-          <p:nvPr>
-            <p:ph type="sldImg" idx="2"/>
-          </p:nvPr>
-        </p:nvSpPr>
-        <p:spPr>
-          <a:xfrm>
-            <a:off x="381000" y="685800"/>
-            <a:ext cx="6096000" cy="3429000"/>
-          </a:xfrm>
-          <a:custGeom>
-            <a:avLst/>
-            <a:gdLst/>
-            <a:ahLst/>
-            <a:cxnLst/>
-            <a:rect l="l" t="t" r="r" b="b"/>
-            <a:pathLst>
-              <a:path w="120000" h="120000" extrusionOk="0">
-                <a:moveTo>
-                  <a:pt x="0" y="0"/>
-                </a:moveTo>
-                <a:lnTo>
-                  <a:pt x="120000" y="0"/>
-                </a:lnTo>
-                <a:lnTo>
-                  <a:pt x="120000" y="120000"/>
-                </a:lnTo>
-                <a:lnTo>
-                  <a:pt x="0" y="120000"/>
-                </a:lnTo>
-                <a:close/>
-              </a:path>
-            </a:pathLst>
-          </a:custGeom>
-        </p:spPr>
-      </p:sp>
-      <p:sp>
-        <p:nvSpPr>
-          <p:cNvPr id="395" name="Google Shape;395;g7834a636a1_1_351:notes"/>
-          <p:cNvSpPr txBox="1">
-            <a:spLocks noGrp="1"/>
-          </p:cNvSpPr>
-          <p:nvPr>
-            <p:ph type="body" idx="1"/>
-          </p:nvPr>
-        </p:nvSpPr>
-        <p:spPr>
-          <a:xfrm>
-            <a:off x="685800" y="4343400"/>
-            <a:ext cx="5486400" cy="4114800"/>
-          </a:xfrm>
-          <a:prstGeom prst="rect">
-            <a:avLst/>
-          </a:prstGeom>
-        </p:spPr>
-        <p:txBody>
-          <a:bodyPr spcFirstLastPara="1" wrap="square" lIns="91425" tIns="91425" rIns="91425" bIns="91425" anchor="t" anchorCtr="0">
-            <a:noAutofit/>
-          </a:bodyPr>
-          <a:lstStyle/>
-          <a:p>
-            <a:pPr marL="0" lvl="0" indent="0" algn="l" rtl="0">
-              <a:spcBef>
-                <a:spcPts val="0"/>
-              </a:spcBef>
-              <a:spcAft>
-                <a:spcPts val="0"/>
-              </a:spcAft>
-              <a:buNone/>
-            </a:pPr>
-            <a:endParaRPr/>
-          </a:p>
-        </p:txBody>
-      </p:sp>
-    </p:spTree>
   </p:cSld>
   <p:clrMapOvr>
     <a:masterClrMapping/>
@@ -2109,11 +2095,6 @@
         </p:txBody>
       </p:sp>
     </p:spTree>
-    <p:extLst>
-      <p:ext uri="{BB962C8B-B14F-4D97-AF65-F5344CB8AC3E}">
-        <p14:creationId xmlns:p14="http://schemas.microsoft.com/office/powerpoint/2010/main" val="2329456239"/>
-      </p:ext>
-    </p:extLst>
   </p:cSld>
   <p:clrMapOvr>
     <a:masterClrMapping/>
@@ -2126,7 +2107,7 @@
   <p:cSld>
     <p:spTree>
       <p:nvGrpSpPr>
-        <p:cNvPr id="1" name="Shape 393"/>
+        <p:cNvPr id="1" name="Shape 399"/>
         <p:cNvGrpSpPr/>
         <p:nvPr/>
       </p:nvGrpSpPr>
@@ -2140,7 +2121,7 @@
       </p:grpSpPr>
       <p:sp>
         <p:nvSpPr>
-          <p:cNvPr id="394" name="Google Shape;394;g7834a636a1_1_351:notes"/>
+          <p:cNvPr id="400" name="Google Shape;400;g7834a636a1_1_357:notes"/>
           <p:cNvSpPr>
             <a:spLocks noGrp="1" noRot="1" noChangeAspect="1"/>
           </p:cNvSpPr>
@@ -2181,7 +2162,7 @@
       </p:sp>
       <p:sp>
         <p:nvSpPr>
-          <p:cNvPr id="395" name="Google Shape;395;g7834a636a1_1_351:notes"/>
+          <p:cNvPr id="401" name="Google Shape;401;g7834a636a1_1_357:notes"/>
           <p:cNvSpPr txBox="1">
             <a:spLocks noGrp="1"/>
           </p:cNvSpPr>
@@ -2218,11 +2199,6 @@
         </p:txBody>
       </p:sp>
     </p:spTree>
-    <p:extLst>
-      <p:ext uri="{BB962C8B-B14F-4D97-AF65-F5344CB8AC3E}">
-        <p14:creationId xmlns:p14="http://schemas.microsoft.com/office/powerpoint/2010/main" val="3966349063"/>
-      </p:ext>
-    </p:extLst>
   </p:cSld>
   <p:clrMapOvr>
     <a:masterClrMapping/>
@@ -2231,6 +2207,110 @@
 </file>
 
 <file path=ppt/notesSlides/notesSlide22.xml><?xml version="1.0" encoding="utf-8"?>
+<p:notes xmlns:a="http://schemas.openxmlformats.org/drawingml/2006/main" xmlns:r="http://schemas.openxmlformats.org/officeDocument/2006/relationships" xmlns:p="http://schemas.openxmlformats.org/presentationml/2006/main" showMasterSp="0" showMasterPhAnim="0">
+  <p:cSld>
+    <p:spTree>
+      <p:nvGrpSpPr>
+        <p:cNvPr id="1" name="Shape 405"/>
+        <p:cNvGrpSpPr/>
+        <p:nvPr/>
+      </p:nvGrpSpPr>
+      <p:grpSpPr>
+        <a:xfrm>
+          <a:off x="0" y="0"/>
+          <a:ext cx="0" cy="0"/>
+          <a:chOff x="0" y="0"/>
+          <a:chExt cx="0" cy="0"/>
+        </a:xfrm>
+      </p:grpSpPr>
+      <p:sp>
+        <p:nvSpPr>
+          <p:cNvPr id="406" name="Google Shape;406;g7834a636a1_1_363:notes"/>
+          <p:cNvSpPr>
+            <a:spLocks noGrp="1" noRot="1" noChangeAspect="1"/>
+          </p:cNvSpPr>
+          <p:nvPr>
+            <p:ph type="sldImg" idx="2"/>
+          </p:nvPr>
+        </p:nvSpPr>
+        <p:spPr>
+          <a:xfrm>
+            <a:off x="381000" y="685800"/>
+            <a:ext cx="6096000" cy="3429000"/>
+          </a:xfrm>
+          <a:custGeom>
+            <a:avLst/>
+            <a:gdLst/>
+            <a:ahLst/>
+            <a:cxnLst/>
+            <a:rect l="l" t="t" r="r" b="b"/>
+            <a:pathLst>
+              <a:path w="120000" h="120000" extrusionOk="0">
+                <a:moveTo>
+                  <a:pt x="0" y="0"/>
+                </a:moveTo>
+                <a:lnTo>
+                  <a:pt x="120000" y="0"/>
+                </a:lnTo>
+                <a:lnTo>
+                  <a:pt x="120000" y="120000"/>
+                </a:lnTo>
+                <a:lnTo>
+                  <a:pt x="0" y="120000"/>
+                </a:lnTo>
+                <a:close/>
+              </a:path>
+            </a:pathLst>
+          </a:custGeom>
+        </p:spPr>
+      </p:sp>
+      <p:sp>
+        <p:nvSpPr>
+          <p:cNvPr id="407" name="Google Shape;407;g7834a636a1_1_363:notes"/>
+          <p:cNvSpPr txBox="1">
+            <a:spLocks noGrp="1"/>
+          </p:cNvSpPr>
+          <p:nvPr>
+            <p:ph type="body" idx="1"/>
+          </p:nvPr>
+        </p:nvSpPr>
+        <p:spPr>
+          <a:xfrm>
+            <a:off x="685800" y="4343400"/>
+            <a:ext cx="5486400" cy="4114800"/>
+          </a:xfrm>
+          <a:prstGeom prst="rect">
+            <a:avLst/>
+          </a:prstGeom>
+        </p:spPr>
+        <p:txBody>
+          <a:bodyPr spcFirstLastPara="1" wrap="square" lIns="91425" tIns="91425" rIns="91425" bIns="91425" anchor="t" anchorCtr="0">
+            <a:noAutofit/>
+          </a:bodyPr>
+          <a:lstStyle/>
+          <a:p>
+            <a:pPr marL="0" lvl="0" indent="0" algn="l" rtl="0">
+              <a:spcBef>
+                <a:spcPts val="0"/>
+              </a:spcBef>
+              <a:spcAft>
+                <a:spcPts val="0"/>
+              </a:spcAft>
+              <a:buNone/>
+            </a:pPr>
+            <a:endParaRPr/>
+          </a:p>
+        </p:txBody>
+      </p:sp>
+    </p:spTree>
+  </p:cSld>
+  <p:clrMapOvr>
+    <a:masterClrMapping/>
+  </p:clrMapOvr>
+</p:notes>
+</file>
+
+<file path=ppt/notesSlides/notesSlide23.xml><?xml version="1.0" encoding="utf-8"?>
 <p:notes xmlns:a="http://schemas.openxmlformats.org/drawingml/2006/main" xmlns:r="http://schemas.openxmlformats.org/officeDocument/2006/relationships" xmlns:p="http://schemas.openxmlformats.org/presentationml/2006/main" showMasterSp="0" showMasterPhAnim="0">
   <p:cSld>
     <p:spTree>
@@ -2334,7 +2414,7 @@
 </p:notes>
 </file>
 
-<file path=ppt/notesSlides/notesSlide23.xml><?xml version="1.0" encoding="utf-8"?>
+<file path=ppt/notesSlides/notesSlide24.xml><?xml version="1.0" encoding="utf-8"?>
 <p:notes xmlns:a="http://schemas.openxmlformats.org/drawingml/2006/main" xmlns:r="http://schemas.openxmlformats.org/officeDocument/2006/relationships" xmlns:p="http://schemas.openxmlformats.org/presentationml/2006/main" showMasterSp="0" showMasterPhAnim="0">
   <p:cSld>
     <p:spTree>
@@ -20131,683 +20211,16 @@
           <a:chExt cx="0" cy="0"/>
         </a:xfrm>
       </p:grpSpPr>
-      <p:grpSp>
-        <p:nvGrpSpPr>
-          <p:cNvPr id="219" name="Google Shape;219;p15"/>
-          <p:cNvGrpSpPr/>
-          <p:nvPr/>
-        </p:nvGrpSpPr>
-        <p:grpSpPr>
-          <a:xfrm>
-            <a:off x="1685054" y="1701955"/>
-            <a:ext cx="5633635" cy="1588540"/>
-            <a:chOff x="1685054" y="1701955"/>
-            <a:chExt cx="5633635" cy="1588540"/>
-          </a:xfrm>
-        </p:grpSpPr>
-        <p:sp>
-          <p:nvSpPr>
-            <p:cNvPr id="220" name="Google Shape;220;p15"/>
-            <p:cNvSpPr/>
-            <p:nvPr/>
-          </p:nvSpPr>
-          <p:spPr>
-            <a:xfrm>
-              <a:off x="1685054" y="1701955"/>
-              <a:ext cx="5633635" cy="1588540"/>
-            </a:xfrm>
-            <a:custGeom>
-              <a:avLst/>
-              <a:gdLst/>
-              <a:ahLst/>
-              <a:cxnLst/>
-              <a:rect l="l" t="t" r="r" b="b"/>
-              <a:pathLst>
-                <a:path w="11497214" h="3241918" extrusionOk="0">
-                  <a:moveTo>
-                    <a:pt x="787024" y="2781311"/>
-                  </a:moveTo>
-                  <a:cubicBezTo>
-                    <a:pt x="786661" y="2828882"/>
-                    <a:pt x="747700" y="2867155"/>
-                    <a:pt x="700002" y="2866794"/>
-                  </a:cubicBezTo>
-                  <a:cubicBezTo>
-                    <a:pt x="699776" y="2866794"/>
-                    <a:pt x="699550" y="2866785"/>
-                    <a:pt x="699323" y="2866785"/>
-                  </a:cubicBezTo>
-                  <a:lnTo>
-                    <a:pt x="503353" y="2866785"/>
-                  </a:lnTo>
-                  <a:cubicBezTo>
-                    <a:pt x="455659" y="2867516"/>
-                    <a:pt x="416397" y="2829556"/>
-                    <a:pt x="415659" y="2781986"/>
-                  </a:cubicBezTo>
-                  <a:cubicBezTo>
-                    <a:pt x="415656" y="2781767"/>
-                    <a:pt x="415654" y="2781539"/>
-                    <a:pt x="415652" y="2781311"/>
-                  </a:cubicBezTo>
-                  <a:lnTo>
-                    <a:pt x="415652" y="1920782"/>
-                  </a:lnTo>
-                  <a:lnTo>
-                    <a:pt x="0" y="1920782"/>
-                  </a:lnTo>
-                  <a:lnTo>
-                    <a:pt x="0" y="3005822"/>
-                  </a:lnTo>
-                  <a:cubicBezTo>
-                    <a:pt x="-158" y="3135115"/>
-                    <a:pt x="104803" y="3240048"/>
-                    <a:pt x="234440" y="3240210"/>
-                  </a:cubicBezTo>
-                  <a:cubicBezTo>
-                    <a:pt x="234789" y="3240210"/>
-                    <a:pt x="235139" y="3240210"/>
-                    <a:pt x="235488" y="3240210"/>
-                  </a:cubicBezTo>
-                  <a:lnTo>
-                    <a:pt x="983090" y="3240210"/>
-                  </a:lnTo>
-                  <a:cubicBezTo>
-                    <a:pt x="1112727" y="3240789"/>
-                    <a:pt x="1218283" y="3136445"/>
-                    <a:pt x="1218864" y="3007152"/>
-                  </a:cubicBezTo>
-                  <a:cubicBezTo>
-                    <a:pt x="1218864" y="3006715"/>
-                    <a:pt x="1218864" y="3006268"/>
-                    <a:pt x="1218864" y="3005822"/>
-                  </a:cubicBezTo>
-                  <a:lnTo>
-                    <a:pt x="1218864" y="0"/>
-                  </a:lnTo>
-                  <a:lnTo>
-                    <a:pt x="787024" y="0"/>
-                  </a:lnTo>
-                  <a:close/>
-                  <a:moveTo>
-                    <a:pt x="1842198" y="0"/>
-                  </a:moveTo>
-                  <a:cubicBezTo>
-                    <a:pt x="1604139" y="0"/>
-                    <a:pt x="1413120" y="110926"/>
-                    <a:pt x="1413120" y="248728"/>
-                  </a:cubicBezTo>
-                  <a:lnTo>
-                    <a:pt x="1413120" y="2969733"/>
-                  </a:lnTo>
-                  <a:cubicBezTo>
-                    <a:pt x="1413120" y="3107535"/>
-                    <a:pt x="1521199" y="3240210"/>
-                    <a:pt x="1758972" y="3240210"/>
-                  </a:cubicBezTo>
-                  <a:lnTo>
-                    <a:pt x="2567041" y="3240210"/>
-                  </a:lnTo>
-                  <a:lnTo>
-                    <a:pt x="2567041" y="2866500"/>
-                  </a:lnTo>
-                  <a:lnTo>
-                    <a:pt x="1954657" y="2866500"/>
-                  </a:lnTo>
-                  <a:cubicBezTo>
-                    <a:pt x="1893285" y="2866500"/>
-                    <a:pt x="1843531" y="2816878"/>
-                    <a:pt x="1843531" y="2755669"/>
-                  </a:cubicBezTo>
-                  <a:cubicBezTo>
-                    <a:pt x="1843531" y="2755546"/>
-                    <a:pt x="1843531" y="2755413"/>
-                    <a:pt x="1843531" y="2755289"/>
-                  </a:cubicBezTo>
-                  <a:lnTo>
-                    <a:pt x="1843531" y="2409216"/>
-                  </a:lnTo>
-                  <a:cubicBezTo>
-                    <a:pt x="1843474" y="2348008"/>
-                    <a:pt x="1893190" y="2298347"/>
-                    <a:pt x="1954562" y="2298290"/>
-                  </a:cubicBezTo>
-                  <a:cubicBezTo>
-                    <a:pt x="1954590" y="2298290"/>
-                    <a:pt x="1954628" y="2298290"/>
-                    <a:pt x="1954657" y="2298290"/>
-                  </a:cubicBezTo>
-                  <a:lnTo>
-                    <a:pt x="2567041" y="2298290"/>
-                  </a:lnTo>
-                  <a:lnTo>
-                    <a:pt x="2567041" y="1928475"/>
-                  </a:lnTo>
-                  <a:lnTo>
-                    <a:pt x="1961608" y="1928475"/>
-                  </a:lnTo>
-                  <a:cubicBezTo>
-                    <a:pt x="1896294" y="1928370"/>
-                    <a:pt x="1843426" y="1875471"/>
-                    <a:pt x="1843531" y="1810331"/>
-                  </a:cubicBezTo>
-                  <a:cubicBezTo>
-                    <a:pt x="1843531" y="1810265"/>
-                    <a:pt x="1843531" y="1810208"/>
-                    <a:pt x="1843531" y="1810141"/>
-                  </a:cubicBezTo>
-                  <a:lnTo>
-                    <a:pt x="1843531" y="1441655"/>
-                  </a:lnTo>
-                  <a:cubicBezTo>
-                    <a:pt x="1843322" y="1376514"/>
-                    <a:pt x="1896104" y="1323530"/>
-                    <a:pt x="1961418" y="1323321"/>
-                  </a:cubicBezTo>
-                  <a:cubicBezTo>
-                    <a:pt x="1961485" y="1323321"/>
-                    <a:pt x="1961542" y="1323321"/>
-                    <a:pt x="1961608" y="1323321"/>
-                  </a:cubicBezTo>
-                  <a:lnTo>
-                    <a:pt x="2566850" y="1323321"/>
-                  </a:lnTo>
-                  <a:lnTo>
-                    <a:pt x="2566850" y="0"/>
-                  </a:lnTo>
-                  <a:close/>
-                  <a:moveTo>
-                    <a:pt x="10513457" y="1364824"/>
-                  </a:moveTo>
-                  <a:lnTo>
-                    <a:pt x="10513457" y="1905397"/>
-                  </a:lnTo>
-                  <a:lnTo>
-                    <a:pt x="10214836" y="1905397"/>
-                  </a:lnTo>
-                  <a:cubicBezTo>
-                    <a:pt x="10172367" y="1905397"/>
-                    <a:pt x="10138657" y="1865034"/>
-                    <a:pt x="10138657" y="1814890"/>
-                  </a:cubicBezTo>
-                  <a:lnTo>
-                    <a:pt x="10138657" y="0"/>
-                  </a:lnTo>
-                  <a:lnTo>
-                    <a:pt x="9727005" y="0"/>
-                  </a:lnTo>
-                  <a:lnTo>
-                    <a:pt x="9727005" y="1923821"/>
-                  </a:lnTo>
-                  <a:cubicBezTo>
-                    <a:pt x="9727005" y="2115377"/>
-                    <a:pt x="9878411" y="2269704"/>
-                    <a:pt x="10066478" y="2269704"/>
-                  </a:cubicBezTo>
-                  <a:lnTo>
-                    <a:pt x="10514029" y="2269704"/>
-                  </a:lnTo>
-                  <a:lnTo>
-                    <a:pt x="10514029" y="2793658"/>
-                  </a:lnTo>
-                  <a:cubicBezTo>
-                    <a:pt x="10514029" y="2825568"/>
-                    <a:pt x="10480701" y="2850640"/>
-                    <a:pt x="10439184" y="2850640"/>
-                  </a:cubicBezTo>
-                  <a:lnTo>
-                    <a:pt x="10081523" y="2850640"/>
-                  </a:lnTo>
-                  <a:lnTo>
-                    <a:pt x="10081523" y="3240020"/>
-                  </a:lnTo>
-                  <a:lnTo>
-                    <a:pt x="10572877" y="3240020"/>
-                  </a:lnTo>
-                  <a:cubicBezTo>
-                    <a:pt x="10758469" y="3240020"/>
-                    <a:pt x="10907874" y="3132323"/>
-                    <a:pt x="10907874" y="2998509"/>
-                  </a:cubicBezTo>
-                  <a:lnTo>
-                    <a:pt x="10907874" y="0"/>
-                  </a:lnTo>
-                  <a:lnTo>
-                    <a:pt x="10514029" y="0"/>
-                  </a:lnTo>
-                  <a:close/>
-                  <a:moveTo>
-                    <a:pt x="11112605" y="0"/>
-                  </a:moveTo>
-                  <a:lnTo>
-                    <a:pt x="11112605" y="2269799"/>
-                  </a:lnTo>
-                  <a:lnTo>
-                    <a:pt x="11497214" y="2269799"/>
-                  </a:lnTo>
-                  <a:lnTo>
-                    <a:pt x="11497214" y="0"/>
-                  </a:lnTo>
-                  <a:close/>
-                  <a:moveTo>
-                    <a:pt x="8024406" y="2116801"/>
-                  </a:moveTo>
-                  <a:cubicBezTo>
-                    <a:pt x="8100585" y="2040825"/>
-                    <a:pt x="8146768" y="2012999"/>
-                    <a:pt x="8146768" y="1924106"/>
-                  </a:cubicBezTo>
-                  <a:lnTo>
-                    <a:pt x="8146768" y="292035"/>
-                  </a:lnTo>
-                  <a:cubicBezTo>
-                    <a:pt x="8146768" y="130205"/>
-                    <a:pt x="7989268" y="0"/>
-                    <a:pt x="7793584" y="0"/>
-                  </a:cubicBezTo>
-                  <a:lnTo>
-                    <a:pt x="6958281" y="0"/>
-                  </a:lnTo>
-                  <a:lnTo>
-                    <a:pt x="6958281" y="3240210"/>
-                  </a:lnTo>
-                  <a:lnTo>
-                    <a:pt x="7355079" y="3240210"/>
-                  </a:lnTo>
-                  <a:lnTo>
-                    <a:pt x="7355079" y="2291168"/>
-                  </a:lnTo>
-                  <a:lnTo>
-                    <a:pt x="7583044" y="2291168"/>
-                  </a:lnTo>
-                  <a:cubicBezTo>
-                    <a:pt x="7682553" y="2298765"/>
-                    <a:pt x="7766540" y="2376641"/>
-                    <a:pt x="7773492" y="2472182"/>
-                  </a:cubicBezTo>
-                  <a:lnTo>
-                    <a:pt x="7831959" y="3240115"/>
-                  </a:lnTo>
-                  <a:lnTo>
-                    <a:pt x="8271512" y="3240115"/>
-                  </a:lnTo>
-                  <a:lnTo>
-                    <a:pt x="8179811" y="2438372"/>
-                  </a:lnTo>
-                  <a:cubicBezTo>
-                    <a:pt x="8160671" y="2269799"/>
-                    <a:pt x="8105251" y="2197432"/>
-                    <a:pt x="8024406" y="2116801"/>
-                  </a:cubicBezTo>
-                  <a:close/>
-                  <a:moveTo>
-                    <a:pt x="7724547" y="1782220"/>
-                  </a:moveTo>
-                  <a:cubicBezTo>
-                    <a:pt x="7724547" y="1854777"/>
-                    <a:pt x="7675602" y="1913184"/>
-                    <a:pt x="7614753" y="1913184"/>
-                  </a:cubicBezTo>
-                  <a:lnTo>
-                    <a:pt x="7355079" y="1913184"/>
-                  </a:lnTo>
-                  <a:lnTo>
-                    <a:pt x="7355079" y="1308031"/>
-                  </a:lnTo>
-                  <a:lnTo>
-                    <a:pt x="7614753" y="1308031"/>
-                  </a:lnTo>
-                  <a:cubicBezTo>
-                    <a:pt x="7675602" y="1308031"/>
-                    <a:pt x="7724547" y="1366438"/>
-                    <a:pt x="7724547" y="1438996"/>
-                  </a:cubicBezTo>
-                  <a:close/>
-                  <a:moveTo>
-                    <a:pt x="6238486" y="0"/>
-                  </a:moveTo>
-                  <a:lnTo>
-                    <a:pt x="5932437" y="0"/>
-                  </a:lnTo>
-                  <a:cubicBezTo>
-                    <a:pt x="5794458" y="0"/>
-                    <a:pt x="5675333" y="94306"/>
-                    <a:pt x="5664477" y="211595"/>
-                  </a:cubicBezTo>
-                  <a:lnTo>
-                    <a:pt x="5396327" y="3240210"/>
-                  </a:lnTo>
-                  <a:lnTo>
-                    <a:pt x="5813883" y="3240210"/>
-                  </a:lnTo>
-                  <a:lnTo>
-                    <a:pt x="5901394" y="2295631"/>
-                  </a:lnTo>
-                  <a:lnTo>
-                    <a:pt x="6277051" y="2295631"/>
-                  </a:lnTo>
-                  <a:lnTo>
-                    <a:pt x="6364562" y="3240210"/>
-                  </a:lnTo>
-                  <a:lnTo>
-                    <a:pt x="6823826" y="3240210"/>
-                  </a:lnTo>
-                  <a:lnTo>
-                    <a:pt x="6509587" y="211595"/>
-                  </a:lnTo>
-                  <a:cubicBezTo>
-                    <a:pt x="6497684" y="94306"/>
-                    <a:pt x="6376655" y="0"/>
-                    <a:pt x="6238486" y="0"/>
-                  </a:cubicBezTo>
-                  <a:close/>
-                  <a:moveTo>
-                    <a:pt x="5936246" y="1919452"/>
-                  </a:moveTo>
-                  <a:lnTo>
-                    <a:pt x="5986904" y="1372516"/>
-                  </a:lnTo>
-                  <a:cubicBezTo>
-                    <a:pt x="5989666" y="1342411"/>
-                    <a:pt x="6027660" y="1318193"/>
-                    <a:pt x="6072034" y="1318193"/>
-                  </a:cubicBezTo>
-                  <a:lnTo>
-                    <a:pt x="6106411" y="1318193"/>
-                  </a:lnTo>
-                  <a:cubicBezTo>
-                    <a:pt x="6150784" y="1318193"/>
-                    <a:pt x="6188779" y="1342411"/>
-                    <a:pt x="6191541" y="1372516"/>
-                  </a:cubicBezTo>
-                  <a:lnTo>
-                    <a:pt x="6242200" y="1919452"/>
-                  </a:lnTo>
-                  <a:close/>
-                  <a:moveTo>
-                    <a:pt x="3729913" y="0"/>
-                  </a:moveTo>
-                  <a:lnTo>
-                    <a:pt x="3013545" y="0"/>
-                  </a:lnTo>
-                  <a:cubicBezTo>
-                    <a:pt x="2888421" y="0"/>
-                    <a:pt x="2787769" y="104468"/>
-                    <a:pt x="2787769" y="234388"/>
-                  </a:cubicBezTo>
-                  <a:lnTo>
-                    <a:pt x="2787769" y="3005822"/>
-                  </a:lnTo>
-                  <a:cubicBezTo>
-                    <a:pt x="2787769" y="3135647"/>
-                    <a:pt x="2888421" y="3240210"/>
-                    <a:pt x="3013545" y="3240210"/>
-                  </a:cubicBezTo>
-                  <a:lnTo>
-                    <a:pt x="3729913" y="3240210"/>
-                  </a:lnTo>
-                  <a:cubicBezTo>
-                    <a:pt x="3855036" y="3240210"/>
-                    <a:pt x="3955688" y="3135742"/>
-                    <a:pt x="3955688" y="3005822"/>
-                  </a:cubicBezTo>
-                  <a:lnTo>
-                    <a:pt x="3955688" y="234388"/>
-                  </a:lnTo>
-                  <a:cubicBezTo>
-                    <a:pt x="3955688" y="104468"/>
-                    <a:pt x="3855036" y="0"/>
-                    <a:pt x="3729913" y="0"/>
-                  </a:cubicBezTo>
-                  <a:close/>
-                  <a:moveTo>
-                    <a:pt x="3524134" y="2754909"/>
-                  </a:moveTo>
-                  <a:cubicBezTo>
-                    <a:pt x="3524134" y="2816735"/>
-                    <a:pt x="3468142" y="2866500"/>
-                    <a:pt x="3398629" y="2866500"/>
-                  </a:cubicBezTo>
-                  <a:lnTo>
-                    <a:pt x="3344828" y="2866500"/>
-                  </a:lnTo>
-                  <a:cubicBezTo>
-                    <a:pt x="3275314" y="2866500"/>
-                    <a:pt x="3219323" y="2816735"/>
-                    <a:pt x="3219323" y="2754909"/>
-                  </a:cubicBezTo>
-                  <a:lnTo>
-                    <a:pt x="3219323" y="1434817"/>
-                  </a:lnTo>
-                  <a:cubicBezTo>
-                    <a:pt x="3219323" y="1372896"/>
-                    <a:pt x="3275314" y="1323132"/>
-                    <a:pt x="3344828" y="1323132"/>
-                  </a:cubicBezTo>
-                  <a:lnTo>
-                    <a:pt x="3398629" y="1323132"/>
-                  </a:lnTo>
-                  <a:cubicBezTo>
-                    <a:pt x="3468142" y="1323132"/>
-                    <a:pt x="3524134" y="1372896"/>
-                    <a:pt x="3524134" y="1434817"/>
-                  </a:cubicBezTo>
-                  <a:close/>
-                  <a:moveTo>
-                    <a:pt x="4961155" y="0"/>
-                  </a:moveTo>
-                  <a:lnTo>
-                    <a:pt x="4170798" y="0"/>
-                  </a:lnTo>
-                  <a:lnTo>
-                    <a:pt x="4170798" y="3240210"/>
-                  </a:lnTo>
-                  <a:lnTo>
-                    <a:pt x="4588545" y="3240210"/>
-                  </a:lnTo>
-                  <a:lnTo>
-                    <a:pt x="4588545" y="2306458"/>
-                  </a:lnTo>
-                  <a:lnTo>
-                    <a:pt x="5049237" y="2306458"/>
-                  </a:lnTo>
-                  <a:cubicBezTo>
-                    <a:pt x="5209594" y="2306458"/>
-                    <a:pt x="5338717" y="2206834"/>
-                    <a:pt x="5338717" y="2082992"/>
-                  </a:cubicBezTo>
-                  <a:lnTo>
-                    <a:pt x="5338717" y="292035"/>
-                  </a:lnTo>
-                  <a:cubicBezTo>
-                    <a:pt x="5339288" y="130205"/>
-                    <a:pt x="5170647" y="0"/>
-                    <a:pt x="4961155" y="0"/>
-                  </a:cubicBezTo>
-                  <a:close/>
-                  <a:moveTo>
-                    <a:pt x="4923065" y="1816504"/>
-                  </a:moveTo>
-                  <a:cubicBezTo>
-                    <a:pt x="4923065" y="1878520"/>
-                    <a:pt x="4883833" y="1928475"/>
-                    <a:pt x="4835174" y="1928475"/>
-                  </a:cubicBezTo>
-                  <a:lnTo>
-                    <a:pt x="4589116" y="1928475"/>
-                  </a:lnTo>
-                  <a:lnTo>
-                    <a:pt x="4589116" y="1329590"/>
-                  </a:lnTo>
-                  <a:lnTo>
-                    <a:pt x="4835841" y="1329590"/>
-                  </a:lnTo>
-                  <a:cubicBezTo>
-                    <a:pt x="4884500" y="1329590"/>
-                    <a:pt x="4923732" y="1379544"/>
-                    <a:pt x="4923732" y="1441560"/>
-                  </a:cubicBezTo>
-                  <a:close/>
-                  <a:moveTo>
-                    <a:pt x="8421107" y="1304517"/>
-                  </a:moveTo>
-                  <a:lnTo>
-                    <a:pt x="8619554" y="1304517"/>
-                  </a:lnTo>
-                  <a:cubicBezTo>
-                    <a:pt x="8720319" y="1304517"/>
-                    <a:pt x="8802002" y="1385983"/>
-                    <a:pt x="8802002" y="1486481"/>
-                  </a:cubicBezTo>
-                  <a:lnTo>
-                    <a:pt x="8802002" y="3241919"/>
-                  </a:lnTo>
-                  <a:lnTo>
-                    <a:pt x="9201942" y="3241919"/>
-                  </a:lnTo>
-                  <a:lnTo>
-                    <a:pt x="9201942" y="1486481"/>
-                  </a:lnTo>
-                  <a:cubicBezTo>
-                    <a:pt x="9201942" y="1385983"/>
-                    <a:pt x="9283625" y="1304517"/>
-                    <a:pt x="9384391" y="1304517"/>
-                  </a:cubicBezTo>
-                  <a:lnTo>
-                    <a:pt x="9573314" y="1304517"/>
-                  </a:lnTo>
-                  <a:lnTo>
-                    <a:pt x="9573314" y="3419"/>
-                  </a:lnTo>
-                  <a:lnTo>
-                    <a:pt x="8421107" y="3419"/>
-                  </a:lnTo>
-                  <a:close/>
-                </a:path>
-              </a:pathLst>
-            </a:custGeom>
-            <a:gradFill>
-              <a:gsLst>
-                <a:gs pos="0">
-                  <a:schemeClr val="lt1"/>
-                </a:gs>
-                <a:gs pos="3000">
-                  <a:schemeClr val="dk2"/>
-                </a:gs>
-                <a:gs pos="68000">
-                  <a:schemeClr val="dk2"/>
-                </a:gs>
-                <a:gs pos="100000">
-                  <a:schemeClr val="lt2"/>
-                </a:gs>
-              </a:gsLst>
-              <a:lin ang="5400012" scaled="0"/>
-            </a:gradFill>
-            <a:ln>
-              <a:noFill/>
-            </a:ln>
-            <a:effectLst>
-              <a:outerShdw blurRad="14288" dist="19050" dir="5400000" algn="bl" rotWithShape="0">
-                <a:schemeClr val="accent1">
-                  <a:alpha val="78000"/>
-                </a:schemeClr>
-              </a:outerShdw>
-              <a:reflection stA="25000" endPos="60000" fadeDir="5400012" sy="-100000" algn="bl" rotWithShape="0"/>
-            </a:effectLst>
-          </p:spPr>
-          <p:txBody>
-            <a:bodyPr spcFirstLastPara="1" wrap="square" lIns="91425" tIns="45700" rIns="91425" bIns="45700" anchor="ctr" anchorCtr="0">
-              <a:noAutofit/>
-            </a:bodyPr>
-            <a:lstStyle/>
-            <a:p>
-              <a:pPr marL="0" marR="0" lvl="0" indent="0" algn="l" rtl="0">
-                <a:spcBef>
-                  <a:spcPts val="0"/>
-                </a:spcBef>
-                <a:spcAft>
-                  <a:spcPts val="0"/>
-                </a:spcAft>
-                <a:buNone/>
-              </a:pPr>
-              <a:endParaRPr sz="1800" dirty="0">
-                <a:solidFill>
-                  <a:srgbClr val="000000"/>
-                </a:solidFill>
-                <a:latin typeface="Calibri"/>
-                <a:ea typeface="Calibri"/>
-                <a:cs typeface="Calibri"/>
-                <a:sym typeface="Calibri"/>
-              </a:endParaRPr>
-            </a:p>
-          </p:txBody>
-        </p:sp>
-        <p:sp>
-          <p:nvSpPr>
-            <p:cNvPr id="221" name="Google Shape;221;p15"/>
-            <p:cNvSpPr/>
-            <p:nvPr/>
-          </p:nvSpPr>
-          <p:spPr>
-            <a:xfrm>
-              <a:off x="7125107" y="2898232"/>
-              <a:ext cx="191700" cy="191700"/>
-            </a:xfrm>
-            <a:prstGeom prst="rect">
-              <a:avLst/>
-            </a:prstGeom>
-            <a:gradFill>
-              <a:gsLst>
-                <a:gs pos="0">
-                  <a:schemeClr val="lt1"/>
-                </a:gs>
-                <a:gs pos="3000">
-                  <a:schemeClr val="dk2"/>
-                </a:gs>
-                <a:gs pos="68000">
-                  <a:schemeClr val="dk2"/>
-                </a:gs>
-                <a:gs pos="100000">
-                  <a:schemeClr val="lt2"/>
-                </a:gs>
-              </a:gsLst>
-              <a:lin ang="5400012" scaled="0"/>
-            </a:gradFill>
-            <a:ln>
-              <a:noFill/>
-            </a:ln>
-            <a:effectLst>
-              <a:outerShdw blurRad="14288" dist="19050" dir="5400000" algn="bl" rotWithShape="0">
-                <a:schemeClr val="accent1">
-                  <a:alpha val="78000"/>
-                </a:schemeClr>
-              </a:outerShdw>
-            </a:effectLst>
-          </p:spPr>
-          <p:txBody>
-            <a:bodyPr spcFirstLastPara="1" wrap="square" lIns="91425" tIns="91425" rIns="91425" bIns="91425" anchor="ctr" anchorCtr="0">
-              <a:noAutofit/>
-            </a:bodyPr>
-            <a:lstStyle/>
-            <a:p>
-              <a:pPr marL="0" lvl="0" indent="0" algn="l" rtl="0">
-                <a:spcBef>
-                  <a:spcPts val="0"/>
-                </a:spcBef>
-                <a:spcAft>
-                  <a:spcPts val="0"/>
-                </a:spcAft>
-                <a:buNone/>
-              </a:pPr>
-              <a:endParaRPr/>
-            </a:p>
-          </p:txBody>
-        </p:sp>
-      </p:grpSp>
       <p:sp>
         <p:nvSpPr>
-          <p:cNvPr id="222" name="Google Shape;222;p15"/>
-          <p:cNvSpPr txBox="1">
+          <p:cNvPr id="3" name="Title 2">
+            <a:extLst>
+              <a:ext uri="{FF2B5EF4-FFF2-40B4-BE49-F238E27FC236}">
+                <a16:creationId xmlns:a16="http://schemas.microsoft.com/office/drawing/2014/main" id="{4C4689D5-5BB6-611C-4FD8-B0120BFC1ACB}"/>
+              </a:ext>
+            </a:extLst>
+          </p:cNvPr>
+          <p:cNvSpPr>
             <a:spLocks noGrp="1"/>
           </p:cNvSpPr>
           <p:nvPr>
@@ -20816,41 +20229,97 @@
         </p:nvSpPr>
         <p:spPr>
           <a:xfrm>
-            <a:off x="685800" y="3456400"/>
+            <a:off x="757616" y="3302200"/>
             <a:ext cx="7772400" cy="607800"/>
+          </a:xfrm>
+        </p:spPr>
+        <p:txBody>
+          <a:bodyPr/>
+          <a:lstStyle/>
+          <a:p>
+            <a:r>
+              <a:rPr lang="en-CA" dirty="0"/>
+              <a:t>MIDTERM REVIEW</a:t>
+            </a:r>
+          </a:p>
+        </p:txBody>
+      </p:sp>
+      <p:sp>
+        <p:nvSpPr>
+          <p:cNvPr id="4" name="Google Shape;457;p48">
+            <a:extLst>
+              <a:ext uri="{FF2B5EF4-FFF2-40B4-BE49-F238E27FC236}">
+                <a16:creationId xmlns:a16="http://schemas.microsoft.com/office/drawing/2014/main" id="{7E11987A-4326-CA4F-CFEE-4002ECC4C18D}"/>
+              </a:ext>
+            </a:extLst>
+          </p:cNvPr>
+          <p:cNvSpPr/>
+          <p:nvPr/>
+        </p:nvSpPr>
+        <p:spPr>
+          <a:xfrm>
+            <a:off x="763794" y="1452282"/>
+            <a:ext cx="7584140" cy="1816117"/>
           </a:xfrm>
           <a:prstGeom prst="rect">
             <a:avLst/>
           </a:prstGeom>
         </p:spPr>
         <p:txBody>
-          <a:bodyPr spcFirstLastPara="1" wrap="square" lIns="0" tIns="0" rIns="0" bIns="0" anchor="t" anchorCtr="0">
-            <a:noAutofit/>
+          <a:bodyPr>
+            <a:prstTxWarp prst="textPlain">
+              <a:avLst/>
+            </a:prstTxWarp>
           </a:bodyPr>
           <a:lstStyle/>
           <a:p>
-            <a:pPr marL="0" lvl="0" indent="0" algn="ctr" rtl="0">
-              <a:spcBef>
-                <a:spcPts val="0"/>
-              </a:spcBef>
-              <a:spcAft>
-                <a:spcPts val="0"/>
-              </a:spcAft>
-              <a:buNone/>
-            </a:pPr>
+            <a:pPr lvl="0" algn="ctr"/>
             <a:r>
-              <a:rPr lang="en" dirty="0"/>
-              <a:t>APS106 Midterm R</a:t>
+              <a:rPr lang="en-CA" b="1" dirty="0">
+                <a:gradFill>
+                  <a:gsLst>
+                    <a:gs pos="0">
+                      <a:schemeClr val="lt1"/>
+                    </a:gs>
+                    <a:gs pos="3000">
+                      <a:schemeClr val="dk2"/>
+                    </a:gs>
+                    <a:gs pos="68000">
+                      <a:schemeClr val="dk2"/>
+                    </a:gs>
+                    <a:gs pos="100000">
+                      <a:schemeClr val="lt2"/>
+                    </a:gs>
+                  </a:gsLst>
+                  <a:lin ang="5400012" scaled="0"/>
+                </a:gradFill>
+                <a:latin typeface="Bebas Neue"/>
+              </a:rPr>
+              <a:t>APS106</a:t>
             </a:r>
-            <a:r>
-              <a:rPr lang="en-CA" dirty="0"/>
-              <a:t>e</a:t>
-            </a:r>
-            <a:r>
-              <a:rPr lang="en" dirty="0"/>
-              <a:t>view</a:t>
-            </a:r>
-            <a:endParaRPr dirty="0"/>
+            <a:endParaRPr b="1" i="0" dirty="0">
+              <a:ln>
+                <a:noFill/>
+              </a:ln>
+              <a:gradFill>
+                <a:gsLst>
+                  <a:gs pos="0">
+                    <a:schemeClr val="lt1"/>
+                  </a:gs>
+                  <a:gs pos="3000">
+                    <a:schemeClr val="dk2"/>
+                  </a:gs>
+                  <a:gs pos="68000">
+                    <a:schemeClr val="dk2"/>
+                  </a:gs>
+                  <a:gs pos="100000">
+                    <a:schemeClr val="lt2"/>
+                  </a:gs>
+                </a:gsLst>
+                <a:lin ang="5400012" scaled="0"/>
+              </a:gradFill>
+              <a:latin typeface="Bebas Neue"/>
+            </a:endParaRPr>
           </a:p>
         </p:txBody>
       </p:sp>
@@ -21004,6 +20473,44 @@
           </a:prstGeom>
         </p:spPr>
       </p:pic>
+      <p:sp>
+        <p:nvSpPr>
+          <p:cNvPr id="3" name="TextBox 2">
+            <a:extLst>
+              <a:ext uri="{FF2B5EF4-FFF2-40B4-BE49-F238E27FC236}">
+                <a16:creationId xmlns:a16="http://schemas.microsoft.com/office/drawing/2014/main" id="{EF558D26-E6F5-6692-7C11-962AFAD2F2F1}"/>
+              </a:ext>
+            </a:extLst>
+          </p:cNvPr>
+          <p:cNvSpPr txBox="1"/>
+          <p:nvPr/>
+        </p:nvSpPr>
+        <p:spPr>
+          <a:xfrm>
+            <a:off x="7201113" y="4257202"/>
+            <a:ext cx="1505068" cy="307777"/>
+          </a:xfrm>
+          <a:prstGeom prst="rect">
+            <a:avLst/>
+          </a:prstGeom>
+          <a:noFill/>
+        </p:spPr>
+        <p:txBody>
+          <a:bodyPr wrap="square" rtlCol="0">
+            <a:spAutoFit/>
+          </a:bodyPr>
+          <a:lstStyle/>
+          <a:p>
+            <a:r>
+              <a:rPr lang="en-CA" dirty="0">
+                <a:hlinkClick r:id="rId4" action="ppaction://hlinksldjump"/>
+              </a:rPr>
+              <a:t>Question board</a:t>
+            </a:r>
+            <a:endParaRPr lang="en-CA" dirty="0"/>
+          </a:p>
+        </p:txBody>
+      </p:sp>
     </p:spTree>
   </p:cSld>
   <p:clrMapOvr>
@@ -21017,7 +20524,7 @@
   <p:cSld>
     <p:spTree>
       <p:nvGrpSpPr>
-        <p:cNvPr id="1" name="Shape 336"/>
+        <p:cNvPr id="1" name="Shape 342"/>
         <p:cNvGrpSpPr/>
         <p:nvPr/>
       </p:nvGrpSpPr>
@@ -21031,7 +20538,13 @@
       </p:grpSpPr>
       <p:sp>
         <p:nvSpPr>
-          <p:cNvPr id="337" name="Google Shape;337;p28"/>
+          <p:cNvPr id="10" name="Google Shape;337;p28">
+            <a:extLst>
+              <a:ext uri="{FF2B5EF4-FFF2-40B4-BE49-F238E27FC236}">
+                <a16:creationId xmlns:a16="http://schemas.microsoft.com/office/drawing/2014/main" id="{BE417349-CC33-BDD5-881E-BFD3D6E528B6}"/>
+              </a:ext>
+            </a:extLst>
+          </p:cNvPr>
           <p:cNvSpPr txBox="1">
             <a:spLocks noGrp="1"/>
           </p:cNvSpPr>
@@ -21073,7 +20586,13 @@
       </p:sp>
       <p:sp>
         <p:nvSpPr>
-          <p:cNvPr id="338" name="Google Shape;338;p28"/>
+          <p:cNvPr id="11" name="Google Shape;338;p28">
+            <a:extLst>
+              <a:ext uri="{FF2B5EF4-FFF2-40B4-BE49-F238E27FC236}">
+                <a16:creationId xmlns:a16="http://schemas.microsoft.com/office/drawing/2014/main" id="{2320AC5C-2EF1-E812-830D-940C693524E5}"/>
+              </a:ext>
+            </a:extLst>
+          </p:cNvPr>
           <p:cNvSpPr txBox="1">
             <a:spLocks noGrp="1"/>
           </p:cNvSpPr>
@@ -21127,10 +20646,10 @@
       </p:sp>
       <p:pic>
         <p:nvPicPr>
-          <p:cNvPr id="3" name="Picture 2">
+          <p:cNvPr id="12" name="Picture 11">
             <a:extLst>
               <a:ext uri="{FF2B5EF4-FFF2-40B4-BE49-F238E27FC236}">
-                <a16:creationId xmlns:a16="http://schemas.microsoft.com/office/drawing/2014/main" id="{C432CD07-2E53-712A-E4C8-3326D27149F9}"/>
+                <a16:creationId xmlns:a16="http://schemas.microsoft.com/office/drawing/2014/main" id="{02333C8B-D889-1DE1-3400-AC97B0E42BBE}"/>
               </a:ext>
             </a:extLst>
           </p:cNvPr>
@@ -21154,12 +20673,45 @@
           </a:prstGeom>
         </p:spPr>
       </p:pic>
+      <p:sp>
+        <p:nvSpPr>
+          <p:cNvPr id="13" name="TextBox 12">
+            <a:extLst>
+              <a:ext uri="{FF2B5EF4-FFF2-40B4-BE49-F238E27FC236}">
+                <a16:creationId xmlns:a16="http://schemas.microsoft.com/office/drawing/2014/main" id="{CC604854-EA47-66A0-15D3-77F2C98DA611}"/>
+              </a:ext>
+            </a:extLst>
+          </p:cNvPr>
+          <p:cNvSpPr txBox="1"/>
+          <p:nvPr/>
+        </p:nvSpPr>
+        <p:spPr>
+          <a:xfrm>
+            <a:off x="7201113" y="4257202"/>
+            <a:ext cx="1505068" cy="307777"/>
+          </a:xfrm>
+          <a:prstGeom prst="rect">
+            <a:avLst/>
+          </a:prstGeom>
+          <a:noFill/>
+        </p:spPr>
+        <p:txBody>
+          <a:bodyPr wrap="square" rtlCol="0">
+            <a:spAutoFit/>
+          </a:bodyPr>
+          <a:lstStyle/>
+          <a:p>
+            <a:r>
+              <a:rPr lang="en-CA" dirty="0">
+                <a:hlinkClick r:id="rId4" action="ppaction://hlinksldjump"/>
+              </a:rPr>
+              <a:t>Question board</a:t>
+            </a:r>
+            <a:endParaRPr lang="en-CA" dirty="0"/>
+          </a:p>
+        </p:txBody>
+      </p:sp>
     </p:spTree>
-    <p:extLst>
-      <p:ext uri="{BB962C8B-B14F-4D97-AF65-F5344CB8AC3E}">
-        <p14:creationId xmlns:p14="http://schemas.microsoft.com/office/powerpoint/2010/main" val="796098118"/>
-      </p:ext>
-    </p:extLst>
   </p:cSld>
   <p:clrMapOvr>
     <a:masterClrMapping/>
@@ -21168,6 +20720,206 @@
 </file>
 
 <file path=ppt/slides/slide12.xml><?xml version="1.0" encoding="utf-8"?>
+<p:sld xmlns:a="http://schemas.openxmlformats.org/drawingml/2006/main" xmlns:r="http://schemas.openxmlformats.org/officeDocument/2006/relationships" xmlns:p="http://schemas.openxmlformats.org/presentationml/2006/main">
+  <p:cSld>
+    <p:spTree>
+      <p:nvGrpSpPr>
+        <p:cNvPr id="1" name="Shape 348"/>
+        <p:cNvGrpSpPr/>
+        <p:nvPr/>
+      </p:nvGrpSpPr>
+      <p:grpSpPr>
+        <a:xfrm>
+          <a:off x="0" y="0"/>
+          <a:ext cx="0" cy="0"/>
+          <a:chOff x="0" y="0"/>
+          <a:chExt cx="0" cy="0"/>
+        </a:xfrm>
+      </p:grpSpPr>
+      <p:sp>
+        <p:nvSpPr>
+          <p:cNvPr id="6" name="Google Shape;337;p28">
+            <a:extLst>
+              <a:ext uri="{FF2B5EF4-FFF2-40B4-BE49-F238E27FC236}">
+                <a16:creationId xmlns:a16="http://schemas.microsoft.com/office/drawing/2014/main" id="{D265513B-EE03-5AEF-36EB-35BD8D25EB1E}"/>
+              </a:ext>
+            </a:extLst>
+          </p:cNvPr>
+          <p:cNvSpPr txBox="1">
+            <a:spLocks noGrp="1"/>
+          </p:cNvSpPr>
+          <p:nvPr>
+            <p:ph type="title"/>
+          </p:nvPr>
+        </p:nvSpPr>
+        <p:spPr>
+          <a:xfrm>
+            <a:off x="1038650" y="-9802"/>
+            <a:ext cx="7081800" cy="3188100"/>
+          </a:xfrm>
+          <a:prstGeom prst="rect">
+            <a:avLst/>
+          </a:prstGeom>
+        </p:spPr>
+        <p:txBody>
+          <a:bodyPr spcFirstLastPara="1" wrap="square" lIns="0" tIns="0" rIns="0" bIns="0" anchor="ctr" anchorCtr="0">
+            <a:noAutofit/>
+          </a:bodyPr>
+          <a:lstStyle/>
+          <a:p>
+            <a:pPr marL="0" lvl="0" indent="0" algn="ctr" rtl="0">
+              <a:spcBef>
+                <a:spcPts val="0"/>
+              </a:spcBef>
+              <a:spcAft>
+                <a:spcPts val="0"/>
+              </a:spcAft>
+              <a:buNone/>
+            </a:pPr>
+            <a:r>
+              <a:rPr lang="en" sz="2800" dirty="0"/>
+              <a:t>Which of the following evaluates to True when a is equal to b or when a is equal to 5?</a:t>
+            </a:r>
+            <a:endParaRPr sz="2800" dirty="0"/>
+          </a:p>
+        </p:txBody>
+      </p:sp>
+      <p:sp>
+        <p:nvSpPr>
+          <p:cNvPr id="7" name="Google Shape;338;p28">
+            <a:extLst>
+              <a:ext uri="{FF2B5EF4-FFF2-40B4-BE49-F238E27FC236}">
+                <a16:creationId xmlns:a16="http://schemas.microsoft.com/office/drawing/2014/main" id="{E534A421-9107-9E22-DEA0-418DB3A5633B}"/>
+              </a:ext>
+            </a:extLst>
+          </p:cNvPr>
+          <p:cNvSpPr txBox="1">
+            <a:spLocks noGrp="1"/>
+          </p:cNvSpPr>
+          <p:nvPr>
+            <p:ph type="subTitle" idx="1"/>
+          </p:nvPr>
+        </p:nvSpPr>
+        <p:spPr>
+          <a:xfrm>
+            <a:off x="1038650" y="640325"/>
+            <a:ext cx="7079700" cy="444300"/>
+          </a:xfrm>
+          <a:prstGeom prst="rect">
+            <a:avLst/>
+          </a:prstGeom>
+        </p:spPr>
+        <p:txBody>
+          <a:bodyPr spcFirstLastPara="1" wrap="square" lIns="0" tIns="0" rIns="0" bIns="0" anchor="t" anchorCtr="0">
+            <a:noAutofit/>
+          </a:bodyPr>
+          <a:lstStyle/>
+          <a:p>
+            <a:pPr marL="0" lvl="0" indent="0" algn="ctr" rtl="0">
+              <a:spcBef>
+                <a:spcPts val="600"/>
+              </a:spcBef>
+              <a:spcAft>
+                <a:spcPts val="0"/>
+              </a:spcAft>
+              <a:buNone/>
+            </a:pPr>
+            <a:r>
+              <a:rPr lang="en" dirty="0"/>
+              <a:t>To AND OR NOT TO AND · </a:t>
+            </a:r>
+            <a:r>
+              <a:rPr lang="en" dirty="0">
+                <a:solidFill>
+                  <a:srgbClr val="FFC319"/>
+                </a:solidFill>
+              </a:rPr>
+              <a:t>$1000</a:t>
+            </a:r>
+            <a:endParaRPr dirty="0">
+              <a:solidFill>
+                <a:srgbClr val="FFC319"/>
+              </a:solidFill>
+            </a:endParaRPr>
+          </a:p>
+        </p:txBody>
+      </p:sp>
+      <p:pic>
+        <p:nvPicPr>
+          <p:cNvPr id="8" name="Picture 7">
+            <a:extLst>
+              <a:ext uri="{FF2B5EF4-FFF2-40B4-BE49-F238E27FC236}">
+                <a16:creationId xmlns:a16="http://schemas.microsoft.com/office/drawing/2014/main" id="{7D116B06-5B9A-DEF0-2918-6850EDEA1EFB}"/>
+              </a:ext>
+            </a:extLst>
+          </p:cNvPr>
+          <p:cNvPicPr>
+            <a:picLocks noChangeAspect="1"/>
+          </p:cNvPicPr>
+          <p:nvPr/>
+        </p:nvPicPr>
+        <p:blipFill rotWithShape="1">
+          <a:blip r:embed="rId3"/>
+          <a:srcRect t="14491" r="35147"/>
+          <a:stretch/>
+        </p:blipFill>
+        <p:spPr>
+          <a:xfrm>
+            <a:off x="1741509" y="2198061"/>
+            <a:ext cx="5660982" cy="1964864"/>
+          </a:xfrm>
+          <a:prstGeom prst="rect">
+            <a:avLst/>
+          </a:prstGeom>
+        </p:spPr>
+      </p:pic>
+      <p:sp>
+        <p:nvSpPr>
+          <p:cNvPr id="9" name="TextBox 8">
+            <a:extLst>
+              <a:ext uri="{FF2B5EF4-FFF2-40B4-BE49-F238E27FC236}">
+                <a16:creationId xmlns:a16="http://schemas.microsoft.com/office/drawing/2014/main" id="{AE338A8B-DE1C-1297-4B38-7D06D41180E2}"/>
+              </a:ext>
+            </a:extLst>
+          </p:cNvPr>
+          <p:cNvSpPr txBox="1"/>
+          <p:nvPr/>
+        </p:nvSpPr>
+        <p:spPr>
+          <a:xfrm>
+            <a:off x="7201113" y="4257202"/>
+            <a:ext cx="1505068" cy="307777"/>
+          </a:xfrm>
+          <a:prstGeom prst="rect">
+            <a:avLst/>
+          </a:prstGeom>
+          <a:noFill/>
+        </p:spPr>
+        <p:txBody>
+          <a:bodyPr wrap="square" rtlCol="0">
+            <a:spAutoFit/>
+          </a:bodyPr>
+          <a:lstStyle/>
+          <a:p>
+            <a:r>
+              <a:rPr lang="en-CA" dirty="0">
+                <a:hlinkClick r:id="rId4" action="ppaction://hlinksldjump"/>
+              </a:rPr>
+              <a:t>Question board</a:t>
+            </a:r>
+            <a:endParaRPr lang="en-CA" dirty="0"/>
+          </a:p>
+        </p:txBody>
+      </p:sp>
+    </p:spTree>
+  </p:cSld>
+  <p:clrMapOvr>
+    <a:masterClrMapping/>
+  </p:clrMapOvr>
+</p:sld>
+</file>
+
+<file path=ppt/slides/slide13.xml><?xml version="1.0" encoding="utf-8"?>
 <p:sld xmlns:a="http://schemas.openxmlformats.org/drawingml/2006/main" xmlns:r="http://schemas.openxmlformats.org/officeDocument/2006/relationships" xmlns:p="http://schemas.openxmlformats.org/presentationml/2006/main">
   <p:cSld>
     <p:spTree>
@@ -21309,6 +21061,44 @@
           </a:prstGeom>
         </p:spPr>
       </p:pic>
+      <p:sp>
+        <p:nvSpPr>
+          <p:cNvPr id="3" name="TextBox 2">
+            <a:extLst>
+              <a:ext uri="{FF2B5EF4-FFF2-40B4-BE49-F238E27FC236}">
+                <a16:creationId xmlns:a16="http://schemas.microsoft.com/office/drawing/2014/main" id="{82EDA1D4-C685-44C6-A315-77FC77BFE7AC}"/>
+              </a:ext>
+            </a:extLst>
+          </p:cNvPr>
+          <p:cNvSpPr txBox="1"/>
+          <p:nvPr/>
+        </p:nvSpPr>
+        <p:spPr>
+          <a:xfrm>
+            <a:off x="7201113" y="4257202"/>
+            <a:ext cx="1505068" cy="307777"/>
+          </a:xfrm>
+          <a:prstGeom prst="rect">
+            <a:avLst/>
+          </a:prstGeom>
+          <a:noFill/>
+        </p:spPr>
+        <p:txBody>
+          <a:bodyPr wrap="square" rtlCol="0">
+            <a:spAutoFit/>
+          </a:bodyPr>
+          <a:lstStyle/>
+          <a:p>
+            <a:r>
+              <a:rPr lang="en-CA" dirty="0">
+                <a:hlinkClick r:id="rId4" action="ppaction://hlinksldjump"/>
+              </a:rPr>
+              <a:t>Question board</a:t>
+            </a:r>
+            <a:endParaRPr lang="en-CA" dirty="0"/>
+          </a:p>
+        </p:txBody>
+      </p:sp>
     </p:spTree>
     <p:extLst>
       <p:ext uri="{BB962C8B-B14F-4D97-AF65-F5344CB8AC3E}">
@@ -21322,7 +21112,7 @@
 </p:sld>
 </file>
 
-<file path=ppt/slides/slide13.xml><?xml version="1.0" encoding="utf-8"?>
+<file path=ppt/slides/slide14.xml><?xml version="1.0" encoding="utf-8"?>
 <p:sld xmlns:a="http://schemas.openxmlformats.org/drawingml/2006/main" xmlns:r="http://schemas.openxmlformats.org/officeDocument/2006/relationships" xmlns:p="http://schemas.openxmlformats.org/presentationml/2006/main">
   <p:cSld>
     <p:spTree>
@@ -21464,6 +21254,44 @@
           </a:prstGeom>
         </p:spPr>
       </p:pic>
+      <p:sp>
+        <p:nvSpPr>
+          <p:cNvPr id="3" name="TextBox 2">
+            <a:extLst>
+              <a:ext uri="{FF2B5EF4-FFF2-40B4-BE49-F238E27FC236}">
+                <a16:creationId xmlns:a16="http://schemas.microsoft.com/office/drawing/2014/main" id="{E559760C-5EAC-44C4-6B8A-9F0BB2824D96}"/>
+              </a:ext>
+            </a:extLst>
+          </p:cNvPr>
+          <p:cNvSpPr txBox="1"/>
+          <p:nvPr/>
+        </p:nvSpPr>
+        <p:spPr>
+          <a:xfrm>
+            <a:off x="7201113" y="4257202"/>
+            <a:ext cx="1505068" cy="307777"/>
+          </a:xfrm>
+          <a:prstGeom prst="rect">
+            <a:avLst/>
+          </a:prstGeom>
+          <a:noFill/>
+        </p:spPr>
+        <p:txBody>
+          <a:bodyPr wrap="square" rtlCol="0">
+            <a:spAutoFit/>
+          </a:bodyPr>
+          <a:lstStyle/>
+          <a:p>
+            <a:r>
+              <a:rPr lang="en-CA" dirty="0">
+                <a:hlinkClick r:id="rId4" action="ppaction://hlinksldjump"/>
+              </a:rPr>
+              <a:t>Question board</a:t>
+            </a:r>
+            <a:endParaRPr lang="en-CA" dirty="0"/>
+          </a:p>
+        </p:txBody>
+      </p:sp>
     </p:spTree>
   </p:cSld>
   <p:clrMapOvr>
@@ -21472,7 +21300,7 @@
 </p:sld>
 </file>
 
-<file path=ppt/slides/slide14.xml><?xml version="1.0" encoding="utf-8"?>
+<file path=ppt/slides/slide15.xml><?xml version="1.0" encoding="utf-8"?>
 <p:sld xmlns:a="http://schemas.openxmlformats.org/drawingml/2006/main" xmlns:r="http://schemas.openxmlformats.org/officeDocument/2006/relationships" xmlns:p="http://schemas.openxmlformats.org/presentationml/2006/main">
   <p:cSld>
     <p:spTree>
@@ -21597,6 +21425,44 @@
           </a:prstGeom>
         </p:spPr>
       </p:pic>
+      <p:sp>
+        <p:nvSpPr>
+          <p:cNvPr id="2" name="TextBox 1">
+            <a:extLst>
+              <a:ext uri="{FF2B5EF4-FFF2-40B4-BE49-F238E27FC236}">
+                <a16:creationId xmlns:a16="http://schemas.microsoft.com/office/drawing/2014/main" id="{54EA7CEC-6A0B-45FB-CF34-EE1485F72271}"/>
+              </a:ext>
+            </a:extLst>
+          </p:cNvPr>
+          <p:cNvSpPr txBox="1"/>
+          <p:nvPr/>
+        </p:nvSpPr>
+        <p:spPr>
+          <a:xfrm>
+            <a:off x="7201113" y="4257202"/>
+            <a:ext cx="1505068" cy="307777"/>
+          </a:xfrm>
+          <a:prstGeom prst="rect">
+            <a:avLst/>
+          </a:prstGeom>
+          <a:noFill/>
+        </p:spPr>
+        <p:txBody>
+          <a:bodyPr wrap="square" rtlCol="0">
+            <a:spAutoFit/>
+          </a:bodyPr>
+          <a:lstStyle/>
+          <a:p>
+            <a:r>
+              <a:rPr lang="en-CA" dirty="0">
+                <a:hlinkClick r:id="rId4" action="ppaction://hlinksldjump"/>
+              </a:rPr>
+              <a:t>Question board</a:t>
+            </a:r>
+            <a:endParaRPr lang="en-CA" dirty="0"/>
+          </a:p>
+        </p:txBody>
+      </p:sp>
     </p:spTree>
     <p:extLst>
       <p:ext uri="{BB962C8B-B14F-4D97-AF65-F5344CB8AC3E}">
@@ -21610,12 +21476,12 @@
 </p:sld>
 </file>
 
-<file path=ppt/slides/slide15.xml><?xml version="1.0" encoding="utf-8"?>
+<file path=ppt/slides/slide16.xml><?xml version="1.0" encoding="utf-8"?>
 <p:sld xmlns:a="http://schemas.openxmlformats.org/drawingml/2006/main" xmlns:r="http://schemas.openxmlformats.org/officeDocument/2006/relationships" xmlns:p="http://schemas.openxmlformats.org/presentationml/2006/main">
   <p:cSld>
     <p:spTree>
       <p:nvGrpSpPr>
-        <p:cNvPr id="1" name="Shape 366"/>
+        <p:cNvPr id="1" name="Shape 372"/>
         <p:cNvGrpSpPr/>
         <p:nvPr/>
       </p:nvGrpSpPr>
@@ -21629,49 +21495,13 @@
       </p:grpSpPr>
       <p:sp>
         <p:nvSpPr>
-          <p:cNvPr id="367" name="Google Shape;367;p33"/>
-          <p:cNvSpPr txBox="1">
-            <a:spLocks noGrp="1"/>
-          </p:cNvSpPr>
-          <p:nvPr>
-            <p:ph type="title"/>
-          </p:nvPr>
-        </p:nvSpPr>
-        <p:spPr>
-          <a:xfrm>
-            <a:off x="1023550" y="-182853"/>
-            <a:ext cx="7081800" cy="3188100"/>
-          </a:xfrm>
-          <a:prstGeom prst="rect">
-            <a:avLst/>
-          </a:prstGeom>
-        </p:spPr>
-        <p:txBody>
-          <a:bodyPr spcFirstLastPara="1" wrap="square" lIns="0" tIns="0" rIns="0" bIns="0" anchor="ctr" anchorCtr="0">
-            <a:noAutofit/>
-          </a:bodyPr>
-          <a:lstStyle/>
-          <a:p>
-            <a:pPr marL="0" lvl="0" indent="0" algn="ctr" rtl="0">
-              <a:spcBef>
-                <a:spcPts val="0"/>
-              </a:spcBef>
-              <a:spcAft>
-                <a:spcPts val="0"/>
-              </a:spcAft>
-              <a:buNone/>
-            </a:pPr>
-            <a:r>
-              <a:rPr lang="en" dirty="0"/>
-              <a:t>What is the output?</a:t>
-            </a:r>
-            <a:endParaRPr dirty="0"/>
-          </a:p>
-        </p:txBody>
-      </p:sp>
-      <p:sp>
-        <p:nvSpPr>
-          <p:cNvPr id="368" name="Google Shape;368;p33"/>
+          <p:cNvPr id="6" name="Google Shape;368;p33">
+            <a:extLst>
+              <a:ext uri="{FF2B5EF4-FFF2-40B4-BE49-F238E27FC236}">
+                <a16:creationId xmlns:a16="http://schemas.microsoft.com/office/drawing/2014/main" id="{86C9D5B5-50FE-B6A8-A131-F4D8A40485CB}"/>
+              </a:ext>
+            </a:extLst>
+          </p:cNvPr>
           <p:cNvSpPr txBox="1">
             <a:spLocks noGrp="1"/>
           </p:cNvSpPr>
@@ -21723,12 +21553,80 @@
           </a:p>
         </p:txBody>
       </p:sp>
+      <p:sp>
+        <p:nvSpPr>
+          <p:cNvPr id="7" name="Title 3">
+            <a:extLst>
+              <a:ext uri="{FF2B5EF4-FFF2-40B4-BE49-F238E27FC236}">
+                <a16:creationId xmlns:a16="http://schemas.microsoft.com/office/drawing/2014/main" id="{1EFF74F4-3DB9-76A2-373D-81F0026EDF26}"/>
+              </a:ext>
+            </a:extLst>
+          </p:cNvPr>
+          <p:cNvSpPr>
+            <a:spLocks noGrp="1"/>
+          </p:cNvSpPr>
+          <p:nvPr>
+            <p:ph type="title"/>
+          </p:nvPr>
+        </p:nvSpPr>
+        <p:spPr>
+          <a:xfrm>
+            <a:off x="1032075" y="966325"/>
+            <a:ext cx="7081800" cy="3188100"/>
+          </a:xfrm>
+        </p:spPr>
+        <p:txBody>
+          <a:bodyPr/>
+          <a:lstStyle/>
+          <a:p>
+            <a:endParaRPr lang="en-CA"/>
+          </a:p>
+        </p:txBody>
+      </p:sp>
+      <p:sp>
+        <p:nvSpPr>
+          <p:cNvPr id="8" name="TextBox 7">
+            <a:extLst>
+              <a:ext uri="{FF2B5EF4-FFF2-40B4-BE49-F238E27FC236}">
+                <a16:creationId xmlns:a16="http://schemas.microsoft.com/office/drawing/2014/main" id="{E96F04D2-F456-65C3-1BAB-7D5D995D8D5E}"/>
+              </a:ext>
+            </a:extLst>
+          </p:cNvPr>
+          <p:cNvSpPr txBox="1"/>
+          <p:nvPr/>
+        </p:nvSpPr>
+        <p:spPr>
+          <a:xfrm>
+            <a:off x="7201113" y="4257202"/>
+            <a:ext cx="1505068" cy="307777"/>
+          </a:xfrm>
+          <a:prstGeom prst="rect">
+            <a:avLst/>
+          </a:prstGeom>
+          <a:noFill/>
+        </p:spPr>
+        <p:txBody>
+          <a:bodyPr wrap="square" rtlCol="0">
+            <a:spAutoFit/>
+          </a:bodyPr>
+          <a:lstStyle/>
+          <a:p>
+            <a:r>
+              <a:rPr lang="en-CA" dirty="0">
+                <a:hlinkClick r:id="rId3" action="ppaction://hlinksldjump"/>
+              </a:rPr>
+              <a:t>Question board</a:t>
+            </a:r>
+            <a:endParaRPr lang="en-CA" dirty="0"/>
+          </a:p>
+        </p:txBody>
+      </p:sp>
       <p:pic>
         <p:nvPicPr>
-          <p:cNvPr id="3" name="Picture 2" descr="Text&#10;&#10;Description automatically generated with low confidence">
+          <p:cNvPr id="9" name="Picture 8" descr="Text&#10;&#10;Description automatically generated with low confidence">
             <a:extLst>
               <a:ext uri="{FF2B5EF4-FFF2-40B4-BE49-F238E27FC236}">
-                <a16:creationId xmlns:a16="http://schemas.microsoft.com/office/drawing/2014/main" id="{520093BC-FF89-8184-71F8-4918B0C12FB8}"/>
+                <a16:creationId xmlns:a16="http://schemas.microsoft.com/office/drawing/2014/main" id="{A0207D3F-E10F-A7E6-BE60-A074ECEEE95B}"/>
               </a:ext>
             </a:extLst>
           </p:cNvPr>
@@ -21738,13 +21636,13 @@
           <p:nvPr/>
         </p:nvPicPr>
         <p:blipFill rotWithShape="1">
-          <a:blip r:embed="rId3"/>
+          <a:blip r:embed="rId4"/>
           <a:srcRect t="12698" b="45186"/>
           <a:stretch/>
         </p:blipFill>
         <p:spPr>
           <a:xfrm>
-            <a:off x="1633259" y="1847132"/>
+            <a:off x="1633259" y="1799301"/>
             <a:ext cx="5890481" cy="2166257"/>
           </a:xfrm>
           <a:prstGeom prst="rect">
@@ -21752,12 +21650,301 @@
           </a:prstGeom>
         </p:spPr>
       </p:pic>
+      <p:sp>
+        <p:nvSpPr>
+          <p:cNvPr id="10" name="Google Shape;367;p33">
+            <a:extLst>
+              <a:ext uri="{FF2B5EF4-FFF2-40B4-BE49-F238E27FC236}">
+                <a16:creationId xmlns:a16="http://schemas.microsoft.com/office/drawing/2014/main" id="{69206EE0-5427-0331-D7D1-4980EC88EC81}"/>
+              </a:ext>
+            </a:extLst>
+          </p:cNvPr>
+          <p:cNvSpPr txBox="1">
+            <a:spLocks/>
+          </p:cNvSpPr>
+          <p:nvPr/>
+        </p:nvSpPr>
+        <p:spPr>
+          <a:xfrm>
+            <a:off x="1023550" y="-182853"/>
+            <a:ext cx="7081800" cy="3188100"/>
+          </a:xfrm>
+          <a:prstGeom prst="rect">
+            <a:avLst/>
+          </a:prstGeom>
+          <a:noFill/>
+          <a:ln>
+            <a:noFill/>
+          </a:ln>
+          <a:effectLst>
+            <a:outerShdw blurRad="28575" dist="38100" dir="2700000" algn="bl" rotWithShape="0">
+              <a:schemeClr val="dk1">
+                <a:alpha val="91000"/>
+              </a:schemeClr>
+            </a:outerShdw>
+          </a:effectLst>
+        </p:spPr>
+        <p:txBody>
+          <a:bodyPr spcFirstLastPara="1" wrap="square" lIns="0" tIns="0" rIns="0" bIns="0" anchor="ctr" anchorCtr="0">
+            <a:noAutofit/>
+          </a:bodyPr>
+          <a:lstStyle>
+            <a:defPPr marR="0" lvl="0" algn="l" rtl="0">
+              <a:lnSpc>
+                <a:spcPct val="100000"/>
+              </a:lnSpc>
+              <a:spcBef>
+                <a:spcPts val="0"/>
+              </a:spcBef>
+              <a:spcAft>
+                <a:spcPts val="0"/>
+              </a:spcAft>
+            </a:defPPr>
+            <a:lvl1pPr marR="0" lvl="0" algn="ctr" rtl="0">
+              <a:lnSpc>
+                <a:spcPct val="115000"/>
+              </a:lnSpc>
+              <a:spcBef>
+                <a:spcPts val="0"/>
+              </a:spcBef>
+              <a:spcAft>
+                <a:spcPts val="0"/>
+              </a:spcAft>
+              <a:buClr>
+                <a:schemeClr val="lt1"/>
+              </a:buClr>
+              <a:buSzPts val="3400"/>
+              <a:buFont typeface="Della Respira"/>
+              <a:buNone/>
+              <a:defRPr sz="3400" b="1" i="0" u="none" strike="noStrike" cap="none">
+                <a:solidFill>
+                  <a:schemeClr val="lt1"/>
+                </a:solidFill>
+                <a:latin typeface="Della Respira"/>
+                <a:ea typeface="Della Respira"/>
+                <a:cs typeface="Della Respira"/>
+                <a:sym typeface="Della Respira"/>
+              </a:defRPr>
+            </a:lvl1pPr>
+            <a:lvl2pPr marR="0" lvl="1" algn="ctr" rtl="0">
+              <a:lnSpc>
+                <a:spcPct val="115000"/>
+              </a:lnSpc>
+              <a:spcBef>
+                <a:spcPts val="0"/>
+              </a:spcBef>
+              <a:spcAft>
+                <a:spcPts val="0"/>
+              </a:spcAft>
+              <a:buClr>
+                <a:schemeClr val="lt1"/>
+              </a:buClr>
+              <a:buSzPts val="3400"/>
+              <a:buFont typeface="Della Respira"/>
+              <a:buNone/>
+              <a:defRPr sz="3400" b="1" i="0" u="none" strike="noStrike" cap="none">
+                <a:solidFill>
+                  <a:schemeClr val="lt1"/>
+                </a:solidFill>
+                <a:latin typeface="Della Respira"/>
+                <a:ea typeface="Della Respira"/>
+                <a:cs typeface="Della Respira"/>
+                <a:sym typeface="Della Respira"/>
+              </a:defRPr>
+            </a:lvl2pPr>
+            <a:lvl3pPr marR="0" lvl="2" algn="ctr" rtl="0">
+              <a:lnSpc>
+                <a:spcPct val="115000"/>
+              </a:lnSpc>
+              <a:spcBef>
+                <a:spcPts val="0"/>
+              </a:spcBef>
+              <a:spcAft>
+                <a:spcPts val="0"/>
+              </a:spcAft>
+              <a:buClr>
+                <a:schemeClr val="lt1"/>
+              </a:buClr>
+              <a:buSzPts val="3400"/>
+              <a:buFont typeface="Della Respira"/>
+              <a:buNone/>
+              <a:defRPr sz="3400" b="1" i="0" u="none" strike="noStrike" cap="none">
+                <a:solidFill>
+                  <a:schemeClr val="lt1"/>
+                </a:solidFill>
+                <a:latin typeface="Della Respira"/>
+                <a:ea typeface="Della Respira"/>
+                <a:cs typeface="Della Respira"/>
+                <a:sym typeface="Della Respira"/>
+              </a:defRPr>
+            </a:lvl3pPr>
+            <a:lvl4pPr marR="0" lvl="3" algn="ctr" rtl="0">
+              <a:lnSpc>
+                <a:spcPct val="115000"/>
+              </a:lnSpc>
+              <a:spcBef>
+                <a:spcPts val="0"/>
+              </a:spcBef>
+              <a:spcAft>
+                <a:spcPts val="0"/>
+              </a:spcAft>
+              <a:buClr>
+                <a:schemeClr val="lt1"/>
+              </a:buClr>
+              <a:buSzPts val="3400"/>
+              <a:buFont typeface="Della Respira"/>
+              <a:buNone/>
+              <a:defRPr sz="3400" b="1" i="0" u="none" strike="noStrike" cap="none">
+                <a:solidFill>
+                  <a:schemeClr val="lt1"/>
+                </a:solidFill>
+                <a:latin typeface="Della Respira"/>
+                <a:ea typeface="Della Respira"/>
+                <a:cs typeface="Della Respira"/>
+                <a:sym typeface="Della Respira"/>
+              </a:defRPr>
+            </a:lvl4pPr>
+            <a:lvl5pPr marR="0" lvl="4" algn="ctr" rtl="0">
+              <a:lnSpc>
+                <a:spcPct val="115000"/>
+              </a:lnSpc>
+              <a:spcBef>
+                <a:spcPts val="0"/>
+              </a:spcBef>
+              <a:spcAft>
+                <a:spcPts val="0"/>
+              </a:spcAft>
+              <a:buClr>
+                <a:schemeClr val="lt1"/>
+              </a:buClr>
+              <a:buSzPts val="3400"/>
+              <a:buFont typeface="Della Respira"/>
+              <a:buNone/>
+              <a:defRPr sz="3400" b="1" i="0" u="none" strike="noStrike" cap="none">
+                <a:solidFill>
+                  <a:schemeClr val="lt1"/>
+                </a:solidFill>
+                <a:latin typeface="Della Respira"/>
+                <a:ea typeface="Della Respira"/>
+                <a:cs typeface="Della Respira"/>
+                <a:sym typeface="Della Respira"/>
+              </a:defRPr>
+            </a:lvl5pPr>
+            <a:lvl6pPr marR="0" lvl="5" algn="ctr" rtl="0">
+              <a:lnSpc>
+                <a:spcPct val="115000"/>
+              </a:lnSpc>
+              <a:spcBef>
+                <a:spcPts val="0"/>
+              </a:spcBef>
+              <a:spcAft>
+                <a:spcPts val="0"/>
+              </a:spcAft>
+              <a:buClr>
+                <a:schemeClr val="lt1"/>
+              </a:buClr>
+              <a:buSzPts val="3400"/>
+              <a:buFont typeface="Della Respira"/>
+              <a:buNone/>
+              <a:defRPr sz="3400" b="1" i="0" u="none" strike="noStrike" cap="none">
+                <a:solidFill>
+                  <a:schemeClr val="lt1"/>
+                </a:solidFill>
+                <a:latin typeface="Della Respira"/>
+                <a:ea typeface="Della Respira"/>
+                <a:cs typeface="Della Respira"/>
+                <a:sym typeface="Della Respira"/>
+              </a:defRPr>
+            </a:lvl6pPr>
+            <a:lvl7pPr marR="0" lvl="6" algn="ctr" rtl="0">
+              <a:lnSpc>
+                <a:spcPct val="115000"/>
+              </a:lnSpc>
+              <a:spcBef>
+                <a:spcPts val="0"/>
+              </a:spcBef>
+              <a:spcAft>
+                <a:spcPts val="0"/>
+              </a:spcAft>
+              <a:buClr>
+                <a:schemeClr val="lt1"/>
+              </a:buClr>
+              <a:buSzPts val="3400"/>
+              <a:buFont typeface="Della Respira"/>
+              <a:buNone/>
+              <a:defRPr sz="3400" b="1" i="0" u="none" strike="noStrike" cap="none">
+                <a:solidFill>
+                  <a:schemeClr val="lt1"/>
+                </a:solidFill>
+                <a:latin typeface="Della Respira"/>
+                <a:ea typeface="Della Respira"/>
+                <a:cs typeface="Della Respira"/>
+                <a:sym typeface="Della Respira"/>
+              </a:defRPr>
+            </a:lvl7pPr>
+            <a:lvl8pPr marR="0" lvl="7" algn="ctr" rtl="0">
+              <a:lnSpc>
+                <a:spcPct val="115000"/>
+              </a:lnSpc>
+              <a:spcBef>
+                <a:spcPts val="0"/>
+              </a:spcBef>
+              <a:spcAft>
+                <a:spcPts val="0"/>
+              </a:spcAft>
+              <a:buClr>
+                <a:schemeClr val="lt1"/>
+              </a:buClr>
+              <a:buSzPts val="3400"/>
+              <a:buFont typeface="Della Respira"/>
+              <a:buNone/>
+              <a:defRPr sz="3400" b="1" i="0" u="none" strike="noStrike" cap="none">
+                <a:solidFill>
+                  <a:schemeClr val="lt1"/>
+                </a:solidFill>
+                <a:latin typeface="Della Respira"/>
+                <a:ea typeface="Della Respira"/>
+                <a:cs typeface="Della Respira"/>
+                <a:sym typeface="Della Respira"/>
+              </a:defRPr>
+            </a:lvl8pPr>
+            <a:lvl9pPr marR="0" lvl="8" algn="ctr" rtl="0">
+              <a:lnSpc>
+                <a:spcPct val="115000"/>
+              </a:lnSpc>
+              <a:spcBef>
+                <a:spcPts val="0"/>
+              </a:spcBef>
+              <a:spcAft>
+                <a:spcPts val="0"/>
+              </a:spcAft>
+              <a:buClr>
+                <a:schemeClr val="lt1"/>
+              </a:buClr>
+              <a:buSzPts val="3400"/>
+              <a:buFont typeface="Della Respira"/>
+              <a:buNone/>
+              <a:defRPr sz="3400" b="1" i="0" u="none" strike="noStrike" cap="none">
+                <a:solidFill>
+                  <a:schemeClr val="lt1"/>
+                </a:solidFill>
+                <a:latin typeface="Della Respira"/>
+                <a:ea typeface="Della Respira"/>
+                <a:cs typeface="Della Respira"/>
+                <a:sym typeface="Della Respira"/>
+              </a:defRPr>
+            </a:lvl9pPr>
+          </a:lstStyle>
+          <a:p>
+            <a:r>
+              <a:rPr lang="en-CA"/>
+              <a:t>What is the output?</a:t>
+            </a:r>
+            <a:endParaRPr lang="en-CA" dirty="0"/>
+          </a:p>
+        </p:txBody>
+      </p:sp>
     </p:spTree>
-    <p:extLst>
-      <p:ext uri="{BB962C8B-B14F-4D97-AF65-F5344CB8AC3E}">
-        <p14:creationId xmlns:p14="http://schemas.microsoft.com/office/powerpoint/2010/main" val="3541525950"/>
-      </p:ext>
-    </p:extLst>
   </p:cSld>
   <p:clrMapOvr>
     <a:masterClrMapping/>
@@ -21765,7 +21952,7 @@
 </p:sld>
 </file>
 
-<file path=ppt/slides/slide16.xml><?xml version="1.0" encoding="utf-8"?>
+<file path=ppt/slides/slide17.xml><?xml version="1.0" encoding="utf-8"?>
 <p:sld xmlns:a="http://schemas.openxmlformats.org/drawingml/2006/main" xmlns:r="http://schemas.openxmlformats.org/officeDocument/2006/relationships" xmlns:p="http://schemas.openxmlformats.org/presentationml/2006/main">
   <p:cSld>
     <p:spTree>
@@ -21890,10 +22077,48 @@
           </a:prstGeom>
         </p:spPr>
       </p:pic>
+      <p:sp>
+        <p:nvSpPr>
+          <p:cNvPr id="2" name="TextBox 1">
+            <a:extLst>
+              <a:ext uri="{FF2B5EF4-FFF2-40B4-BE49-F238E27FC236}">
+                <a16:creationId xmlns:a16="http://schemas.microsoft.com/office/drawing/2014/main" id="{8F28A83A-6488-DD06-CD57-FDBF377B6E5E}"/>
+              </a:ext>
+            </a:extLst>
+          </p:cNvPr>
+          <p:cNvSpPr txBox="1"/>
+          <p:nvPr/>
+        </p:nvSpPr>
+        <p:spPr>
+          <a:xfrm>
+            <a:off x="7201113" y="4257202"/>
+            <a:ext cx="1505068" cy="307777"/>
+          </a:xfrm>
+          <a:prstGeom prst="rect">
+            <a:avLst/>
+          </a:prstGeom>
+          <a:noFill/>
+        </p:spPr>
+        <p:txBody>
+          <a:bodyPr wrap="square" rtlCol="0">
+            <a:spAutoFit/>
+          </a:bodyPr>
+          <a:lstStyle/>
+          <a:p>
+            <a:r>
+              <a:rPr lang="en-CA" dirty="0">
+                <a:hlinkClick r:id="rId4" action="ppaction://hlinksldjump"/>
+              </a:rPr>
+              <a:t>Question board</a:t>
+            </a:r>
+            <a:endParaRPr lang="en-CA" dirty="0"/>
+          </a:p>
+        </p:txBody>
+      </p:sp>
     </p:spTree>
     <p:extLst>
       <p:ext uri="{BB962C8B-B14F-4D97-AF65-F5344CB8AC3E}">
-        <p14:creationId xmlns:p14="http://schemas.microsoft.com/office/powerpoint/2010/main" val="195224771"/>
+        <p14:creationId xmlns:p14="http://schemas.microsoft.com/office/powerpoint/2010/main" val="1758302663"/>
       </p:ext>
     </p:extLst>
   </p:cSld>
@@ -21903,12 +22128,12 @@
 </p:sld>
 </file>
 
-<file path=ppt/slides/slide17.xml><?xml version="1.0" encoding="utf-8"?>
+<file path=ppt/slides/slide18.xml><?xml version="1.0" encoding="utf-8"?>
 <p:sld xmlns:a="http://schemas.openxmlformats.org/drawingml/2006/main" xmlns:r="http://schemas.openxmlformats.org/officeDocument/2006/relationships" xmlns:p="http://schemas.openxmlformats.org/presentationml/2006/main">
   <p:cSld>
     <p:spTree>
       <p:nvGrpSpPr>
-        <p:cNvPr id="1" name="Shape 366"/>
+        <p:cNvPr id="1" name="Shape 378"/>
         <p:cNvGrpSpPr/>
         <p:nvPr/>
       </p:nvGrpSpPr>
@@ -21922,89 +22147,320 @@
       </p:grpSpPr>
       <p:sp>
         <p:nvSpPr>
-          <p:cNvPr id="368" name="Google Shape;368;p33"/>
+          <p:cNvPr id="6" name="Google Shape;368;p33">
+            <a:extLst>
+              <a:ext uri="{FF2B5EF4-FFF2-40B4-BE49-F238E27FC236}">
+                <a16:creationId xmlns:a16="http://schemas.microsoft.com/office/drawing/2014/main" id="{60734BD7-84D4-BD4D-C40D-32B94D6DBDCE}"/>
+              </a:ext>
+            </a:extLst>
+          </p:cNvPr>
           <p:cNvSpPr txBox="1">
-            <a:spLocks noGrp="1"/>
+            <a:spLocks/>
           </p:cNvSpPr>
-          <p:nvPr>
-            <p:ph type="subTitle" idx="1"/>
-          </p:nvPr>
+          <p:nvPr/>
         </p:nvSpPr>
         <p:spPr>
           <a:xfrm>
-            <a:off x="1038650" y="640325"/>
+            <a:off x="1182274" y="671375"/>
             <a:ext cx="7079700" cy="444300"/>
           </a:xfrm>
           <a:prstGeom prst="rect">
             <a:avLst/>
           </a:prstGeom>
+          <a:noFill/>
+          <a:ln>
+            <a:noFill/>
+          </a:ln>
+          <a:effectLst>
+            <a:outerShdw blurRad="14288" dist="28575" dir="2700000" algn="bl" rotWithShape="0">
+              <a:schemeClr val="dk1">
+                <a:alpha val="91000"/>
+              </a:schemeClr>
+            </a:outerShdw>
+          </a:effectLst>
         </p:spPr>
         <p:txBody>
           <a:bodyPr spcFirstLastPara="1" wrap="square" lIns="0" tIns="0" rIns="0" bIns="0" anchor="t" anchorCtr="0">
             <a:noAutofit/>
           </a:bodyPr>
-          <a:lstStyle/>
+          <a:lstStyle>
+            <a:defPPr marR="0" lvl="0" algn="l" rtl="0">
+              <a:lnSpc>
+                <a:spcPct val="100000"/>
+              </a:lnSpc>
+              <a:spcBef>
+                <a:spcPts val="0"/>
+              </a:spcBef>
+              <a:spcAft>
+                <a:spcPts val="0"/>
+              </a:spcAft>
+            </a:defPPr>
+            <a:lvl1pPr marL="457200" marR="0" lvl="0" indent="-381000" algn="ctr" rtl="0">
+              <a:lnSpc>
+                <a:spcPct val="100000"/>
+              </a:lnSpc>
+              <a:spcBef>
+                <a:spcPts val="600"/>
+              </a:spcBef>
+              <a:spcAft>
+                <a:spcPts val="0"/>
+              </a:spcAft>
+              <a:buClr>
+                <a:schemeClr val="lt1"/>
+              </a:buClr>
+              <a:buSzPts val="2400"/>
+              <a:buFont typeface="Della Respira"/>
+              <a:buNone/>
+              <a:defRPr sz="2000" b="0" i="0" u="none" strike="noStrike" cap="none">
+                <a:solidFill>
+                  <a:schemeClr val="lt1"/>
+                </a:solidFill>
+                <a:latin typeface="Bebas Neue"/>
+                <a:ea typeface="Bebas Neue"/>
+                <a:cs typeface="Bebas Neue"/>
+                <a:sym typeface="Bebas Neue"/>
+              </a:defRPr>
+            </a:lvl1pPr>
+            <a:lvl2pPr marL="914400" marR="0" lvl="1" indent="-381000" algn="l" rtl="0">
+              <a:lnSpc>
+                <a:spcPct val="100000"/>
+              </a:lnSpc>
+              <a:spcBef>
+                <a:spcPts val="600"/>
+              </a:spcBef>
+              <a:spcAft>
+                <a:spcPts val="0"/>
+              </a:spcAft>
+              <a:buClr>
+                <a:schemeClr val="lt1"/>
+              </a:buClr>
+              <a:buSzPts val="2400"/>
+              <a:buFont typeface="Della Respira"/>
+              <a:buNone/>
+              <a:defRPr sz="2000" b="1" i="0" u="none" strike="noStrike" cap="none">
+                <a:solidFill>
+                  <a:schemeClr val="lt1"/>
+                </a:solidFill>
+                <a:latin typeface="Della Respira"/>
+                <a:ea typeface="Della Respira"/>
+                <a:cs typeface="Della Respira"/>
+                <a:sym typeface="Della Respira"/>
+              </a:defRPr>
+            </a:lvl2pPr>
+            <a:lvl3pPr marL="1371600" marR="0" lvl="2" indent="-381000" algn="l" rtl="0">
+              <a:lnSpc>
+                <a:spcPct val="100000"/>
+              </a:lnSpc>
+              <a:spcBef>
+                <a:spcPts val="600"/>
+              </a:spcBef>
+              <a:spcAft>
+                <a:spcPts val="0"/>
+              </a:spcAft>
+              <a:buClr>
+                <a:schemeClr val="lt1"/>
+              </a:buClr>
+              <a:buSzPts val="2400"/>
+              <a:buFont typeface="Della Respira"/>
+              <a:buNone/>
+              <a:defRPr sz="2000" b="1" i="0" u="none" strike="noStrike" cap="none">
+                <a:solidFill>
+                  <a:schemeClr val="lt1"/>
+                </a:solidFill>
+                <a:latin typeface="Della Respira"/>
+                <a:ea typeface="Della Respira"/>
+                <a:cs typeface="Della Respira"/>
+                <a:sym typeface="Della Respira"/>
+              </a:defRPr>
+            </a:lvl3pPr>
+            <a:lvl4pPr marL="1828800" marR="0" lvl="3" indent="-381000" algn="l" rtl="0">
+              <a:lnSpc>
+                <a:spcPct val="100000"/>
+              </a:lnSpc>
+              <a:spcBef>
+                <a:spcPts val="600"/>
+              </a:spcBef>
+              <a:spcAft>
+                <a:spcPts val="0"/>
+              </a:spcAft>
+              <a:buClr>
+                <a:schemeClr val="lt1"/>
+              </a:buClr>
+              <a:buSzPts val="2400"/>
+              <a:buFont typeface="Della Respira"/>
+              <a:buNone/>
+              <a:defRPr sz="2000" b="1" i="0" u="none" strike="noStrike" cap="none">
+                <a:solidFill>
+                  <a:schemeClr val="lt1"/>
+                </a:solidFill>
+                <a:latin typeface="Della Respira"/>
+                <a:ea typeface="Della Respira"/>
+                <a:cs typeface="Della Respira"/>
+                <a:sym typeface="Della Respira"/>
+              </a:defRPr>
+            </a:lvl4pPr>
+            <a:lvl5pPr marL="2286000" marR="0" lvl="4" indent="-381000" algn="l" rtl="0">
+              <a:lnSpc>
+                <a:spcPct val="100000"/>
+              </a:lnSpc>
+              <a:spcBef>
+                <a:spcPts val="600"/>
+              </a:spcBef>
+              <a:spcAft>
+                <a:spcPts val="0"/>
+              </a:spcAft>
+              <a:buClr>
+                <a:schemeClr val="lt1"/>
+              </a:buClr>
+              <a:buSzPts val="2400"/>
+              <a:buFont typeface="Della Respira"/>
+              <a:buNone/>
+              <a:defRPr sz="2000" b="1" i="0" u="none" strike="noStrike" cap="none">
+                <a:solidFill>
+                  <a:schemeClr val="lt1"/>
+                </a:solidFill>
+                <a:latin typeface="Della Respira"/>
+                <a:ea typeface="Della Respira"/>
+                <a:cs typeface="Della Respira"/>
+                <a:sym typeface="Della Respira"/>
+              </a:defRPr>
+            </a:lvl5pPr>
+            <a:lvl6pPr marL="2743200" marR="0" lvl="5" indent="-381000" algn="l" rtl="0">
+              <a:lnSpc>
+                <a:spcPct val="100000"/>
+              </a:lnSpc>
+              <a:spcBef>
+                <a:spcPts val="600"/>
+              </a:spcBef>
+              <a:spcAft>
+                <a:spcPts val="0"/>
+              </a:spcAft>
+              <a:buClr>
+                <a:schemeClr val="lt1"/>
+              </a:buClr>
+              <a:buSzPts val="2400"/>
+              <a:buFont typeface="Della Respira"/>
+              <a:buNone/>
+              <a:defRPr sz="2000" b="1" i="0" u="none" strike="noStrike" cap="none">
+                <a:solidFill>
+                  <a:schemeClr val="lt1"/>
+                </a:solidFill>
+                <a:latin typeface="Della Respira"/>
+                <a:ea typeface="Della Respira"/>
+                <a:cs typeface="Della Respira"/>
+                <a:sym typeface="Della Respira"/>
+              </a:defRPr>
+            </a:lvl6pPr>
+            <a:lvl7pPr marL="3200400" marR="0" lvl="6" indent="-381000" algn="l" rtl="0">
+              <a:lnSpc>
+                <a:spcPct val="100000"/>
+              </a:lnSpc>
+              <a:spcBef>
+                <a:spcPts val="600"/>
+              </a:spcBef>
+              <a:spcAft>
+                <a:spcPts val="0"/>
+              </a:spcAft>
+              <a:buClr>
+                <a:schemeClr val="lt1"/>
+              </a:buClr>
+              <a:buSzPts val="2400"/>
+              <a:buFont typeface="Della Respira"/>
+              <a:buNone/>
+              <a:defRPr sz="2000" b="1" i="0" u="none" strike="noStrike" cap="none">
+                <a:solidFill>
+                  <a:schemeClr val="lt1"/>
+                </a:solidFill>
+                <a:latin typeface="Della Respira"/>
+                <a:ea typeface="Della Respira"/>
+                <a:cs typeface="Della Respira"/>
+                <a:sym typeface="Della Respira"/>
+              </a:defRPr>
+            </a:lvl7pPr>
+            <a:lvl8pPr marL="3657600" marR="0" lvl="7" indent="-381000" algn="l" rtl="0">
+              <a:lnSpc>
+                <a:spcPct val="100000"/>
+              </a:lnSpc>
+              <a:spcBef>
+                <a:spcPts val="600"/>
+              </a:spcBef>
+              <a:spcAft>
+                <a:spcPts val="0"/>
+              </a:spcAft>
+              <a:buClr>
+                <a:schemeClr val="lt1"/>
+              </a:buClr>
+              <a:buSzPts val="2400"/>
+              <a:buFont typeface="Della Respira"/>
+              <a:buNone/>
+              <a:defRPr sz="2000" b="1" i="0" u="none" strike="noStrike" cap="none">
+                <a:solidFill>
+                  <a:schemeClr val="lt1"/>
+                </a:solidFill>
+                <a:latin typeface="Della Respira"/>
+                <a:ea typeface="Della Respira"/>
+                <a:cs typeface="Della Respira"/>
+                <a:sym typeface="Della Respira"/>
+              </a:defRPr>
+            </a:lvl8pPr>
+            <a:lvl9pPr marL="4114800" marR="0" lvl="8" indent="-381000" algn="l" rtl="0">
+              <a:lnSpc>
+                <a:spcPct val="100000"/>
+              </a:lnSpc>
+              <a:spcBef>
+                <a:spcPts val="600"/>
+              </a:spcBef>
+              <a:spcAft>
+                <a:spcPts val="0"/>
+              </a:spcAft>
+              <a:buClr>
+                <a:schemeClr val="lt1"/>
+              </a:buClr>
+              <a:buSzPts val="2400"/>
+              <a:buFont typeface="Della Respira"/>
+              <a:buNone/>
+              <a:defRPr sz="2000" b="1" i="0" u="none" strike="noStrike" cap="none">
+                <a:solidFill>
+                  <a:schemeClr val="lt1"/>
+                </a:solidFill>
+                <a:latin typeface="Della Respira"/>
+                <a:ea typeface="Della Respira"/>
+                <a:cs typeface="Della Respira"/>
+                <a:sym typeface="Della Respira"/>
+              </a:defRPr>
+            </a:lvl9pPr>
+          </a:lstStyle>
           <a:p>
-            <a:pPr marL="0" lvl="0" indent="0" algn="ctr" rtl="0">
-              <a:spcBef>
-                <a:spcPts val="600"/>
-              </a:spcBef>
-              <a:spcAft>
-                <a:spcPts val="0"/>
-              </a:spcAft>
-              <a:buNone/>
-            </a:pPr>
+            <a:pPr marL="0" indent="0"/>
             <a:r>
-              <a:rPr lang="en" dirty="0"/>
-              <a:t>Get func-y with it · </a:t>
+              <a:rPr lang="en-US" dirty="0"/>
+              <a:t>Get </a:t>
             </a:r>
             <a:r>
-              <a:rPr lang="en" dirty="0">
+              <a:rPr lang="en-US" dirty="0" err="1"/>
+              <a:t>func</a:t>
+            </a:r>
+            <a:r>
+              <a:rPr lang="en-US" dirty="0"/>
+              <a:t>-y with it · </a:t>
+            </a:r>
+            <a:r>
+              <a:rPr lang="en-US" dirty="0">
                 <a:solidFill>
                   <a:srgbClr val="FFC319"/>
                 </a:solidFill>
               </a:rPr>
               <a:t>$1000</a:t>
             </a:r>
-            <a:endParaRPr dirty="0">
-              <a:solidFill>
-                <a:srgbClr val="FFC319"/>
-              </a:solidFill>
-            </a:endParaRPr>
-          </a:p>
-        </p:txBody>
-      </p:sp>
-      <p:sp>
-        <p:nvSpPr>
-          <p:cNvPr id="4" name="Title 3">
-            <a:extLst>
-              <a:ext uri="{FF2B5EF4-FFF2-40B4-BE49-F238E27FC236}">
-                <a16:creationId xmlns:a16="http://schemas.microsoft.com/office/drawing/2014/main" id="{998D8FDB-8127-41E7-FE01-54D9C86A61A5}"/>
-              </a:ext>
-            </a:extLst>
-          </p:cNvPr>
-          <p:cNvSpPr>
-            <a:spLocks noGrp="1"/>
-          </p:cNvSpPr>
-          <p:nvPr>
-            <p:ph type="title"/>
-          </p:nvPr>
-        </p:nvSpPr>
-        <p:spPr/>
-        <p:txBody>
-          <a:bodyPr/>
-          <a:lstStyle/>
-          <a:p>
-            <a:endParaRPr lang="en-CA"/>
           </a:p>
         </p:txBody>
       </p:sp>
       <p:pic>
         <p:nvPicPr>
-          <p:cNvPr id="5" name="Picture 4" descr="Text&#10;&#10;Description automatically generated with medium confidence">
+          <p:cNvPr id="7" name="Picture 6" descr="Text&#10;&#10;Description automatically generated with medium confidence">
             <a:extLst>
               <a:ext uri="{FF2B5EF4-FFF2-40B4-BE49-F238E27FC236}">
-                <a16:creationId xmlns:a16="http://schemas.microsoft.com/office/drawing/2014/main" id="{216B3AA4-5573-AAB0-F4FA-04BDE31F5551}"/>
+                <a16:creationId xmlns:a16="http://schemas.microsoft.com/office/drawing/2014/main" id="{38F15B30-460C-F16F-F4E1-B17A2159E023}"/>
               </a:ext>
             </a:extLst>
           </p:cNvPr>
@@ -22028,12 +22484,45 @@
           </a:prstGeom>
         </p:spPr>
       </p:pic>
+      <p:sp>
+        <p:nvSpPr>
+          <p:cNvPr id="8" name="TextBox 7">
+            <a:extLst>
+              <a:ext uri="{FF2B5EF4-FFF2-40B4-BE49-F238E27FC236}">
+                <a16:creationId xmlns:a16="http://schemas.microsoft.com/office/drawing/2014/main" id="{25EE89A7-94C0-AE82-74D2-544AA6C6DBBA}"/>
+              </a:ext>
+            </a:extLst>
+          </p:cNvPr>
+          <p:cNvSpPr txBox="1"/>
+          <p:nvPr/>
+        </p:nvSpPr>
+        <p:spPr>
+          <a:xfrm>
+            <a:off x="7201113" y="4257202"/>
+            <a:ext cx="1505068" cy="307777"/>
+          </a:xfrm>
+          <a:prstGeom prst="rect">
+            <a:avLst/>
+          </a:prstGeom>
+          <a:noFill/>
+        </p:spPr>
+        <p:txBody>
+          <a:bodyPr wrap="square" rtlCol="0">
+            <a:spAutoFit/>
+          </a:bodyPr>
+          <a:lstStyle/>
+          <a:p>
+            <a:r>
+              <a:rPr lang="en-CA" dirty="0">
+                <a:hlinkClick r:id="rId4" action="ppaction://hlinksldjump"/>
+              </a:rPr>
+              <a:t>Question board</a:t>
+            </a:r>
+            <a:endParaRPr lang="en-CA" dirty="0"/>
+          </a:p>
+        </p:txBody>
+      </p:sp>
     </p:spTree>
-    <p:extLst>
-      <p:ext uri="{BB962C8B-B14F-4D97-AF65-F5344CB8AC3E}">
-        <p14:creationId xmlns:p14="http://schemas.microsoft.com/office/powerpoint/2010/main" val="1939987609"/>
-      </p:ext>
-    </p:extLst>
   </p:cSld>
   <p:clrMapOvr>
     <a:masterClrMapping/>
@@ -22041,7 +22530,7 @@
 </p:sld>
 </file>
 
-<file path=ppt/slides/slide18.xml><?xml version="1.0" encoding="utf-8"?>
+<file path=ppt/slides/slide19.xml><?xml version="1.0" encoding="utf-8"?>
 <p:sld xmlns:a="http://schemas.openxmlformats.org/drawingml/2006/main" xmlns:r="http://schemas.openxmlformats.org/officeDocument/2006/relationships" xmlns:p="http://schemas.openxmlformats.org/presentationml/2006/main">
   <p:cSld>
     <p:spTree>
@@ -22141,133 +22630,50 @@
           </a:prstGeom>
         </p:spPr>
       </p:pic>
+      <p:sp>
+        <p:nvSpPr>
+          <p:cNvPr id="3" name="TextBox 2">
+            <a:extLst>
+              <a:ext uri="{FF2B5EF4-FFF2-40B4-BE49-F238E27FC236}">
+                <a16:creationId xmlns:a16="http://schemas.microsoft.com/office/drawing/2014/main" id="{BAA2EA30-5F03-6C30-F2DB-87844CBFA518}"/>
+              </a:ext>
+            </a:extLst>
+          </p:cNvPr>
+          <p:cNvSpPr txBox="1"/>
+          <p:nvPr/>
+        </p:nvSpPr>
+        <p:spPr>
+          <a:xfrm>
+            <a:off x="7201113" y="4257202"/>
+            <a:ext cx="1505068" cy="307777"/>
+          </a:xfrm>
+          <a:prstGeom prst="rect">
+            <a:avLst/>
+          </a:prstGeom>
+          <a:noFill/>
+        </p:spPr>
+        <p:txBody>
+          <a:bodyPr wrap="square" rtlCol="0">
+            <a:spAutoFit/>
+          </a:bodyPr>
+          <a:lstStyle/>
+          <a:p>
+            <a:r>
+              <a:rPr lang="en-CA" dirty="0">
+                <a:hlinkClick r:id="rId4" action="ppaction://hlinksldjump"/>
+              </a:rPr>
+              <a:t>Question board</a:t>
+            </a:r>
+            <a:endParaRPr lang="en-CA" dirty="0"/>
+          </a:p>
+        </p:txBody>
+      </p:sp>
     </p:spTree>
     <p:extLst>
       <p:ext uri="{BB962C8B-B14F-4D97-AF65-F5344CB8AC3E}">
         <p14:creationId xmlns:p14="http://schemas.microsoft.com/office/powerpoint/2010/main" val="1657580972"/>
       </p:ext>
     </p:extLst>
-  </p:cSld>
-  <p:clrMapOvr>
-    <a:masterClrMapping/>
-  </p:clrMapOvr>
-</p:sld>
-</file>
-
-<file path=ppt/slides/slide19.xml><?xml version="1.0" encoding="utf-8"?>
-<p:sld xmlns:a="http://schemas.openxmlformats.org/drawingml/2006/main" xmlns:r="http://schemas.openxmlformats.org/officeDocument/2006/relationships" xmlns:p="http://schemas.openxmlformats.org/presentationml/2006/main">
-  <p:cSld>
-    <p:spTree>
-      <p:nvGrpSpPr>
-        <p:cNvPr id="1" name="Shape 396"/>
-        <p:cNvGrpSpPr/>
-        <p:nvPr/>
-      </p:nvGrpSpPr>
-      <p:grpSpPr>
-        <a:xfrm>
-          <a:off x="0" y="0"/>
-          <a:ext cx="0" cy="0"/>
-          <a:chOff x="0" y="0"/>
-          <a:chExt cx="0" cy="0"/>
-        </a:xfrm>
-      </p:grpSpPr>
-      <p:sp>
-        <p:nvSpPr>
-          <p:cNvPr id="397" name="Google Shape;397;p38"/>
-          <p:cNvSpPr txBox="1">
-            <a:spLocks noGrp="1"/>
-          </p:cNvSpPr>
-          <p:nvPr>
-            <p:ph type="title"/>
-          </p:nvPr>
-        </p:nvSpPr>
-        <p:spPr>
-          <a:xfrm>
-            <a:off x="556054" y="966325"/>
-            <a:ext cx="8007178" cy="3188100"/>
-          </a:xfrm>
-          <a:prstGeom prst="rect">
-            <a:avLst/>
-          </a:prstGeom>
-        </p:spPr>
-        <p:txBody>
-          <a:bodyPr spcFirstLastPara="1" wrap="square" lIns="0" tIns="0" rIns="0" bIns="0" anchor="ctr" anchorCtr="0">
-            <a:noAutofit/>
-          </a:bodyPr>
-          <a:lstStyle/>
-          <a:p>
-            <a:pPr marL="0" lvl="0" indent="0" algn="ctr" rtl="0">
-              <a:spcBef>
-                <a:spcPts val="0"/>
-              </a:spcBef>
-              <a:spcAft>
-                <a:spcPts val="0"/>
-              </a:spcAft>
-              <a:buNone/>
-            </a:pPr>
-            <a:r>
-              <a:rPr lang="en" dirty="0"/>
-              <a:t>A program runs and, during running is asked to divide by zero. The program crashes. What type of error is this?</a:t>
-            </a:r>
-            <a:endParaRPr dirty="0"/>
-          </a:p>
-        </p:txBody>
-      </p:sp>
-      <p:sp>
-        <p:nvSpPr>
-          <p:cNvPr id="398" name="Google Shape;398;p38"/>
-          <p:cNvSpPr txBox="1">
-            <a:spLocks noGrp="1"/>
-          </p:cNvSpPr>
-          <p:nvPr>
-            <p:ph type="subTitle" idx="1"/>
-          </p:nvPr>
-        </p:nvSpPr>
-        <p:spPr>
-          <a:xfrm>
-            <a:off x="1038650" y="640325"/>
-            <a:ext cx="7079700" cy="444300"/>
-          </a:xfrm>
-          <a:prstGeom prst="rect">
-            <a:avLst/>
-          </a:prstGeom>
-        </p:spPr>
-        <p:txBody>
-          <a:bodyPr spcFirstLastPara="1" wrap="square" lIns="0" tIns="0" rIns="0" bIns="0" anchor="t" anchorCtr="0">
-            <a:noAutofit/>
-          </a:bodyPr>
-          <a:lstStyle/>
-          <a:p>
-            <a:pPr marL="0" lvl="0" indent="0" algn="ctr" rtl="0">
-              <a:spcBef>
-                <a:spcPts val="600"/>
-              </a:spcBef>
-              <a:spcAft>
-                <a:spcPts val="0"/>
-              </a:spcAft>
-              <a:buNone/>
-            </a:pPr>
-            <a:r>
-              <a:rPr lang="en" dirty="0"/>
-              <a:t>Err-ing on the side of caution · </a:t>
-            </a:r>
-            <a:r>
-              <a:rPr lang="en" dirty="0">
-                <a:solidFill>
-                  <a:srgbClr val="FFC319"/>
-                </a:solidFill>
-              </a:rPr>
-              <a:t>$250</a:t>
-            </a:r>
-            <a:endParaRPr dirty="0">
-              <a:solidFill>
-                <a:srgbClr val="FFC319"/>
-              </a:solidFill>
-            </a:endParaRPr>
-          </a:p>
-        </p:txBody>
-      </p:sp>
-    </p:spTree>
   </p:cSld>
   <p:clrMapOvr>
     <a:masterClrMapping/>
@@ -22469,7 +22875,7 @@
         </p:nvSpPr>
         <p:spPr>
           <a:xfrm>
-            <a:off x="574911" y="113708"/>
+            <a:off x="556054" y="966325"/>
             <a:ext cx="8007178" cy="3188100"/>
           </a:xfrm>
           <a:prstGeom prst="rect">
@@ -22493,7 +22899,7 @@
             </a:pPr>
             <a:r>
               <a:rPr lang="en" dirty="0"/>
-              <a:t>What will the output be from the following code?</a:t>
+              <a:t>A program runs and, during running is asked to divide by zero. The program crashes. What type of error is this?</a:t>
             </a:r>
             <a:endParaRPr dirty="0"/>
           </a:p>
@@ -22553,12 +22959,183 @@
           </a:p>
         </p:txBody>
       </p:sp>
+      <p:sp>
+        <p:nvSpPr>
+          <p:cNvPr id="2" name="TextBox 1">
+            <a:extLst>
+              <a:ext uri="{FF2B5EF4-FFF2-40B4-BE49-F238E27FC236}">
+                <a16:creationId xmlns:a16="http://schemas.microsoft.com/office/drawing/2014/main" id="{990B7C04-169F-6252-1069-1113498AC347}"/>
+              </a:ext>
+            </a:extLst>
+          </p:cNvPr>
+          <p:cNvSpPr txBox="1"/>
+          <p:nvPr/>
+        </p:nvSpPr>
+        <p:spPr>
+          <a:xfrm>
+            <a:off x="7201113" y="4264459"/>
+            <a:ext cx="1505068" cy="307777"/>
+          </a:xfrm>
+          <a:prstGeom prst="rect">
+            <a:avLst/>
+          </a:prstGeom>
+          <a:noFill/>
+        </p:spPr>
+        <p:txBody>
+          <a:bodyPr wrap="square" rtlCol="0">
+            <a:spAutoFit/>
+          </a:bodyPr>
+          <a:lstStyle/>
+          <a:p>
+            <a:r>
+              <a:rPr lang="en-CA" dirty="0">
+                <a:hlinkClick r:id="rId3" action="ppaction://hlinksldjump"/>
+              </a:rPr>
+              <a:t>Question board</a:t>
+            </a:r>
+            <a:endParaRPr lang="en-CA" dirty="0"/>
+          </a:p>
+        </p:txBody>
+      </p:sp>
+    </p:spTree>
+  </p:cSld>
+  <p:clrMapOvr>
+    <a:masterClrMapping/>
+  </p:clrMapOvr>
+</p:sld>
+</file>
+
+<file path=ppt/slides/slide21.xml><?xml version="1.0" encoding="utf-8"?>
+<p:sld xmlns:a="http://schemas.openxmlformats.org/drawingml/2006/main" xmlns:r="http://schemas.openxmlformats.org/officeDocument/2006/relationships" xmlns:p="http://schemas.openxmlformats.org/presentationml/2006/main">
+  <p:cSld>
+    <p:spTree>
+      <p:nvGrpSpPr>
+        <p:cNvPr id="1" name="Shape 402"/>
+        <p:cNvGrpSpPr/>
+        <p:nvPr/>
+      </p:nvGrpSpPr>
+      <p:grpSpPr>
+        <a:xfrm>
+          <a:off x="0" y="0"/>
+          <a:ext cx="0" cy="0"/>
+          <a:chOff x="0" y="0"/>
+          <a:chExt cx="0" cy="0"/>
+        </a:xfrm>
+      </p:grpSpPr>
+      <p:sp>
+        <p:nvSpPr>
+          <p:cNvPr id="7" name="Google Shape;397;p38">
+            <a:extLst>
+              <a:ext uri="{FF2B5EF4-FFF2-40B4-BE49-F238E27FC236}">
+                <a16:creationId xmlns:a16="http://schemas.microsoft.com/office/drawing/2014/main" id="{7C02D1C0-4591-6D0A-555D-7E3079B30461}"/>
+              </a:ext>
+            </a:extLst>
+          </p:cNvPr>
+          <p:cNvSpPr txBox="1">
+            <a:spLocks noGrp="1"/>
+          </p:cNvSpPr>
+          <p:nvPr>
+            <p:ph type="title"/>
+          </p:nvPr>
+        </p:nvSpPr>
+        <p:spPr>
+          <a:xfrm>
+            <a:off x="574911" y="113708"/>
+            <a:ext cx="8007178" cy="3188100"/>
+          </a:xfrm>
+          <a:prstGeom prst="rect">
+            <a:avLst/>
+          </a:prstGeom>
+        </p:spPr>
+        <p:txBody>
+          <a:bodyPr spcFirstLastPara="1" wrap="square" lIns="0" tIns="0" rIns="0" bIns="0" anchor="ctr" anchorCtr="0">
+            <a:noAutofit/>
+          </a:bodyPr>
+          <a:lstStyle/>
+          <a:p>
+            <a:pPr marL="0" lvl="0" indent="0" algn="ctr" rtl="0">
+              <a:spcBef>
+                <a:spcPts val="0"/>
+              </a:spcBef>
+              <a:spcAft>
+                <a:spcPts val="0"/>
+              </a:spcAft>
+              <a:buNone/>
+            </a:pPr>
+            <a:r>
+              <a:rPr lang="en" dirty="0"/>
+              <a:t>What will the output be from the following code?</a:t>
+            </a:r>
+            <a:endParaRPr dirty="0"/>
+          </a:p>
+        </p:txBody>
+      </p:sp>
+      <p:sp>
+        <p:nvSpPr>
+          <p:cNvPr id="8" name="Google Shape;398;p38">
+            <a:extLst>
+              <a:ext uri="{FF2B5EF4-FFF2-40B4-BE49-F238E27FC236}">
+                <a16:creationId xmlns:a16="http://schemas.microsoft.com/office/drawing/2014/main" id="{9888F138-7C58-3C39-FE63-076E405C3ECA}"/>
+              </a:ext>
+            </a:extLst>
+          </p:cNvPr>
+          <p:cNvSpPr txBox="1">
+            <a:spLocks noGrp="1"/>
+          </p:cNvSpPr>
+          <p:nvPr>
+            <p:ph type="subTitle" idx="1"/>
+          </p:nvPr>
+        </p:nvSpPr>
+        <p:spPr>
+          <a:xfrm>
+            <a:off x="1038650" y="640325"/>
+            <a:ext cx="7079700" cy="444300"/>
+          </a:xfrm>
+          <a:prstGeom prst="rect">
+            <a:avLst/>
+          </a:prstGeom>
+        </p:spPr>
+        <p:txBody>
+          <a:bodyPr spcFirstLastPara="1" wrap="square" lIns="0" tIns="0" rIns="0" bIns="0" anchor="t" anchorCtr="0">
+            <a:noAutofit/>
+          </a:bodyPr>
+          <a:lstStyle/>
+          <a:p>
+            <a:pPr marL="0" lvl="0" indent="0" algn="ctr" rtl="0">
+              <a:spcBef>
+                <a:spcPts val="600"/>
+              </a:spcBef>
+              <a:spcAft>
+                <a:spcPts val="0"/>
+              </a:spcAft>
+              <a:buNone/>
+            </a:pPr>
+            <a:r>
+              <a:rPr lang="en" dirty="0"/>
+              <a:t>Err-ing on the side of caution · </a:t>
+            </a:r>
+            <a:r>
+              <a:rPr lang="en" dirty="0">
+                <a:solidFill>
+                  <a:srgbClr val="FFC319"/>
+                </a:solidFill>
+              </a:rPr>
+              <a:t>$500</a:t>
+            </a:r>
+            <a:endParaRPr dirty="0">
+              <a:solidFill>
+                <a:srgbClr val="FFC319"/>
+              </a:solidFill>
+            </a:endParaRPr>
+          </a:p>
+        </p:txBody>
+      </p:sp>
       <p:pic>
         <p:nvPicPr>
-          <p:cNvPr id="3" name="Picture 2">
+          <p:cNvPr id="9" name="Picture 8">
             <a:extLst>
               <a:ext uri="{FF2B5EF4-FFF2-40B4-BE49-F238E27FC236}">
-                <a16:creationId xmlns:a16="http://schemas.microsoft.com/office/drawing/2014/main" id="{A0010893-9A13-E07F-FD51-AE1A12007F78}"/>
+                <a16:creationId xmlns:a16="http://schemas.microsoft.com/office/drawing/2014/main" id="{35CA0B88-2528-DE8A-6F83-BC95275E88C7}"/>
               </a:ext>
             </a:extLst>
           </p:cNvPr>
@@ -22582,12 +23159,45 @@
           </a:prstGeom>
         </p:spPr>
       </p:pic>
+      <p:sp>
+        <p:nvSpPr>
+          <p:cNvPr id="10" name="TextBox 9">
+            <a:extLst>
+              <a:ext uri="{FF2B5EF4-FFF2-40B4-BE49-F238E27FC236}">
+                <a16:creationId xmlns:a16="http://schemas.microsoft.com/office/drawing/2014/main" id="{EEF72BFA-840C-335D-7C48-2347361716BB}"/>
+              </a:ext>
+            </a:extLst>
+          </p:cNvPr>
+          <p:cNvSpPr txBox="1"/>
+          <p:nvPr/>
+        </p:nvSpPr>
+        <p:spPr>
+          <a:xfrm>
+            <a:off x="7201113" y="4257202"/>
+            <a:ext cx="1505068" cy="307777"/>
+          </a:xfrm>
+          <a:prstGeom prst="rect">
+            <a:avLst/>
+          </a:prstGeom>
+          <a:noFill/>
+        </p:spPr>
+        <p:txBody>
+          <a:bodyPr wrap="square" rtlCol="0">
+            <a:spAutoFit/>
+          </a:bodyPr>
+          <a:lstStyle/>
+          <a:p>
+            <a:r>
+              <a:rPr lang="en-CA" dirty="0">
+                <a:hlinkClick r:id="rId4" action="ppaction://hlinksldjump"/>
+              </a:rPr>
+              <a:t>Question board</a:t>
+            </a:r>
+            <a:endParaRPr lang="en-CA" dirty="0"/>
+          </a:p>
+        </p:txBody>
+      </p:sp>
     </p:spTree>
-    <p:extLst>
-      <p:ext uri="{BB962C8B-B14F-4D97-AF65-F5344CB8AC3E}">
-        <p14:creationId xmlns:p14="http://schemas.microsoft.com/office/powerpoint/2010/main" val="3738694382"/>
-      </p:ext>
-    </p:extLst>
   </p:cSld>
   <p:clrMapOvr>
     <a:masterClrMapping/>
@@ -22595,12 +23205,12 @@
 </p:sld>
 </file>
 
-<file path=ppt/slides/slide21.xml><?xml version="1.0" encoding="utf-8"?>
+<file path=ppt/slides/slide22.xml><?xml version="1.0" encoding="utf-8"?>
 <p:sld xmlns:a="http://schemas.openxmlformats.org/drawingml/2006/main" xmlns:r="http://schemas.openxmlformats.org/officeDocument/2006/relationships" xmlns:p="http://schemas.openxmlformats.org/presentationml/2006/main">
   <p:cSld>
     <p:spTree>
       <p:nvGrpSpPr>
-        <p:cNvPr id="1" name="Shape 396"/>
+        <p:cNvPr id="1" name="Shape 408"/>
         <p:cNvGrpSpPr/>
         <p:nvPr/>
       </p:nvGrpSpPr>
@@ -22614,89 +23224,304 @@
       </p:grpSpPr>
       <p:sp>
         <p:nvSpPr>
-          <p:cNvPr id="397" name="Google Shape;397;p38"/>
+          <p:cNvPr id="6" name="Google Shape;398;p38">
+            <a:extLst>
+              <a:ext uri="{FF2B5EF4-FFF2-40B4-BE49-F238E27FC236}">
+                <a16:creationId xmlns:a16="http://schemas.microsoft.com/office/drawing/2014/main" id="{A2078A69-08DB-9894-DE2B-CBB93EDF5D11}"/>
+              </a:ext>
+            </a:extLst>
+          </p:cNvPr>
           <p:cNvSpPr txBox="1">
-            <a:spLocks noGrp="1"/>
+            <a:spLocks/>
           </p:cNvSpPr>
-          <p:nvPr>
-            <p:ph type="title"/>
-          </p:nvPr>
+          <p:nvPr/>
         </p:nvSpPr>
         <p:spPr>
           <a:xfrm>
-            <a:off x="556054" y="966325"/>
-            <a:ext cx="8007178" cy="3188100"/>
-          </a:xfrm>
-          <a:prstGeom prst="rect">
-            <a:avLst/>
-          </a:prstGeom>
-        </p:spPr>
-        <p:txBody>
-          <a:bodyPr spcFirstLastPara="1" wrap="square" lIns="0" tIns="0" rIns="0" bIns="0" anchor="ctr" anchorCtr="0">
-            <a:noAutofit/>
-          </a:bodyPr>
-          <a:lstStyle/>
-          <a:p>
-            <a:pPr marL="0" lvl="0" indent="0" algn="ctr" rtl="0">
-              <a:spcBef>
-                <a:spcPts val="0"/>
-              </a:spcBef>
-              <a:spcAft>
-                <a:spcPts val="0"/>
-              </a:spcAft>
-              <a:buNone/>
-            </a:pPr>
-            <a:endParaRPr dirty="0"/>
-          </a:p>
-        </p:txBody>
-      </p:sp>
-      <p:sp>
-        <p:nvSpPr>
-          <p:cNvPr id="398" name="Google Shape;398;p38"/>
-          <p:cNvSpPr txBox="1">
-            <a:spLocks noGrp="1"/>
-          </p:cNvSpPr>
-          <p:nvPr>
-            <p:ph type="subTitle" idx="1"/>
-          </p:nvPr>
-        </p:nvSpPr>
-        <p:spPr>
-          <a:xfrm>
-            <a:off x="1038650" y="640325"/>
+            <a:off x="1137504" y="635029"/>
             <a:ext cx="7079700" cy="444300"/>
           </a:xfrm>
           <a:prstGeom prst="rect">
             <a:avLst/>
           </a:prstGeom>
+          <a:noFill/>
+          <a:ln>
+            <a:noFill/>
+          </a:ln>
+          <a:effectLst>
+            <a:outerShdw blurRad="14288" dist="28575" dir="2700000" algn="bl" rotWithShape="0">
+              <a:schemeClr val="dk1">
+                <a:alpha val="91000"/>
+              </a:schemeClr>
+            </a:outerShdw>
+          </a:effectLst>
         </p:spPr>
         <p:txBody>
           <a:bodyPr spcFirstLastPara="1" wrap="square" lIns="0" tIns="0" rIns="0" bIns="0" anchor="t" anchorCtr="0">
             <a:noAutofit/>
           </a:bodyPr>
-          <a:lstStyle/>
+          <a:lstStyle>
+            <a:defPPr marR="0" lvl="0" algn="l" rtl="0">
+              <a:lnSpc>
+                <a:spcPct val="100000"/>
+              </a:lnSpc>
+              <a:spcBef>
+                <a:spcPts val="0"/>
+              </a:spcBef>
+              <a:spcAft>
+                <a:spcPts val="0"/>
+              </a:spcAft>
+            </a:defPPr>
+            <a:lvl1pPr marL="457200" marR="0" lvl="0" indent="-381000" algn="ctr" rtl="0">
+              <a:lnSpc>
+                <a:spcPct val="100000"/>
+              </a:lnSpc>
+              <a:spcBef>
+                <a:spcPts val="600"/>
+              </a:spcBef>
+              <a:spcAft>
+                <a:spcPts val="0"/>
+              </a:spcAft>
+              <a:buClr>
+                <a:schemeClr val="lt1"/>
+              </a:buClr>
+              <a:buSzPts val="2400"/>
+              <a:buFont typeface="Della Respira"/>
+              <a:buNone/>
+              <a:defRPr sz="2000" b="0" i="0" u="none" strike="noStrike" cap="none">
+                <a:solidFill>
+                  <a:schemeClr val="lt1"/>
+                </a:solidFill>
+                <a:latin typeface="Bebas Neue"/>
+                <a:ea typeface="Bebas Neue"/>
+                <a:cs typeface="Bebas Neue"/>
+                <a:sym typeface="Bebas Neue"/>
+              </a:defRPr>
+            </a:lvl1pPr>
+            <a:lvl2pPr marL="914400" marR="0" lvl="1" indent="-381000" algn="l" rtl="0">
+              <a:lnSpc>
+                <a:spcPct val="100000"/>
+              </a:lnSpc>
+              <a:spcBef>
+                <a:spcPts val="600"/>
+              </a:spcBef>
+              <a:spcAft>
+                <a:spcPts val="0"/>
+              </a:spcAft>
+              <a:buClr>
+                <a:schemeClr val="lt1"/>
+              </a:buClr>
+              <a:buSzPts val="2400"/>
+              <a:buFont typeface="Della Respira"/>
+              <a:buNone/>
+              <a:defRPr sz="2000" b="1" i="0" u="none" strike="noStrike" cap="none">
+                <a:solidFill>
+                  <a:schemeClr val="lt1"/>
+                </a:solidFill>
+                <a:latin typeface="Della Respira"/>
+                <a:ea typeface="Della Respira"/>
+                <a:cs typeface="Della Respira"/>
+                <a:sym typeface="Della Respira"/>
+              </a:defRPr>
+            </a:lvl2pPr>
+            <a:lvl3pPr marL="1371600" marR="0" lvl="2" indent="-381000" algn="l" rtl="0">
+              <a:lnSpc>
+                <a:spcPct val="100000"/>
+              </a:lnSpc>
+              <a:spcBef>
+                <a:spcPts val="600"/>
+              </a:spcBef>
+              <a:spcAft>
+                <a:spcPts val="0"/>
+              </a:spcAft>
+              <a:buClr>
+                <a:schemeClr val="lt1"/>
+              </a:buClr>
+              <a:buSzPts val="2400"/>
+              <a:buFont typeface="Della Respira"/>
+              <a:buNone/>
+              <a:defRPr sz="2000" b="1" i="0" u="none" strike="noStrike" cap="none">
+                <a:solidFill>
+                  <a:schemeClr val="lt1"/>
+                </a:solidFill>
+                <a:latin typeface="Della Respira"/>
+                <a:ea typeface="Della Respira"/>
+                <a:cs typeface="Della Respira"/>
+                <a:sym typeface="Della Respira"/>
+              </a:defRPr>
+            </a:lvl3pPr>
+            <a:lvl4pPr marL="1828800" marR="0" lvl="3" indent="-381000" algn="l" rtl="0">
+              <a:lnSpc>
+                <a:spcPct val="100000"/>
+              </a:lnSpc>
+              <a:spcBef>
+                <a:spcPts val="600"/>
+              </a:spcBef>
+              <a:spcAft>
+                <a:spcPts val="0"/>
+              </a:spcAft>
+              <a:buClr>
+                <a:schemeClr val="lt1"/>
+              </a:buClr>
+              <a:buSzPts val="2400"/>
+              <a:buFont typeface="Della Respira"/>
+              <a:buNone/>
+              <a:defRPr sz="2000" b="1" i="0" u="none" strike="noStrike" cap="none">
+                <a:solidFill>
+                  <a:schemeClr val="lt1"/>
+                </a:solidFill>
+                <a:latin typeface="Della Respira"/>
+                <a:ea typeface="Della Respira"/>
+                <a:cs typeface="Della Respira"/>
+                <a:sym typeface="Della Respira"/>
+              </a:defRPr>
+            </a:lvl4pPr>
+            <a:lvl5pPr marL="2286000" marR="0" lvl="4" indent="-381000" algn="l" rtl="0">
+              <a:lnSpc>
+                <a:spcPct val="100000"/>
+              </a:lnSpc>
+              <a:spcBef>
+                <a:spcPts val="600"/>
+              </a:spcBef>
+              <a:spcAft>
+                <a:spcPts val="0"/>
+              </a:spcAft>
+              <a:buClr>
+                <a:schemeClr val="lt1"/>
+              </a:buClr>
+              <a:buSzPts val="2400"/>
+              <a:buFont typeface="Della Respira"/>
+              <a:buNone/>
+              <a:defRPr sz="2000" b="1" i="0" u="none" strike="noStrike" cap="none">
+                <a:solidFill>
+                  <a:schemeClr val="lt1"/>
+                </a:solidFill>
+                <a:latin typeface="Della Respira"/>
+                <a:ea typeface="Della Respira"/>
+                <a:cs typeface="Della Respira"/>
+                <a:sym typeface="Della Respira"/>
+              </a:defRPr>
+            </a:lvl5pPr>
+            <a:lvl6pPr marL="2743200" marR="0" lvl="5" indent="-381000" algn="l" rtl="0">
+              <a:lnSpc>
+                <a:spcPct val="100000"/>
+              </a:lnSpc>
+              <a:spcBef>
+                <a:spcPts val="600"/>
+              </a:spcBef>
+              <a:spcAft>
+                <a:spcPts val="0"/>
+              </a:spcAft>
+              <a:buClr>
+                <a:schemeClr val="lt1"/>
+              </a:buClr>
+              <a:buSzPts val="2400"/>
+              <a:buFont typeface="Della Respira"/>
+              <a:buNone/>
+              <a:defRPr sz="2000" b="1" i="0" u="none" strike="noStrike" cap="none">
+                <a:solidFill>
+                  <a:schemeClr val="lt1"/>
+                </a:solidFill>
+                <a:latin typeface="Della Respira"/>
+                <a:ea typeface="Della Respira"/>
+                <a:cs typeface="Della Respira"/>
+                <a:sym typeface="Della Respira"/>
+              </a:defRPr>
+            </a:lvl6pPr>
+            <a:lvl7pPr marL="3200400" marR="0" lvl="6" indent="-381000" algn="l" rtl="0">
+              <a:lnSpc>
+                <a:spcPct val="100000"/>
+              </a:lnSpc>
+              <a:spcBef>
+                <a:spcPts val="600"/>
+              </a:spcBef>
+              <a:spcAft>
+                <a:spcPts val="0"/>
+              </a:spcAft>
+              <a:buClr>
+                <a:schemeClr val="lt1"/>
+              </a:buClr>
+              <a:buSzPts val="2400"/>
+              <a:buFont typeface="Della Respira"/>
+              <a:buNone/>
+              <a:defRPr sz="2000" b="1" i="0" u="none" strike="noStrike" cap="none">
+                <a:solidFill>
+                  <a:schemeClr val="lt1"/>
+                </a:solidFill>
+                <a:latin typeface="Della Respira"/>
+                <a:ea typeface="Della Respira"/>
+                <a:cs typeface="Della Respira"/>
+                <a:sym typeface="Della Respira"/>
+              </a:defRPr>
+            </a:lvl7pPr>
+            <a:lvl8pPr marL="3657600" marR="0" lvl="7" indent="-381000" algn="l" rtl="0">
+              <a:lnSpc>
+                <a:spcPct val="100000"/>
+              </a:lnSpc>
+              <a:spcBef>
+                <a:spcPts val="600"/>
+              </a:spcBef>
+              <a:spcAft>
+                <a:spcPts val="0"/>
+              </a:spcAft>
+              <a:buClr>
+                <a:schemeClr val="lt1"/>
+              </a:buClr>
+              <a:buSzPts val="2400"/>
+              <a:buFont typeface="Della Respira"/>
+              <a:buNone/>
+              <a:defRPr sz="2000" b="1" i="0" u="none" strike="noStrike" cap="none">
+                <a:solidFill>
+                  <a:schemeClr val="lt1"/>
+                </a:solidFill>
+                <a:latin typeface="Della Respira"/>
+                <a:ea typeface="Della Respira"/>
+                <a:cs typeface="Della Respira"/>
+                <a:sym typeface="Della Respira"/>
+              </a:defRPr>
+            </a:lvl8pPr>
+            <a:lvl9pPr marL="4114800" marR="0" lvl="8" indent="-381000" algn="l" rtl="0">
+              <a:lnSpc>
+                <a:spcPct val="100000"/>
+              </a:lnSpc>
+              <a:spcBef>
+                <a:spcPts val="600"/>
+              </a:spcBef>
+              <a:spcAft>
+                <a:spcPts val="0"/>
+              </a:spcAft>
+              <a:buClr>
+                <a:schemeClr val="lt1"/>
+              </a:buClr>
+              <a:buSzPts val="2400"/>
+              <a:buFont typeface="Della Respira"/>
+              <a:buNone/>
+              <a:defRPr sz="2000" b="1" i="0" u="none" strike="noStrike" cap="none">
+                <a:solidFill>
+                  <a:schemeClr val="lt1"/>
+                </a:solidFill>
+                <a:latin typeface="Della Respira"/>
+                <a:ea typeface="Della Respira"/>
+                <a:cs typeface="Della Respira"/>
+                <a:sym typeface="Della Respira"/>
+              </a:defRPr>
+            </a:lvl9pPr>
+          </a:lstStyle>
           <a:p>
-            <a:pPr marL="0" lvl="0" indent="0" algn="ctr" rtl="0">
-              <a:spcBef>
-                <a:spcPts val="600"/>
-              </a:spcBef>
-              <a:spcAft>
-                <a:spcPts val="0"/>
-              </a:spcAft>
-              <a:buNone/>
-            </a:pPr>
+            <a:pPr marL="0" indent="0"/>
             <a:r>
-              <a:rPr lang="en" dirty="0"/>
+              <a:rPr lang="en-US"/>
               <a:t>Err-ing on the side of caution · </a:t>
             </a:r>
             <a:r>
-              <a:rPr lang="en" dirty="0">
+              <a:rPr lang="en-US">
                 <a:solidFill>
                   <a:srgbClr val="FFC319"/>
                 </a:solidFill>
               </a:rPr>
               <a:t>$1000</a:t>
             </a:r>
-            <a:endParaRPr dirty="0">
+            <a:endParaRPr lang="en-US" dirty="0">
               <a:solidFill>
                 <a:srgbClr val="FFC319"/>
               </a:solidFill>
@@ -22706,10 +23531,10 @@
       </p:sp>
       <p:pic>
         <p:nvPicPr>
-          <p:cNvPr id="2" name="Picture 1">
+          <p:cNvPr id="7" name="Picture 6">
             <a:extLst>
               <a:ext uri="{FF2B5EF4-FFF2-40B4-BE49-F238E27FC236}">
-                <a16:creationId xmlns:a16="http://schemas.microsoft.com/office/drawing/2014/main" id="{A4B1859F-4051-6AE1-C365-CFFC9C3C3C90}"/>
+                <a16:creationId xmlns:a16="http://schemas.microsoft.com/office/drawing/2014/main" id="{49AB2A0D-E512-5076-D872-8FD8F777A29F}"/>
               </a:ext>
             </a:extLst>
           </p:cNvPr>
@@ -22735,10 +23560,10 @@
       </p:pic>
       <p:pic>
         <p:nvPicPr>
-          <p:cNvPr id="3" name="Picture 2">
+          <p:cNvPr id="8" name="Picture 7">
             <a:extLst>
               <a:ext uri="{FF2B5EF4-FFF2-40B4-BE49-F238E27FC236}">
-                <a16:creationId xmlns:a16="http://schemas.microsoft.com/office/drawing/2014/main" id="{EE168EFC-441C-C9B7-0198-FDEFBE33E042}"/>
+                <a16:creationId xmlns:a16="http://schemas.microsoft.com/office/drawing/2014/main" id="{80407D61-100E-3FC9-0750-7D40E63EDE6C}"/>
               </a:ext>
             </a:extLst>
           </p:cNvPr>
@@ -22763,12 +23588,45 @@
           </a:prstGeom>
         </p:spPr>
       </p:pic>
+      <p:sp>
+        <p:nvSpPr>
+          <p:cNvPr id="9" name="TextBox 8">
+            <a:extLst>
+              <a:ext uri="{FF2B5EF4-FFF2-40B4-BE49-F238E27FC236}">
+                <a16:creationId xmlns:a16="http://schemas.microsoft.com/office/drawing/2014/main" id="{FC65B73D-952E-228C-BCA4-285AA1AAE9ED}"/>
+              </a:ext>
+            </a:extLst>
+          </p:cNvPr>
+          <p:cNvSpPr txBox="1"/>
+          <p:nvPr/>
+        </p:nvSpPr>
+        <p:spPr>
+          <a:xfrm>
+            <a:off x="7201113" y="4257202"/>
+            <a:ext cx="1505068" cy="307777"/>
+          </a:xfrm>
+          <a:prstGeom prst="rect">
+            <a:avLst/>
+          </a:prstGeom>
+          <a:noFill/>
+        </p:spPr>
+        <p:txBody>
+          <a:bodyPr wrap="square" rtlCol="0">
+            <a:spAutoFit/>
+          </a:bodyPr>
+          <a:lstStyle/>
+          <a:p>
+            <a:r>
+              <a:rPr lang="en-CA" dirty="0">
+                <a:hlinkClick r:id="rId5" action="ppaction://hlinksldjump"/>
+              </a:rPr>
+              <a:t>Question board</a:t>
+            </a:r>
+            <a:endParaRPr lang="en-CA" dirty="0"/>
+          </a:p>
+        </p:txBody>
+      </p:sp>
     </p:spTree>
-    <p:extLst>
-      <p:ext uri="{BB962C8B-B14F-4D97-AF65-F5344CB8AC3E}">
-        <p14:creationId xmlns:p14="http://schemas.microsoft.com/office/powerpoint/2010/main" val="4129999959"/>
-      </p:ext>
-    </p:extLst>
   </p:cSld>
   <p:clrMapOvr>
     <a:masterClrMapping/>
@@ -22776,7 +23634,7 @@
 </p:sld>
 </file>
 
-<file path=ppt/slides/slide22.xml><?xml version="1.0" encoding="utf-8"?>
+<file path=ppt/slides/slide23.xml><?xml version="1.0" encoding="utf-8"?>
 <p:sld xmlns:a="http://schemas.openxmlformats.org/drawingml/2006/main" xmlns:r="http://schemas.openxmlformats.org/officeDocument/2006/relationships" xmlns:p="http://schemas.openxmlformats.org/presentationml/2006/main">
   <p:cSld>
     <p:spTree>
@@ -22874,7 +23732,7 @@
 </p:sld>
 </file>
 
-<file path=ppt/slides/slide23.xml><?xml version="1.0" encoding="utf-8"?>
+<file path=ppt/slides/slide24.xml><?xml version="1.0" encoding="utf-8"?>
 <p:sld xmlns:a="http://schemas.openxmlformats.org/drawingml/2006/main" xmlns:r="http://schemas.openxmlformats.org/officeDocument/2006/relationships" xmlns:p="http://schemas.openxmlformats.org/presentationml/2006/main">
   <p:cSld>
     <p:spTree>
@@ -23845,8 +24703,435 @@
       </p:sp>
       <p:sp>
         <p:nvSpPr>
-          <p:cNvPr id="254" name="Google Shape;254;p17">
+          <p:cNvPr id="258" name="Google Shape;258;p17">
             <a:hlinkClick r:id="rId10" action="ppaction://hlinksldjump"/>
+          </p:cNvPr>
+          <p:cNvSpPr txBox="1"/>
+          <p:nvPr/>
+        </p:nvSpPr>
+        <p:spPr>
+          <a:xfrm>
+            <a:off x="4607975" y="1317558"/>
+            <a:ext cx="1265700" cy="584100"/>
+          </a:xfrm>
+          <a:prstGeom prst="rect">
+            <a:avLst/>
+          </a:prstGeom>
+          <a:noFill/>
+          <a:ln>
+            <a:noFill/>
+          </a:ln>
+          <a:effectLst>
+            <a:outerShdw dist="38100" dir="2700000" algn="bl" rotWithShape="0">
+              <a:schemeClr val="dk1">
+                <a:alpha val="90000"/>
+              </a:schemeClr>
+            </a:outerShdw>
+          </a:effectLst>
+        </p:spPr>
+        <p:txBody>
+          <a:bodyPr spcFirstLastPara="1" wrap="square" lIns="0" tIns="0" rIns="0" bIns="0" anchor="ctr" anchorCtr="0">
+            <a:noAutofit/>
+          </a:bodyPr>
+          <a:lstStyle/>
+          <a:p>
+            <a:pPr marL="0" lvl="0" indent="0" algn="ctr" rtl="0">
+              <a:spcBef>
+                <a:spcPts val="0"/>
+              </a:spcBef>
+              <a:spcAft>
+                <a:spcPts val="0"/>
+              </a:spcAft>
+              <a:buNone/>
+            </a:pPr>
+            <a:r>
+              <a:rPr lang="en" sz="2900" dirty="0">
+                <a:solidFill>
+                  <a:srgbClr val="FFC319"/>
+                </a:solidFill>
+                <a:latin typeface="Bebas Neue"/>
+                <a:ea typeface="Bebas Neue"/>
+                <a:cs typeface="Bebas Neue"/>
+                <a:sym typeface="Bebas Neue"/>
+              </a:rPr>
+              <a:t>$250</a:t>
+            </a:r>
+            <a:endParaRPr sz="2900" dirty="0">
+              <a:solidFill>
+                <a:srgbClr val="FFC319"/>
+              </a:solidFill>
+              <a:latin typeface="Bebas Neue"/>
+              <a:ea typeface="Bebas Neue"/>
+              <a:cs typeface="Bebas Neue"/>
+              <a:sym typeface="Bebas Neue"/>
+            </a:endParaRPr>
+          </a:p>
+        </p:txBody>
+      </p:sp>
+      <p:sp>
+        <p:nvSpPr>
+          <p:cNvPr id="263" name="Google Shape;263;p17">
+            <a:hlinkClick r:id="rId11" action="ppaction://hlinksldjump"/>
+          </p:cNvPr>
+          <p:cNvSpPr txBox="1"/>
+          <p:nvPr/>
+        </p:nvSpPr>
+        <p:spPr>
+          <a:xfrm>
+            <a:off x="5949425" y="1317545"/>
+            <a:ext cx="1265700" cy="584100"/>
+          </a:xfrm>
+          <a:prstGeom prst="rect">
+            <a:avLst/>
+          </a:prstGeom>
+          <a:noFill/>
+          <a:ln>
+            <a:noFill/>
+          </a:ln>
+          <a:effectLst>
+            <a:outerShdw dist="38100" dir="2700000" algn="bl" rotWithShape="0">
+              <a:schemeClr val="dk1">
+                <a:alpha val="90000"/>
+              </a:schemeClr>
+            </a:outerShdw>
+          </a:effectLst>
+        </p:spPr>
+        <p:txBody>
+          <a:bodyPr spcFirstLastPara="1" wrap="square" lIns="0" tIns="0" rIns="0" bIns="0" anchor="ctr" anchorCtr="0">
+            <a:noAutofit/>
+          </a:bodyPr>
+          <a:lstStyle/>
+          <a:p>
+            <a:pPr marL="0" lvl="0" indent="0" algn="ctr" rtl="0">
+              <a:spcBef>
+                <a:spcPts val="0"/>
+              </a:spcBef>
+              <a:spcAft>
+                <a:spcPts val="0"/>
+              </a:spcAft>
+              <a:buNone/>
+            </a:pPr>
+            <a:r>
+              <a:rPr lang="en" sz="2900" dirty="0">
+                <a:solidFill>
+                  <a:srgbClr val="FFC319"/>
+                </a:solidFill>
+                <a:latin typeface="Bebas Neue"/>
+                <a:ea typeface="Bebas Neue"/>
+                <a:cs typeface="Bebas Neue"/>
+                <a:sym typeface="Bebas Neue"/>
+              </a:rPr>
+              <a:t>$250</a:t>
+            </a:r>
+            <a:endParaRPr sz="2900" dirty="0">
+              <a:solidFill>
+                <a:srgbClr val="FFC319"/>
+              </a:solidFill>
+              <a:latin typeface="Bebas Neue"/>
+              <a:ea typeface="Bebas Neue"/>
+              <a:cs typeface="Bebas Neue"/>
+              <a:sym typeface="Bebas Neue"/>
+            </a:endParaRPr>
+          </a:p>
+        </p:txBody>
+      </p:sp>
+      <p:sp>
+        <p:nvSpPr>
+          <p:cNvPr id="2" name="Google Shape;264;p17">
+            <a:hlinkClick r:id="rId12" action="ppaction://hlinksldjump"/>
+            <a:extLst>
+              <a:ext uri="{FF2B5EF4-FFF2-40B4-BE49-F238E27FC236}">
+                <a16:creationId xmlns:a16="http://schemas.microsoft.com/office/drawing/2014/main" id="{AD9A4225-C05D-35BB-EF97-B54D3D685890}"/>
+              </a:ext>
+            </a:extLst>
+          </p:cNvPr>
+          <p:cNvSpPr txBox="1"/>
+          <p:nvPr/>
+        </p:nvSpPr>
+        <p:spPr>
+          <a:xfrm>
+            <a:off x="5949425" y="1989397"/>
+            <a:ext cx="1265700" cy="584100"/>
+          </a:xfrm>
+          <a:prstGeom prst="rect">
+            <a:avLst/>
+          </a:prstGeom>
+          <a:noFill/>
+          <a:ln>
+            <a:noFill/>
+          </a:ln>
+          <a:effectLst>
+            <a:outerShdw dist="38100" dir="2700000" algn="bl" rotWithShape="0">
+              <a:schemeClr val="dk1">
+                <a:alpha val="90000"/>
+              </a:schemeClr>
+            </a:outerShdw>
+          </a:effectLst>
+        </p:spPr>
+        <p:txBody>
+          <a:bodyPr spcFirstLastPara="1" wrap="square" lIns="0" tIns="0" rIns="0" bIns="0" anchor="ctr" anchorCtr="0">
+            <a:noAutofit/>
+          </a:bodyPr>
+          <a:lstStyle/>
+          <a:p>
+            <a:pPr marL="0" lvl="0" indent="0" algn="ctr" rtl="0">
+              <a:spcBef>
+                <a:spcPts val="0"/>
+              </a:spcBef>
+              <a:spcAft>
+                <a:spcPts val="0"/>
+              </a:spcAft>
+              <a:buNone/>
+            </a:pPr>
+            <a:r>
+              <a:rPr lang="en" sz="2900" dirty="0">
+                <a:solidFill>
+                  <a:srgbClr val="FFC319"/>
+                </a:solidFill>
+                <a:latin typeface="Bebas Neue"/>
+                <a:ea typeface="Bebas Neue"/>
+                <a:cs typeface="Bebas Neue"/>
+                <a:sym typeface="Bebas Neue"/>
+              </a:rPr>
+              <a:t>$500</a:t>
+            </a:r>
+            <a:endParaRPr sz="2900" dirty="0">
+              <a:solidFill>
+                <a:srgbClr val="FFC319"/>
+              </a:solidFill>
+              <a:latin typeface="Bebas Neue"/>
+              <a:ea typeface="Bebas Neue"/>
+              <a:cs typeface="Bebas Neue"/>
+              <a:sym typeface="Bebas Neue"/>
+            </a:endParaRPr>
+          </a:p>
+        </p:txBody>
+      </p:sp>
+      <p:sp>
+        <p:nvSpPr>
+          <p:cNvPr id="5" name="Google Shape;265;p17">
+            <a:hlinkClick r:id="rId13" action="ppaction://hlinksldjump"/>
+            <a:extLst>
+              <a:ext uri="{FF2B5EF4-FFF2-40B4-BE49-F238E27FC236}">
+                <a16:creationId xmlns:a16="http://schemas.microsoft.com/office/drawing/2014/main" id="{0001A432-BCCE-44C2-6938-1B86B5D6C61B}"/>
+              </a:ext>
+            </a:extLst>
+          </p:cNvPr>
+          <p:cNvSpPr txBox="1"/>
+          <p:nvPr/>
+        </p:nvSpPr>
+        <p:spPr>
+          <a:xfrm>
+            <a:off x="5949425" y="2661249"/>
+            <a:ext cx="1265700" cy="584100"/>
+          </a:xfrm>
+          <a:prstGeom prst="rect">
+            <a:avLst/>
+          </a:prstGeom>
+          <a:noFill/>
+          <a:ln>
+            <a:noFill/>
+          </a:ln>
+          <a:effectLst>
+            <a:outerShdw dist="38100" dir="2700000" algn="bl" rotWithShape="0">
+              <a:schemeClr val="dk1">
+                <a:alpha val="90000"/>
+              </a:schemeClr>
+            </a:outerShdw>
+          </a:effectLst>
+        </p:spPr>
+        <p:txBody>
+          <a:bodyPr spcFirstLastPara="1" wrap="square" lIns="0" tIns="0" rIns="0" bIns="0" anchor="ctr" anchorCtr="0">
+            <a:noAutofit/>
+          </a:bodyPr>
+          <a:lstStyle/>
+          <a:p>
+            <a:pPr marL="0" lvl="0" indent="0" algn="ctr" rtl="0">
+              <a:spcBef>
+                <a:spcPts val="0"/>
+              </a:spcBef>
+              <a:spcAft>
+                <a:spcPts val="0"/>
+              </a:spcAft>
+              <a:buNone/>
+            </a:pPr>
+            <a:r>
+              <a:rPr lang="en" sz="2900" dirty="0">
+                <a:solidFill>
+                  <a:srgbClr val="FFC319"/>
+                </a:solidFill>
+                <a:latin typeface="Bebas Neue"/>
+                <a:ea typeface="Bebas Neue"/>
+                <a:cs typeface="Bebas Neue"/>
+                <a:sym typeface="Bebas Neue"/>
+              </a:rPr>
+              <a:t>$1000</a:t>
+            </a:r>
+            <a:endParaRPr sz="2900" dirty="0">
+              <a:solidFill>
+                <a:srgbClr val="FFC319"/>
+              </a:solidFill>
+              <a:latin typeface="Bebas Neue"/>
+              <a:ea typeface="Bebas Neue"/>
+              <a:cs typeface="Bebas Neue"/>
+              <a:sym typeface="Bebas Neue"/>
+            </a:endParaRPr>
+          </a:p>
+        </p:txBody>
+      </p:sp>
+      <p:sp>
+        <p:nvSpPr>
+          <p:cNvPr id="6" name="Google Shape;259;p17">
+            <a:hlinkClick r:id="rId14" action="ppaction://hlinksldjump"/>
+            <a:extLst>
+              <a:ext uri="{FF2B5EF4-FFF2-40B4-BE49-F238E27FC236}">
+                <a16:creationId xmlns:a16="http://schemas.microsoft.com/office/drawing/2014/main" id="{8C85F899-48BA-1E8A-368B-B2185C522D94}"/>
+              </a:ext>
+            </a:extLst>
+          </p:cNvPr>
+          <p:cNvSpPr txBox="1"/>
+          <p:nvPr/>
+        </p:nvSpPr>
+        <p:spPr>
+          <a:xfrm>
+            <a:off x="4607975" y="1989410"/>
+            <a:ext cx="1265700" cy="584100"/>
+          </a:xfrm>
+          <a:prstGeom prst="rect">
+            <a:avLst/>
+          </a:prstGeom>
+          <a:noFill/>
+          <a:ln>
+            <a:noFill/>
+          </a:ln>
+          <a:effectLst>
+            <a:outerShdw dist="38100" dir="2700000" algn="bl" rotWithShape="0">
+              <a:schemeClr val="dk1">
+                <a:alpha val="90000"/>
+              </a:schemeClr>
+            </a:outerShdw>
+          </a:effectLst>
+        </p:spPr>
+        <p:txBody>
+          <a:bodyPr spcFirstLastPara="1" wrap="square" lIns="0" tIns="0" rIns="0" bIns="0" anchor="ctr" anchorCtr="0">
+            <a:noAutofit/>
+          </a:bodyPr>
+          <a:lstStyle/>
+          <a:p>
+            <a:pPr marL="0" lvl="0" indent="0" algn="ctr" rtl="0">
+              <a:spcBef>
+                <a:spcPts val="0"/>
+              </a:spcBef>
+              <a:spcAft>
+                <a:spcPts val="0"/>
+              </a:spcAft>
+              <a:buNone/>
+            </a:pPr>
+            <a:r>
+              <a:rPr lang="en" sz="2900" dirty="0">
+                <a:solidFill>
+                  <a:srgbClr val="FFC319"/>
+                </a:solidFill>
+                <a:latin typeface="Bebas Neue"/>
+                <a:ea typeface="Bebas Neue"/>
+                <a:cs typeface="Bebas Neue"/>
+                <a:sym typeface="Bebas Neue"/>
+              </a:rPr>
+              <a:t>$500</a:t>
+            </a:r>
+            <a:endParaRPr sz="2900" dirty="0">
+              <a:solidFill>
+                <a:srgbClr val="FFC319"/>
+              </a:solidFill>
+              <a:latin typeface="Bebas Neue"/>
+              <a:ea typeface="Bebas Neue"/>
+              <a:cs typeface="Bebas Neue"/>
+              <a:sym typeface="Bebas Neue"/>
+            </a:endParaRPr>
+          </a:p>
+        </p:txBody>
+      </p:sp>
+      <p:sp>
+        <p:nvSpPr>
+          <p:cNvPr id="7" name="Google Shape;260;p17">
+            <a:hlinkClick r:id="rId15" action="ppaction://hlinksldjump"/>
+            <a:extLst>
+              <a:ext uri="{FF2B5EF4-FFF2-40B4-BE49-F238E27FC236}">
+                <a16:creationId xmlns:a16="http://schemas.microsoft.com/office/drawing/2014/main" id="{8EEA3DAC-87BE-72E8-F130-3E23BAF8222F}"/>
+              </a:ext>
+            </a:extLst>
+          </p:cNvPr>
+          <p:cNvSpPr txBox="1"/>
+          <p:nvPr/>
+        </p:nvSpPr>
+        <p:spPr>
+          <a:xfrm>
+            <a:off x="4607975" y="2661262"/>
+            <a:ext cx="1265700" cy="584100"/>
+          </a:xfrm>
+          <a:prstGeom prst="rect">
+            <a:avLst/>
+          </a:prstGeom>
+          <a:noFill/>
+          <a:ln>
+            <a:noFill/>
+          </a:ln>
+          <a:effectLst>
+            <a:outerShdw dist="38100" dir="2700000" algn="bl" rotWithShape="0">
+              <a:schemeClr val="dk1">
+                <a:alpha val="90000"/>
+              </a:schemeClr>
+            </a:outerShdw>
+          </a:effectLst>
+        </p:spPr>
+        <p:txBody>
+          <a:bodyPr spcFirstLastPara="1" wrap="square" lIns="0" tIns="0" rIns="0" bIns="0" anchor="ctr" anchorCtr="0">
+            <a:noAutofit/>
+          </a:bodyPr>
+          <a:lstStyle/>
+          <a:p>
+            <a:pPr marL="0" lvl="0" indent="0" algn="ctr" rtl="0">
+              <a:spcBef>
+                <a:spcPts val="0"/>
+              </a:spcBef>
+              <a:spcAft>
+                <a:spcPts val="0"/>
+              </a:spcAft>
+              <a:buNone/>
+            </a:pPr>
+            <a:r>
+              <a:rPr lang="en" sz="2900" dirty="0">
+                <a:solidFill>
+                  <a:srgbClr val="FFC319"/>
+                </a:solidFill>
+                <a:latin typeface="Bebas Neue"/>
+                <a:ea typeface="Bebas Neue"/>
+                <a:cs typeface="Bebas Neue"/>
+                <a:sym typeface="Bebas Neue"/>
+              </a:rPr>
+              <a:t>$1000</a:t>
+            </a:r>
+            <a:endParaRPr sz="2900" dirty="0">
+              <a:solidFill>
+                <a:srgbClr val="FFC319"/>
+              </a:solidFill>
+              <a:latin typeface="Bebas Neue"/>
+              <a:ea typeface="Bebas Neue"/>
+              <a:cs typeface="Bebas Neue"/>
+              <a:sym typeface="Bebas Neue"/>
+            </a:endParaRPr>
+          </a:p>
+        </p:txBody>
+      </p:sp>
+      <p:sp>
+        <p:nvSpPr>
+          <p:cNvPr id="8" name="Google Shape;254;p17">
+            <a:hlinkClick r:id="rId16" action="ppaction://hlinksldjump"/>
+            <a:extLst>
+              <a:ext uri="{FF2B5EF4-FFF2-40B4-BE49-F238E27FC236}">
+                <a16:creationId xmlns:a16="http://schemas.microsoft.com/office/drawing/2014/main" id="{754410DF-1C35-C544-62C4-5189EB602FB0}"/>
+              </a:ext>
+            </a:extLst>
           </p:cNvPr>
           <p:cNvSpPr txBox="1"/>
           <p:nvPr/>
@@ -23912,8 +25197,13 @@
       </p:sp>
       <p:sp>
         <p:nvSpPr>
-          <p:cNvPr id="255" name="Google Shape;255;p17">
-            <a:hlinkClick r:id="rId11" action="ppaction://hlinksldjump"/>
+          <p:cNvPr id="9" name="Google Shape;255;p17">
+            <a:hlinkClick r:id="rId17" action="ppaction://hlinksldjump"/>
+            <a:extLst>
+              <a:ext uri="{FF2B5EF4-FFF2-40B4-BE49-F238E27FC236}">
+                <a16:creationId xmlns:a16="http://schemas.microsoft.com/office/drawing/2014/main" id="{D1B38A3D-CFA8-7FA3-D05D-1516D83D0DF7}"/>
+              </a:ext>
+            </a:extLst>
           </p:cNvPr>
           <p:cNvSpPr txBox="1"/>
           <p:nvPr/>
@@ -23921,408 +25211,6 @@
         <p:spPr>
           <a:xfrm>
             <a:off x="3262881" y="2661262"/>
-            <a:ext cx="1265700" cy="584100"/>
-          </a:xfrm>
-          <a:prstGeom prst="rect">
-            <a:avLst/>
-          </a:prstGeom>
-          <a:noFill/>
-          <a:ln>
-            <a:noFill/>
-          </a:ln>
-          <a:effectLst>
-            <a:outerShdw dist="38100" dir="2700000" algn="bl" rotWithShape="0">
-              <a:schemeClr val="dk1">
-                <a:alpha val="90000"/>
-              </a:schemeClr>
-            </a:outerShdw>
-          </a:effectLst>
-        </p:spPr>
-        <p:txBody>
-          <a:bodyPr spcFirstLastPara="1" wrap="square" lIns="0" tIns="0" rIns="0" bIns="0" anchor="ctr" anchorCtr="0">
-            <a:noAutofit/>
-          </a:bodyPr>
-          <a:lstStyle/>
-          <a:p>
-            <a:pPr marL="0" lvl="0" indent="0" algn="ctr" rtl="0">
-              <a:spcBef>
-                <a:spcPts val="0"/>
-              </a:spcBef>
-              <a:spcAft>
-                <a:spcPts val="0"/>
-              </a:spcAft>
-              <a:buNone/>
-            </a:pPr>
-            <a:r>
-              <a:rPr lang="en" sz="2900" dirty="0">
-                <a:solidFill>
-                  <a:srgbClr val="FFC319"/>
-                </a:solidFill>
-                <a:latin typeface="Bebas Neue"/>
-                <a:ea typeface="Bebas Neue"/>
-                <a:cs typeface="Bebas Neue"/>
-                <a:sym typeface="Bebas Neue"/>
-              </a:rPr>
-              <a:t>$1000</a:t>
-            </a:r>
-            <a:endParaRPr sz="2900" dirty="0">
-              <a:solidFill>
-                <a:srgbClr val="FFC319"/>
-              </a:solidFill>
-              <a:latin typeface="Bebas Neue"/>
-              <a:ea typeface="Bebas Neue"/>
-              <a:cs typeface="Bebas Neue"/>
-              <a:sym typeface="Bebas Neue"/>
-            </a:endParaRPr>
-          </a:p>
-        </p:txBody>
-      </p:sp>
-      <p:sp>
-        <p:nvSpPr>
-          <p:cNvPr id="258" name="Google Shape;258;p17">
-            <a:hlinkClick r:id="rId12" action="ppaction://hlinksldjump"/>
-          </p:cNvPr>
-          <p:cNvSpPr txBox="1"/>
-          <p:nvPr/>
-        </p:nvSpPr>
-        <p:spPr>
-          <a:xfrm>
-            <a:off x="4607975" y="1317558"/>
-            <a:ext cx="1265700" cy="584100"/>
-          </a:xfrm>
-          <a:prstGeom prst="rect">
-            <a:avLst/>
-          </a:prstGeom>
-          <a:noFill/>
-          <a:ln>
-            <a:noFill/>
-          </a:ln>
-          <a:effectLst>
-            <a:outerShdw dist="38100" dir="2700000" algn="bl" rotWithShape="0">
-              <a:schemeClr val="dk1">
-                <a:alpha val="90000"/>
-              </a:schemeClr>
-            </a:outerShdw>
-          </a:effectLst>
-        </p:spPr>
-        <p:txBody>
-          <a:bodyPr spcFirstLastPara="1" wrap="square" lIns="0" tIns="0" rIns="0" bIns="0" anchor="ctr" anchorCtr="0">
-            <a:noAutofit/>
-          </a:bodyPr>
-          <a:lstStyle/>
-          <a:p>
-            <a:pPr marL="0" lvl="0" indent="0" algn="ctr" rtl="0">
-              <a:spcBef>
-                <a:spcPts val="0"/>
-              </a:spcBef>
-              <a:spcAft>
-                <a:spcPts val="0"/>
-              </a:spcAft>
-              <a:buNone/>
-            </a:pPr>
-            <a:r>
-              <a:rPr lang="en" sz="2900" dirty="0">
-                <a:solidFill>
-                  <a:srgbClr val="FFC319"/>
-                </a:solidFill>
-                <a:latin typeface="Bebas Neue"/>
-                <a:ea typeface="Bebas Neue"/>
-                <a:cs typeface="Bebas Neue"/>
-                <a:sym typeface="Bebas Neue"/>
-              </a:rPr>
-              <a:t>$250</a:t>
-            </a:r>
-            <a:endParaRPr sz="2900" dirty="0">
-              <a:solidFill>
-                <a:srgbClr val="FFC319"/>
-              </a:solidFill>
-              <a:latin typeface="Bebas Neue"/>
-              <a:ea typeface="Bebas Neue"/>
-              <a:cs typeface="Bebas Neue"/>
-              <a:sym typeface="Bebas Neue"/>
-            </a:endParaRPr>
-          </a:p>
-        </p:txBody>
-      </p:sp>
-      <p:sp>
-        <p:nvSpPr>
-          <p:cNvPr id="259" name="Google Shape;259;p17">
-            <a:hlinkClick r:id="rId13" action="ppaction://hlinksldjump"/>
-          </p:cNvPr>
-          <p:cNvSpPr txBox="1"/>
-          <p:nvPr/>
-        </p:nvSpPr>
-        <p:spPr>
-          <a:xfrm>
-            <a:off x="4607975" y="1989410"/>
-            <a:ext cx="1265700" cy="584100"/>
-          </a:xfrm>
-          <a:prstGeom prst="rect">
-            <a:avLst/>
-          </a:prstGeom>
-          <a:noFill/>
-          <a:ln>
-            <a:noFill/>
-          </a:ln>
-          <a:effectLst>
-            <a:outerShdw dist="38100" dir="2700000" algn="bl" rotWithShape="0">
-              <a:schemeClr val="dk1">
-                <a:alpha val="90000"/>
-              </a:schemeClr>
-            </a:outerShdw>
-          </a:effectLst>
-        </p:spPr>
-        <p:txBody>
-          <a:bodyPr spcFirstLastPara="1" wrap="square" lIns="0" tIns="0" rIns="0" bIns="0" anchor="ctr" anchorCtr="0">
-            <a:noAutofit/>
-          </a:bodyPr>
-          <a:lstStyle/>
-          <a:p>
-            <a:pPr marL="0" lvl="0" indent="0" algn="ctr" rtl="0">
-              <a:spcBef>
-                <a:spcPts val="0"/>
-              </a:spcBef>
-              <a:spcAft>
-                <a:spcPts val="0"/>
-              </a:spcAft>
-              <a:buNone/>
-            </a:pPr>
-            <a:r>
-              <a:rPr lang="en" sz="2900" dirty="0">
-                <a:solidFill>
-                  <a:srgbClr val="FFC319"/>
-                </a:solidFill>
-                <a:latin typeface="Bebas Neue"/>
-                <a:ea typeface="Bebas Neue"/>
-                <a:cs typeface="Bebas Neue"/>
-                <a:sym typeface="Bebas Neue"/>
-              </a:rPr>
-              <a:t>$500</a:t>
-            </a:r>
-            <a:endParaRPr sz="2900" dirty="0">
-              <a:solidFill>
-                <a:srgbClr val="FFC319"/>
-              </a:solidFill>
-              <a:latin typeface="Bebas Neue"/>
-              <a:ea typeface="Bebas Neue"/>
-              <a:cs typeface="Bebas Neue"/>
-              <a:sym typeface="Bebas Neue"/>
-            </a:endParaRPr>
-          </a:p>
-        </p:txBody>
-      </p:sp>
-      <p:sp>
-        <p:nvSpPr>
-          <p:cNvPr id="260" name="Google Shape;260;p17">
-            <a:hlinkClick r:id="rId14" action="ppaction://hlinksldjump"/>
-          </p:cNvPr>
-          <p:cNvSpPr txBox="1"/>
-          <p:nvPr/>
-        </p:nvSpPr>
-        <p:spPr>
-          <a:xfrm>
-            <a:off x="4607975" y="2661262"/>
-            <a:ext cx="1265700" cy="584100"/>
-          </a:xfrm>
-          <a:prstGeom prst="rect">
-            <a:avLst/>
-          </a:prstGeom>
-          <a:noFill/>
-          <a:ln>
-            <a:noFill/>
-          </a:ln>
-          <a:effectLst>
-            <a:outerShdw dist="38100" dir="2700000" algn="bl" rotWithShape="0">
-              <a:schemeClr val="dk1">
-                <a:alpha val="90000"/>
-              </a:schemeClr>
-            </a:outerShdw>
-          </a:effectLst>
-        </p:spPr>
-        <p:txBody>
-          <a:bodyPr spcFirstLastPara="1" wrap="square" lIns="0" tIns="0" rIns="0" bIns="0" anchor="ctr" anchorCtr="0">
-            <a:noAutofit/>
-          </a:bodyPr>
-          <a:lstStyle/>
-          <a:p>
-            <a:pPr marL="0" lvl="0" indent="0" algn="ctr" rtl="0">
-              <a:spcBef>
-                <a:spcPts val="0"/>
-              </a:spcBef>
-              <a:spcAft>
-                <a:spcPts val="0"/>
-              </a:spcAft>
-              <a:buNone/>
-            </a:pPr>
-            <a:r>
-              <a:rPr lang="en" sz="2900" dirty="0">
-                <a:solidFill>
-                  <a:srgbClr val="FFC319"/>
-                </a:solidFill>
-                <a:latin typeface="Bebas Neue"/>
-                <a:ea typeface="Bebas Neue"/>
-                <a:cs typeface="Bebas Neue"/>
-                <a:sym typeface="Bebas Neue"/>
-              </a:rPr>
-              <a:t>$1000</a:t>
-            </a:r>
-            <a:endParaRPr sz="2900" dirty="0">
-              <a:solidFill>
-                <a:srgbClr val="FFC319"/>
-              </a:solidFill>
-              <a:latin typeface="Bebas Neue"/>
-              <a:ea typeface="Bebas Neue"/>
-              <a:cs typeface="Bebas Neue"/>
-              <a:sym typeface="Bebas Neue"/>
-            </a:endParaRPr>
-          </a:p>
-        </p:txBody>
-      </p:sp>
-      <p:sp>
-        <p:nvSpPr>
-          <p:cNvPr id="263" name="Google Shape;263;p17">
-            <a:hlinkClick r:id="rId15" action="ppaction://hlinksldjump"/>
-          </p:cNvPr>
-          <p:cNvSpPr txBox="1"/>
-          <p:nvPr/>
-        </p:nvSpPr>
-        <p:spPr>
-          <a:xfrm>
-            <a:off x="5949425" y="1317545"/>
-            <a:ext cx="1265700" cy="584100"/>
-          </a:xfrm>
-          <a:prstGeom prst="rect">
-            <a:avLst/>
-          </a:prstGeom>
-          <a:noFill/>
-          <a:ln>
-            <a:noFill/>
-          </a:ln>
-          <a:effectLst>
-            <a:outerShdw dist="38100" dir="2700000" algn="bl" rotWithShape="0">
-              <a:schemeClr val="dk1">
-                <a:alpha val="90000"/>
-              </a:schemeClr>
-            </a:outerShdw>
-          </a:effectLst>
-        </p:spPr>
-        <p:txBody>
-          <a:bodyPr spcFirstLastPara="1" wrap="square" lIns="0" tIns="0" rIns="0" bIns="0" anchor="ctr" anchorCtr="0">
-            <a:noAutofit/>
-          </a:bodyPr>
-          <a:lstStyle/>
-          <a:p>
-            <a:pPr marL="0" lvl="0" indent="0" algn="ctr" rtl="0">
-              <a:spcBef>
-                <a:spcPts val="0"/>
-              </a:spcBef>
-              <a:spcAft>
-                <a:spcPts val="0"/>
-              </a:spcAft>
-              <a:buNone/>
-            </a:pPr>
-            <a:r>
-              <a:rPr lang="en" sz="2900" dirty="0">
-                <a:solidFill>
-                  <a:srgbClr val="FFC319"/>
-                </a:solidFill>
-                <a:latin typeface="Bebas Neue"/>
-                <a:ea typeface="Bebas Neue"/>
-                <a:cs typeface="Bebas Neue"/>
-                <a:sym typeface="Bebas Neue"/>
-              </a:rPr>
-              <a:t>$250</a:t>
-            </a:r>
-            <a:endParaRPr sz="2900" dirty="0">
-              <a:solidFill>
-                <a:srgbClr val="FFC319"/>
-              </a:solidFill>
-              <a:latin typeface="Bebas Neue"/>
-              <a:ea typeface="Bebas Neue"/>
-              <a:cs typeface="Bebas Neue"/>
-              <a:sym typeface="Bebas Neue"/>
-            </a:endParaRPr>
-          </a:p>
-        </p:txBody>
-      </p:sp>
-      <p:sp>
-        <p:nvSpPr>
-          <p:cNvPr id="264" name="Google Shape;264;p17">
-            <a:hlinkClick r:id="" action="ppaction://noaction"/>
-          </p:cNvPr>
-          <p:cNvSpPr txBox="1"/>
-          <p:nvPr/>
-        </p:nvSpPr>
-        <p:spPr>
-          <a:xfrm>
-            <a:off x="5949425" y="1989397"/>
-            <a:ext cx="1265700" cy="584100"/>
-          </a:xfrm>
-          <a:prstGeom prst="rect">
-            <a:avLst/>
-          </a:prstGeom>
-          <a:noFill/>
-          <a:ln>
-            <a:noFill/>
-          </a:ln>
-          <a:effectLst>
-            <a:outerShdw dist="38100" dir="2700000" algn="bl" rotWithShape="0">
-              <a:schemeClr val="dk1">
-                <a:alpha val="90000"/>
-              </a:schemeClr>
-            </a:outerShdw>
-          </a:effectLst>
-        </p:spPr>
-        <p:txBody>
-          <a:bodyPr spcFirstLastPara="1" wrap="square" lIns="0" tIns="0" rIns="0" bIns="0" anchor="ctr" anchorCtr="0">
-            <a:noAutofit/>
-          </a:bodyPr>
-          <a:lstStyle/>
-          <a:p>
-            <a:pPr marL="0" lvl="0" indent="0" algn="ctr" rtl="0">
-              <a:spcBef>
-                <a:spcPts val="0"/>
-              </a:spcBef>
-              <a:spcAft>
-                <a:spcPts val="0"/>
-              </a:spcAft>
-              <a:buNone/>
-            </a:pPr>
-            <a:r>
-              <a:rPr lang="en" sz="2900" dirty="0">
-                <a:solidFill>
-                  <a:srgbClr val="FFC319"/>
-                </a:solidFill>
-                <a:latin typeface="Bebas Neue"/>
-                <a:ea typeface="Bebas Neue"/>
-                <a:cs typeface="Bebas Neue"/>
-                <a:sym typeface="Bebas Neue"/>
-              </a:rPr>
-              <a:t>$500</a:t>
-            </a:r>
-            <a:endParaRPr sz="2900" dirty="0">
-              <a:solidFill>
-                <a:srgbClr val="FFC319"/>
-              </a:solidFill>
-              <a:latin typeface="Bebas Neue"/>
-              <a:ea typeface="Bebas Neue"/>
-              <a:cs typeface="Bebas Neue"/>
-              <a:sym typeface="Bebas Neue"/>
-            </a:endParaRPr>
-          </a:p>
-        </p:txBody>
-      </p:sp>
-      <p:sp>
-        <p:nvSpPr>
-          <p:cNvPr id="265" name="Google Shape;265;p17">
-            <a:hlinkClick r:id="" action="ppaction://noaction"/>
-          </p:cNvPr>
-          <p:cNvSpPr txBox="1"/>
-          <p:nvPr/>
-        </p:nvSpPr>
-        <p:spPr>
-          <a:xfrm>
-            <a:off x="5949425" y="2661249"/>
             <a:ext cx="1265700" cy="584100"/>
           </a:xfrm>
           <a:prstGeom prst="rect">
@@ -25080,7 +25968,7 @@
                 <p:stCondLst>
                   <p:cond evt="onClick" delay="0">
                     <p:tgtEl>
-                      <p:spTgt spid="254"/>
+                      <p:spTgt spid="258"/>
                     </p:tgtEl>
                   </p:cond>
                 </p:stCondLst>
@@ -25110,209 +25998,13 @@
                                       <p:cBhvr>
                                         <p:cTn id="48" dur="500"/>
                                         <p:tgtEl>
-                                          <p:spTgt spid="254"/>
+                                          <p:spTgt spid="258"/>
                                         </p:tgtEl>
                                       </p:cBhvr>
                                     </p:animEffect>
                                     <p:set>
                                       <p:cBhvr>
                                         <p:cTn id="49" dur="1" fill="hold">
-                                          <p:stCondLst>
-                                            <p:cond delay="499"/>
-                                          </p:stCondLst>
-                                        </p:cTn>
-                                        <p:tgtEl>
-                                          <p:spTgt spid="254"/>
-                                        </p:tgtEl>
-                                        <p:attrNameLst>
-                                          <p:attrName>style.visibility</p:attrName>
-                                        </p:attrNameLst>
-                                      </p:cBhvr>
-                                      <p:to>
-                                        <p:strVal val="hidden"/>
-                                      </p:to>
-                                    </p:set>
-                                  </p:childTnLst>
-                                  <p:subTnLst>
-                                    <p:set>
-                                      <p:cBhvr override="childStyle">
-                                        <p:cTn dur="1" fill="hold" display="0" masterRel="sameClick" afterEffect="1">
-                                          <p:stCondLst>
-                                            <p:cond evt="end" delay="0">
-                                              <p:tn val="47"/>
-                                            </p:cond>
-                                          </p:stCondLst>
-                                        </p:cTn>
-                                        <p:tgtEl>
-                                          <p:spTgt spid="254"/>
-                                        </p:tgtEl>
-                                        <p:attrNameLst>
-                                          <p:attrName>style.visibility</p:attrName>
-                                        </p:attrNameLst>
-                                      </p:cBhvr>
-                                      <p:to>
-                                        <p:strVal val="hidden"/>
-                                      </p:to>
-                                    </p:set>
-                                  </p:subTnLst>
-                                </p:cTn>
-                              </p:par>
-                            </p:childTnLst>
-                          </p:cTn>
-                        </p:par>
-                      </p:childTnLst>
-                    </p:cTn>
-                  </p:par>
-                </p:childTnLst>
-              </p:cTn>
-              <p:nextCondLst>
-                <p:cond evt="onClick" delay="0">
-                  <p:tgtEl>
-                    <p:spTgt spid="254"/>
-                  </p:tgtEl>
-                </p:cond>
-              </p:nextCondLst>
-            </p:seq>
-            <p:seq concurrent="1" nextAc="seek">
-              <p:cTn id="50" restart="whenNotActive" fill="hold" evtFilter="cancelBubble" nodeType="interactiveSeq">
-                <p:stCondLst>
-                  <p:cond evt="onClick" delay="0">
-                    <p:tgtEl>
-                      <p:spTgt spid="255"/>
-                    </p:tgtEl>
-                  </p:cond>
-                </p:stCondLst>
-                <p:endSync evt="end" delay="0">
-                  <p:rtn val="all"/>
-                </p:endSync>
-                <p:childTnLst>
-                  <p:par>
-                    <p:cTn id="51" fill="hold">
-                      <p:stCondLst>
-                        <p:cond delay="0"/>
-                      </p:stCondLst>
-                      <p:childTnLst>
-                        <p:par>
-                          <p:cTn id="52" fill="hold">
-                            <p:stCondLst>
-                              <p:cond delay="0"/>
-                            </p:stCondLst>
-                            <p:childTnLst>
-                              <p:par>
-                                <p:cTn id="53" presetID="10" presetClass="exit" presetSubtype="0" fill="hold" grpId="0" nodeType="clickEffect">
-                                  <p:stCondLst>
-                                    <p:cond delay="0"/>
-                                  </p:stCondLst>
-                                  <p:childTnLst>
-                                    <p:animEffect transition="out" filter="fade">
-                                      <p:cBhvr>
-                                        <p:cTn id="54" dur="500"/>
-                                        <p:tgtEl>
-                                          <p:spTgt spid="255"/>
-                                        </p:tgtEl>
-                                      </p:cBhvr>
-                                    </p:animEffect>
-                                    <p:set>
-                                      <p:cBhvr>
-                                        <p:cTn id="55" dur="1" fill="hold">
-                                          <p:stCondLst>
-                                            <p:cond delay="499"/>
-                                          </p:stCondLst>
-                                        </p:cTn>
-                                        <p:tgtEl>
-                                          <p:spTgt spid="255"/>
-                                        </p:tgtEl>
-                                        <p:attrNameLst>
-                                          <p:attrName>style.visibility</p:attrName>
-                                        </p:attrNameLst>
-                                      </p:cBhvr>
-                                      <p:to>
-                                        <p:strVal val="hidden"/>
-                                      </p:to>
-                                    </p:set>
-                                  </p:childTnLst>
-                                  <p:subTnLst>
-                                    <p:set>
-                                      <p:cBhvr override="childStyle">
-                                        <p:cTn dur="1" fill="hold" display="0" masterRel="sameClick" afterEffect="1">
-                                          <p:stCondLst>
-                                            <p:cond evt="end" delay="0">
-                                              <p:tn val="53"/>
-                                            </p:cond>
-                                          </p:stCondLst>
-                                        </p:cTn>
-                                        <p:tgtEl>
-                                          <p:spTgt spid="255"/>
-                                        </p:tgtEl>
-                                        <p:attrNameLst>
-                                          <p:attrName>style.visibility</p:attrName>
-                                        </p:attrNameLst>
-                                      </p:cBhvr>
-                                      <p:to>
-                                        <p:strVal val="hidden"/>
-                                      </p:to>
-                                    </p:set>
-                                  </p:subTnLst>
-                                </p:cTn>
-                              </p:par>
-                            </p:childTnLst>
-                          </p:cTn>
-                        </p:par>
-                      </p:childTnLst>
-                    </p:cTn>
-                  </p:par>
-                </p:childTnLst>
-              </p:cTn>
-              <p:nextCondLst>
-                <p:cond evt="onClick" delay="0">
-                  <p:tgtEl>
-                    <p:spTgt spid="255"/>
-                  </p:tgtEl>
-                </p:cond>
-              </p:nextCondLst>
-            </p:seq>
-            <p:seq concurrent="1" nextAc="seek">
-              <p:cTn id="56" restart="whenNotActive" fill="hold" evtFilter="cancelBubble" nodeType="interactiveSeq">
-                <p:stCondLst>
-                  <p:cond evt="onClick" delay="0">
-                    <p:tgtEl>
-                      <p:spTgt spid="258"/>
-                    </p:tgtEl>
-                  </p:cond>
-                </p:stCondLst>
-                <p:endSync evt="end" delay="0">
-                  <p:rtn val="all"/>
-                </p:endSync>
-                <p:childTnLst>
-                  <p:par>
-                    <p:cTn id="57" fill="hold">
-                      <p:stCondLst>
-                        <p:cond delay="0"/>
-                      </p:stCondLst>
-                      <p:childTnLst>
-                        <p:par>
-                          <p:cTn id="58" fill="hold">
-                            <p:stCondLst>
-                              <p:cond delay="0"/>
-                            </p:stCondLst>
-                            <p:childTnLst>
-                              <p:par>
-                                <p:cTn id="59" presetID="10" presetClass="exit" presetSubtype="0" fill="hold" grpId="0" nodeType="clickEffect">
-                                  <p:stCondLst>
-                                    <p:cond delay="0"/>
-                                  </p:stCondLst>
-                                  <p:childTnLst>
-                                    <p:animEffect transition="out" filter="fade">
-                                      <p:cBhvr>
-                                        <p:cTn id="60" dur="500"/>
-                                        <p:tgtEl>
-                                          <p:spTgt spid="258"/>
-                                        </p:tgtEl>
-                                      </p:cBhvr>
-                                    </p:animEffect>
-                                    <p:set>
-                                      <p:cBhvr>
-                                        <p:cTn id="61" dur="1" fill="hold">
                                           <p:stCondLst>
                                             <p:cond delay="499"/>
                                           </p:stCondLst>
@@ -25335,7 +26027,7 @@
                                         <p:cTn dur="1" fill="hold" display="0" masterRel="sameClick" afterEffect="1">
                                           <p:stCondLst>
                                             <p:cond evt="end" delay="0">
-                                              <p:tn val="59"/>
+                                              <p:tn val="47"/>
                                             </p:cond>
                                           </p:stCondLst>
                                         </p:cTn>
@@ -25370,203 +26062,7 @@
               </p:nextCondLst>
             </p:seq>
             <p:seq concurrent="1" nextAc="seek">
-              <p:cTn id="62" restart="whenNotActive" fill="hold" evtFilter="cancelBubble" nodeType="interactiveSeq">
-                <p:stCondLst>
-                  <p:cond evt="onClick" delay="0">
-                    <p:tgtEl>
-                      <p:spTgt spid="259"/>
-                    </p:tgtEl>
-                  </p:cond>
-                </p:stCondLst>
-                <p:endSync evt="end" delay="0">
-                  <p:rtn val="all"/>
-                </p:endSync>
-                <p:childTnLst>
-                  <p:par>
-                    <p:cTn id="63" fill="hold">
-                      <p:stCondLst>
-                        <p:cond delay="0"/>
-                      </p:stCondLst>
-                      <p:childTnLst>
-                        <p:par>
-                          <p:cTn id="64" fill="hold">
-                            <p:stCondLst>
-                              <p:cond delay="0"/>
-                            </p:stCondLst>
-                            <p:childTnLst>
-                              <p:par>
-                                <p:cTn id="65" presetID="10" presetClass="exit" presetSubtype="0" fill="hold" grpId="0" nodeType="clickEffect">
-                                  <p:stCondLst>
-                                    <p:cond delay="0"/>
-                                  </p:stCondLst>
-                                  <p:childTnLst>
-                                    <p:animEffect transition="out" filter="fade">
-                                      <p:cBhvr>
-                                        <p:cTn id="66" dur="500"/>
-                                        <p:tgtEl>
-                                          <p:spTgt spid="259"/>
-                                        </p:tgtEl>
-                                      </p:cBhvr>
-                                    </p:animEffect>
-                                    <p:set>
-                                      <p:cBhvr>
-                                        <p:cTn id="67" dur="1" fill="hold">
-                                          <p:stCondLst>
-                                            <p:cond delay="499"/>
-                                          </p:stCondLst>
-                                        </p:cTn>
-                                        <p:tgtEl>
-                                          <p:spTgt spid="259"/>
-                                        </p:tgtEl>
-                                        <p:attrNameLst>
-                                          <p:attrName>style.visibility</p:attrName>
-                                        </p:attrNameLst>
-                                      </p:cBhvr>
-                                      <p:to>
-                                        <p:strVal val="hidden"/>
-                                      </p:to>
-                                    </p:set>
-                                  </p:childTnLst>
-                                  <p:subTnLst>
-                                    <p:set>
-                                      <p:cBhvr override="childStyle">
-                                        <p:cTn dur="1" fill="hold" display="0" masterRel="sameClick" afterEffect="1">
-                                          <p:stCondLst>
-                                            <p:cond evt="end" delay="0">
-                                              <p:tn val="65"/>
-                                            </p:cond>
-                                          </p:stCondLst>
-                                        </p:cTn>
-                                        <p:tgtEl>
-                                          <p:spTgt spid="259"/>
-                                        </p:tgtEl>
-                                        <p:attrNameLst>
-                                          <p:attrName>style.visibility</p:attrName>
-                                        </p:attrNameLst>
-                                      </p:cBhvr>
-                                      <p:to>
-                                        <p:strVal val="hidden"/>
-                                      </p:to>
-                                    </p:set>
-                                  </p:subTnLst>
-                                </p:cTn>
-                              </p:par>
-                            </p:childTnLst>
-                          </p:cTn>
-                        </p:par>
-                      </p:childTnLst>
-                    </p:cTn>
-                  </p:par>
-                </p:childTnLst>
-              </p:cTn>
-              <p:nextCondLst>
-                <p:cond evt="onClick" delay="0">
-                  <p:tgtEl>
-                    <p:spTgt spid="259"/>
-                  </p:tgtEl>
-                </p:cond>
-              </p:nextCondLst>
-            </p:seq>
-            <p:seq concurrent="1" nextAc="seek">
-              <p:cTn id="68" restart="whenNotActive" fill="hold" evtFilter="cancelBubble" nodeType="interactiveSeq">
-                <p:stCondLst>
-                  <p:cond evt="onClick" delay="0">
-                    <p:tgtEl>
-                      <p:spTgt spid="260"/>
-                    </p:tgtEl>
-                  </p:cond>
-                </p:stCondLst>
-                <p:endSync evt="end" delay="0">
-                  <p:rtn val="all"/>
-                </p:endSync>
-                <p:childTnLst>
-                  <p:par>
-                    <p:cTn id="69" fill="hold">
-                      <p:stCondLst>
-                        <p:cond delay="0"/>
-                      </p:stCondLst>
-                      <p:childTnLst>
-                        <p:par>
-                          <p:cTn id="70" fill="hold">
-                            <p:stCondLst>
-                              <p:cond delay="0"/>
-                            </p:stCondLst>
-                            <p:childTnLst>
-                              <p:par>
-                                <p:cTn id="71" presetID="10" presetClass="exit" presetSubtype="0" fill="hold" grpId="0" nodeType="clickEffect">
-                                  <p:stCondLst>
-                                    <p:cond delay="0"/>
-                                  </p:stCondLst>
-                                  <p:childTnLst>
-                                    <p:animEffect transition="out" filter="fade">
-                                      <p:cBhvr>
-                                        <p:cTn id="72" dur="500"/>
-                                        <p:tgtEl>
-                                          <p:spTgt spid="260"/>
-                                        </p:tgtEl>
-                                      </p:cBhvr>
-                                    </p:animEffect>
-                                    <p:set>
-                                      <p:cBhvr>
-                                        <p:cTn id="73" dur="1" fill="hold">
-                                          <p:stCondLst>
-                                            <p:cond delay="499"/>
-                                          </p:stCondLst>
-                                        </p:cTn>
-                                        <p:tgtEl>
-                                          <p:spTgt spid="260"/>
-                                        </p:tgtEl>
-                                        <p:attrNameLst>
-                                          <p:attrName>style.visibility</p:attrName>
-                                        </p:attrNameLst>
-                                      </p:cBhvr>
-                                      <p:to>
-                                        <p:strVal val="hidden"/>
-                                      </p:to>
-                                    </p:set>
-                                  </p:childTnLst>
-                                  <p:subTnLst>
-                                    <p:set>
-                                      <p:cBhvr override="childStyle">
-                                        <p:cTn dur="1" fill="hold" display="0" masterRel="sameClick" afterEffect="1">
-                                          <p:stCondLst>
-                                            <p:cond evt="end" delay="0">
-                                              <p:tn val="71"/>
-                                            </p:cond>
-                                          </p:stCondLst>
-                                        </p:cTn>
-                                        <p:tgtEl>
-                                          <p:spTgt spid="260"/>
-                                        </p:tgtEl>
-                                        <p:attrNameLst>
-                                          <p:attrName>style.visibility</p:attrName>
-                                        </p:attrNameLst>
-                                      </p:cBhvr>
-                                      <p:to>
-                                        <p:strVal val="hidden"/>
-                                      </p:to>
-                                    </p:set>
-                                  </p:subTnLst>
-                                </p:cTn>
-                              </p:par>
-                            </p:childTnLst>
-                          </p:cTn>
-                        </p:par>
-                      </p:childTnLst>
-                    </p:cTn>
-                  </p:par>
-                </p:childTnLst>
-              </p:cTn>
-              <p:nextCondLst>
-                <p:cond evt="onClick" delay="0">
-                  <p:tgtEl>
-                    <p:spTgt spid="260"/>
-                  </p:tgtEl>
-                </p:cond>
-              </p:nextCondLst>
-            </p:seq>
-            <p:seq concurrent="1" nextAc="seek">
-              <p:cTn id="74" restart="whenNotActive" fill="hold" evtFilter="cancelBubble" nodeType="interactiveSeq">
+              <p:cTn id="50" restart="whenNotActive" fill="hold" evtFilter="cancelBubble" nodeType="interactiveSeq">
                 <p:stCondLst>
                   <p:cond evt="onClick" delay="0">
                     <p:tgtEl>
@@ -25579,26 +26075,26 @@
                 </p:endSync>
                 <p:childTnLst>
                   <p:par>
-                    <p:cTn id="75" fill="hold">
+                    <p:cTn id="51" fill="hold">
                       <p:stCondLst>
                         <p:cond delay="0"/>
                       </p:stCondLst>
                       <p:childTnLst>
                         <p:par>
-                          <p:cTn id="76" fill="hold">
+                          <p:cTn id="52" fill="hold">
                             <p:stCondLst>
                               <p:cond delay="0"/>
                             </p:stCondLst>
                             <p:childTnLst>
                               <p:par>
-                                <p:cTn id="77" presetID="10" presetClass="exit" presetSubtype="0" fill="hold" grpId="0" nodeType="clickEffect">
+                                <p:cTn id="53" presetID="10" presetClass="exit" presetSubtype="0" fill="hold" grpId="0" nodeType="clickEffect">
                                   <p:stCondLst>
                                     <p:cond delay="0"/>
                                   </p:stCondLst>
                                   <p:childTnLst>
                                     <p:animEffect transition="out" filter="fade">
                                       <p:cBhvr>
-                                        <p:cTn id="78" dur="500"/>
+                                        <p:cTn id="54" dur="500"/>
                                         <p:tgtEl>
                                           <p:spTgt spid="263"/>
                                         </p:tgtEl>
@@ -25606,7 +26102,7 @@
                                     </p:animEffect>
                                     <p:set>
                                       <p:cBhvr>
-                                        <p:cTn id="79" dur="1" fill="hold">
+                                        <p:cTn id="55" dur="1" fill="hold">
                                           <p:stCondLst>
                                             <p:cond delay="499"/>
                                           </p:stCondLst>
@@ -25629,7 +26125,7 @@
                                         <p:cTn dur="1" fill="hold" display="0" masterRel="sameClick" afterEffect="1">
                                           <p:stCondLst>
                                             <p:cond evt="end" delay="0">
-                                              <p:tn val="77"/>
+                                              <p:tn val="53"/>
                                             </p:cond>
                                           </p:stCondLst>
                                         </p:cTn>
@@ -25664,11 +26160,403 @@
               </p:nextCondLst>
             </p:seq>
             <p:seq concurrent="1" nextAc="seek">
+              <p:cTn id="56" restart="whenNotActive" fill="hold" evtFilter="cancelBubble" nodeType="interactiveSeq">
+                <p:stCondLst>
+                  <p:cond evt="onClick" delay="0">
+                    <p:tgtEl>
+                      <p:spTgt spid="2"/>
+                    </p:tgtEl>
+                  </p:cond>
+                </p:stCondLst>
+                <p:endSync evt="end" delay="0">
+                  <p:rtn val="all"/>
+                </p:endSync>
+                <p:childTnLst>
+                  <p:par>
+                    <p:cTn id="57" fill="hold">
+                      <p:stCondLst>
+                        <p:cond delay="0"/>
+                      </p:stCondLst>
+                      <p:childTnLst>
+                        <p:par>
+                          <p:cTn id="58" fill="hold">
+                            <p:stCondLst>
+                              <p:cond delay="0"/>
+                            </p:stCondLst>
+                            <p:childTnLst>
+                              <p:par>
+                                <p:cTn id="59" presetID="10" presetClass="exit" presetSubtype="0" fill="hold" grpId="0" nodeType="clickEffect">
+                                  <p:stCondLst>
+                                    <p:cond delay="0"/>
+                                  </p:stCondLst>
+                                  <p:childTnLst>
+                                    <p:animEffect transition="out" filter="fade">
+                                      <p:cBhvr>
+                                        <p:cTn id="60" dur="500"/>
+                                        <p:tgtEl>
+                                          <p:spTgt spid="2"/>
+                                        </p:tgtEl>
+                                      </p:cBhvr>
+                                    </p:animEffect>
+                                    <p:set>
+                                      <p:cBhvr>
+                                        <p:cTn id="61" dur="1" fill="hold">
+                                          <p:stCondLst>
+                                            <p:cond delay="499"/>
+                                          </p:stCondLst>
+                                        </p:cTn>
+                                        <p:tgtEl>
+                                          <p:spTgt spid="2"/>
+                                        </p:tgtEl>
+                                        <p:attrNameLst>
+                                          <p:attrName>style.visibility</p:attrName>
+                                        </p:attrNameLst>
+                                      </p:cBhvr>
+                                      <p:to>
+                                        <p:strVal val="hidden"/>
+                                      </p:to>
+                                    </p:set>
+                                  </p:childTnLst>
+                                  <p:subTnLst>
+                                    <p:set>
+                                      <p:cBhvr override="childStyle">
+                                        <p:cTn dur="1" fill="hold" display="0" masterRel="sameClick" afterEffect="1">
+                                          <p:stCondLst>
+                                            <p:cond evt="end" delay="0">
+                                              <p:tn val="59"/>
+                                            </p:cond>
+                                          </p:stCondLst>
+                                        </p:cTn>
+                                        <p:tgtEl>
+                                          <p:spTgt spid="2"/>
+                                        </p:tgtEl>
+                                        <p:attrNameLst>
+                                          <p:attrName>style.visibility</p:attrName>
+                                        </p:attrNameLst>
+                                      </p:cBhvr>
+                                      <p:to>
+                                        <p:strVal val="hidden"/>
+                                      </p:to>
+                                    </p:set>
+                                  </p:subTnLst>
+                                </p:cTn>
+                              </p:par>
+                            </p:childTnLst>
+                          </p:cTn>
+                        </p:par>
+                      </p:childTnLst>
+                    </p:cTn>
+                  </p:par>
+                </p:childTnLst>
+              </p:cTn>
+              <p:nextCondLst>
+                <p:cond evt="onClick" delay="0">
+                  <p:tgtEl>
+                    <p:spTgt spid="2"/>
+                  </p:tgtEl>
+                </p:cond>
+              </p:nextCondLst>
+            </p:seq>
+            <p:seq concurrent="1" nextAc="seek">
+              <p:cTn id="62" restart="whenNotActive" fill="hold" evtFilter="cancelBubble" nodeType="interactiveSeq">
+                <p:stCondLst>
+                  <p:cond evt="onClick" delay="0">
+                    <p:tgtEl>
+                      <p:spTgt spid="5"/>
+                    </p:tgtEl>
+                  </p:cond>
+                </p:stCondLst>
+                <p:endSync evt="end" delay="0">
+                  <p:rtn val="all"/>
+                </p:endSync>
+                <p:childTnLst>
+                  <p:par>
+                    <p:cTn id="63" fill="hold">
+                      <p:stCondLst>
+                        <p:cond delay="0"/>
+                      </p:stCondLst>
+                      <p:childTnLst>
+                        <p:par>
+                          <p:cTn id="64" fill="hold">
+                            <p:stCondLst>
+                              <p:cond delay="0"/>
+                            </p:stCondLst>
+                            <p:childTnLst>
+                              <p:par>
+                                <p:cTn id="65" presetID="10" presetClass="exit" presetSubtype="0" fill="hold" grpId="0" nodeType="clickEffect">
+                                  <p:stCondLst>
+                                    <p:cond delay="0"/>
+                                  </p:stCondLst>
+                                  <p:childTnLst>
+                                    <p:animEffect transition="out" filter="fade">
+                                      <p:cBhvr>
+                                        <p:cTn id="66" dur="500"/>
+                                        <p:tgtEl>
+                                          <p:spTgt spid="5"/>
+                                        </p:tgtEl>
+                                      </p:cBhvr>
+                                    </p:animEffect>
+                                    <p:set>
+                                      <p:cBhvr>
+                                        <p:cTn id="67" dur="1" fill="hold">
+                                          <p:stCondLst>
+                                            <p:cond delay="499"/>
+                                          </p:stCondLst>
+                                        </p:cTn>
+                                        <p:tgtEl>
+                                          <p:spTgt spid="5"/>
+                                        </p:tgtEl>
+                                        <p:attrNameLst>
+                                          <p:attrName>style.visibility</p:attrName>
+                                        </p:attrNameLst>
+                                      </p:cBhvr>
+                                      <p:to>
+                                        <p:strVal val="hidden"/>
+                                      </p:to>
+                                    </p:set>
+                                  </p:childTnLst>
+                                  <p:subTnLst>
+                                    <p:set>
+                                      <p:cBhvr override="childStyle">
+                                        <p:cTn dur="1" fill="hold" display="0" masterRel="sameClick" afterEffect="1">
+                                          <p:stCondLst>
+                                            <p:cond evt="end" delay="0">
+                                              <p:tn val="65"/>
+                                            </p:cond>
+                                          </p:stCondLst>
+                                        </p:cTn>
+                                        <p:tgtEl>
+                                          <p:spTgt spid="5"/>
+                                        </p:tgtEl>
+                                        <p:attrNameLst>
+                                          <p:attrName>style.visibility</p:attrName>
+                                        </p:attrNameLst>
+                                      </p:cBhvr>
+                                      <p:to>
+                                        <p:strVal val="hidden"/>
+                                      </p:to>
+                                    </p:set>
+                                  </p:subTnLst>
+                                </p:cTn>
+                              </p:par>
+                            </p:childTnLst>
+                          </p:cTn>
+                        </p:par>
+                      </p:childTnLst>
+                    </p:cTn>
+                  </p:par>
+                </p:childTnLst>
+              </p:cTn>
+              <p:nextCondLst>
+                <p:cond evt="onClick" delay="0">
+                  <p:tgtEl>
+                    <p:spTgt spid="5"/>
+                  </p:tgtEl>
+                </p:cond>
+              </p:nextCondLst>
+            </p:seq>
+            <p:seq concurrent="1" nextAc="seek">
+              <p:cTn id="68" restart="whenNotActive" fill="hold" evtFilter="cancelBubble" nodeType="interactiveSeq">
+                <p:stCondLst>
+                  <p:cond evt="onClick" delay="0">
+                    <p:tgtEl>
+                      <p:spTgt spid="6"/>
+                    </p:tgtEl>
+                  </p:cond>
+                </p:stCondLst>
+                <p:endSync evt="end" delay="0">
+                  <p:rtn val="all"/>
+                </p:endSync>
+                <p:childTnLst>
+                  <p:par>
+                    <p:cTn id="69" fill="hold">
+                      <p:stCondLst>
+                        <p:cond delay="0"/>
+                      </p:stCondLst>
+                      <p:childTnLst>
+                        <p:par>
+                          <p:cTn id="70" fill="hold">
+                            <p:stCondLst>
+                              <p:cond delay="0"/>
+                            </p:stCondLst>
+                            <p:childTnLst>
+                              <p:par>
+                                <p:cTn id="71" presetID="10" presetClass="exit" presetSubtype="0" fill="hold" grpId="0" nodeType="clickEffect">
+                                  <p:stCondLst>
+                                    <p:cond delay="0"/>
+                                  </p:stCondLst>
+                                  <p:childTnLst>
+                                    <p:animEffect transition="out" filter="fade">
+                                      <p:cBhvr>
+                                        <p:cTn id="72" dur="500"/>
+                                        <p:tgtEl>
+                                          <p:spTgt spid="6"/>
+                                        </p:tgtEl>
+                                      </p:cBhvr>
+                                    </p:animEffect>
+                                    <p:set>
+                                      <p:cBhvr>
+                                        <p:cTn id="73" dur="1" fill="hold">
+                                          <p:stCondLst>
+                                            <p:cond delay="499"/>
+                                          </p:stCondLst>
+                                        </p:cTn>
+                                        <p:tgtEl>
+                                          <p:spTgt spid="6"/>
+                                        </p:tgtEl>
+                                        <p:attrNameLst>
+                                          <p:attrName>style.visibility</p:attrName>
+                                        </p:attrNameLst>
+                                      </p:cBhvr>
+                                      <p:to>
+                                        <p:strVal val="hidden"/>
+                                      </p:to>
+                                    </p:set>
+                                  </p:childTnLst>
+                                  <p:subTnLst>
+                                    <p:set>
+                                      <p:cBhvr override="childStyle">
+                                        <p:cTn dur="1" fill="hold" display="0" masterRel="sameClick" afterEffect="1">
+                                          <p:stCondLst>
+                                            <p:cond evt="end" delay="0">
+                                              <p:tn val="71"/>
+                                            </p:cond>
+                                          </p:stCondLst>
+                                        </p:cTn>
+                                        <p:tgtEl>
+                                          <p:spTgt spid="6"/>
+                                        </p:tgtEl>
+                                        <p:attrNameLst>
+                                          <p:attrName>style.visibility</p:attrName>
+                                        </p:attrNameLst>
+                                      </p:cBhvr>
+                                      <p:to>
+                                        <p:strVal val="hidden"/>
+                                      </p:to>
+                                    </p:set>
+                                  </p:subTnLst>
+                                </p:cTn>
+                              </p:par>
+                            </p:childTnLst>
+                          </p:cTn>
+                        </p:par>
+                      </p:childTnLst>
+                    </p:cTn>
+                  </p:par>
+                </p:childTnLst>
+              </p:cTn>
+              <p:nextCondLst>
+                <p:cond evt="onClick" delay="0">
+                  <p:tgtEl>
+                    <p:spTgt spid="6"/>
+                  </p:tgtEl>
+                </p:cond>
+              </p:nextCondLst>
+            </p:seq>
+            <p:seq concurrent="1" nextAc="seek">
+              <p:cTn id="74" restart="whenNotActive" fill="hold" evtFilter="cancelBubble" nodeType="interactiveSeq">
+                <p:stCondLst>
+                  <p:cond evt="onClick" delay="0">
+                    <p:tgtEl>
+                      <p:spTgt spid="7"/>
+                    </p:tgtEl>
+                  </p:cond>
+                </p:stCondLst>
+                <p:endSync evt="end" delay="0">
+                  <p:rtn val="all"/>
+                </p:endSync>
+                <p:childTnLst>
+                  <p:par>
+                    <p:cTn id="75" fill="hold">
+                      <p:stCondLst>
+                        <p:cond delay="0"/>
+                      </p:stCondLst>
+                      <p:childTnLst>
+                        <p:par>
+                          <p:cTn id="76" fill="hold">
+                            <p:stCondLst>
+                              <p:cond delay="0"/>
+                            </p:stCondLst>
+                            <p:childTnLst>
+                              <p:par>
+                                <p:cTn id="77" presetID="10" presetClass="exit" presetSubtype="0" fill="hold" grpId="0" nodeType="clickEffect">
+                                  <p:stCondLst>
+                                    <p:cond delay="0"/>
+                                  </p:stCondLst>
+                                  <p:childTnLst>
+                                    <p:animEffect transition="out" filter="fade">
+                                      <p:cBhvr>
+                                        <p:cTn id="78" dur="500"/>
+                                        <p:tgtEl>
+                                          <p:spTgt spid="7"/>
+                                        </p:tgtEl>
+                                      </p:cBhvr>
+                                    </p:animEffect>
+                                    <p:set>
+                                      <p:cBhvr>
+                                        <p:cTn id="79" dur="1" fill="hold">
+                                          <p:stCondLst>
+                                            <p:cond delay="499"/>
+                                          </p:stCondLst>
+                                        </p:cTn>
+                                        <p:tgtEl>
+                                          <p:spTgt spid="7"/>
+                                        </p:tgtEl>
+                                        <p:attrNameLst>
+                                          <p:attrName>style.visibility</p:attrName>
+                                        </p:attrNameLst>
+                                      </p:cBhvr>
+                                      <p:to>
+                                        <p:strVal val="hidden"/>
+                                      </p:to>
+                                    </p:set>
+                                  </p:childTnLst>
+                                  <p:subTnLst>
+                                    <p:set>
+                                      <p:cBhvr override="childStyle">
+                                        <p:cTn dur="1" fill="hold" display="0" masterRel="sameClick" afterEffect="1">
+                                          <p:stCondLst>
+                                            <p:cond evt="end" delay="0">
+                                              <p:tn val="77"/>
+                                            </p:cond>
+                                          </p:stCondLst>
+                                        </p:cTn>
+                                        <p:tgtEl>
+                                          <p:spTgt spid="7"/>
+                                        </p:tgtEl>
+                                        <p:attrNameLst>
+                                          <p:attrName>style.visibility</p:attrName>
+                                        </p:attrNameLst>
+                                      </p:cBhvr>
+                                      <p:to>
+                                        <p:strVal val="hidden"/>
+                                      </p:to>
+                                    </p:set>
+                                  </p:subTnLst>
+                                </p:cTn>
+                              </p:par>
+                            </p:childTnLst>
+                          </p:cTn>
+                        </p:par>
+                      </p:childTnLst>
+                    </p:cTn>
+                  </p:par>
+                </p:childTnLst>
+              </p:cTn>
+              <p:nextCondLst>
+                <p:cond evt="onClick" delay="0">
+                  <p:tgtEl>
+                    <p:spTgt spid="7"/>
+                  </p:tgtEl>
+                </p:cond>
+              </p:nextCondLst>
+            </p:seq>
+            <p:seq concurrent="1" nextAc="seek">
               <p:cTn id="80" restart="whenNotActive" fill="hold" evtFilter="cancelBubble" nodeType="interactiveSeq">
                 <p:stCondLst>
                   <p:cond evt="onClick" delay="0">
                     <p:tgtEl>
-                      <p:spTgt spid="264"/>
+                      <p:spTgt spid="8"/>
                     </p:tgtEl>
                   </p:cond>
                 </p:stCondLst>
@@ -25698,7 +26586,7 @@
                                       <p:cBhvr>
                                         <p:cTn id="84" dur="500"/>
                                         <p:tgtEl>
-                                          <p:spTgt spid="264"/>
+                                          <p:spTgt spid="8"/>
                                         </p:tgtEl>
                                       </p:cBhvr>
                                     </p:animEffect>
@@ -25710,7 +26598,7 @@
                                           </p:stCondLst>
                                         </p:cTn>
                                         <p:tgtEl>
-                                          <p:spTgt spid="264"/>
+                                          <p:spTgt spid="8"/>
                                         </p:tgtEl>
                                         <p:attrNameLst>
                                           <p:attrName>style.visibility</p:attrName>
@@ -25732,7 +26620,7 @@
                                           </p:stCondLst>
                                         </p:cTn>
                                         <p:tgtEl>
-                                          <p:spTgt spid="264"/>
+                                          <p:spTgt spid="8"/>
                                         </p:tgtEl>
                                         <p:attrNameLst>
                                           <p:attrName>style.visibility</p:attrName>
@@ -25756,7 +26644,7 @@
               <p:nextCondLst>
                 <p:cond evt="onClick" delay="0">
                   <p:tgtEl>
-                    <p:spTgt spid="264"/>
+                    <p:spTgt spid="8"/>
                   </p:tgtEl>
                 </p:cond>
               </p:nextCondLst>
@@ -25766,7 +26654,7 @@
                 <p:stCondLst>
                   <p:cond evt="onClick" delay="0">
                     <p:tgtEl>
-                      <p:spTgt spid="265"/>
+                      <p:spTgt spid="9"/>
                     </p:tgtEl>
                   </p:cond>
                 </p:stCondLst>
@@ -25796,7 +26684,7 @@
                                       <p:cBhvr>
                                         <p:cTn id="90" dur="500"/>
                                         <p:tgtEl>
-                                          <p:spTgt spid="265"/>
+                                          <p:spTgt spid="9"/>
                                         </p:tgtEl>
                                       </p:cBhvr>
                                     </p:animEffect>
@@ -25808,7 +26696,7 @@
                                           </p:stCondLst>
                                         </p:cTn>
                                         <p:tgtEl>
-                                          <p:spTgt spid="265"/>
+                                          <p:spTgt spid="9"/>
                                         </p:tgtEl>
                                         <p:attrNameLst>
                                           <p:attrName>style.visibility</p:attrName>
@@ -25830,7 +26718,7 @@
                                           </p:stCondLst>
                                         </p:cTn>
                                         <p:tgtEl>
-                                          <p:spTgt spid="265"/>
+                                          <p:spTgt spid="9"/>
                                         </p:tgtEl>
                                         <p:attrNameLst>
                                           <p:attrName>style.visibility</p:attrName>
@@ -25854,7 +26742,7 @@
               <p:nextCondLst>
                 <p:cond evt="onClick" delay="0">
                   <p:tgtEl>
-                    <p:spTgt spid="265"/>
+                    <p:spTgt spid="9"/>
                   </p:tgtEl>
                 </p:cond>
               </p:nextCondLst>
@@ -25871,14 +26759,14 @@
       <p:bldP spid="249" grpId="0"/>
       <p:bldP spid="250" grpId="0"/>
       <p:bldP spid="253" grpId="0"/>
-      <p:bldP spid="254" grpId="0"/>
-      <p:bldP spid="255" grpId="0"/>
       <p:bldP spid="258" grpId="0"/>
-      <p:bldP spid="259" grpId="0"/>
-      <p:bldP spid="260" grpId="0"/>
       <p:bldP spid="263" grpId="0"/>
-      <p:bldP spid="264" grpId="0"/>
-      <p:bldP spid="265" grpId="0"/>
+      <p:bldP spid="2" grpId="0"/>
+      <p:bldP spid="5" grpId="0"/>
+      <p:bldP spid="6" grpId="0"/>
+      <p:bldP spid="7" grpId="0"/>
+      <p:bldP spid="8" grpId="0"/>
+      <p:bldP spid="9" grpId="0"/>
     </p:bldLst>
   </p:timing>
 </p:sld>
@@ -26277,6 +27165,44 @@
           </a:prstGeom>
         </p:spPr>
       </p:pic>
+      <p:sp>
+        <p:nvSpPr>
+          <p:cNvPr id="2" name="TextBox 1">
+            <a:extLst>
+              <a:ext uri="{FF2B5EF4-FFF2-40B4-BE49-F238E27FC236}">
+                <a16:creationId xmlns:a16="http://schemas.microsoft.com/office/drawing/2014/main" id="{E2B94619-D591-5D3F-C263-E79B6F987C9A}"/>
+              </a:ext>
+            </a:extLst>
+          </p:cNvPr>
+          <p:cNvSpPr txBox="1"/>
+          <p:nvPr/>
+        </p:nvSpPr>
+        <p:spPr>
+          <a:xfrm>
+            <a:off x="7201113" y="4257202"/>
+            <a:ext cx="1505068" cy="307777"/>
+          </a:xfrm>
+          <a:prstGeom prst="rect">
+            <a:avLst/>
+          </a:prstGeom>
+          <a:noFill/>
+        </p:spPr>
+        <p:txBody>
+          <a:bodyPr wrap="square" rtlCol="0">
+            <a:spAutoFit/>
+          </a:bodyPr>
+          <a:lstStyle/>
+          <a:p>
+            <a:r>
+              <a:rPr lang="en-CA" dirty="0">
+                <a:hlinkClick r:id="rId4" action="ppaction://hlinksldjump"/>
+              </a:rPr>
+              <a:t>Question board</a:t>
+            </a:r>
+            <a:endParaRPr lang="en-CA" dirty="0"/>
+          </a:p>
+        </p:txBody>
+      </p:sp>
     </p:spTree>
   </p:cSld>
   <p:clrMapOvr>
@@ -26426,6 +27352,44 @@
           </a:prstGeom>
         </p:spPr>
       </p:pic>
+      <p:sp>
+        <p:nvSpPr>
+          <p:cNvPr id="2" name="TextBox 1">
+            <a:extLst>
+              <a:ext uri="{FF2B5EF4-FFF2-40B4-BE49-F238E27FC236}">
+                <a16:creationId xmlns:a16="http://schemas.microsoft.com/office/drawing/2014/main" id="{A03FFA0C-FB07-6319-AA9D-F430A880DB78}"/>
+              </a:ext>
+            </a:extLst>
+          </p:cNvPr>
+          <p:cNvSpPr txBox="1"/>
+          <p:nvPr/>
+        </p:nvSpPr>
+        <p:spPr>
+          <a:xfrm>
+            <a:off x="7201113" y="4257202"/>
+            <a:ext cx="1505068" cy="307777"/>
+          </a:xfrm>
+          <a:prstGeom prst="rect">
+            <a:avLst/>
+          </a:prstGeom>
+          <a:noFill/>
+        </p:spPr>
+        <p:txBody>
+          <a:bodyPr wrap="square" rtlCol="0">
+            <a:spAutoFit/>
+          </a:bodyPr>
+          <a:lstStyle/>
+          <a:p>
+            <a:r>
+              <a:rPr lang="en-CA" dirty="0">
+                <a:hlinkClick r:id="rId4" action="ppaction://hlinksldjump"/>
+              </a:rPr>
+              <a:t>Question board</a:t>
+            </a:r>
+            <a:endParaRPr lang="en-CA" dirty="0"/>
+          </a:p>
+        </p:txBody>
+      </p:sp>
     </p:spTree>
   </p:cSld>
   <p:clrMapOvr>
@@ -26578,6 +27542,44 @@
           </a:prstGeom>
         </p:spPr>
       </p:pic>
+      <p:sp>
+        <p:nvSpPr>
+          <p:cNvPr id="3" name="TextBox 2">
+            <a:extLst>
+              <a:ext uri="{FF2B5EF4-FFF2-40B4-BE49-F238E27FC236}">
+                <a16:creationId xmlns:a16="http://schemas.microsoft.com/office/drawing/2014/main" id="{6C2FC7BD-0985-247A-88C8-BAB4116E9674}"/>
+              </a:ext>
+            </a:extLst>
+          </p:cNvPr>
+          <p:cNvSpPr txBox="1"/>
+          <p:nvPr/>
+        </p:nvSpPr>
+        <p:spPr>
+          <a:xfrm>
+            <a:off x="7201113" y="4264459"/>
+            <a:ext cx="1505068" cy="307777"/>
+          </a:xfrm>
+          <a:prstGeom prst="rect">
+            <a:avLst/>
+          </a:prstGeom>
+          <a:noFill/>
+        </p:spPr>
+        <p:txBody>
+          <a:bodyPr wrap="square" rtlCol="0">
+            <a:spAutoFit/>
+          </a:bodyPr>
+          <a:lstStyle/>
+          <a:p>
+            <a:r>
+              <a:rPr lang="en-CA" dirty="0">
+                <a:hlinkClick r:id="rId4" action="ppaction://hlinksldjump"/>
+              </a:rPr>
+              <a:t>Question board</a:t>
+            </a:r>
+            <a:endParaRPr lang="en-CA" dirty="0"/>
+          </a:p>
+        </p:txBody>
+      </p:sp>
     </p:spTree>
   </p:cSld>
   <p:clrMapOvr>
@@ -26733,6 +27735,44 @@
           </a:prstGeom>
         </p:spPr>
       </p:pic>
+      <p:sp>
+        <p:nvSpPr>
+          <p:cNvPr id="3" name="TextBox 2">
+            <a:extLst>
+              <a:ext uri="{FF2B5EF4-FFF2-40B4-BE49-F238E27FC236}">
+                <a16:creationId xmlns:a16="http://schemas.microsoft.com/office/drawing/2014/main" id="{3ED6C150-AD4F-96D7-09B9-A69ADEC2C74D}"/>
+              </a:ext>
+            </a:extLst>
+          </p:cNvPr>
+          <p:cNvSpPr txBox="1"/>
+          <p:nvPr/>
+        </p:nvSpPr>
+        <p:spPr>
+          <a:xfrm>
+            <a:off x="7201113" y="4257202"/>
+            <a:ext cx="1505068" cy="307777"/>
+          </a:xfrm>
+          <a:prstGeom prst="rect">
+            <a:avLst/>
+          </a:prstGeom>
+          <a:noFill/>
+        </p:spPr>
+        <p:txBody>
+          <a:bodyPr wrap="square" rtlCol="0">
+            <a:spAutoFit/>
+          </a:bodyPr>
+          <a:lstStyle/>
+          <a:p>
+            <a:r>
+              <a:rPr lang="en-CA" dirty="0">
+                <a:hlinkClick r:id="rId4" action="ppaction://hlinksldjump"/>
+              </a:rPr>
+              <a:t>Question board</a:t>
+            </a:r>
+            <a:endParaRPr lang="en-CA" dirty="0"/>
+          </a:p>
+        </p:txBody>
+      </p:sp>
     </p:spTree>
   </p:cSld>
   <p:clrMapOvr>
@@ -26882,6 +27922,44 @@
           </a:prstGeom>
         </p:spPr>
       </p:pic>
+      <p:sp>
+        <p:nvSpPr>
+          <p:cNvPr id="3" name="TextBox 2">
+            <a:extLst>
+              <a:ext uri="{FF2B5EF4-FFF2-40B4-BE49-F238E27FC236}">
+                <a16:creationId xmlns:a16="http://schemas.microsoft.com/office/drawing/2014/main" id="{B4CF5838-FA4F-8F66-0066-3931075797C0}"/>
+              </a:ext>
+            </a:extLst>
+          </p:cNvPr>
+          <p:cNvSpPr txBox="1"/>
+          <p:nvPr/>
+        </p:nvSpPr>
+        <p:spPr>
+          <a:xfrm>
+            <a:off x="7201113" y="4257202"/>
+            <a:ext cx="1505068" cy="307777"/>
+          </a:xfrm>
+          <a:prstGeom prst="rect">
+            <a:avLst/>
+          </a:prstGeom>
+          <a:noFill/>
+        </p:spPr>
+        <p:txBody>
+          <a:bodyPr wrap="square" rtlCol="0">
+            <a:spAutoFit/>
+          </a:bodyPr>
+          <a:lstStyle/>
+          <a:p>
+            <a:r>
+              <a:rPr lang="en-CA" dirty="0">
+                <a:hlinkClick r:id="rId4" action="ppaction://hlinksldjump"/>
+              </a:rPr>
+              <a:t>Question board</a:t>
+            </a:r>
+            <a:endParaRPr lang="en-CA" dirty="0"/>
+          </a:p>
+        </p:txBody>
+      </p:sp>
     </p:spTree>
   </p:cSld>
   <p:clrMapOvr>
@@ -27277,6 +28355,44 @@
               </a:rPr>
               <a:t>$1000</a:t>
             </a:r>
+          </a:p>
+        </p:txBody>
+      </p:sp>
+      <p:sp>
+        <p:nvSpPr>
+          <p:cNvPr id="3" name="TextBox 2">
+            <a:extLst>
+              <a:ext uri="{FF2B5EF4-FFF2-40B4-BE49-F238E27FC236}">
+                <a16:creationId xmlns:a16="http://schemas.microsoft.com/office/drawing/2014/main" id="{6E61AB81-0845-A5A0-8E3E-9658F3558E96}"/>
+              </a:ext>
+            </a:extLst>
+          </p:cNvPr>
+          <p:cNvSpPr txBox="1"/>
+          <p:nvPr/>
+        </p:nvSpPr>
+        <p:spPr>
+          <a:xfrm>
+            <a:off x="7201113" y="4257202"/>
+            <a:ext cx="1505068" cy="307777"/>
+          </a:xfrm>
+          <a:prstGeom prst="rect">
+            <a:avLst/>
+          </a:prstGeom>
+          <a:noFill/>
+        </p:spPr>
+        <p:txBody>
+          <a:bodyPr wrap="square" rtlCol="0">
+            <a:spAutoFit/>
+          </a:bodyPr>
+          <a:lstStyle/>
+          <a:p>
+            <a:r>
+              <a:rPr lang="en-CA" dirty="0">
+                <a:hlinkClick r:id="rId4" action="ppaction://hlinksldjump"/>
+              </a:rPr>
+              <a:t>Question board</a:t>
+            </a:r>
+            <a:endParaRPr lang="en-CA" dirty="0"/>
           </a:p>
         </p:txBody>
       </p:sp>

--- a/lectures/week4/lecture3/notebooks/week4_lecture3.pptx
+++ b/lectures/week4/lecture3/notebooks/week4_lecture3.pptx
@@ -24234,209 +24234,8 @@
       </p:sp>
       <p:sp>
         <p:nvSpPr>
-          <p:cNvPr id="243" name="Google Shape;243;p17">
+          <p:cNvPr id="248" name="Google Shape;248;p17">
             <a:hlinkClick r:id="rId3" action="ppaction://hlinksldjump"/>
-          </p:cNvPr>
-          <p:cNvSpPr txBox="1"/>
-          <p:nvPr/>
-        </p:nvSpPr>
-        <p:spPr>
-          <a:xfrm>
-            <a:off x="576450" y="1317345"/>
-            <a:ext cx="1265700" cy="584100"/>
-          </a:xfrm>
-          <a:prstGeom prst="rect">
-            <a:avLst/>
-          </a:prstGeom>
-          <a:noFill/>
-          <a:ln>
-            <a:noFill/>
-          </a:ln>
-          <a:effectLst>
-            <a:outerShdw dist="38100" dir="2700000" algn="bl" rotWithShape="0">
-              <a:schemeClr val="dk1">
-                <a:alpha val="90000"/>
-              </a:schemeClr>
-            </a:outerShdw>
-          </a:effectLst>
-        </p:spPr>
-        <p:txBody>
-          <a:bodyPr spcFirstLastPara="1" wrap="square" lIns="0" tIns="0" rIns="0" bIns="0" anchor="ctr" anchorCtr="0">
-            <a:noAutofit/>
-          </a:bodyPr>
-          <a:lstStyle/>
-          <a:p>
-            <a:pPr marL="0" lvl="0" indent="0" algn="ctr" rtl="0">
-              <a:spcBef>
-                <a:spcPts val="0"/>
-              </a:spcBef>
-              <a:spcAft>
-                <a:spcPts val="0"/>
-              </a:spcAft>
-              <a:buNone/>
-            </a:pPr>
-            <a:r>
-              <a:rPr lang="en" sz="2900" dirty="0">
-                <a:solidFill>
-                  <a:srgbClr val="FFC319"/>
-                </a:solidFill>
-                <a:latin typeface="Bebas Neue"/>
-                <a:ea typeface="Bebas Neue"/>
-                <a:cs typeface="Bebas Neue"/>
-                <a:sym typeface="Bebas Neue"/>
-              </a:rPr>
-              <a:t>$250</a:t>
-            </a:r>
-            <a:endParaRPr sz="2900" dirty="0">
-              <a:solidFill>
-                <a:srgbClr val="FFC319"/>
-              </a:solidFill>
-              <a:latin typeface="Bebas Neue"/>
-              <a:ea typeface="Bebas Neue"/>
-              <a:cs typeface="Bebas Neue"/>
-              <a:sym typeface="Bebas Neue"/>
-            </a:endParaRPr>
-          </a:p>
-        </p:txBody>
-      </p:sp>
-      <p:sp>
-        <p:nvSpPr>
-          <p:cNvPr id="244" name="Google Shape;244;p17">
-            <a:hlinkClick r:id="rId4" action="ppaction://hlinksldjump"/>
-          </p:cNvPr>
-          <p:cNvSpPr txBox="1"/>
-          <p:nvPr/>
-        </p:nvSpPr>
-        <p:spPr>
-          <a:xfrm>
-            <a:off x="576450" y="1989197"/>
-            <a:ext cx="1265700" cy="584100"/>
-          </a:xfrm>
-          <a:prstGeom prst="rect">
-            <a:avLst/>
-          </a:prstGeom>
-          <a:noFill/>
-          <a:ln>
-            <a:noFill/>
-          </a:ln>
-          <a:effectLst>
-            <a:outerShdw dist="38100" dir="2700000" algn="bl" rotWithShape="0">
-              <a:schemeClr val="dk1">
-                <a:alpha val="90000"/>
-              </a:schemeClr>
-            </a:outerShdw>
-          </a:effectLst>
-        </p:spPr>
-        <p:txBody>
-          <a:bodyPr spcFirstLastPara="1" wrap="square" lIns="0" tIns="0" rIns="0" bIns="0" anchor="ctr" anchorCtr="0">
-            <a:noAutofit/>
-          </a:bodyPr>
-          <a:lstStyle/>
-          <a:p>
-            <a:pPr marL="0" lvl="0" indent="0" algn="ctr" rtl="0">
-              <a:spcBef>
-                <a:spcPts val="0"/>
-              </a:spcBef>
-              <a:spcAft>
-                <a:spcPts val="0"/>
-              </a:spcAft>
-              <a:buNone/>
-            </a:pPr>
-            <a:r>
-              <a:rPr lang="en" sz="2900" dirty="0">
-                <a:solidFill>
-                  <a:srgbClr val="FFC319"/>
-                </a:solidFill>
-                <a:latin typeface="Bebas Neue"/>
-                <a:ea typeface="Bebas Neue"/>
-                <a:cs typeface="Bebas Neue"/>
-                <a:sym typeface="Bebas Neue"/>
-              </a:rPr>
-              <a:t>$500</a:t>
-            </a:r>
-            <a:endParaRPr sz="2900" dirty="0">
-              <a:solidFill>
-                <a:srgbClr val="FFC319"/>
-              </a:solidFill>
-              <a:latin typeface="Bebas Neue"/>
-              <a:ea typeface="Bebas Neue"/>
-              <a:cs typeface="Bebas Neue"/>
-              <a:sym typeface="Bebas Neue"/>
-            </a:endParaRPr>
-          </a:p>
-        </p:txBody>
-      </p:sp>
-      <p:sp>
-        <p:nvSpPr>
-          <p:cNvPr id="245" name="Google Shape;245;p17">
-            <a:hlinkClick r:id="rId5" action="ppaction://hlinksldjump"/>
-          </p:cNvPr>
-          <p:cNvSpPr txBox="1"/>
-          <p:nvPr/>
-        </p:nvSpPr>
-        <p:spPr>
-          <a:xfrm>
-            <a:off x="576450" y="2661049"/>
-            <a:ext cx="1265700" cy="584100"/>
-          </a:xfrm>
-          <a:prstGeom prst="rect">
-            <a:avLst/>
-          </a:prstGeom>
-          <a:noFill/>
-          <a:ln>
-            <a:noFill/>
-          </a:ln>
-          <a:effectLst>
-            <a:outerShdw dist="38100" dir="2700000" algn="bl" rotWithShape="0">
-              <a:schemeClr val="dk1">
-                <a:alpha val="90000"/>
-              </a:schemeClr>
-            </a:outerShdw>
-          </a:effectLst>
-        </p:spPr>
-        <p:txBody>
-          <a:bodyPr spcFirstLastPara="1" wrap="square" lIns="0" tIns="0" rIns="0" bIns="0" anchor="ctr" anchorCtr="0">
-            <a:noAutofit/>
-          </a:bodyPr>
-          <a:lstStyle/>
-          <a:p>
-            <a:pPr marL="0" lvl="0" indent="0" algn="ctr" rtl="0">
-              <a:spcBef>
-                <a:spcPts val="0"/>
-              </a:spcBef>
-              <a:spcAft>
-                <a:spcPts val="0"/>
-              </a:spcAft>
-              <a:buNone/>
-            </a:pPr>
-            <a:r>
-              <a:rPr lang="en" sz="2900" dirty="0">
-                <a:solidFill>
-                  <a:srgbClr val="FFC319"/>
-                </a:solidFill>
-                <a:latin typeface="Bebas Neue"/>
-                <a:ea typeface="Bebas Neue"/>
-                <a:cs typeface="Bebas Neue"/>
-                <a:sym typeface="Bebas Neue"/>
-              </a:rPr>
-              <a:t>$1000</a:t>
-            </a:r>
-            <a:endParaRPr sz="2900" dirty="0">
-              <a:solidFill>
-                <a:srgbClr val="FFC319"/>
-              </a:solidFill>
-              <a:latin typeface="Bebas Neue"/>
-              <a:ea typeface="Bebas Neue"/>
-              <a:cs typeface="Bebas Neue"/>
-              <a:sym typeface="Bebas Neue"/>
-            </a:endParaRPr>
-          </a:p>
-        </p:txBody>
-      </p:sp>
-      <p:sp>
-        <p:nvSpPr>
-          <p:cNvPr id="248" name="Google Shape;248;p17">
-            <a:hlinkClick r:id="rId6" action="ppaction://hlinksldjump"/>
           </p:cNvPr>
           <p:cNvSpPr txBox="1"/>
           <p:nvPr/>
@@ -24503,7 +24302,7 @@
       <p:sp>
         <p:nvSpPr>
           <p:cNvPr id="249" name="Google Shape;249;p17">
-            <a:hlinkClick r:id="rId7" action="ppaction://hlinksldjump"/>
+            <a:hlinkClick r:id="rId4" action="ppaction://hlinksldjump"/>
           </p:cNvPr>
           <p:cNvSpPr txBox="1"/>
           <p:nvPr/>
@@ -24570,7 +24369,7 @@
       <p:sp>
         <p:nvSpPr>
           <p:cNvPr id="250" name="Google Shape;250;p17">
-            <a:hlinkClick r:id="rId8" action="ppaction://hlinksldjump"/>
+            <a:hlinkClick r:id="rId5" action="ppaction://hlinksldjump"/>
           </p:cNvPr>
           <p:cNvSpPr txBox="1"/>
           <p:nvPr/>
@@ -24637,7 +24436,7 @@
       <p:sp>
         <p:nvSpPr>
           <p:cNvPr id="253" name="Google Shape;253;p17">
-            <a:hlinkClick r:id="rId9" action="ppaction://hlinksldjump"/>
+            <a:hlinkClick r:id="rId6" action="ppaction://hlinksldjump"/>
           </p:cNvPr>
           <p:cNvSpPr txBox="1"/>
           <p:nvPr/>
@@ -24704,7 +24503,7 @@
       <p:sp>
         <p:nvSpPr>
           <p:cNvPr id="258" name="Google Shape;258;p17">
-            <a:hlinkClick r:id="rId10" action="ppaction://hlinksldjump"/>
+            <a:hlinkClick r:id="rId7" action="ppaction://hlinksldjump"/>
           </p:cNvPr>
           <p:cNvSpPr txBox="1"/>
           <p:nvPr/>
@@ -24771,7 +24570,7 @@
       <p:sp>
         <p:nvSpPr>
           <p:cNvPr id="263" name="Google Shape;263;p17">
-            <a:hlinkClick r:id="rId11" action="ppaction://hlinksldjump"/>
+            <a:hlinkClick r:id="rId8" action="ppaction://hlinksldjump"/>
           </p:cNvPr>
           <p:cNvSpPr txBox="1"/>
           <p:nvPr/>
@@ -24838,7 +24637,7 @@
       <p:sp>
         <p:nvSpPr>
           <p:cNvPr id="2" name="Google Shape;264;p17">
-            <a:hlinkClick r:id="rId12" action="ppaction://hlinksldjump"/>
+            <a:hlinkClick r:id="rId9" action="ppaction://hlinksldjump"/>
             <a:extLst>
               <a:ext uri="{FF2B5EF4-FFF2-40B4-BE49-F238E27FC236}">
                 <a16:creationId xmlns:a16="http://schemas.microsoft.com/office/drawing/2014/main" id="{AD9A4225-C05D-35BB-EF97-B54D3D685890}"/>
@@ -24909,80 +24708,8 @@
       </p:sp>
       <p:sp>
         <p:nvSpPr>
-          <p:cNvPr id="5" name="Google Shape;265;p17">
-            <a:hlinkClick r:id="rId13" action="ppaction://hlinksldjump"/>
-            <a:extLst>
-              <a:ext uri="{FF2B5EF4-FFF2-40B4-BE49-F238E27FC236}">
-                <a16:creationId xmlns:a16="http://schemas.microsoft.com/office/drawing/2014/main" id="{0001A432-BCCE-44C2-6938-1B86B5D6C61B}"/>
-              </a:ext>
-            </a:extLst>
-          </p:cNvPr>
-          <p:cNvSpPr txBox="1"/>
-          <p:nvPr/>
-        </p:nvSpPr>
-        <p:spPr>
-          <a:xfrm>
-            <a:off x="5949425" y="2661249"/>
-            <a:ext cx="1265700" cy="584100"/>
-          </a:xfrm>
-          <a:prstGeom prst="rect">
-            <a:avLst/>
-          </a:prstGeom>
-          <a:noFill/>
-          <a:ln>
-            <a:noFill/>
-          </a:ln>
-          <a:effectLst>
-            <a:outerShdw dist="38100" dir="2700000" algn="bl" rotWithShape="0">
-              <a:schemeClr val="dk1">
-                <a:alpha val="90000"/>
-              </a:schemeClr>
-            </a:outerShdw>
-          </a:effectLst>
-        </p:spPr>
-        <p:txBody>
-          <a:bodyPr spcFirstLastPara="1" wrap="square" lIns="0" tIns="0" rIns="0" bIns="0" anchor="ctr" anchorCtr="0">
-            <a:noAutofit/>
-          </a:bodyPr>
-          <a:lstStyle/>
-          <a:p>
-            <a:pPr marL="0" lvl="0" indent="0" algn="ctr" rtl="0">
-              <a:spcBef>
-                <a:spcPts val="0"/>
-              </a:spcBef>
-              <a:spcAft>
-                <a:spcPts val="0"/>
-              </a:spcAft>
-              <a:buNone/>
-            </a:pPr>
-            <a:r>
-              <a:rPr lang="en" sz="2900" dirty="0">
-                <a:solidFill>
-                  <a:srgbClr val="FFC319"/>
-                </a:solidFill>
-                <a:latin typeface="Bebas Neue"/>
-                <a:ea typeface="Bebas Neue"/>
-                <a:cs typeface="Bebas Neue"/>
-                <a:sym typeface="Bebas Neue"/>
-              </a:rPr>
-              <a:t>$1000</a:t>
-            </a:r>
-            <a:endParaRPr sz="2900" dirty="0">
-              <a:solidFill>
-                <a:srgbClr val="FFC319"/>
-              </a:solidFill>
-              <a:latin typeface="Bebas Neue"/>
-              <a:ea typeface="Bebas Neue"/>
-              <a:cs typeface="Bebas Neue"/>
-              <a:sym typeface="Bebas Neue"/>
-            </a:endParaRPr>
-          </a:p>
-        </p:txBody>
-      </p:sp>
-      <p:sp>
-        <p:nvSpPr>
           <p:cNvPr id="6" name="Google Shape;259;p17">
-            <a:hlinkClick r:id="rId14" action="ppaction://hlinksldjump"/>
+            <a:hlinkClick r:id="rId10" action="ppaction://hlinksldjump"/>
             <a:extLst>
               <a:ext uri="{FF2B5EF4-FFF2-40B4-BE49-F238E27FC236}">
                 <a16:creationId xmlns:a16="http://schemas.microsoft.com/office/drawing/2014/main" id="{8C85F899-48BA-1E8A-368B-B2185C522D94}"/>
@@ -25053,80 +24780,8 @@
       </p:sp>
       <p:sp>
         <p:nvSpPr>
-          <p:cNvPr id="7" name="Google Shape;260;p17">
-            <a:hlinkClick r:id="rId15" action="ppaction://hlinksldjump"/>
-            <a:extLst>
-              <a:ext uri="{FF2B5EF4-FFF2-40B4-BE49-F238E27FC236}">
-                <a16:creationId xmlns:a16="http://schemas.microsoft.com/office/drawing/2014/main" id="{8EEA3DAC-87BE-72E8-F130-3E23BAF8222F}"/>
-              </a:ext>
-            </a:extLst>
-          </p:cNvPr>
-          <p:cNvSpPr txBox="1"/>
-          <p:nvPr/>
-        </p:nvSpPr>
-        <p:spPr>
-          <a:xfrm>
-            <a:off x="4607975" y="2661262"/>
-            <a:ext cx="1265700" cy="584100"/>
-          </a:xfrm>
-          <a:prstGeom prst="rect">
-            <a:avLst/>
-          </a:prstGeom>
-          <a:noFill/>
-          <a:ln>
-            <a:noFill/>
-          </a:ln>
-          <a:effectLst>
-            <a:outerShdw dist="38100" dir="2700000" algn="bl" rotWithShape="0">
-              <a:schemeClr val="dk1">
-                <a:alpha val="90000"/>
-              </a:schemeClr>
-            </a:outerShdw>
-          </a:effectLst>
-        </p:spPr>
-        <p:txBody>
-          <a:bodyPr spcFirstLastPara="1" wrap="square" lIns="0" tIns="0" rIns="0" bIns="0" anchor="ctr" anchorCtr="0">
-            <a:noAutofit/>
-          </a:bodyPr>
-          <a:lstStyle/>
-          <a:p>
-            <a:pPr marL="0" lvl="0" indent="0" algn="ctr" rtl="0">
-              <a:spcBef>
-                <a:spcPts val="0"/>
-              </a:spcBef>
-              <a:spcAft>
-                <a:spcPts val="0"/>
-              </a:spcAft>
-              <a:buNone/>
-            </a:pPr>
-            <a:r>
-              <a:rPr lang="en" sz="2900" dirty="0">
-                <a:solidFill>
-                  <a:srgbClr val="FFC319"/>
-                </a:solidFill>
-                <a:latin typeface="Bebas Neue"/>
-                <a:ea typeface="Bebas Neue"/>
-                <a:cs typeface="Bebas Neue"/>
-                <a:sym typeface="Bebas Neue"/>
-              </a:rPr>
-              <a:t>$1000</a:t>
-            </a:r>
-            <a:endParaRPr sz="2900" dirty="0">
-              <a:solidFill>
-                <a:srgbClr val="FFC319"/>
-              </a:solidFill>
-              <a:latin typeface="Bebas Neue"/>
-              <a:ea typeface="Bebas Neue"/>
-              <a:cs typeface="Bebas Neue"/>
-              <a:sym typeface="Bebas Neue"/>
-            </a:endParaRPr>
-          </a:p>
-        </p:txBody>
-      </p:sp>
-      <p:sp>
-        <p:nvSpPr>
           <p:cNvPr id="8" name="Google Shape;254;p17">
-            <a:hlinkClick r:id="rId16" action="ppaction://hlinksldjump"/>
+            <a:hlinkClick r:id="rId11" action="ppaction://hlinksldjump"/>
             <a:extLst>
               <a:ext uri="{FF2B5EF4-FFF2-40B4-BE49-F238E27FC236}">
                 <a16:creationId xmlns:a16="http://schemas.microsoft.com/office/drawing/2014/main" id="{754410DF-1C35-C544-62C4-5189EB602FB0}"/>
@@ -25198,7 +24853,7 @@
       <p:sp>
         <p:nvSpPr>
           <p:cNvPr id="9" name="Google Shape;255;p17">
-            <a:hlinkClick r:id="rId17" action="ppaction://hlinksldjump"/>
+            <a:hlinkClick r:id="rId12" action="ppaction://hlinksldjump"/>
             <a:extLst>
               <a:ext uri="{FF2B5EF4-FFF2-40B4-BE49-F238E27FC236}">
                 <a16:creationId xmlns:a16="http://schemas.microsoft.com/office/drawing/2014/main" id="{D1B38A3D-CFA8-7FA3-D05D-1516D83D0DF7}"/>
@@ -25211,6 +24866,366 @@
         <p:spPr>
           <a:xfrm>
             <a:off x="3262881" y="2661262"/>
+            <a:ext cx="1265700" cy="584100"/>
+          </a:xfrm>
+          <a:prstGeom prst="rect">
+            <a:avLst/>
+          </a:prstGeom>
+          <a:noFill/>
+          <a:ln>
+            <a:noFill/>
+          </a:ln>
+          <a:effectLst>
+            <a:outerShdw dist="38100" dir="2700000" algn="bl" rotWithShape="0">
+              <a:schemeClr val="dk1">
+                <a:alpha val="90000"/>
+              </a:schemeClr>
+            </a:outerShdw>
+          </a:effectLst>
+        </p:spPr>
+        <p:txBody>
+          <a:bodyPr spcFirstLastPara="1" wrap="square" lIns="0" tIns="0" rIns="0" bIns="0" anchor="ctr" anchorCtr="0">
+            <a:noAutofit/>
+          </a:bodyPr>
+          <a:lstStyle/>
+          <a:p>
+            <a:pPr marL="0" lvl="0" indent="0" algn="ctr" rtl="0">
+              <a:spcBef>
+                <a:spcPts val="0"/>
+              </a:spcBef>
+              <a:spcAft>
+                <a:spcPts val="0"/>
+              </a:spcAft>
+              <a:buNone/>
+            </a:pPr>
+            <a:r>
+              <a:rPr lang="en" sz="2900" dirty="0">
+                <a:solidFill>
+                  <a:srgbClr val="FFC319"/>
+                </a:solidFill>
+                <a:latin typeface="Bebas Neue"/>
+                <a:ea typeface="Bebas Neue"/>
+                <a:cs typeface="Bebas Neue"/>
+                <a:sym typeface="Bebas Neue"/>
+              </a:rPr>
+              <a:t>$1000</a:t>
+            </a:r>
+            <a:endParaRPr sz="2900" dirty="0">
+              <a:solidFill>
+                <a:srgbClr val="FFC319"/>
+              </a:solidFill>
+              <a:latin typeface="Bebas Neue"/>
+              <a:ea typeface="Bebas Neue"/>
+              <a:cs typeface="Bebas Neue"/>
+              <a:sym typeface="Bebas Neue"/>
+            </a:endParaRPr>
+          </a:p>
+        </p:txBody>
+      </p:sp>
+      <p:sp>
+        <p:nvSpPr>
+          <p:cNvPr id="3" name="Google Shape;248;p17">
+            <a:hlinkClick r:id="rId3" action="ppaction://hlinksldjump"/>
+            <a:extLst>
+              <a:ext uri="{FF2B5EF4-FFF2-40B4-BE49-F238E27FC236}">
+                <a16:creationId xmlns:a16="http://schemas.microsoft.com/office/drawing/2014/main" id="{CF3F8088-0754-2BF5-DFC0-0541320D80D1}"/>
+              </a:ext>
+            </a:extLst>
+          </p:cNvPr>
+          <p:cNvSpPr txBox="1"/>
+          <p:nvPr/>
+        </p:nvSpPr>
+        <p:spPr>
+          <a:xfrm>
+            <a:off x="497051" y="1317558"/>
+            <a:ext cx="1265700" cy="584100"/>
+          </a:xfrm>
+          <a:prstGeom prst="rect">
+            <a:avLst/>
+          </a:prstGeom>
+          <a:noFill/>
+          <a:ln>
+            <a:noFill/>
+          </a:ln>
+          <a:effectLst>
+            <a:outerShdw dist="38100" dir="2700000" algn="bl" rotWithShape="0">
+              <a:schemeClr val="dk1">
+                <a:alpha val="90000"/>
+              </a:schemeClr>
+            </a:outerShdw>
+          </a:effectLst>
+        </p:spPr>
+        <p:txBody>
+          <a:bodyPr spcFirstLastPara="1" wrap="square" lIns="0" tIns="0" rIns="0" bIns="0" anchor="ctr" anchorCtr="0">
+            <a:noAutofit/>
+          </a:bodyPr>
+          <a:lstStyle/>
+          <a:p>
+            <a:pPr marL="0" lvl="0" indent="0" algn="ctr" rtl="0">
+              <a:spcBef>
+                <a:spcPts val="0"/>
+              </a:spcBef>
+              <a:spcAft>
+                <a:spcPts val="0"/>
+              </a:spcAft>
+              <a:buNone/>
+            </a:pPr>
+            <a:r>
+              <a:rPr lang="en" sz="2900" dirty="0">
+                <a:solidFill>
+                  <a:srgbClr val="FFC319"/>
+                </a:solidFill>
+                <a:latin typeface="Bebas Neue"/>
+                <a:ea typeface="Bebas Neue"/>
+                <a:cs typeface="Bebas Neue"/>
+                <a:sym typeface="Bebas Neue"/>
+              </a:rPr>
+              <a:t>$250</a:t>
+            </a:r>
+            <a:endParaRPr sz="2900" dirty="0">
+              <a:solidFill>
+                <a:srgbClr val="FFC319"/>
+              </a:solidFill>
+              <a:latin typeface="Bebas Neue"/>
+              <a:ea typeface="Bebas Neue"/>
+              <a:cs typeface="Bebas Neue"/>
+              <a:sym typeface="Bebas Neue"/>
+            </a:endParaRPr>
+          </a:p>
+        </p:txBody>
+      </p:sp>
+      <p:sp>
+        <p:nvSpPr>
+          <p:cNvPr id="4" name="Google Shape;249;p17">
+            <a:hlinkClick r:id="rId4" action="ppaction://hlinksldjump"/>
+            <a:extLst>
+              <a:ext uri="{FF2B5EF4-FFF2-40B4-BE49-F238E27FC236}">
+                <a16:creationId xmlns:a16="http://schemas.microsoft.com/office/drawing/2014/main" id="{38E1E343-8939-1FA7-06AF-44C18B4F3A22}"/>
+              </a:ext>
+            </a:extLst>
+          </p:cNvPr>
+          <p:cNvSpPr txBox="1"/>
+          <p:nvPr/>
+        </p:nvSpPr>
+        <p:spPr>
+          <a:xfrm>
+            <a:off x="497051" y="1989410"/>
+            <a:ext cx="1265700" cy="584100"/>
+          </a:xfrm>
+          <a:prstGeom prst="rect">
+            <a:avLst/>
+          </a:prstGeom>
+          <a:noFill/>
+          <a:ln>
+            <a:noFill/>
+          </a:ln>
+          <a:effectLst>
+            <a:outerShdw dist="38100" dir="2700000" algn="bl" rotWithShape="0">
+              <a:schemeClr val="dk1">
+                <a:alpha val="90000"/>
+              </a:schemeClr>
+            </a:outerShdw>
+          </a:effectLst>
+        </p:spPr>
+        <p:txBody>
+          <a:bodyPr spcFirstLastPara="1" wrap="square" lIns="0" tIns="0" rIns="0" bIns="0" anchor="ctr" anchorCtr="0">
+            <a:noAutofit/>
+          </a:bodyPr>
+          <a:lstStyle/>
+          <a:p>
+            <a:pPr marL="0" lvl="0" indent="0" algn="ctr" rtl="0">
+              <a:spcBef>
+                <a:spcPts val="0"/>
+              </a:spcBef>
+              <a:spcAft>
+                <a:spcPts val="0"/>
+              </a:spcAft>
+              <a:buNone/>
+            </a:pPr>
+            <a:r>
+              <a:rPr lang="en" sz="2900" dirty="0">
+                <a:solidFill>
+                  <a:srgbClr val="FFC319"/>
+                </a:solidFill>
+                <a:latin typeface="Bebas Neue"/>
+                <a:ea typeface="Bebas Neue"/>
+                <a:cs typeface="Bebas Neue"/>
+                <a:sym typeface="Bebas Neue"/>
+              </a:rPr>
+              <a:t>$500</a:t>
+            </a:r>
+            <a:endParaRPr sz="2900" dirty="0">
+              <a:solidFill>
+                <a:srgbClr val="FFC319"/>
+              </a:solidFill>
+              <a:latin typeface="Bebas Neue"/>
+              <a:ea typeface="Bebas Neue"/>
+              <a:cs typeface="Bebas Neue"/>
+              <a:sym typeface="Bebas Neue"/>
+            </a:endParaRPr>
+          </a:p>
+        </p:txBody>
+      </p:sp>
+      <p:sp>
+        <p:nvSpPr>
+          <p:cNvPr id="5" name="Google Shape;250;p17">
+            <a:hlinkClick r:id="rId5" action="ppaction://hlinksldjump"/>
+            <a:extLst>
+              <a:ext uri="{FF2B5EF4-FFF2-40B4-BE49-F238E27FC236}">
+                <a16:creationId xmlns:a16="http://schemas.microsoft.com/office/drawing/2014/main" id="{CF21A4E5-B386-5C9D-D654-720A166FAA80}"/>
+              </a:ext>
+            </a:extLst>
+          </p:cNvPr>
+          <p:cNvSpPr txBox="1"/>
+          <p:nvPr/>
+        </p:nvSpPr>
+        <p:spPr>
+          <a:xfrm>
+            <a:off x="497051" y="2661262"/>
+            <a:ext cx="1265700" cy="584100"/>
+          </a:xfrm>
+          <a:prstGeom prst="rect">
+            <a:avLst/>
+          </a:prstGeom>
+          <a:noFill/>
+          <a:ln>
+            <a:noFill/>
+          </a:ln>
+          <a:effectLst>
+            <a:outerShdw dist="38100" dir="2700000" algn="bl" rotWithShape="0">
+              <a:schemeClr val="dk1">
+                <a:alpha val="90000"/>
+              </a:schemeClr>
+            </a:outerShdw>
+          </a:effectLst>
+        </p:spPr>
+        <p:txBody>
+          <a:bodyPr spcFirstLastPara="1" wrap="square" lIns="0" tIns="0" rIns="0" bIns="0" anchor="ctr" anchorCtr="0">
+            <a:noAutofit/>
+          </a:bodyPr>
+          <a:lstStyle/>
+          <a:p>
+            <a:pPr marL="0" lvl="0" indent="0" algn="ctr" rtl="0">
+              <a:spcBef>
+                <a:spcPts val="0"/>
+              </a:spcBef>
+              <a:spcAft>
+                <a:spcPts val="0"/>
+              </a:spcAft>
+              <a:buNone/>
+            </a:pPr>
+            <a:r>
+              <a:rPr lang="en" sz="2900" dirty="0">
+                <a:solidFill>
+                  <a:srgbClr val="FFC319"/>
+                </a:solidFill>
+                <a:latin typeface="Bebas Neue"/>
+                <a:ea typeface="Bebas Neue"/>
+                <a:cs typeface="Bebas Neue"/>
+                <a:sym typeface="Bebas Neue"/>
+              </a:rPr>
+              <a:t>$1000</a:t>
+            </a:r>
+            <a:endParaRPr sz="2900" dirty="0">
+              <a:solidFill>
+                <a:srgbClr val="FFC319"/>
+              </a:solidFill>
+              <a:latin typeface="Bebas Neue"/>
+              <a:ea typeface="Bebas Neue"/>
+              <a:cs typeface="Bebas Neue"/>
+              <a:sym typeface="Bebas Neue"/>
+            </a:endParaRPr>
+          </a:p>
+        </p:txBody>
+      </p:sp>
+      <p:sp>
+        <p:nvSpPr>
+          <p:cNvPr id="7" name="Google Shape;255;p17">
+            <a:hlinkClick r:id="rId12" action="ppaction://hlinksldjump"/>
+            <a:extLst>
+              <a:ext uri="{FF2B5EF4-FFF2-40B4-BE49-F238E27FC236}">
+                <a16:creationId xmlns:a16="http://schemas.microsoft.com/office/drawing/2014/main" id="{1E593DD3-E4C1-AE7F-4FB2-40D588224A16}"/>
+              </a:ext>
+            </a:extLst>
+          </p:cNvPr>
+          <p:cNvSpPr txBox="1"/>
+          <p:nvPr/>
+        </p:nvSpPr>
+        <p:spPr>
+          <a:xfrm>
+            <a:off x="4615421" y="2661262"/>
+            <a:ext cx="1265700" cy="584100"/>
+          </a:xfrm>
+          <a:prstGeom prst="rect">
+            <a:avLst/>
+          </a:prstGeom>
+          <a:noFill/>
+          <a:ln>
+            <a:noFill/>
+          </a:ln>
+          <a:effectLst>
+            <a:outerShdw dist="38100" dir="2700000" algn="bl" rotWithShape="0">
+              <a:schemeClr val="dk1">
+                <a:alpha val="90000"/>
+              </a:schemeClr>
+            </a:outerShdw>
+          </a:effectLst>
+        </p:spPr>
+        <p:txBody>
+          <a:bodyPr spcFirstLastPara="1" wrap="square" lIns="0" tIns="0" rIns="0" bIns="0" anchor="ctr" anchorCtr="0">
+            <a:noAutofit/>
+          </a:bodyPr>
+          <a:lstStyle/>
+          <a:p>
+            <a:pPr marL="0" lvl="0" indent="0" algn="ctr" rtl="0">
+              <a:spcBef>
+                <a:spcPts val="0"/>
+              </a:spcBef>
+              <a:spcAft>
+                <a:spcPts val="0"/>
+              </a:spcAft>
+              <a:buNone/>
+            </a:pPr>
+            <a:r>
+              <a:rPr lang="en" sz="2900" dirty="0">
+                <a:solidFill>
+                  <a:srgbClr val="FFC319"/>
+                </a:solidFill>
+                <a:latin typeface="Bebas Neue"/>
+                <a:ea typeface="Bebas Neue"/>
+                <a:cs typeface="Bebas Neue"/>
+                <a:sym typeface="Bebas Neue"/>
+              </a:rPr>
+              <a:t>$1000</a:t>
+            </a:r>
+            <a:endParaRPr sz="2900" dirty="0">
+              <a:solidFill>
+                <a:srgbClr val="FFC319"/>
+              </a:solidFill>
+              <a:latin typeface="Bebas Neue"/>
+              <a:ea typeface="Bebas Neue"/>
+              <a:cs typeface="Bebas Neue"/>
+              <a:sym typeface="Bebas Neue"/>
+            </a:endParaRPr>
+          </a:p>
+        </p:txBody>
+      </p:sp>
+      <p:sp>
+        <p:nvSpPr>
+          <p:cNvPr id="10" name="Google Shape;255;p17">
+            <a:hlinkClick r:id="rId12" action="ppaction://hlinksldjump"/>
+            <a:extLst>
+              <a:ext uri="{FF2B5EF4-FFF2-40B4-BE49-F238E27FC236}">
+                <a16:creationId xmlns:a16="http://schemas.microsoft.com/office/drawing/2014/main" id="{BE143733-760D-E5B4-AA02-2DF8F2E41916}"/>
+              </a:ext>
+            </a:extLst>
+          </p:cNvPr>
+          <p:cNvSpPr txBox="1"/>
+          <p:nvPr/>
+        </p:nvSpPr>
+        <p:spPr>
+          <a:xfrm>
+            <a:off x="5949425" y="2661262"/>
             <a:ext cx="1265700" cy="584100"/>
           </a:xfrm>
           <a:prstGeom prst="rect">
@@ -25282,7 +25297,7 @@
                 <p:stCondLst>
                   <p:cond evt="onClick" delay="0">
                     <p:tgtEl>
-                      <p:spTgt spid="243"/>
+                      <p:spTgt spid="248"/>
                     </p:tgtEl>
                   </p:cond>
                 </p:stCondLst>
@@ -25312,307 +25327,13 @@
                                       <p:cBhvr>
                                         <p:cTn id="6" dur="500"/>
                                         <p:tgtEl>
-                                          <p:spTgt spid="243"/>
+                                          <p:spTgt spid="248"/>
                                         </p:tgtEl>
                                       </p:cBhvr>
                                     </p:animEffect>
                                     <p:set>
                                       <p:cBhvr>
                                         <p:cTn id="7" dur="1" fill="hold">
-                                          <p:stCondLst>
-                                            <p:cond delay="499"/>
-                                          </p:stCondLst>
-                                        </p:cTn>
-                                        <p:tgtEl>
-                                          <p:spTgt spid="243"/>
-                                        </p:tgtEl>
-                                        <p:attrNameLst>
-                                          <p:attrName>style.visibility</p:attrName>
-                                        </p:attrNameLst>
-                                      </p:cBhvr>
-                                      <p:to>
-                                        <p:strVal val="hidden"/>
-                                      </p:to>
-                                    </p:set>
-                                  </p:childTnLst>
-                                  <p:subTnLst>
-                                    <p:set>
-                                      <p:cBhvr override="childStyle">
-                                        <p:cTn dur="1" fill="hold" display="0" masterRel="sameClick" afterEffect="1">
-                                          <p:stCondLst>
-                                            <p:cond evt="end" delay="0">
-                                              <p:tn val="5"/>
-                                            </p:cond>
-                                          </p:stCondLst>
-                                        </p:cTn>
-                                        <p:tgtEl>
-                                          <p:spTgt spid="243"/>
-                                        </p:tgtEl>
-                                        <p:attrNameLst>
-                                          <p:attrName>style.visibility</p:attrName>
-                                        </p:attrNameLst>
-                                      </p:cBhvr>
-                                      <p:to>
-                                        <p:strVal val="hidden"/>
-                                      </p:to>
-                                    </p:set>
-                                  </p:subTnLst>
-                                </p:cTn>
-                              </p:par>
-                            </p:childTnLst>
-                          </p:cTn>
-                        </p:par>
-                      </p:childTnLst>
-                    </p:cTn>
-                  </p:par>
-                </p:childTnLst>
-              </p:cTn>
-              <p:nextCondLst>
-                <p:cond evt="onClick" delay="0">
-                  <p:tgtEl>
-                    <p:spTgt spid="243"/>
-                  </p:tgtEl>
-                </p:cond>
-              </p:nextCondLst>
-            </p:seq>
-            <p:seq concurrent="1" nextAc="seek">
-              <p:cTn id="8" restart="whenNotActive" fill="hold" evtFilter="cancelBubble" nodeType="interactiveSeq">
-                <p:stCondLst>
-                  <p:cond evt="onClick" delay="0">
-                    <p:tgtEl>
-                      <p:spTgt spid="244"/>
-                    </p:tgtEl>
-                  </p:cond>
-                </p:stCondLst>
-                <p:endSync evt="end" delay="0">
-                  <p:rtn val="all"/>
-                </p:endSync>
-                <p:childTnLst>
-                  <p:par>
-                    <p:cTn id="9" fill="hold">
-                      <p:stCondLst>
-                        <p:cond delay="0"/>
-                      </p:stCondLst>
-                      <p:childTnLst>
-                        <p:par>
-                          <p:cTn id="10" fill="hold">
-                            <p:stCondLst>
-                              <p:cond delay="0"/>
-                            </p:stCondLst>
-                            <p:childTnLst>
-                              <p:par>
-                                <p:cTn id="11" presetID="10" presetClass="exit" presetSubtype="0" fill="hold" grpId="0" nodeType="clickEffect">
-                                  <p:stCondLst>
-                                    <p:cond delay="0"/>
-                                  </p:stCondLst>
-                                  <p:childTnLst>
-                                    <p:animEffect transition="out" filter="fade">
-                                      <p:cBhvr>
-                                        <p:cTn id="12" dur="500"/>
-                                        <p:tgtEl>
-                                          <p:spTgt spid="244"/>
-                                        </p:tgtEl>
-                                      </p:cBhvr>
-                                    </p:animEffect>
-                                    <p:set>
-                                      <p:cBhvr>
-                                        <p:cTn id="13" dur="1" fill="hold">
-                                          <p:stCondLst>
-                                            <p:cond delay="499"/>
-                                          </p:stCondLst>
-                                        </p:cTn>
-                                        <p:tgtEl>
-                                          <p:spTgt spid="244"/>
-                                        </p:tgtEl>
-                                        <p:attrNameLst>
-                                          <p:attrName>style.visibility</p:attrName>
-                                        </p:attrNameLst>
-                                      </p:cBhvr>
-                                      <p:to>
-                                        <p:strVal val="hidden"/>
-                                      </p:to>
-                                    </p:set>
-                                  </p:childTnLst>
-                                  <p:subTnLst>
-                                    <p:set>
-                                      <p:cBhvr override="childStyle">
-                                        <p:cTn dur="1" fill="hold" display="0" masterRel="sameClick" afterEffect="1">
-                                          <p:stCondLst>
-                                            <p:cond evt="end" delay="0">
-                                              <p:tn val="11"/>
-                                            </p:cond>
-                                          </p:stCondLst>
-                                        </p:cTn>
-                                        <p:tgtEl>
-                                          <p:spTgt spid="244"/>
-                                        </p:tgtEl>
-                                        <p:attrNameLst>
-                                          <p:attrName>style.visibility</p:attrName>
-                                        </p:attrNameLst>
-                                      </p:cBhvr>
-                                      <p:to>
-                                        <p:strVal val="hidden"/>
-                                      </p:to>
-                                    </p:set>
-                                  </p:subTnLst>
-                                </p:cTn>
-                              </p:par>
-                            </p:childTnLst>
-                          </p:cTn>
-                        </p:par>
-                      </p:childTnLst>
-                    </p:cTn>
-                  </p:par>
-                </p:childTnLst>
-              </p:cTn>
-              <p:nextCondLst>
-                <p:cond evt="onClick" delay="0">
-                  <p:tgtEl>
-                    <p:spTgt spid="244"/>
-                  </p:tgtEl>
-                </p:cond>
-              </p:nextCondLst>
-            </p:seq>
-            <p:seq concurrent="1" nextAc="seek">
-              <p:cTn id="14" restart="whenNotActive" fill="hold" evtFilter="cancelBubble" nodeType="interactiveSeq">
-                <p:stCondLst>
-                  <p:cond evt="onClick" delay="0">
-                    <p:tgtEl>
-                      <p:spTgt spid="245"/>
-                    </p:tgtEl>
-                  </p:cond>
-                </p:stCondLst>
-                <p:endSync evt="end" delay="0">
-                  <p:rtn val="all"/>
-                </p:endSync>
-                <p:childTnLst>
-                  <p:par>
-                    <p:cTn id="15" fill="hold">
-                      <p:stCondLst>
-                        <p:cond delay="0"/>
-                      </p:stCondLst>
-                      <p:childTnLst>
-                        <p:par>
-                          <p:cTn id="16" fill="hold">
-                            <p:stCondLst>
-                              <p:cond delay="0"/>
-                            </p:stCondLst>
-                            <p:childTnLst>
-                              <p:par>
-                                <p:cTn id="17" presetID="10" presetClass="exit" presetSubtype="0" fill="hold" grpId="0" nodeType="clickEffect">
-                                  <p:stCondLst>
-                                    <p:cond delay="0"/>
-                                  </p:stCondLst>
-                                  <p:childTnLst>
-                                    <p:animEffect transition="out" filter="fade">
-                                      <p:cBhvr>
-                                        <p:cTn id="18" dur="500"/>
-                                        <p:tgtEl>
-                                          <p:spTgt spid="245"/>
-                                        </p:tgtEl>
-                                      </p:cBhvr>
-                                    </p:animEffect>
-                                    <p:set>
-                                      <p:cBhvr>
-                                        <p:cTn id="19" dur="1" fill="hold">
-                                          <p:stCondLst>
-                                            <p:cond delay="499"/>
-                                          </p:stCondLst>
-                                        </p:cTn>
-                                        <p:tgtEl>
-                                          <p:spTgt spid="245"/>
-                                        </p:tgtEl>
-                                        <p:attrNameLst>
-                                          <p:attrName>style.visibility</p:attrName>
-                                        </p:attrNameLst>
-                                      </p:cBhvr>
-                                      <p:to>
-                                        <p:strVal val="hidden"/>
-                                      </p:to>
-                                    </p:set>
-                                  </p:childTnLst>
-                                  <p:subTnLst>
-                                    <p:set>
-                                      <p:cBhvr override="childStyle">
-                                        <p:cTn dur="1" fill="hold" display="0" masterRel="sameClick" afterEffect="1">
-                                          <p:stCondLst>
-                                            <p:cond evt="end" delay="0">
-                                              <p:tn val="17"/>
-                                            </p:cond>
-                                          </p:stCondLst>
-                                        </p:cTn>
-                                        <p:tgtEl>
-                                          <p:spTgt spid="245"/>
-                                        </p:tgtEl>
-                                        <p:attrNameLst>
-                                          <p:attrName>style.visibility</p:attrName>
-                                        </p:attrNameLst>
-                                      </p:cBhvr>
-                                      <p:to>
-                                        <p:strVal val="hidden"/>
-                                      </p:to>
-                                    </p:set>
-                                  </p:subTnLst>
-                                </p:cTn>
-                              </p:par>
-                            </p:childTnLst>
-                          </p:cTn>
-                        </p:par>
-                      </p:childTnLst>
-                    </p:cTn>
-                  </p:par>
-                </p:childTnLst>
-              </p:cTn>
-              <p:nextCondLst>
-                <p:cond evt="onClick" delay="0">
-                  <p:tgtEl>
-                    <p:spTgt spid="245"/>
-                  </p:tgtEl>
-                </p:cond>
-              </p:nextCondLst>
-            </p:seq>
-            <p:seq concurrent="1" nextAc="seek">
-              <p:cTn id="20" restart="whenNotActive" fill="hold" evtFilter="cancelBubble" nodeType="interactiveSeq">
-                <p:stCondLst>
-                  <p:cond evt="onClick" delay="0">
-                    <p:tgtEl>
-                      <p:spTgt spid="248"/>
-                    </p:tgtEl>
-                  </p:cond>
-                </p:stCondLst>
-                <p:endSync evt="end" delay="0">
-                  <p:rtn val="all"/>
-                </p:endSync>
-                <p:childTnLst>
-                  <p:par>
-                    <p:cTn id="21" fill="hold">
-                      <p:stCondLst>
-                        <p:cond delay="0"/>
-                      </p:stCondLst>
-                      <p:childTnLst>
-                        <p:par>
-                          <p:cTn id="22" fill="hold">
-                            <p:stCondLst>
-                              <p:cond delay="0"/>
-                            </p:stCondLst>
-                            <p:childTnLst>
-                              <p:par>
-                                <p:cTn id="23" presetID="10" presetClass="exit" presetSubtype="0" fill="hold" grpId="0" nodeType="clickEffect">
-                                  <p:stCondLst>
-                                    <p:cond delay="0"/>
-                                  </p:stCondLst>
-                                  <p:childTnLst>
-                                    <p:animEffect transition="out" filter="fade">
-                                      <p:cBhvr>
-                                        <p:cTn id="24" dur="500"/>
-                                        <p:tgtEl>
-                                          <p:spTgt spid="248"/>
-                                        </p:tgtEl>
-                                      </p:cBhvr>
-                                    </p:animEffect>
-                                    <p:set>
-                                      <p:cBhvr>
-                                        <p:cTn id="25" dur="1" fill="hold">
                                           <p:stCondLst>
                                             <p:cond delay="499"/>
                                           </p:stCondLst>
@@ -25635,7 +25356,7 @@
                                         <p:cTn dur="1" fill="hold" display="0" masterRel="sameClick" afterEffect="1">
                                           <p:stCondLst>
                                             <p:cond evt="end" delay="0">
-                                              <p:tn val="23"/>
+                                              <p:tn val="5"/>
                                             </p:cond>
                                           </p:stCondLst>
                                         </p:cTn>
@@ -25670,7 +25391,7 @@
               </p:nextCondLst>
             </p:seq>
             <p:seq concurrent="1" nextAc="seek">
-              <p:cTn id="26" restart="whenNotActive" fill="hold" evtFilter="cancelBubble" nodeType="interactiveSeq">
+              <p:cTn id="8" restart="whenNotActive" fill="hold" evtFilter="cancelBubble" nodeType="interactiveSeq">
                 <p:stCondLst>
                   <p:cond evt="onClick" delay="0">
                     <p:tgtEl>
@@ -25683,26 +25404,26 @@
                 </p:endSync>
                 <p:childTnLst>
                   <p:par>
-                    <p:cTn id="27" fill="hold">
+                    <p:cTn id="9" fill="hold">
                       <p:stCondLst>
                         <p:cond delay="0"/>
                       </p:stCondLst>
                       <p:childTnLst>
                         <p:par>
-                          <p:cTn id="28" fill="hold">
+                          <p:cTn id="10" fill="hold">
                             <p:stCondLst>
                               <p:cond delay="0"/>
                             </p:stCondLst>
                             <p:childTnLst>
                               <p:par>
-                                <p:cTn id="29" presetID="10" presetClass="exit" presetSubtype="0" fill="hold" grpId="0" nodeType="clickEffect">
+                                <p:cTn id="11" presetID="10" presetClass="exit" presetSubtype="0" fill="hold" grpId="0" nodeType="clickEffect">
                                   <p:stCondLst>
                                     <p:cond delay="0"/>
                                   </p:stCondLst>
                                   <p:childTnLst>
                                     <p:animEffect transition="out" filter="fade">
                                       <p:cBhvr>
-                                        <p:cTn id="30" dur="500"/>
+                                        <p:cTn id="12" dur="500"/>
                                         <p:tgtEl>
                                           <p:spTgt spid="249"/>
                                         </p:tgtEl>
@@ -25710,7 +25431,7 @@
                                     </p:animEffect>
                                     <p:set>
                                       <p:cBhvr>
-                                        <p:cTn id="31" dur="1" fill="hold">
+                                        <p:cTn id="13" dur="1" fill="hold">
                                           <p:stCondLst>
                                             <p:cond delay="499"/>
                                           </p:stCondLst>
@@ -25733,7 +25454,7 @@
                                         <p:cTn dur="1" fill="hold" display="0" masterRel="sameClick" afterEffect="1">
                                           <p:stCondLst>
                                             <p:cond evt="end" delay="0">
-                                              <p:tn val="29"/>
+                                              <p:tn val="11"/>
                                             </p:cond>
                                           </p:stCondLst>
                                         </p:cTn>
@@ -25768,7 +25489,7 @@
               </p:nextCondLst>
             </p:seq>
             <p:seq concurrent="1" nextAc="seek">
-              <p:cTn id="32" restart="whenNotActive" fill="hold" evtFilter="cancelBubble" nodeType="interactiveSeq">
+              <p:cTn id="14" restart="whenNotActive" fill="hold" evtFilter="cancelBubble" nodeType="interactiveSeq">
                 <p:stCondLst>
                   <p:cond evt="onClick" delay="0">
                     <p:tgtEl>
@@ -25781,26 +25502,26 @@
                 </p:endSync>
                 <p:childTnLst>
                   <p:par>
-                    <p:cTn id="33" fill="hold">
+                    <p:cTn id="15" fill="hold">
                       <p:stCondLst>
                         <p:cond delay="0"/>
                       </p:stCondLst>
                       <p:childTnLst>
                         <p:par>
-                          <p:cTn id="34" fill="hold">
+                          <p:cTn id="16" fill="hold">
                             <p:stCondLst>
                               <p:cond delay="0"/>
                             </p:stCondLst>
                             <p:childTnLst>
                               <p:par>
-                                <p:cTn id="35" presetID="10" presetClass="exit" presetSubtype="0" fill="hold" grpId="0" nodeType="clickEffect">
+                                <p:cTn id="17" presetID="10" presetClass="exit" presetSubtype="0" fill="hold" grpId="0" nodeType="clickEffect">
                                   <p:stCondLst>
                                     <p:cond delay="0"/>
                                   </p:stCondLst>
                                   <p:childTnLst>
                                     <p:animEffect transition="out" filter="fade">
                                       <p:cBhvr>
-                                        <p:cTn id="36" dur="500"/>
+                                        <p:cTn id="18" dur="500"/>
                                         <p:tgtEl>
                                           <p:spTgt spid="250"/>
                                         </p:tgtEl>
@@ -25808,7 +25529,7 @@
                                     </p:animEffect>
                                     <p:set>
                                       <p:cBhvr>
-                                        <p:cTn id="37" dur="1" fill="hold">
+                                        <p:cTn id="19" dur="1" fill="hold">
                                           <p:stCondLst>
                                             <p:cond delay="499"/>
                                           </p:stCondLst>
@@ -25831,7 +25552,7 @@
                                         <p:cTn dur="1" fill="hold" display="0" masterRel="sameClick" afterEffect="1">
                                           <p:stCondLst>
                                             <p:cond evt="end" delay="0">
-                                              <p:tn val="35"/>
+                                              <p:tn val="17"/>
                                             </p:cond>
                                           </p:stCondLst>
                                         </p:cTn>
@@ -25866,7 +25587,7 @@
               </p:nextCondLst>
             </p:seq>
             <p:seq concurrent="1" nextAc="seek">
-              <p:cTn id="38" restart="whenNotActive" fill="hold" evtFilter="cancelBubble" nodeType="interactiveSeq">
+              <p:cTn id="20" restart="whenNotActive" fill="hold" evtFilter="cancelBubble" nodeType="interactiveSeq">
                 <p:stCondLst>
                   <p:cond evt="onClick" delay="0">
                     <p:tgtEl>
@@ -25879,26 +25600,26 @@
                 </p:endSync>
                 <p:childTnLst>
                   <p:par>
-                    <p:cTn id="39" fill="hold">
+                    <p:cTn id="21" fill="hold">
                       <p:stCondLst>
                         <p:cond delay="0"/>
                       </p:stCondLst>
                       <p:childTnLst>
                         <p:par>
-                          <p:cTn id="40" fill="hold">
+                          <p:cTn id="22" fill="hold">
                             <p:stCondLst>
                               <p:cond delay="0"/>
                             </p:stCondLst>
                             <p:childTnLst>
                               <p:par>
-                                <p:cTn id="41" presetID="10" presetClass="exit" presetSubtype="0" fill="hold" grpId="0" nodeType="clickEffect">
+                                <p:cTn id="23" presetID="10" presetClass="exit" presetSubtype="0" fill="hold" grpId="0" nodeType="clickEffect">
                                   <p:stCondLst>
                                     <p:cond delay="0"/>
                                   </p:stCondLst>
                                   <p:childTnLst>
                                     <p:animEffect transition="out" filter="fade">
                                       <p:cBhvr>
-                                        <p:cTn id="42" dur="500"/>
+                                        <p:cTn id="24" dur="500"/>
                                         <p:tgtEl>
                                           <p:spTgt spid="253"/>
                                         </p:tgtEl>
@@ -25906,7 +25627,7 @@
                                     </p:animEffect>
                                     <p:set>
                                       <p:cBhvr>
-                                        <p:cTn id="43" dur="1" fill="hold">
+                                        <p:cTn id="25" dur="1" fill="hold">
                                           <p:stCondLst>
                                             <p:cond delay="499"/>
                                           </p:stCondLst>
@@ -25929,7 +25650,7 @@
                                         <p:cTn dur="1" fill="hold" display="0" masterRel="sameClick" afterEffect="1">
                                           <p:stCondLst>
                                             <p:cond evt="end" delay="0">
-                                              <p:tn val="41"/>
+                                              <p:tn val="23"/>
                                             </p:cond>
                                           </p:stCondLst>
                                         </p:cTn>
@@ -25964,7 +25685,7 @@
               </p:nextCondLst>
             </p:seq>
             <p:seq concurrent="1" nextAc="seek">
-              <p:cTn id="44" restart="whenNotActive" fill="hold" evtFilter="cancelBubble" nodeType="interactiveSeq">
+              <p:cTn id="26" restart="whenNotActive" fill="hold" evtFilter="cancelBubble" nodeType="interactiveSeq">
                 <p:stCondLst>
                   <p:cond evt="onClick" delay="0">
                     <p:tgtEl>
@@ -25977,26 +25698,26 @@
                 </p:endSync>
                 <p:childTnLst>
                   <p:par>
-                    <p:cTn id="45" fill="hold">
+                    <p:cTn id="27" fill="hold">
                       <p:stCondLst>
                         <p:cond delay="0"/>
                       </p:stCondLst>
                       <p:childTnLst>
                         <p:par>
-                          <p:cTn id="46" fill="hold">
+                          <p:cTn id="28" fill="hold">
                             <p:stCondLst>
                               <p:cond delay="0"/>
                             </p:stCondLst>
                             <p:childTnLst>
                               <p:par>
-                                <p:cTn id="47" presetID="10" presetClass="exit" presetSubtype="0" fill="hold" grpId="0" nodeType="clickEffect">
+                                <p:cTn id="29" presetID="10" presetClass="exit" presetSubtype="0" fill="hold" grpId="0" nodeType="clickEffect">
                                   <p:stCondLst>
                                     <p:cond delay="0"/>
                                   </p:stCondLst>
                                   <p:childTnLst>
                                     <p:animEffect transition="out" filter="fade">
                                       <p:cBhvr>
-                                        <p:cTn id="48" dur="500"/>
+                                        <p:cTn id="30" dur="500"/>
                                         <p:tgtEl>
                                           <p:spTgt spid="258"/>
                                         </p:tgtEl>
@@ -26004,7 +25725,7 @@
                                     </p:animEffect>
                                     <p:set>
                                       <p:cBhvr>
-                                        <p:cTn id="49" dur="1" fill="hold">
+                                        <p:cTn id="31" dur="1" fill="hold">
                                           <p:stCondLst>
                                             <p:cond delay="499"/>
                                           </p:stCondLst>
@@ -26027,7 +25748,7 @@
                                         <p:cTn dur="1" fill="hold" display="0" masterRel="sameClick" afterEffect="1">
                                           <p:stCondLst>
                                             <p:cond evt="end" delay="0">
-                                              <p:tn val="47"/>
+                                              <p:tn val="29"/>
                                             </p:cond>
                                           </p:stCondLst>
                                         </p:cTn>
@@ -26062,7 +25783,7 @@
               </p:nextCondLst>
             </p:seq>
             <p:seq concurrent="1" nextAc="seek">
-              <p:cTn id="50" restart="whenNotActive" fill="hold" evtFilter="cancelBubble" nodeType="interactiveSeq">
+              <p:cTn id="32" restart="whenNotActive" fill="hold" evtFilter="cancelBubble" nodeType="interactiveSeq">
                 <p:stCondLst>
                   <p:cond evt="onClick" delay="0">
                     <p:tgtEl>
@@ -26075,26 +25796,26 @@
                 </p:endSync>
                 <p:childTnLst>
                   <p:par>
-                    <p:cTn id="51" fill="hold">
+                    <p:cTn id="33" fill="hold">
                       <p:stCondLst>
                         <p:cond delay="0"/>
                       </p:stCondLst>
                       <p:childTnLst>
                         <p:par>
-                          <p:cTn id="52" fill="hold">
+                          <p:cTn id="34" fill="hold">
                             <p:stCondLst>
                               <p:cond delay="0"/>
                             </p:stCondLst>
                             <p:childTnLst>
                               <p:par>
-                                <p:cTn id="53" presetID="10" presetClass="exit" presetSubtype="0" fill="hold" grpId="0" nodeType="clickEffect">
+                                <p:cTn id="35" presetID="10" presetClass="exit" presetSubtype="0" fill="hold" grpId="0" nodeType="clickEffect">
                                   <p:stCondLst>
                                     <p:cond delay="0"/>
                                   </p:stCondLst>
                                   <p:childTnLst>
                                     <p:animEffect transition="out" filter="fade">
                                       <p:cBhvr>
-                                        <p:cTn id="54" dur="500"/>
+                                        <p:cTn id="36" dur="500"/>
                                         <p:tgtEl>
                                           <p:spTgt spid="263"/>
                                         </p:tgtEl>
@@ -26102,7 +25823,7 @@
                                     </p:animEffect>
                                     <p:set>
                                       <p:cBhvr>
-                                        <p:cTn id="55" dur="1" fill="hold">
+                                        <p:cTn id="37" dur="1" fill="hold">
                                           <p:stCondLst>
                                             <p:cond delay="499"/>
                                           </p:stCondLst>
@@ -26125,7 +25846,7 @@
                                         <p:cTn dur="1" fill="hold" display="0" masterRel="sameClick" afterEffect="1">
                                           <p:stCondLst>
                                             <p:cond evt="end" delay="0">
-                                              <p:tn val="53"/>
+                                              <p:tn val="35"/>
                                             </p:cond>
                                           </p:stCondLst>
                                         </p:cTn>
@@ -26160,7 +25881,7 @@
               </p:nextCondLst>
             </p:seq>
             <p:seq concurrent="1" nextAc="seek">
-              <p:cTn id="56" restart="whenNotActive" fill="hold" evtFilter="cancelBubble" nodeType="interactiveSeq">
+              <p:cTn id="38" restart="whenNotActive" fill="hold" evtFilter="cancelBubble" nodeType="interactiveSeq">
                 <p:stCondLst>
                   <p:cond evt="onClick" delay="0">
                     <p:tgtEl>
@@ -26173,26 +25894,26 @@
                 </p:endSync>
                 <p:childTnLst>
                   <p:par>
-                    <p:cTn id="57" fill="hold">
+                    <p:cTn id="39" fill="hold">
                       <p:stCondLst>
                         <p:cond delay="0"/>
                       </p:stCondLst>
                       <p:childTnLst>
                         <p:par>
-                          <p:cTn id="58" fill="hold">
+                          <p:cTn id="40" fill="hold">
                             <p:stCondLst>
                               <p:cond delay="0"/>
                             </p:stCondLst>
                             <p:childTnLst>
                               <p:par>
-                                <p:cTn id="59" presetID="10" presetClass="exit" presetSubtype="0" fill="hold" grpId="0" nodeType="clickEffect">
+                                <p:cTn id="41" presetID="10" presetClass="exit" presetSubtype="0" fill="hold" grpId="0" nodeType="clickEffect">
                                   <p:stCondLst>
                                     <p:cond delay="0"/>
                                   </p:stCondLst>
                                   <p:childTnLst>
                                     <p:animEffect transition="out" filter="fade">
                                       <p:cBhvr>
-                                        <p:cTn id="60" dur="500"/>
+                                        <p:cTn id="42" dur="500"/>
                                         <p:tgtEl>
                                           <p:spTgt spid="2"/>
                                         </p:tgtEl>
@@ -26200,7 +25921,7 @@
                                     </p:animEffect>
                                     <p:set>
                                       <p:cBhvr>
-                                        <p:cTn id="61" dur="1" fill="hold">
+                                        <p:cTn id="43" dur="1" fill="hold">
                                           <p:stCondLst>
                                             <p:cond delay="499"/>
                                           </p:stCondLst>
@@ -26223,7 +25944,7 @@
                                         <p:cTn dur="1" fill="hold" display="0" masterRel="sameClick" afterEffect="1">
                                           <p:stCondLst>
                                             <p:cond evt="end" delay="0">
-                                              <p:tn val="59"/>
+                                              <p:tn val="41"/>
                                             </p:cond>
                                           </p:stCondLst>
                                         </p:cTn>
@@ -26258,11 +25979,305 @@
               </p:nextCondLst>
             </p:seq>
             <p:seq concurrent="1" nextAc="seek">
+              <p:cTn id="44" restart="whenNotActive" fill="hold" evtFilter="cancelBubble" nodeType="interactiveSeq">
+                <p:stCondLst>
+                  <p:cond evt="onClick" delay="0">
+                    <p:tgtEl>
+                      <p:spTgt spid="6"/>
+                    </p:tgtEl>
+                  </p:cond>
+                </p:stCondLst>
+                <p:endSync evt="end" delay="0">
+                  <p:rtn val="all"/>
+                </p:endSync>
+                <p:childTnLst>
+                  <p:par>
+                    <p:cTn id="45" fill="hold">
+                      <p:stCondLst>
+                        <p:cond delay="0"/>
+                      </p:stCondLst>
+                      <p:childTnLst>
+                        <p:par>
+                          <p:cTn id="46" fill="hold">
+                            <p:stCondLst>
+                              <p:cond delay="0"/>
+                            </p:stCondLst>
+                            <p:childTnLst>
+                              <p:par>
+                                <p:cTn id="47" presetID="10" presetClass="exit" presetSubtype="0" fill="hold" grpId="0" nodeType="clickEffect">
+                                  <p:stCondLst>
+                                    <p:cond delay="0"/>
+                                  </p:stCondLst>
+                                  <p:childTnLst>
+                                    <p:animEffect transition="out" filter="fade">
+                                      <p:cBhvr>
+                                        <p:cTn id="48" dur="500"/>
+                                        <p:tgtEl>
+                                          <p:spTgt spid="6"/>
+                                        </p:tgtEl>
+                                      </p:cBhvr>
+                                    </p:animEffect>
+                                    <p:set>
+                                      <p:cBhvr>
+                                        <p:cTn id="49" dur="1" fill="hold">
+                                          <p:stCondLst>
+                                            <p:cond delay="499"/>
+                                          </p:stCondLst>
+                                        </p:cTn>
+                                        <p:tgtEl>
+                                          <p:spTgt spid="6"/>
+                                        </p:tgtEl>
+                                        <p:attrNameLst>
+                                          <p:attrName>style.visibility</p:attrName>
+                                        </p:attrNameLst>
+                                      </p:cBhvr>
+                                      <p:to>
+                                        <p:strVal val="hidden"/>
+                                      </p:to>
+                                    </p:set>
+                                  </p:childTnLst>
+                                  <p:subTnLst>
+                                    <p:set>
+                                      <p:cBhvr override="childStyle">
+                                        <p:cTn dur="1" fill="hold" display="0" masterRel="sameClick" afterEffect="1">
+                                          <p:stCondLst>
+                                            <p:cond evt="end" delay="0">
+                                              <p:tn val="47"/>
+                                            </p:cond>
+                                          </p:stCondLst>
+                                        </p:cTn>
+                                        <p:tgtEl>
+                                          <p:spTgt spid="6"/>
+                                        </p:tgtEl>
+                                        <p:attrNameLst>
+                                          <p:attrName>style.visibility</p:attrName>
+                                        </p:attrNameLst>
+                                      </p:cBhvr>
+                                      <p:to>
+                                        <p:strVal val="hidden"/>
+                                      </p:to>
+                                    </p:set>
+                                  </p:subTnLst>
+                                </p:cTn>
+                              </p:par>
+                            </p:childTnLst>
+                          </p:cTn>
+                        </p:par>
+                      </p:childTnLst>
+                    </p:cTn>
+                  </p:par>
+                </p:childTnLst>
+              </p:cTn>
+              <p:nextCondLst>
+                <p:cond evt="onClick" delay="0">
+                  <p:tgtEl>
+                    <p:spTgt spid="6"/>
+                  </p:tgtEl>
+                </p:cond>
+              </p:nextCondLst>
+            </p:seq>
+            <p:seq concurrent="1" nextAc="seek">
+              <p:cTn id="50" restart="whenNotActive" fill="hold" evtFilter="cancelBubble" nodeType="interactiveSeq">
+                <p:stCondLst>
+                  <p:cond evt="onClick" delay="0">
+                    <p:tgtEl>
+                      <p:spTgt spid="8"/>
+                    </p:tgtEl>
+                  </p:cond>
+                </p:stCondLst>
+                <p:endSync evt="end" delay="0">
+                  <p:rtn val="all"/>
+                </p:endSync>
+                <p:childTnLst>
+                  <p:par>
+                    <p:cTn id="51" fill="hold">
+                      <p:stCondLst>
+                        <p:cond delay="0"/>
+                      </p:stCondLst>
+                      <p:childTnLst>
+                        <p:par>
+                          <p:cTn id="52" fill="hold">
+                            <p:stCondLst>
+                              <p:cond delay="0"/>
+                            </p:stCondLst>
+                            <p:childTnLst>
+                              <p:par>
+                                <p:cTn id="53" presetID="10" presetClass="exit" presetSubtype="0" fill="hold" grpId="0" nodeType="clickEffect">
+                                  <p:stCondLst>
+                                    <p:cond delay="0"/>
+                                  </p:stCondLst>
+                                  <p:childTnLst>
+                                    <p:animEffect transition="out" filter="fade">
+                                      <p:cBhvr>
+                                        <p:cTn id="54" dur="500"/>
+                                        <p:tgtEl>
+                                          <p:spTgt spid="8"/>
+                                        </p:tgtEl>
+                                      </p:cBhvr>
+                                    </p:animEffect>
+                                    <p:set>
+                                      <p:cBhvr>
+                                        <p:cTn id="55" dur="1" fill="hold">
+                                          <p:stCondLst>
+                                            <p:cond delay="499"/>
+                                          </p:stCondLst>
+                                        </p:cTn>
+                                        <p:tgtEl>
+                                          <p:spTgt spid="8"/>
+                                        </p:tgtEl>
+                                        <p:attrNameLst>
+                                          <p:attrName>style.visibility</p:attrName>
+                                        </p:attrNameLst>
+                                      </p:cBhvr>
+                                      <p:to>
+                                        <p:strVal val="hidden"/>
+                                      </p:to>
+                                    </p:set>
+                                  </p:childTnLst>
+                                  <p:subTnLst>
+                                    <p:set>
+                                      <p:cBhvr override="childStyle">
+                                        <p:cTn dur="1" fill="hold" display="0" masterRel="sameClick" afterEffect="1">
+                                          <p:stCondLst>
+                                            <p:cond evt="end" delay="0">
+                                              <p:tn val="53"/>
+                                            </p:cond>
+                                          </p:stCondLst>
+                                        </p:cTn>
+                                        <p:tgtEl>
+                                          <p:spTgt spid="8"/>
+                                        </p:tgtEl>
+                                        <p:attrNameLst>
+                                          <p:attrName>style.visibility</p:attrName>
+                                        </p:attrNameLst>
+                                      </p:cBhvr>
+                                      <p:to>
+                                        <p:strVal val="hidden"/>
+                                      </p:to>
+                                    </p:set>
+                                  </p:subTnLst>
+                                </p:cTn>
+                              </p:par>
+                            </p:childTnLst>
+                          </p:cTn>
+                        </p:par>
+                      </p:childTnLst>
+                    </p:cTn>
+                  </p:par>
+                </p:childTnLst>
+              </p:cTn>
+              <p:nextCondLst>
+                <p:cond evt="onClick" delay="0">
+                  <p:tgtEl>
+                    <p:spTgt spid="8"/>
+                  </p:tgtEl>
+                </p:cond>
+              </p:nextCondLst>
+            </p:seq>
+            <p:seq concurrent="1" nextAc="seek">
+              <p:cTn id="56" restart="whenNotActive" fill="hold" evtFilter="cancelBubble" nodeType="interactiveSeq">
+                <p:stCondLst>
+                  <p:cond evt="onClick" delay="0">
+                    <p:tgtEl>
+                      <p:spTgt spid="9"/>
+                    </p:tgtEl>
+                  </p:cond>
+                </p:stCondLst>
+                <p:endSync evt="end" delay="0">
+                  <p:rtn val="all"/>
+                </p:endSync>
+                <p:childTnLst>
+                  <p:par>
+                    <p:cTn id="57" fill="hold">
+                      <p:stCondLst>
+                        <p:cond delay="0"/>
+                      </p:stCondLst>
+                      <p:childTnLst>
+                        <p:par>
+                          <p:cTn id="58" fill="hold">
+                            <p:stCondLst>
+                              <p:cond delay="0"/>
+                            </p:stCondLst>
+                            <p:childTnLst>
+                              <p:par>
+                                <p:cTn id="59" presetID="10" presetClass="exit" presetSubtype="0" fill="hold" grpId="0" nodeType="clickEffect">
+                                  <p:stCondLst>
+                                    <p:cond delay="0"/>
+                                  </p:stCondLst>
+                                  <p:childTnLst>
+                                    <p:animEffect transition="out" filter="fade">
+                                      <p:cBhvr>
+                                        <p:cTn id="60" dur="500"/>
+                                        <p:tgtEl>
+                                          <p:spTgt spid="9"/>
+                                        </p:tgtEl>
+                                      </p:cBhvr>
+                                    </p:animEffect>
+                                    <p:set>
+                                      <p:cBhvr>
+                                        <p:cTn id="61" dur="1" fill="hold">
+                                          <p:stCondLst>
+                                            <p:cond delay="499"/>
+                                          </p:stCondLst>
+                                        </p:cTn>
+                                        <p:tgtEl>
+                                          <p:spTgt spid="9"/>
+                                        </p:tgtEl>
+                                        <p:attrNameLst>
+                                          <p:attrName>style.visibility</p:attrName>
+                                        </p:attrNameLst>
+                                      </p:cBhvr>
+                                      <p:to>
+                                        <p:strVal val="hidden"/>
+                                      </p:to>
+                                    </p:set>
+                                  </p:childTnLst>
+                                  <p:subTnLst>
+                                    <p:set>
+                                      <p:cBhvr override="childStyle">
+                                        <p:cTn dur="1" fill="hold" display="0" masterRel="sameClick" afterEffect="1">
+                                          <p:stCondLst>
+                                            <p:cond evt="end" delay="0">
+                                              <p:tn val="59"/>
+                                            </p:cond>
+                                          </p:stCondLst>
+                                        </p:cTn>
+                                        <p:tgtEl>
+                                          <p:spTgt spid="9"/>
+                                        </p:tgtEl>
+                                        <p:attrNameLst>
+                                          <p:attrName>style.visibility</p:attrName>
+                                        </p:attrNameLst>
+                                      </p:cBhvr>
+                                      <p:to>
+                                        <p:strVal val="hidden"/>
+                                      </p:to>
+                                    </p:set>
+                                  </p:subTnLst>
+                                </p:cTn>
+                              </p:par>
+                            </p:childTnLst>
+                          </p:cTn>
+                        </p:par>
+                      </p:childTnLst>
+                    </p:cTn>
+                  </p:par>
+                </p:childTnLst>
+              </p:cTn>
+              <p:nextCondLst>
+                <p:cond evt="onClick" delay="0">
+                  <p:tgtEl>
+                    <p:spTgt spid="9"/>
+                  </p:tgtEl>
+                </p:cond>
+              </p:nextCondLst>
+            </p:seq>
+            <p:seq concurrent="1" nextAc="seek">
               <p:cTn id="62" restart="whenNotActive" fill="hold" evtFilter="cancelBubble" nodeType="interactiveSeq">
                 <p:stCondLst>
                   <p:cond evt="onClick" delay="0">
                     <p:tgtEl>
-                      <p:spTgt spid="5"/>
+                      <p:spTgt spid="3"/>
                     </p:tgtEl>
                   </p:cond>
                 </p:stCondLst>
@@ -26292,13 +26307,209 @@
                                       <p:cBhvr>
                                         <p:cTn id="66" dur="500"/>
                                         <p:tgtEl>
+                                          <p:spTgt spid="3"/>
+                                        </p:tgtEl>
+                                      </p:cBhvr>
+                                    </p:animEffect>
+                                    <p:set>
+                                      <p:cBhvr>
+                                        <p:cTn id="67" dur="1" fill="hold">
+                                          <p:stCondLst>
+                                            <p:cond delay="499"/>
+                                          </p:stCondLst>
+                                        </p:cTn>
+                                        <p:tgtEl>
+                                          <p:spTgt spid="3"/>
+                                        </p:tgtEl>
+                                        <p:attrNameLst>
+                                          <p:attrName>style.visibility</p:attrName>
+                                        </p:attrNameLst>
+                                      </p:cBhvr>
+                                      <p:to>
+                                        <p:strVal val="hidden"/>
+                                      </p:to>
+                                    </p:set>
+                                  </p:childTnLst>
+                                  <p:subTnLst>
+                                    <p:set>
+                                      <p:cBhvr override="childStyle">
+                                        <p:cTn dur="1" fill="hold" display="0" masterRel="sameClick" afterEffect="1">
+                                          <p:stCondLst>
+                                            <p:cond evt="end" delay="0">
+                                              <p:tn val="65"/>
+                                            </p:cond>
+                                          </p:stCondLst>
+                                        </p:cTn>
+                                        <p:tgtEl>
+                                          <p:spTgt spid="3"/>
+                                        </p:tgtEl>
+                                        <p:attrNameLst>
+                                          <p:attrName>style.visibility</p:attrName>
+                                        </p:attrNameLst>
+                                      </p:cBhvr>
+                                      <p:to>
+                                        <p:strVal val="hidden"/>
+                                      </p:to>
+                                    </p:set>
+                                  </p:subTnLst>
+                                </p:cTn>
+                              </p:par>
+                            </p:childTnLst>
+                          </p:cTn>
+                        </p:par>
+                      </p:childTnLst>
+                    </p:cTn>
+                  </p:par>
+                </p:childTnLst>
+              </p:cTn>
+              <p:nextCondLst>
+                <p:cond evt="onClick" delay="0">
+                  <p:tgtEl>
+                    <p:spTgt spid="3"/>
+                  </p:tgtEl>
+                </p:cond>
+              </p:nextCondLst>
+            </p:seq>
+            <p:seq concurrent="1" nextAc="seek">
+              <p:cTn id="68" restart="whenNotActive" fill="hold" evtFilter="cancelBubble" nodeType="interactiveSeq">
+                <p:stCondLst>
+                  <p:cond evt="onClick" delay="0">
+                    <p:tgtEl>
+                      <p:spTgt spid="4"/>
+                    </p:tgtEl>
+                  </p:cond>
+                </p:stCondLst>
+                <p:endSync evt="end" delay="0">
+                  <p:rtn val="all"/>
+                </p:endSync>
+                <p:childTnLst>
+                  <p:par>
+                    <p:cTn id="69" fill="hold">
+                      <p:stCondLst>
+                        <p:cond delay="0"/>
+                      </p:stCondLst>
+                      <p:childTnLst>
+                        <p:par>
+                          <p:cTn id="70" fill="hold">
+                            <p:stCondLst>
+                              <p:cond delay="0"/>
+                            </p:stCondLst>
+                            <p:childTnLst>
+                              <p:par>
+                                <p:cTn id="71" presetID="10" presetClass="exit" presetSubtype="0" fill="hold" grpId="0" nodeType="clickEffect">
+                                  <p:stCondLst>
+                                    <p:cond delay="0"/>
+                                  </p:stCondLst>
+                                  <p:childTnLst>
+                                    <p:animEffect transition="out" filter="fade">
+                                      <p:cBhvr>
+                                        <p:cTn id="72" dur="500"/>
+                                        <p:tgtEl>
+                                          <p:spTgt spid="4"/>
+                                        </p:tgtEl>
+                                      </p:cBhvr>
+                                    </p:animEffect>
+                                    <p:set>
+                                      <p:cBhvr>
+                                        <p:cTn id="73" dur="1" fill="hold">
+                                          <p:stCondLst>
+                                            <p:cond delay="499"/>
+                                          </p:stCondLst>
+                                        </p:cTn>
+                                        <p:tgtEl>
+                                          <p:spTgt spid="4"/>
+                                        </p:tgtEl>
+                                        <p:attrNameLst>
+                                          <p:attrName>style.visibility</p:attrName>
+                                        </p:attrNameLst>
+                                      </p:cBhvr>
+                                      <p:to>
+                                        <p:strVal val="hidden"/>
+                                      </p:to>
+                                    </p:set>
+                                  </p:childTnLst>
+                                  <p:subTnLst>
+                                    <p:set>
+                                      <p:cBhvr override="childStyle">
+                                        <p:cTn dur="1" fill="hold" display="0" masterRel="sameClick" afterEffect="1">
+                                          <p:stCondLst>
+                                            <p:cond evt="end" delay="0">
+                                              <p:tn val="71"/>
+                                            </p:cond>
+                                          </p:stCondLst>
+                                        </p:cTn>
+                                        <p:tgtEl>
+                                          <p:spTgt spid="4"/>
+                                        </p:tgtEl>
+                                        <p:attrNameLst>
+                                          <p:attrName>style.visibility</p:attrName>
+                                        </p:attrNameLst>
+                                      </p:cBhvr>
+                                      <p:to>
+                                        <p:strVal val="hidden"/>
+                                      </p:to>
+                                    </p:set>
+                                  </p:subTnLst>
+                                </p:cTn>
+                              </p:par>
+                            </p:childTnLst>
+                          </p:cTn>
+                        </p:par>
+                      </p:childTnLst>
+                    </p:cTn>
+                  </p:par>
+                </p:childTnLst>
+              </p:cTn>
+              <p:nextCondLst>
+                <p:cond evt="onClick" delay="0">
+                  <p:tgtEl>
+                    <p:spTgt spid="4"/>
+                  </p:tgtEl>
+                </p:cond>
+              </p:nextCondLst>
+            </p:seq>
+            <p:seq concurrent="1" nextAc="seek">
+              <p:cTn id="74" restart="whenNotActive" fill="hold" evtFilter="cancelBubble" nodeType="interactiveSeq">
+                <p:stCondLst>
+                  <p:cond evt="onClick" delay="0">
+                    <p:tgtEl>
+                      <p:spTgt spid="5"/>
+                    </p:tgtEl>
+                  </p:cond>
+                </p:stCondLst>
+                <p:endSync evt="end" delay="0">
+                  <p:rtn val="all"/>
+                </p:endSync>
+                <p:childTnLst>
+                  <p:par>
+                    <p:cTn id="75" fill="hold">
+                      <p:stCondLst>
+                        <p:cond delay="0"/>
+                      </p:stCondLst>
+                      <p:childTnLst>
+                        <p:par>
+                          <p:cTn id="76" fill="hold">
+                            <p:stCondLst>
+                              <p:cond delay="0"/>
+                            </p:stCondLst>
+                            <p:childTnLst>
+                              <p:par>
+                                <p:cTn id="77" presetID="10" presetClass="exit" presetSubtype="0" fill="hold" grpId="0" nodeType="clickEffect">
+                                  <p:stCondLst>
+                                    <p:cond delay="0"/>
+                                  </p:stCondLst>
+                                  <p:childTnLst>
+                                    <p:animEffect transition="out" filter="fade">
+                                      <p:cBhvr>
+                                        <p:cTn id="78" dur="500"/>
+                                        <p:tgtEl>
                                           <p:spTgt spid="5"/>
                                         </p:tgtEl>
                                       </p:cBhvr>
                                     </p:animEffect>
                                     <p:set>
                                       <p:cBhvr>
-                                        <p:cTn id="67" dur="1" fill="hold">
+                                        <p:cTn id="79" dur="1" fill="hold">
                                           <p:stCondLst>
                                             <p:cond delay="499"/>
                                           </p:stCondLst>
@@ -26321,7 +26532,7 @@
                                         <p:cTn dur="1" fill="hold" display="0" masterRel="sameClick" afterEffect="1">
                                           <p:stCondLst>
                                             <p:cond evt="end" delay="0">
-                                              <p:tn val="65"/>
+                                              <p:tn val="77"/>
                                             </p:cond>
                                           </p:stCondLst>
                                         </p:cTn>
@@ -26356,105 +26567,7 @@
               </p:nextCondLst>
             </p:seq>
             <p:seq concurrent="1" nextAc="seek">
-              <p:cTn id="68" restart="whenNotActive" fill="hold" evtFilter="cancelBubble" nodeType="interactiveSeq">
-                <p:stCondLst>
-                  <p:cond evt="onClick" delay="0">
-                    <p:tgtEl>
-                      <p:spTgt spid="6"/>
-                    </p:tgtEl>
-                  </p:cond>
-                </p:stCondLst>
-                <p:endSync evt="end" delay="0">
-                  <p:rtn val="all"/>
-                </p:endSync>
-                <p:childTnLst>
-                  <p:par>
-                    <p:cTn id="69" fill="hold">
-                      <p:stCondLst>
-                        <p:cond delay="0"/>
-                      </p:stCondLst>
-                      <p:childTnLst>
-                        <p:par>
-                          <p:cTn id="70" fill="hold">
-                            <p:stCondLst>
-                              <p:cond delay="0"/>
-                            </p:stCondLst>
-                            <p:childTnLst>
-                              <p:par>
-                                <p:cTn id="71" presetID="10" presetClass="exit" presetSubtype="0" fill="hold" grpId="0" nodeType="clickEffect">
-                                  <p:stCondLst>
-                                    <p:cond delay="0"/>
-                                  </p:stCondLst>
-                                  <p:childTnLst>
-                                    <p:animEffect transition="out" filter="fade">
-                                      <p:cBhvr>
-                                        <p:cTn id="72" dur="500"/>
-                                        <p:tgtEl>
-                                          <p:spTgt spid="6"/>
-                                        </p:tgtEl>
-                                      </p:cBhvr>
-                                    </p:animEffect>
-                                    <p:set>
-                                      <p:cBhvr>
-                                        <p:cTn id="73" dur="1" fill="hold">
-                                          <p:stCondLst>
-                                            <p:cond delay="499"/>
-                                          </p:stCondLst>
-                                        </p:cTn>
-                                        <p:tgtEl>
-                                          <p:spTgt spid="6"/>
-                                        </p:tgtEl>
-                                        <p:attrNameLst>
-                                          <p:attrName>style.visibility</p:attrName>
-                                        </p:attrNameLst>
-                                      </p:cBhvr>
-                                      <p:to>
-                                        <p:strVal val="hidden"/>
-                                      </p:to>
-                                    </p:set>
-                                  </p:childTnLst>
-                                  <p:subTnLst>
-                                    <p:set>
-                                      <p:cBhvr override="childStyle">
-                                        <p:cTn dur="1" fill="hold" display="0" masterRel="sameClick" afterEffect="1">
-                                          <p:stCondLst>
-                                            <p:cond evt="end" delay="0">
-                                              <p:tn val="71"/>
-                                            </p:cond>
-                                          </p:stCondLst>
-                                        </p:cTn>
-                                        <p:tgtEl>
-                                          <p:spTgt spid="6"/>
-                                        </p:tgtEl>
-                                        <p:attrNameLst>
-                                          <p:attrName>style.visibility</p:attrName>
-                                        </p:attrNameLst>
-                                      </p:cBhvr>
-                                      <p:to>
-                                        <p:strVal val="hidden"/>
-                                      </p:to>
-                                    </p:set>
-                                  </p:subTnLst>
-                                </p:cTn>
-                              </p:par>
-                            </p:childTnLst>
-                          </p:cTn>
-                        </p:par>
-                      </p:childTnLst>
-                    </p:cTn>
-                  </p:par>
-                </p:childTnLst>
-              </p:cTn>
-              <p:nextCondLst>
-                <p:cond evt="onClick" delay="0">
-                  <p:tgtEl>
-                    <p:spTgt spid="6"/>
-                  </p:tgtEl>
-                </p:cond>
-              </p:nextCondLst>
-            </p:seq>
-            <p:seq concurrent="1" nextAc="seek">
-              <p:cTn id="74" restart="whenNotActive" fill="hold" evtFilter="cancelBubble" nodeType="interactiveSeq">
+              <p:cTn id="80" restart="whenNotActive" fill="hold" evtFilter="cancelBubble" nodeType="interactiveSeq">
                 <p:stCondLst>
                   <p:cond evt="onClick" delay="0">
                     <p:tgtEl>
@@ -26467,26 +26580,26 @@
                 </p:endSync>
                 <p:childTnLst>
                   <p:par>
-                    <p:cTn id="75" fill="hold">
+                    <p:cTn id="81" fill="hold">
                       <p:stCondLst>
                         <p:cond delay="0"/>
                       </p:stCondLst>
                       <p:childTnLst>
                         <p:par>
-                          <p:cTn id="76" fill="hold">
+                          <p:cTn id="82" fill="hold">
                             <p:stCondLst>
                               <p:cond delay="0"/>
                             </p:stCondLst>
                             <p:childTnLst>
                               <p:par>
-                                <p:cTn id="77" presetID="10" presetClass="exit" presetSubtype="0" fill="hold" grpId="0" nodeType="clickEffect">
+                                <p:cTn id="83" presetID="10" presetClass="exit" presetSubtype="0" fill="hold" grpId="0" nodeType="clickEffect">
                                   <p:stCondLst>
                                     <p:cond delay="0"/>
                                   </p:stCondLst>
                                   <p:childTnLst>
                                     <p:animEffect transition="out" filter="fade">
                                       <p:cBhvr>
-                                        <p:cTn id="78" dur="500"/>
+                                        <p:cTn id="84" dur="500"/>
                                         <p:tgtEl>
                                           <p:spTgt spid="7"/>
                                         </p:tgtEl>
@@ -26494,7 +26607,7 @@
                                     </p:animEffect>
                                     <p:set>
                                       <p:cBhvr>
-                                        <p:cTn id="79" dur="1" fill="hold">
+                                        <p:cTn id="85" dur="1" fill="hold">
                                           <p:stCondLst>
                                             <p:cond delay="499"/>
                                           </p:stCondLst>
@@ -26517,7 +26630,7 @@
                                         <p:cTn dur="1" fill="hold" display="0" masterRel="sameClick" afterEffect="1">
                                           <p:stCondLst>
                                             <p:cond evt="end" delay="0">
-                                              <p:tn val="77"/>
+                                              <p:tn val="83"/>
                                             </p:cond>
                                           </p:stCondLst>
                                         </p:cTn>
@@ -26552,109 +26665,11 @@
               </p:nextCondLst>
             </p:seq>
             <p:seq concurrent="1" nextAc="seek">
-              <p:cTn id="80" restart="whenNotActive" fill="hold" evtFilter="cancelBubble" nodeType="interactiveSeq">
-                <p:stCondLst>
-                  <p:cond evt="onClick" delay="0">
-                    <p:tgtEl>
-                      <p:spTgt spid="8"/>
-                    </p:tgtEl>
-                  </p:cond>
-                </p:stCondLst>
-                <p:endSync evt="end" delay="0">
-                  <p:rtn val="all"/>
-                </p:endSync>
-                <p:childTnLst>
-                  <p:par>
-                    <p:cTn id="81" fill="hold">
-                      <p:stCondLst>
-                        <p:cond delay="0"/>
-                      </p:stCondLst>
-                      <p:childTnLst>
-                        <p:par>
-                          <p:cTn id="82" fill="hold">
-                            <p:stCondLst>
-                              <p:cond delay="0"/>
-                            </p:stCondLst>
-                            <p:childTnLst>
-                              <p:par>
-                                <p:cTn id="83" presetID="10" presetClass="exit" presetSubtype="0" fill="hold" grpId="0" nodeType="clickEffect">
-                                  <p:stCondLst>
-                                    <p:cond delay="0"/>
-                                  </p:stCondLst>
-                                  <p:childTnLst>
-                                    <p:animEffect transition="out" filter="fade">
-                                      <p:cBhvr>
-                                        <p:cTn id="84" dur="500"/>
-                                        <p:tgtEl>
-                                          <p:spTgt spid="8"/>
-                                        </p:tgtEl>
-                                      </p:cBhvr>
-                                    </p:animEffect>
-                                    <p:set>
-                                      <p:cBhvr>
-                                        <p:cTn id="85" dur="1" fill="hold">
-                                          <p:stCondLst>
-                                            <p:cond delay="499"/>
-                                          </p:stCondLst>
-                                        </p:cTn>
-                                        <p:tgtEl>
-                                          <p:spTgt spid="8"/>
-                                        </p:tgtEl>
-                                        <p:attrNameLst>
-                                          <p:attrName>style.visibility</p:attrName>
-                                        </p:attrNameLst>
-                                      </p:cBhvr>
-                                      <p:to>
-                                        <p:strVal val="hidden"/>
-                                      </p:to>
-                                    </p:set>
-                                  </p:childTnLst>
-                                  <p:subTnLst>
-                                    <p:set>
-                                      <p:cBhvr override="childStyle">
-                                        <p:cTn dur="1" fill="hold" display="0" masterRel="sameClick" afterEffect="1">
-                                          <p:stCondLst>
-                                            <p:cond evt="end" delay="0">
-                                              <p:tn val="83"/>
-                                            </p:cond>
-                                          </p:stCondLst>
-                                        </p:cTn>
-                                        <p:tgtEl>
-                                          <p:spTgt spid="8"/>
-                                        </p:tgtEl>
-                                        <p:attrNameLst>
-                                          <p:attrName>style.visibility</p:attrName>
-                                        </p:attrNameLst>
-                                      </p:cBhvr>
-                                      <p:to>
-                                        <p:strVal val="hidden"/>
-                                      </p:to>
-                                    </p:set>
-                                  </p:subTnLst>
-                                </p:cTn>
-                              </p:par>
-                            </p:childTnLst>
-                          </p:cTn>
-                        </p:par>
-                      </p:childTnLst>
-                    </p:cTn>
-                  </p:par>
-                </p:childTnLst>
-              </p:cTn>
-              <p:nextCondLst>
-                <p:cond evt="onClick" delay="0">
-                  <p:tgtEl>
-                    <p:spTgt spid="8"/>
-                  </p:tgtEl>
-                </p:cond>
-              </p:nextCondLst>
-            </p:seq>
-            <p:seq concurrent="1" nextAc="seek">
               <p:cTn id="86" restart="whenNotActive" fill="hold" evtFilter="cancelBubble" nodeType="interactiveSeq">
                 <p:stCondLst>
                   <p:cond evt="onClick" delay="0">
                     <p:tgtEl>
-                      <p:spTgt spid="9"/>
+                      <p:spTgt spid="10"/>
                     </p:tgtEl>
                   </p:cond>
                 </p:stCondLst>
@@ -26684,7 +26699,7 @@
                                       <p:cBhvr>
                                         <p:cTn id="90" dur="500"/>
                                         <p:tgtEl>
-                                          <p:spTgt spid="9"/>
+                                          <p:spTgt spid="10"/>
                                         </p:tgtEl>
                                       </p:cBhvr>
                                     </p:animEffect>
@@ -26696,7 +26711,7 @@
                                           </p:stCondLst>
                                         </p:cTn>
                                         <p:tgtEl>
-                                          <p:spTgt spid="9"/>
+                                          <p:spTgt spid="10"/>
                                         </p:tgtEl>
                                         <p:attrNameLst>
                                           <p:attrName>style.visibility</p:attrName>
@@ -26718,7 +26733,7 @@
                                           </p:stCondLst>
                                         </p:cTn>
                                         <p:tgtEl>
-                                          <p:spTgt spid="9"/>
+                                          <p:spTgt spid="10"/>
                                         </p:tgtEl>
                                         <p:attrNameLst>
                                           <p:attrName>style.visibility</p:attrName>
@@ -26742,7 +26757,7 @@
               <p:nextCondLst>
                 <p:cond evt="onClick" delay="0">
                   <p:tgtEl>
-                    <p:spTgt spid="9"/>
+                    <p:spTgt spid="10"/>
                   </p:tgtEl>
                 </p:cond>
               </p:nextCondLst>
@@ -26752,9 +26767,6 @@
       </p:par>
     </p:tnLst>
     <p:bldLst>
-      <p:bldP spid="243" grpId="0"/>
-      <p:bldP spid="244" grpId="0"/>
-      <p:bldP spid="245" grpId="0"/>
       <p:bldP spid="248" grpId="0"/>
       <p:bldP spid="249" grpId="0"/>
       <p:bldP spid="250" grpId="0"/>
@@ -26762,11 +26774,14 @@
       <p:bldP spid="258" grpId="0"/>
       <p:bldP spid="263" grpId="0"/>
       <p:bldP spid="2" grpId="0"/>
-      <p:bldP spid="5" grpId="0"/>
       <p:bldP spid="6" grpId="0"/>
-      <p:bldP spid="7" grpId="0"/>
       <p:bldP spid="8" grpId="0"/>
       <p:bldP spid="9" grpId="0"/>
+      <p:bldP spid="3" grpId="0"/>
+      <p:bldP spid="4" grpId="0"/>
+      <p:bldP spid="5" grpId="0"/>
+      <p:bldP spid="7" grpId="0"/>
+      <p:bldP spid="10" grpId="0"/>
     </p:bldLst>
   </p:timing>
 </p:sld>

--- a/lectures/week4/lecture3/notebooks/week4_lecture3.pptx
+++ b/lectures/week4/lecture3/notebooks/week4_lecture3.pptx
@@ -37,7 +37,7 @@
   <p:notesSz cx="6858000" cy="9144000"/>
   <p:embeddedFontLst>
     <p:embeddedFont>
-      <p:font typeface="Bebas Neue" panose="020B0606020202050201" pitchFamily="34" charset="0"/>
+      <p:font typeface="Bebas Neue" panose="020B0604020202020204" pitchFamily="34" charset="0"/>
       <p:regular r:id="rId27"/>
     </p:embeddedFont>
     <p:embeddedFont>
@@ -24234,8 +24234,209 @@
       </p:sp>
       <p:sp>
         <p:nvSpPr>
+          <p:cNvPr id="243" name="Google Shape;243;p17">
+            <a:hlinkClick r:id="rId3" action="ppaction://hlinksldjump"/>
+          </p:cNvPr>
+          <p:cNvSpPr txBox="1"/>
+          <p:nvPr/>
+        </p:nvSpPr>
+        <p:spPr>
+          <a:xfrm>
+            <a:off x="576450" y="1317345"/>
+            <a:ext cx="1265700" cy="584100"/>
+          </a:xfrm>
+          <a:prstGeom prst="rect">
+            <a:avLst/>
+          </a:prstGeom>
+          <a:noFill/>
+          <a:ln>
+            <a:noFill/>
+          </a:ln>
+          <a:effectLst>
+            <a:outerShdw dist="38100" dir="2700000" algn="bl" rotWithShape="0">
+              <a:schemeClr val="dk1">
+                <a:alpha val="90000"/>
+              </a:schemeClr>
+            </a:outerShdw>
+          </a:effectLst>
+        </p:spPr>
+        <p:txBody>
+          <a:bodyPr spcFirstLastPara="1" wrap="square" lIns="0" tIns="0" rIns="0" bIns="0" anchor="ctr" anchorCtr="0">
+            <a:noAutofit/>
+          </a:bodyPr>
+          <a:lstStyle/>
+          <a:p>
+            <a:pPr marL="0" lvl="0" indent="0" algn="ctr" rtl="0">
+              <a:spcBef>
+                <a:spcPts val="0"/>
+              </a:spcBef>
+              <a:spcAft>
+                <a:spcPts val="0"/>
+              </a:spcAft>
+              <a:buNone/>
+            </a:pPr>
+            <a:r>
+              <a:rPr lang="en" sz="2900" dirty="0">
+                <a:solidFill>
+                  <a:srgbClr val="FFC319"/>
+                </a:solidFill>
+                <a:latin typeface="Bebas Neue"/>
+                <a:ea typeface="Bebas Neue"/>
+                <a:cs typeface="Bebas Neue"/>
+                <a:sym typeface="Bebas Neue"/>
+              </a:rPr>
+              <a:t>$250</a:t>
+            </a:r>
+            <a:endParaRPr sz="2900" dirty="0">
+              <a:solidFill>
+                <a:srgbClr val="FFC319"/>
+              </a:solidFill>
+              <a:latin typeface="Bebas Neue"/>
+              <a:ea typeface="Bebas Neue"/>
+              <a:cs typeface="Bebas Neue"/>
+              <a:sym typeface="Bebas Neue"/>
+            </a:endParaRPr>
+          </a:p>
+        </p:txBody>
+      </p:sp>
+      <p:sp>
+        <p:nvSpPr>
+          <p:cNvPr id="244" name="Google Shape;244;p17">
+            <a:hlinkClick r:id="rId4" action="ppaction://hlinksldjump"/>
+          </p:cNvPr>
+          <p:cNvSpPr txBox="1"/>
+          <p:nvPr/>
+        </p:nvSpPr>
+        <p:spPr>
+          <a:xfrm>
+            <a:off x="576450" y="1989197"/>
+            <a:ext cx="1265700" cy="584100"/>
+          </a:xfrm>
+          <a:prstGeom prst="rect">
+            <a:avLst/>
+          </a:prstGeom>
+          <a:noFill/>
+          <a:ln>
+            <a:noFill/>
+          </a:ln>
+          <a:effectLst>
+            <a:outerShdw dist="38100" dir="2700000" algn="bl" rotWithShape="0">
+              <a:schemeClr val="dk1">
+                <a:alpha val="90000"/>
+              </a:schemeClr>
+            </a:outerShdw>
+          </a:effectLst>
+        </p:spPr>
+        <p:txBody>
+          <a:bodyPr spcFirstLastPara="1" wrap="square" lIns="0" tIns="0" rIns="0" bIns="0" anchor="ctr" anchorCtr="0">
+            <a:noAutofit/>
+          </a:bodyPr>
+          <a:lstStyle/>
+          <a:p>
+            <a:pPr marL="0" lvl="0" indent="0" algn="ctr" rtl="0">
+              <a:spcBef>
+                <a:spcPts val="0"/>
+              </a:spcBef>
+              <a:spcAft>
+                <a:spcPts val="0"/>
+              </a:spcAft>
+              <a:buNone/>
+            </a:pPr>
+            <a:r>
+              <a:rPr lang="en" sz="2900" dirty="0">
+                <a:solidFill>
+                  <a:srgbClr val="FFC319"/>
+                </a:solidFill>
+                <a:latin typeface="Bebas Neue"/>
+                <a:ea typeface="Bebas Neue"/>
+                <a:cs typeface="Bebas Neue"/>
+                <a:sym typeface="Bebas Neue"/>
+              </a:rPr>
+              <a:t>$500</a:t>
+            </a:r>
+            <a:endParaRPr sz="2900" dirty="0">
+              <a:solidFill>
+                <a:srgbClr val="FFC319"/>
+              </a:solidFill>
+              <a:latin typeface="Bebas Neue"/>
+              <a:ea typeface="Bebas Neue"/>
+              <a:cs typeface="Bebas Neue"/>
+              <a:sym typeface="Bebas Neue"/>
+            </a:endParaRPr>
+          </a:p>
+        </p:txBody>
+      </p:sp>
+      <p:sp>
+        <p:nvSpPr>
+          <p:cNvPr id="245" name="Google Shape;245;p17">
+            <a:hlinkClick r:id="rId5" action="ppaction://hlinksldjump"/>
+          </p:cNvPr>
+          <p:cNvSpPr txBox="1"/>
+          <p:nvPr/>
+        </p:nvSpPr>
+        <p:spPr>
+          <a:xfrm>
+            <a:off x="576450" y="2661049"/>
+            <a:ext cx="1265700" cy="584100"/>
+          </a:xfrm>
+          <a:prstGeom prst="rect">
+            <a:avLst/>
+          </a:prstGeom>
+          <a:noFill/>
+          <a:ln>
+            <a:noFill/>
+          </a:ln>
+          <a:effectLst>
+            <a:outerShdw dist="38100" dir="2700000" algn="bl" rotWithShape="0">
+              <a:schemeClr val="dk1">
+                <a:alpha val="90000"/>
+              </a:schemeClr>
+            </a:outerShdw>
+          </a:effectLst>
+        </p:spPr>
+        <p:txBody>
+          <a:bodyPr spcFirstLastPara="1" wrap="square" lIns="0" tIns="0" rIns="0" bIns="0" anchor="ctr" anchorCtr="0">
+            <a:noAutofit/>
+          </a:bodyPr>
+          <a:lstStyle/>
+          <a:p>
+            <a:pPr marL="0" lvl="0" indent="0" algn="ctr" rtl="0">
+              <a:spcBef>
+                <a:spcPts val="0"/>
+              </a:spcBef>
+              <a:spcAft>
+                <a:spcPts val="0"/>
+              </a:spcAft>
+              <a:buNone/>
+            </a:pPr>
+            <a:r>
+              <a:rPr lang="en" sz="2900" dirty="0">
+                <a:solidFill>
+                  <a:srgbClr val="FFC319"/>
+                </a:solidFill>
+                <a:latin typeface="Bebas Neue"/>
+                <a:ea typeface="Bebas Neue"/>
+                <a:cs typeface="Bebas Neue"/>
+                <a:sym typeface="Bebas Neue"/>
+              </a:rPr>
+              <a:t>$1000</a:t>
+            </a:r>
+            <a:endParaRPr sz="2900" dirty="0">
+              <a:solidFill>
+                <a:srgbClr val="FFC319"/>
+              </a:solidFill>
+              <a:latin typeface="Bebas Neue"/>
+              <a:ea typeface="Bebas Neue"/>
+              <a:cs typeface="Bebas Neue"/>
+              <a:sym typeface="Bebas Neue"/>
+            </a:endParaRPr>
+          </a:p>
+        </p:txBody>
+      </p:sp>
+      <p:sp>
+        <p:nvSpPr>
           <p:cNvPr id="248" name="Google Shape;248;p17">
-            <a:hlinkClick r:id="rId3" action="ppaction://hlinksldjump"/>
+            <a:hlinkClick r:id="rId6" action="ppaction://hlinksldjump"/>
           </p:cNvPr>
           <p:cNvSpPr txBox="1"/>
           <p:nvPr/>
@@ -24302,7 +24503,7 @@
       <p:sp>
         <p:nvSpPr>
           <p:cNvPr id="249" name="Google Shape;249;p17">
-            <a:hlinkClick r:id="rId4" action="ppaction://hlinksldjump"/>
+            <a:hlinkClick r:id="rId7" action="ppaction://hlinksldjump"/>
           </p:cNvPr>
           <p:cNvSpPr txBox="1"/>
           <p:nvPr/>
@@ -24369,7 +24570,7 @@
       <p:sp>
         <p:nvSpPr>
           <p:cNvPr id="250" name="Google Shape;250;p17">
-            <a:hlinkClick r:id="rId5" action="ppaction://hlinksldjump"/>
+            <a:hlinkClick r:id="rId8" action="ppaction://hlinksldjump"/>
           </p:cNvPr>
           <p:cNvSpPr txBox="1"/>
           <p:nvPr/>
@@ -24436,7 +24637,7 @@
       <p:sp>
         <p:nvSpPr>
           <p:cNvPr id="253" name="Google Shape;253;p17">
-            <a:hlinkClick r:id="rId6" action="ppaction://hlinksldjump"/>
+            <a:hlinkClick r:id="rId9" action="ppaction://hlinksldjump"/>
           </p:cNvPr>
           <p:cNvSpPr txBox="1"/>
           <p:nvPr/>
@@ -24503,7 +24704,7 @@
       <p:sp>
         <p:nvSpPr>
           <p:cNvPr id="258" name="Google Shape;258;p17">
-            <a:hlinkClick r:id="rId7" action="ppaction://hlinksldjump"/>
+            <a:hlinkClick r:id="rId10" action="ppaction://hlinksldjump"/>
           </p:cNvPr>
           <p:cNvSpPr txBox="1"/>
           <p:nvPr/>
@@ -24570,7 +24771,7 @@
       <p:sp>
         <p:nvSpPr>
           <p:cNvPr id="263" name="Google Shape;263;p17">
-            <a:hlinkClick r:id="rId8" action="ppaction://hlinksldjump"/>
+            <a:hlinkClick r:id="rId11" action="ppaction://hlinksldjump"/>
           </p:cNvPr>
           <p:cNvSpPr txBox="1"/>
           <p:nvPr/>
@@ -24637,7 +24838,7 @@
       <p:sp>
         <p:nvSpPr>
           <p:cNvPr id="2" name="Google Shape;264;p17">
-            <a:hlinkClick r:id="rId9" action="ppaction://hlinksldjump"/>
+            <a:hlinkClick r:id="rId12" action="ppaction://hlinksldjump"/>
             <a:extLst>
               <a:ext uri="{FF2B5EF4-FFF2-40B4-BE49-F238E27FC236}">
                 <a16:creationId xmlns:a16="http://schemas.microsoft.com/office/drawing/2014/main" id="{AD9A4225-C05D-35BB-EF97-B54D3D685890}"/>
@@ -24708,8 +24909,80 @@
       </p:sp>
       <p:sp>
         <p:nvSpPr>
+          <p:cNvPr id="5" name="Google Shape;265;p17">
+            <a:hlinkClick r:id="rId13" action="ppaction://hlinksldjump"/>
+            <a:extLst>
+              <a:ext uri="{FF2B5EF4-FFF2-40B4-BE49-F238E27FC236}">
+                <a16:creationId xmlns:a16="http://schemas.microsoft.com/office/drawing/2014/main" id="{0001A432-BCCE-44C2-6938-1B86B5D6C61B}"/>
+              </a:ext>
+            </a:extLst>
+          </p:cNvPr>
+          <p:cNvSpPr txBox="1"/>
+          <p:nvPr/>
+        </p:nvSpPr>
+        <p:spPr>
+          <a:xfrm>
+            <a:off x="5949425" y="2661249"/>
+            <a:ext cx="1265700" cy="584100"/>
+          </a:xfrm>
+          <a:prstGeom prst="rect">
+            <a:avLst/>
+          </a:prstGeom>
+          <a:noFill/>
+          <a:ln>
+            <a:noFill/>
+          </a:ln>
+          <a:effectLst>
+            <a:outerShdw dist="38100" dir="2700000" algn="bl" rotWithShape="0">
+              <a:schemeClr val="dk1">
+                <a:alpha val="90000"/>
+              </a:schemeClr>
+            </a:outerShdw>
+          </a:effectLst>
+        </p:spPr>
+        <p:txBody>
+          <a:bodyPr spcFirstLastPara="1" wrap="square" lIns="0" tIns="0" rIns="0" bIns="0" anchor="ctr" anchorCtr="0">
+            <a:noAutofit/>
+          </a:bodyPr>
+          <a:lstStyle/>
+          <a:p>
+            <a:pPr marL="0" lvl="0" indent="0" algn="ctr" rtl="0">
+              <a:spcBef>
+                <a:spcPts val="0"/>
+              </a:spcBef>
+              <a:spcAft>
+                <a:spcPts val="0"/>
+              </a:spcAft>
+              <a:buNone/>
+            </a:pPr>
+            <a:r>
+              <a:rPr lang="en" sz="2900" dirty="0">
+                <a:solidFill>
+                  <a:srgbClr val="FFC319"/>
+                </a:solidFill>
+                <a:latin typeface="Bebas Neue"/>
+                <a:ea typeface="Bebas Neue"/>
+                <a:cs typeface="Bebas Neue"/>
+                <a:sym typeface="Bebas Neue"/>
+              </a:rPr>
+              <a:t>$1000</a:t>
+            </a:r>
+            <a:endParaRPr sz="2900" dirty="0">
+              <a:solidFill>
+                <a:srgbClr val="FFC319"/>
+              </a:solidFill>
+              <a:latin typeface="Bebas Neue"/>
+              <a:ea typeface="Bebas Neue"/>
+              <a:cs typeface="Bebas Neue"/>
+              <a:sym typeface="Bebas Neue"/>
+            </a:endParaRPr>
+          </a:p>
+        </p:txBody>
+      </p:sp>
+      <p:sp>
+        <p:nvSpPr>
           <p:cNvPr id="6" name="Google Shape;259;p17">
-            <a:hlinkClick r:id="rId10" action="ppaction://hlinksldjump"/>
+            <a:hlinkClick r:id="rId14" action="ppaction://hlinksldjump"/>
             <a:extLst>
               <a:ext uri="{FF2B5EF4-FFF2-40B4-BE49-F238E27FC236}">
                 <a16:creationId xmlns:a16="http://schemas.microsoft.com/office/drawing/2014/main" id="{8C85F899-48BA-1E8A-368B-B2185C522D94}"/>
@@ -24780,8 +25053,80 @@
       </p:sp>
       <p:sp>
         <p:nvSpPr>
+          <p:cNvPr id="7" name="Google Shape;260;p17">
+            <a:hlinkClick r:id="rId15" action="ppaction://hlinksldjump"/>
+            <a:extLst>
+              <a:ext uri="{FF2B5EF4-FFF2-40B4-BE49-F238E27FC236}">
+                <a16:creationId xmlns:a16="http://schemas.microsoft.com/office/drawing/2014/main" id="{8EEA3DAC-87BE-72E8-F130-3E23BAF8222F}"/>
+              </a:ext>
+            </a:extLst>
+          </p:cNvPr>
+          <p:cNvSpPr txBox="1"/>
+          <p:nvPr/>
+        </p:nvSpPr>
+        <p:spPr>
+          <a:xfrm>
+            <a:off x="4607975" y="2661262"/>
+            <a:ext cx="1265700" cy="584100"/>
+          </a:xfrm>
+          <a:prstGeom prst="rect">
+            <a:avLst/>
+          </a:prstGeom>
+          <a:noFill/>
+          <a:ln>
+            <a:noFill/>
+          </a:ln>
+          <a:effectLst>
+            <a:outerShdw dist="38100" dir="2700000" algn="bl" rotWithShape="0">
+              <a:schemeClr val="dk1">
+                <a:alpha val="90000"/>
+              </a:schemeClr>
+            </a:outerShdw>
+          </a:effectLst>
+        </p:spPr>
+        <p:txBody>
+          <a:bodyPr spcFirstLastPara="1" wrap="square" lIns="0" tIns="0" rIns="0" bIns="0" anchor="ctr" anchorCtr="0">
+            <a:noAutofit/>
+          </a:bodyPr>
+          <a:lstStyle/>
+          <a:p>
+            <a:pPr marL="0" lvl="0" indent="0" algn="ctr" rtl="0">
+              <a:spcBef>
+                <a:spcPts val="0"/>
+              </a:spcBef>
+              <a:spcAft>
+                <a:spcPts val="0"/>
+              </a:spcAft>
+              <a:buNone/>
+            </a:pPr>
+            <a:r>
+              <a:rPr lang="en" sz="2900" dirty="0">
+                <a:solidFill>
+                  <a:srgbClr val="FFC319"/>
+                </a:solidFill>
+                <a:latin typeface="Bebas Neue"/>
+                <a:ea typeface="Bebas Neue"/>
+                <a:cs typeface="Bebas Neue"/>
+                <a:sym typeface="Bebas Neue"/>
+              </a:rPr>
+              <a:t>$1000</a:t>
+            </a:r>
+            <a:endParaRPr sz="2900" dirty="0">
+              <a:solidFill>
+                <a:srgbClr val="FFC319"/>
+              </a:solidFill>
+              <a:latin typeface="Bebas Neue"/>
+              <a:ea typeface="Bebas Neue"/>
+              <a:cs typeface="Bebas Neue"/>
+              <a:sym typeface="Bebas Neue"/>
+            </a:endParaRPr>
+          </a:p>
+        </p:txBody>
+      </p:sp>
+      <p:sp>
+        <p:nvSpPr>
           <p:cNvPr id="8" name="Google Shape;254;p17">
-            <a:hlinkClick r:id="rId11" action="ppaction://hlinksldjump"/>
+            <a:hlinkClick r:id="rId16" action="ppaction://hlinksldjump"/>
             <a:extLst>
               <a:ext uri="{FF2B5EF4-FFF2-40B4-BE49-F238E27FC236}">
                 <a16:creationId xmlns:a16="http://schemas.microsoft.com/office/drawing/2014/main" id="{754410DF-1C35-C544-62C4-5189EB602FB0}"/>
@@ -24853,7 +25198,7 @@
       <p:sp>
         <p:nvSpPr>
           <p:cNvPr id="9" name="Google Shape;255;p17">
-            <a:hlinkClick r:id="rId12" action="ppaction://hlinksldjump"/>
+            <a:hlinkClick r:id="rId17" action="ppaction://hlinksldjump"/>
             <a:extLst>
               <a:ext uri="{FF2B5EF4-FFF2-40B4-BE49-F238E27FC236}">
                 <a16:creationId xmlns:a16="http://schemas.microsoft.com/office/drawing/2014/main" id="{D1B38A3D-CFA8-7FA3-D05D-1516D83D0DF7}"/>
@@ -24866,366 +25211,6 @@
         <p:spPr>
           <a:xfrm>
             <a:off x="3262881" y="2661262"/>
-            <a:ext cx="1265700" cy="584100"/>
-          </a:xfrm>
-          <a:prstGeom prst="rect">
-            <a:avLst/>
-          </a:prstGeom>
-          <a:noFill/>
-          <a:ln>
-            <a:noFill/>
-          </a:ln>
-          <a:effectLst>
-            <a:outerShdw dist="38100" dir="2700000" algn="bl" rotWithShape="0">
-              <a:schemeClr val="dk1">
-                <a:alpha val="90000"/>
-              </a:schemeClr>
-            </a:outerShdw>
-          </a:effectLst>
-        </p:spPr>
-        <p:txBody>
-          <a:bodyPr spcFirstLastPara="1" wrap="square" lIns="0" tIns="0" rIns="0" bIns="0" anchor="ctr" anchorCtr="0">
-            <a:noAutofit/>
-          </a:bodyPr>
-          <a:lstStyle/>
-          <a:p>
-            <a:pPr marL="0" lvl="0" indent="0" algn="ctr" rtl="0">
-              <a:spcBef>
-                <a:spcPts val="0"/>
-              </a:spcBef>
-              <a:spcAft>
-                <a:spcPts val="0"/>
-              </a:spcAft>
-              <a:buNone/>
-            </a:pPr>
-            <a:r>
-              <a:rPr lang="en" sz="2900" dirty="0">
-                <a:solidFill>
-                  <a:srgbClr val="FFC319"/>
-                </a:solidFill>
-                <a:latin typeface="Bebas Neue"/>
-                <a:ea typeface="Bebas Neue"/>
-                <a:cs typeface="Bebas Neue"/>
-                <a:sym typeface="Bebas Neue"/>
-              </a:rPr>
-              <a:t>$1000</a:t>
-            </a:r>
-            <a:endParaRPr sz="2900" dirty="0">
-              <a:solidFill>
-                <a:srgbClr val="FFC319"/>
-              </a:solidFill>
-              <a:latin typeface="Bebas Neue"/>
-              <a:ea typeface="Bebas Neue"/>
-              <a:cs typeface="Bebas Neue"/>
-              <a:sym typeface="Bebas Neue"/>
-            </a:endParaRPr>
-          </a:p>
-        </p:txBody>
-      </p:sp>
-      <p:sp>
-        <p:nvSpPr>
-          <p:cNvPr id="3" name="Google Shape;248;p17">
-            <a:hlinkClick r:id="rId3" action="ppaction://hlinksldjump"/>
-            <a:extLst>
-              <a:ext uri="{FF2B5EF4-FFF2-40B4-BE49-F238E27FC236}">
-                <a16:creationId xmlns:a16="http://schemas.microsoft.com/office/drawing/2014/main" id="{CF3F8088-0754-2BF5-DFC0-0541320D80D1}"/>
-              </a:ext>
-            </a:extLst>
-          </p:cNvPr>
-          <p:cNvSpPr txBox="1"/>
-          <p:nvPr/>
-        </p:nvSpPr>
-        <p:spPr>
-          <a:xfrm>
-            <a:off x="497051" y="1317558"/>
-            <a:ext cx="1265700" cy="584100"/>
-          </a:xfrm>
-          <a:prstGeom prst="rect">
-            <a:avLst/>
-          </a:prstGeom>
-          <a:noFill/>
-          <a:ln>
-            <a:noFill/>
-          </a:ln>
-          <a:effectLst>
-            <a:outerShdw dist="38100" dir="2700000" algn="bl" rotWithShape="0">
-              <a:schemeClr val="dk1">
-                <a:alpha val="90000"/>
-              </a:schemeClr>
-            </a:outerShdw>
-          </a:effectLst>
-        </p:spPr>
-        <p:txBody>
-          <a:bodyPr spcFirstLastPara="1" wrap="square" lIns="0" tIns="0" rIns="0" bIns="0" anchor="ctr" anchorCtr="0">
-            <a:noAutofit/>
-          </a:bodyPr>
-          <a:lstStyle/>
-          <a:p>
-            <a:pPr marL="0" lvl="0" indent="0" algn="ctr" rtl="0">
-              <a:spcBef>
-                <a:spcPts val="0"/>
-              </a:spcBef>
-              <a:spcAft>
-                <a:spcPts val="0"/>
-              </a:spcAft>
-              <a:buNone/>
-            </a:pPr>
-            <a:r>
-              <a:rPr lang="en" sz="2900" dirty="0">
-                <a:solidFill>
-                  <a:srgbClr val="FFC319"/>
-                </a:solidFill>
-                <a:latin typeface="Bebas Neue"/>
-                <a:ea typeface="Bebas Neue"/>
-                <a:cs typeface="Bebas Neue"/>
-                <a:sym typeface="Bebas Neue"/>
-              </a:rPr>
-              <a:t>$250</a:t>
-            </a:r>
-            <a:endParaRPr sz="2900" dirty="0">
-              <a:solidFill>
-                <a:srgbClr val="FFC319"/>
-              </a:solidFill>
-              <a:latin typeface="Bebas Neue"/>
-              <a:ea typeface="Bebas Neue"/>
-              <a:cs typeface="Bebas Neue"/>
-              <a:sym typeface="Bebas Neue"/>
-            </a:endParaRPr>
-          </a:p>
-        </p:txBody>
-      </p:sp>
-      <p:sp>
-        <p:nvSpPr>
-          <p:cNvPr id="4" name="Google Shape;249;p17">
-            <a:hlinkClick r:id="rId4" action="ppaction://hlinksldjump"/>
-            <a:extLst>
-              <a:ext uri="{FF2B5EF4-FFF2-40B4-BE49-F238E27FC236}">
-                <a16:creationId xmlns:a16="http://schemas.microsoft.com/office/drawing/2014/main" id="{38E1E343-8939-1FA7-06AF-44C18B4F3A22}"/>
-              </a:ext>
-            </a:extLst>
-          </p:cNvPr>
-          <p:cNvSpPr txBox="1"/>
-          <p:nvPr/>
-        </p:nvSpPr>
-        <p:spPr>
-          <a:xfrm>
-            <a:off x="497051" y="1989410"/>
-            <a:ext cx="1265700" cy="584100"/>
-          </a:xfrm>
-          <a:prstGeom prst="rect">
-            <a:avLst/>
-          </a:prstGeom>
-          <a:noFill/>
-          <a:ln>
-            <a:noFill/>
-          </a:ln>
-          <a:effectLst>
-            <a:outerShdw dist="38100" dir="2700000" algn="bl" rotWithShape="0">
-              <a:schemeClr val="dk1">
-                <a:alpha val="90000"/>
-              </a:schemeClr>
-            </a:outerShdw>
-          </a:effectLst>
-        </p:spPr>
-        <p:txBody>
-          <a:bodyPr spcFirstLastPara="1" wrap="square" lIns="0" tIns="0" rIns="0" bIns="0" anchor="ctr" anchorCtr="0">
-            <a:noAutofit/>
-          </a:bodyPr>
-          <a:lstStyle/>
-          <a:p>
-            <a:pPr marL="0" lvl="0" indent="0" algn="ctr" rtl="0">
-              <a:spcBef>
-                <a:spcPts val="0"/>
-              </a:spcBef>
-              <a:spcAft>
-                <a:spcPts val="0"/>
-              </a:spcAft>
-              <a:buNone/>
-            </a:pPr>
-            <a:r>
-              <a:rPr lang="en" sz="2900" dirty="0">
-                <a:solidFill>
-                  <a:srgbClr val="FFC319"/>
-                </a:solidFill>
-                <a:latin typeface="Bebas Neue"/>
-                <a:ea typeface="Bebas Neue"/>
-                <a:cs typeface="Bebas Neue"/>
-                <a:sym typeface="Bebas Neue"/>
-              </a:rPr>
-              <a:t>$500</a:t>
-            </a:r>
-            <a:endParaRPr sz="2900" dirty="0">
-              <a:solidFill>
-                <a:srgbClr val="FFC319"/>
-              </a:solidFill>
-              <a:latin typeface="Bebas Neue"/>
-              <a:ea typeface="Bebas Neue"/>
-              <a:cs typeface="Bebas Neue"/>
-              <a:sym typeface="Bebas Neue"/>
-            </a:endParaRPr>
-          </a:p>
-        </p:txBody>
-      </p:sp>
-      <p:sp>
-        <p:nvSpPr>
-          <p:cNvPr id="5" name="Google Shape;250;p17">
-            <a:hlinkClick r:id="rId5" action="ppaction://hlinksldjump"/>
-            <a:extLst>
-              <a:ext uri="{FF2B5EF4-FFF2-40B4-BE49-F238E27FC236}">
-                <a16:creationId xmlns:a16="http://schemas.microsoft.com/office/drawing/2014/main" id="{CF21A4E5-B386-5C9D-D654-720A166FAA80}"/>
-              </a:ext>
-            </a:extLst>
-          </p:cNvPr>
-          <p:cNvSpPr txBox="1"/>
-          <p:nvPr/>
-        </p:nvSpPr>
-        <p:spPr>
-          <a:xfrm>
-            <a:off x="497051" y="2661262"/>
-            <a:ext cx="1265700" cy="584100"/>
-          </a:xfrm>
-          <a:prstGeom prst="rect">
-            <a:avLst/>
-          </a:prstGeom>
-          <a:noFill/>
-          <a:ln>
-            <a:noFill/>
-          </a:ln>
-          <a:effectLst>
-            <a:outerShdw dist="38100" dir="2700000" algn="bl" rotWithShape="0">
-              <a:schemeClr val="dk1">
-                <a:alpha val="90000"/>
-              </a:schemeClr>
-            </a:outerShdw>
-          </a:effectLst>
-        </p:spPr>
-        <p:txBody>
-          <a:bodyPr spcFirstLastPara="1" wrap="square" lIns="0" tIns="0" rIns="0" bIns="0" anchor="ctr" anchorCtr="0">
-            <a:noAutofit/>
-          </a:bodyPr>
-          <a:lstStyle/>
-          <a:p>
-            <a:pPr marL="0" lvl="0" indent="0" algn="ctr" rtl="0">
-              <a:spcBef>
-                <a:spcPts val="0"/>
-              </a:spcBef>
-              <a:spcAft>
-                <a:spcPts val="0"/>
-              </a:spcAft>
-              <a:buNone/>
-            </a:pPr>
-            <a:r>
-              <a:rPr lang="en" sz="2900" dirty="0">
-                <a:solidFill>
-                  <a:srgbClr val="FFC319"/>
-                </a:solidFill>
-                <a:latin typeface="Bebas Neue"/>
-                <a:ea typeface="Bebas Neue"/>
-                <a:cs typeface="Bebas Neue"/>
-                <a:sym typeface="Bebas Neue"/>
-              </a:rPr>
-              <a:t>$1000</a:t>
-            </a:r>
-            <a:endParaRPr sz="2900" dirty="0">
-              <a:solidFill>
-                <a:srgbClr val="FFC319"/>
-              </a:solidFill>
-              <a:latin typeface="Bebas Neue"/>
-              <a:ea typeface="Bebas Neue"/>
-              <a:cs typeface="Bebas Neue"/>
-              <a:sym typeface="Bebas Neue"/>
-            </a:endParaRPr>
-          </a:p>
-        </p:txBody>
-      </p:sp>
-      <p:sp>
-        <p:nvSpPr>
-          <p:cNvPr id="7" name="Google Shape;255;p17">
-            <a:hlinkClick r:id="rId12" action="ppaction://hlinksldjump"/>
-            <a:extLst>
-              <a:ext uri="{FF2B5EF4-FFF2-40B4-BE49-F238E27FC236}">
-                <a16:creationId xmlns:a16="http://schemas.microsoft.com/office/drawing/2014/main" id="{1E593DD3-E4C1-AE7F-4FB2-40D588224A16}"/>
-              </a:ext>
-            </a:extLst>
-          </p:cNvPr>
-          <p:cNvSpPr txBox="1"/>
-          <p:nvPr/>
-        </p:nvSpPr>
-        <p:spPr>
-          <a:xfrm>
-            <a:off x="4615421" y="2661262"/>
-            <a:ext cx="1265700" cy="584100"/>
-          </a:xfrm>
-          <a:prstGeom prst="rect">
-            <a:avLst/>
-          </a:prstGeom>
-          <a:noFill/>
-          <a:ln>
-            <a:noFill/>
-          </a:ln>
-          <a:effectLst>
-            <a:outerShdw dist="38100" dir="2700000" algn="bl" rotWithShape="0">
-              <a:schemeClr val="dk1">
-                <a:alpha val="90000"/>
-              </a:schemeClr>
-            </a:outerShdw>
-          </a:effectLst>
-        </p:spPr>
-        <p:txBody>
-          <a:bodyPr spcFirstLastPara="1" wrap="square" lIns="0" tIns="0" rIns="0" bIns="0" anchor="ctr" anchorCtr="0">
-            <a:noAutofit/>
-          </a:bodyPr>
-          <a:lstStyle/>
-          <a:p>
-            <a:pPr marL="0" lvl="0" indent="0" algn="ctr" rtl="0">
-              <a:spcBef>
-                <a:spcPts val="0"/>
-              </a:spcBef>
-              <a:spcAft>
-                <a:spcPts val="0"/>
-              </a:spcAft>
-              <a:buNone/>
-            </a:pPr>
-            <a:r>
-              <a:rPr lang="en" sz="2900" dirty="0">
-                <a:solidFill>
-                  <a:srgbClr val="FFC319"/>
-                </a:solidFill>
-                <a:latin typeface="Bebas Neue"/>
-                <a:ea typeface="Bebas Neue"/>
-                <a:cs typeface="Bebas Neue"/>
-                <a:sym typeface="Bebas Neue"/>
-              </a:rPr>
-              <a:t>$1000</a:t>
-            </a:r>
-            <a:endParaRPr sz="2900" dirty="0">
-              <a:solidFill>
-                <a:srgbClr val="FFC319"/>
-              </a:solidFill>
-              <a:latin typeface="Bebas Neue"/>
-              <a:ea typeface="Bebas Neue"/>
-              <a:cs typeface="Bebas Neue"/>
-              <a:sym typeface="Bebas Neue"/>
-            </a:endParaRPr>
-          </a:p>
-        </p:txBody>
-      </p:sp>
-      <p:sp>
-        <p:nvSpPr>
-          <p:cNvPr id="10" name="Google Shape;255;p17">
-            <a:hlinkClick r:id="rId12" action="ppaction://hlinksldjump"/>
-            <a:extLst>
-              <a:ext uri="{FF2B5EF4-FFF2-40B4-BE49-F238E27FC236}">
-                <a16:creationId xmlns:a16="http://schemas.microsoft.com/office/drawing/2014/main" id="{BE143733-760D-E5B4-AA02-2DF8F2E41916}"/>
-              </a:ext>
-            </a:extLst>
-          </p:cNvPr>
-          <p:cNvSpPr txBox="1"/>
-          <p:nvPr/>
-        </p:nvSpPr>
-        <p:spPr>
-          <a:xfrm>
-            <a:off x="5949425" y="2661262"/>
             <a:ext cx="1265700" cy="584100"/>
           </a:xfrm>
           <a:prstGeom prst="rect">
@@ -25297,7 +25282,7 @@
                 <p:stCondLst>
                   <p:cond evt="onClick" delay="0">
                     <p:tgtEl>
-                      <p:spTgt spid="248"/>
+                      <p:spTgt spid="243"/>
                     </p:tgtEl>
                   </p:cond>
                 </p:stCondLst>
@@ -25327,13 +25312,307 @@
                                       <p:cBhvr>
                                         <p:cTn id="6" dur="500"/>
                                         <p:tgtEl>
+                                          <p:spTgt spid="243"/>
+                                        </p:tgtEl>
+                                      </p:cBhvr>
+                                    </p:animEffect>
+                                    <p:set>
+                                      <p:cBhvr>
+                                        <p:cTn id="7" dur="1" fill="hold">
+                                          <p:stCondLst>
+                                            <p:cond delay="499"/>
+                                          </p:stCondLst>
+                                        </p:cTn>
+                                        <p:tgtEl>
+                                          <p:spTgt spid="243"/>
+                                        </p:tgtEl>
+                                        <p:attrNameLst>
+                                          <p:attrName>style.visibility</p:attrName>
+                                        </p:attrNameLst>
+                                      </p:cBhvr>
+                                      <p:to>
+                                        <p:strVal val="hidden"/>
+                                      </p:to>
+                                    </p:set>
+                                  </p:childTnLst>
+                                  <p:subTnLst>
+                                    <p:set>
+                                      <p:cBhvr override="childStyle">
+                                        <p:cTn dur="1" fill="hold" display="0" masterRel="sameClick" afterEffect="1">
+                                          <p:stCondLst>
+                                            <p:cond evt="end" delay="0">
+                                              <p:tn val="5"/>
+                                            </p:cond>
+                                          </p:stCondLst>
+                                        </p:cTn>
+                                        <p:tgtEl>
+                                          <p:spTgt spid="243"/>
+                                        </p:tgtEl>
+                                        <p:attrNameLst>
+                                          <p:attrName>style.visibility</p:attrName>
+                                        </p:attrNameLst>
+                                      </p:cBhvr>
+                                      <p:to>
+                                        <p:strVal val="hidden"/>
+                                      </p:to>
+                                    </p:set>
+                                  </p:subTnLst>
+                                </p:cTn>
+                              </p:par>
+                            </p:childTnLst>
+                          </p:cTn>
+                        </p:par>
+                      </p:childTnLst>
+                    </p:cTn>
+                  </p:par>
+                </p:childTnLst>
+              </p:cTn>
+              <p:nextCondLst>
+                <p:cond evt="onClick" delay="0">
+                  <p:tgtEl>
+                    <p:spTgt spid="243"/>
+                  </p:tgtEl>
+                </p:cond>
+              </p:nextCondLst>
+            </p:seq>
+            <p:seq concurrent="1" nextAc="seek">
+              <p:cTn id="8" restart="whenNotActive" fill="hold" evtFilter="cancelBubble" nodeType="interactiveSeq">
+                <p:stCondLst>
+                  <p:cond evt="onClick" delay="0">
+                    <p:tgtEl>
+                      <p:spTgt spid="244"/>
+                    </p:tgtEl>
+                  </p:cond>
+                </p:stCondLst>
+                <p:endSync evt="end" delay="0">
+                  <p:rtn val="all"/>
+                </p:endSync>
+                <p:childTnLst>
+                  <p:par>
+                    <p:cTn id="9" fill="hold">
+                      <p:stCondLst>
+                        <p:cond delay="0"/>
+                      </p:stCondLst>
+                      <p:childTnLst>
+                        <p:par>
+                          <p:cTn id="10" fill="hold">
+                            <p:stCondLst>
+                              <p:cond delay="0"/>
+                            </p:stCondLst>
+                            <p:childTnLst>
+                              <p:par>
+                                <p:cTn id="11" presetID="10" presetClass="exit" presetSubtype="0" fill="hold" grpId="0" nodeType="clickEffect">
+                                  <p:stCondLst>
+                                    <p:cond delay="0"/>
+                                  </p:stCondLst>
+                                  <p:childTnLst>
+                                    <p:animEffect transition="out" filter="fade">
+                                      <p:cBhvr>
+                                        <p:cTn id="12" dur="500"/>
+                                        <p:tgtEl>
+                                          <p:spTgt spid="244"/>
+                                        </p:tgtEl>
+                                      </p:cBhvr>
+                                    </p:animEffect>
+                                    <p:set>
+                                      <p:cBhvr>
+                                        <p:cTn id="13" dur="1" fill="hold">
+                                          <p:stCondLst>
+                                            <p:cond delay="499"/>
+                                          </p:stCondLst>
+                                        </p:cTn>
+                                        <p:tgtEl>
+                                          <p:spTgt spid="244"/>
+                                        </p:tgtEl>
+                                        <p:attrNameLst>
+                                          <p:attrName>style.visibility</p:attrName>
+                                        </p:attrNameLst>
+                                      </p:cBhvr>
+                                      <p:to>
+                                        <p:strVal val="hidden"/>
+                                      </p:to>
+                                    </p:set>
+                                  </p:childTnLst>
+                                  <p:subTnLst>
+                                    <p:set>
+                                      <p:cBhvr override="childStyle">
+                                        <p:cTn dur="1" fill="hold" display="0" masterRel="sameClick" afterEffect="1">
+                                          <p:stCondLst>
+                                            <p:cond evt="end" delay="0">
+                                              <p:tn val="11"/>
+                                            </p:cond>
+                                          </p:stCondLst>
+                                        </p:cTn>
+                                        <p:tgtEl>
+                                          <p:spTgt spid="244"/>
+                                        </p:tgtEl>
+                                        <p:attrNameLst>
+                                          <p:attrName>style.visibility</p:attrName>
+                                        </p:attrNameLst>
+                                      </p:cBhvr>
+                                      <p:to>
+                                        <p:strVal val="hidden"/>
+                                      </p:to>
+                                    </p:set>
+                                  </p:subTnLst>
+                                </p:cTn>
+                              </p:par>
+                            </p:childTnLst>
+                          </p:cTn>
+                        </p:par>
+                      </p:childTnLst>
+                    </p:cTn>
+                  </p:par>
+                </p:childTnLst>
+              </p:cTn>
+              <p:nextCondLst>
+                <p:cond evt="onClick" delay="0">
+                  <p:tgtEl>
+                    <p:spTgt spid="244"/>
+                  </p:tgtEl>
+                </p:cond>
+              </p:nextCondLst>
+            </p:seq>
+            <p:seq concurrent="1" nextAc="seek">
+              <p:cTn id="14" restart="whenNotActive" fill="hold" evtFilter="cancelBubble" nodeType="interactiveSeq">
+                <p:stCondLst>
+                  <p:cond evt="onClick" delay="0">
+                    <p:tgtEl>
+                      <p:spTgt spid="245"/>
+                    </p:tgtEl>
+                  </p:cond>
+                </p:stCondLst>
+                <p:endSync evt="end" delay="0">
+                  <p:rtn val="all"/>
+                </p:endSync>
+                <p:childTnLst>
+                  <p:par>
+                    <p:cTn id="15" fill="hold">
+                      <p:stCondLst>
+                        <p:cond delay="0"/>
+                      </p:stCondLst>
+                      <p:childTnLst>
+                        <p:par>
+                          <p:cTn id="16" fill="hold">
+                            <p:stCondLst>
+                              <p:cond delay="0"/>
+                            </p:stCondLst>
+                            <p:childTnLst>
+                              <p:par>
+                                <p:cTn id="17" presetID="10" presetClass="exit" presetSubtype="0" fill="hold" grpId="0" nodeType="clickEffect">
+                                  <p:stCondLst>
+                                    <p:cond delay="0"/>
+                                  </p:stCondLst>
+                                  <p:childTnLst>
+                                    <p:animEffect transition="out" filter="fade">
+                                      <p:cBhvr>
+                                        <p:cTn id="18" dur="500"/>
+                                        <p:tgtEl>
+                                          <p:spTgt spid="245"/>
+                                        </p:tgtEl>
+                                      </p:cBhvr>
+                                    </p:animEffect>
+                                    <p:set>
+                                      <p:cBhvr>
+                                        <p:cTn id="19" dur="1" fill="hold">
+                                          <p:stCondLst>
+                                            <p:cond delay="499"/>
+                                          </p:stCondLst>
+                                        </p:cTn>
+                                        <p:tgtEl>
+                                          <p:spTgt spid="245"/>
+                                        </p:tgtEl>
+                                        <p:attrNameLst>
+                                          <p:attrName>style.visibility</p:attrName>
+                                        </p:attrNameLst>
+                                      </p:cBhvr>
+                                      <p:to>
+                                        <p:strVal val="hidden"/>
+                                      </p:to>
+                                    </p:set>
+                                  </p:childTnLst>
+                                  <p:subTnLst>
+                                    <p:set>
+                                      <p:cBhvr override="childStyle">
+                                        <p:cTn dur="1" fill="hold" display="0" masterRel="sameClick" afterEffect="1">
+                                          <p:stCondLst>
+                                            <p:cond evt="end" delay="0">
+                                              <p:tn val="17"/>
+                                            </p:cond>
+                                          </p:stCondLst>
+                                        </p:cTn>
+                                        <p:tgtEl>
+                                          <p:spTgt spid="245"/>
+                                        </p:tgtEl>
+                                        <p:attrNameLst>
+                                          <p:attrName>style.visibility</p:attrName>
+                                        </p:attrNameLst>
+                                      </p:cBhvr>
+                                      <p:to>
+                                        <p:strVal val="hidden"/>
+                                      </p:to>
+                                    </p:set>
+                                  </p:subTnLst>
+                                </p:cTn>
+                              </p:par>
+                            </p:childTnLst>
+                          </p:cTn>
+                        </p:par>
+                      </p:childTnLst>
+                    </p:cTn>
+                  </p:par>
+                </p:childTnLst>
+              </p:cTn>
+              <p:nextCondLst>
+                <p:cond evt="onClick" delay="0">
+                  <p:tgtEl>
+                    <p:spTgt spid="245"/>
+                  </p:tgtEl>
+                </p:cond>
+              </p:nextCondLst>
+            </p:seq>
+            <p:seq concurrent="1" nextAc="seek">
+              <p:cTn id="20" restart="whenNotActive" fill="hold" evtFilter="cancelBubble" nodeType="interactiveSeq">
+                <p:stCondLst>
+                  <p:cond evt="onClick" delay="0">
+                    <p:tgtEl>
+                      <p:spTgt spid="248"/>
+                    </p:tgtEl>
+                  </p:cond>
+                </p:stCondLst>
+                <p:endSync evt="end" delay="0">
+                  <p:rtn val="all"/>
+                </p:endSync>
+                <p:childTnLst>
+                  <p:par>
+                    <p:cTn id="21" fill="hold">
+                      <p:stCondLst>
+                        <p:cond delay="0"/>
+                      </p:stCondLst>
+                      <p:childTnLst>
+                        <p:par>
+                          <p:cTn id="22" fill="hold">
+                            <p:stCondLst>
+                              <p:cond delay="0"/>
+                            </p:stCondLst>
+                            <p:childTnLst>
+                              <p:par>
+                                <p:cTn id="23" presetID="10" presetClass="exit" presetSubtype="0" fill="hold" grpId="0" nodeType="clickEffect">
+                                  <p:stCondLst>
+                                    <p:cond delay="0"/>
+                                  </p:stCondLst>
+                                  <p:childTnLst>
+                                    <p:animEffect transition="out" filter="fade">
+                                      <p:cBhvr>
+                                        <p:cTn id="24" dur="500"/>
+                                        <p:tgtEl>
                                           <p:spTgt spid="248"/>
                                         </p:tgtEl>
                                       </p:cBhvr>
                                     </p:animEffect>
                                     <p:set>
                                       <p:cBhvr>
-                                        <p:cTn id="7" dur="1" fill="hold">
+                                        <p:cTn id="25" dur="1" fill="hold">
                                           <p:stCondLst>
                                             <p:cond delay="499"/>
                                           </p:stCondLst>
@@ -25356,7 +25635,7 @@
                                         <p:cTn dur="1" fill="hold" display="0" masterRel="sameClick" afterEffect="1">
                                           <p:stCondLst>
                                             <p:cond evt="end" delay="0">
-                                              <p:tn val="5"/>
+                                              <p:tn val="23"/>
                                             </p:cond>
                                           </p:stCondLst>
                                         </p:cTn>
@@ -25391,7 +25670,7 @@
               </p:nextCondLst>
             </p:seq>
             <p:seq concurrent="1" nextAc="seek">
-              <p:cTn id="8" restart="whenNotActive" fill="hold" evtFilter="cancelBubble" nodeType="interactiveSeq">
+              <p:cTn id="26" restart="whenNotActive" fill="hold" evtFilter="cancelBubble" nodeType="interactiveSeq">
                 <p:stCondLst>
                   <p:cond evt="onClick" delay="0">
                     <p:tgtEl>
@@ -25404,26 +25683,26 @@
                 </p:endSync>
                 <p:childTnLst>
                   <p:par>
-                    <p:cTn id="9" fill="hold">
+                    <p:cTn id="27" fill="hold">
                       <p:stCondLst>
                         <p:cond delay="0"/>
                       </p:stCondLst>
                       <p:childTnLst>
                         <p:par>
-                          <p:cTn id="10" fill="hold">
+                          <p:cTn id="28" fill="hold">
                             <p:stCondLst>
                               <p:cond delay="0"/>
                             </p:stCondLst>
                             <p:childTnLst>
                               <p:par>
-                                <p:cTn id="11" presetID="10" presetClass="exit" presetSubtype="0" fill="hold" grpId="0" nodeType="clickEffect">
+                                <p:cTn id="29" presetID="10" presetClass="exit" presetSubtype="0" fill="hold" grpId="0" nodeType="clickEffect">
                                   <p:stCondLst>
                                     <p:cond delay="0"/>
                                   </p:stCondLst>
                                   <p:childTnLst>
                                     <p:animEffect transition="out" filter="fade">
                                       <p:cBhvr>
-                                        <p:cTn id="12" dur="500"/>
+                                        <p:cTn id="30" dur="500"/>
                                         <p:tgtEl>
                                           <p:spTgt spid="249"/>
                                         </p:tgtEl>
@@ -25431,7 +25710,7 @@
                                     </p:animEffect>
                                     <p:set>
                                       <p:cBhvr>
-                                        <p:cTn id="13" dur="1" fill="hold">
+                                        <p:cTn id="31" dur="1" fill="hold">
                                           <p:stCondLst>
                                             <p:cond delay="499"/>
                                           </p:stCondLst>
@@ -25454,7 +25733,7 @@
                                         <p:cTn dur="1" fill="hold" display="0" masterRel="sameClick" afterEffect="1">
                                           <p:stCondLst>
                                             <p:cond evt="end" delay="0">
-                                              <p:tn val="11"/>
+                                              <p:tn val="29"/>
                                             </p:cond>
                                           </p:stCondLst>
                                         </p:cTn>
@@ -25489,7 +25768,7 @@
               </p:nextCondLst>
             </p:seq>
             <p:seq concurrent="1" nextAc="seek">
-              <p:cTn id="14" restart="whenNotActive" fill="hold" evtFilter="cancelBubble" nodeType="interactiveSeq">
+              <p:cTn id="32" restart="whenNotActive" fill="hold" evtFilter="cancelBubble" nodeType="interactiveSeq">
                 <p:stCondLst>
                   <p:cond evt="onClick" delay="0">
                     <p:tgtEl>
@@ -25502,26 +25781,26 @@
                 </p:endSync>
                 <p:childTnLst>
                   <p:par>
-                    <p:cTn id="15" fill="hold">
+                    <p:cTn id="33" fill="hold">
                       <p:stCondLst>
                         <p:cond delay="0"/>
                       </p:stCondLst>
                       <p:childTnLst>
                         <p:par>
-                          <p:cTn id="16" fill="hold">
+                          <p:cTn id="34" fill="hold">
                             <p:stCondLst>
                               <p:cond delay="0"/>
                             </p:stCondLst>
                             <p:childTnLst>
                               <p:par>
-                                <p:cTn id="17" presetID="10" presetClass="exit" presetSubtype="0" fill="hold" grpId="0" nodeType="clickEffect">
+                                <p:cTn id="35" presetID="10" presetClass="exit" presetSubtype="0" fill="hold" grpId="0" nodeType="clickEffect">
                                   <p:stCondLst>
                                     <p:cond delay="0"/>
                                   </p:stCondLst>
                                   <p:childTnLst>
                                     <p:animEffect transition="out" filter="fade">
                                       <p:cBhvr>
-                                        <p:cTn id="18" dur="500"/>
+                                        <p:cTn id="36" dur="500"/>
                                         <p:tgtEl>
                                           <p:spTgt spid="250"/>
                                         </p:tgtEl>
@@ -25529,7 +25808,7 @@
                                     </p:animEffect>
                                     <p:set>
                                       <p:cBhvr>
-                                        <p:cTn id="19" dur="1" fill="hold">
+                                        <p:cTn id="37" dur="1" fill="hold">
                                           <p:stCondLst>
                                             <p:cond delay="499"/>
                                           </p:stCondLst>
@@ -25552,7 +25831,7 @@
                                         <p:cTn dur="1" fill="hold" display="0" masterRel="sameClick" afterEffect="1">
                                           <p:stCondLst>
                                             <p:cond evt="end" delay="0">
-                                              <p:tn val="17"/>
+                                              <p:tn val="35"/>
                                             </p:cond>
                                           </p:stCondLst>
                                         </p:cTn>
@@ -25587,7 +25866,7 @@
               </p:nextCondLst>
             </p:seq>
             <p:seq concurrent="1" nextAc="seek">
-              <p:cTn id="20" restart="whenNotActive" fill="hold" evtFilter="cancelBubble" nodeType="interactiveSeq">
+              <p:cTn id="38" restart="whenNotActive" fill="hold" evtFilter="cancelBubble" nodeType="interactiveSeq">
                 <p:stCondLst>
                   <p:cond evt="onClick" delay="0">
                     <p:tgtEl>
@@ -25600,26 +25879,26 @@
                 </p:endSync>
                 <p:childTnLst>
                   <p:par>
-                    <p:cTn id="21" fill="hold">
+                    <p:cTn id="39" fill="hold">
                       <p:stCondLst>
                         <p:cond delay="0"/>
                       </p:stCondLst>
                       <p:childTnLst>
                         <p:par>
-                          <p:cTn id="22" fill="hold">
+                          <p:cTn id="40" fill="hold">
                             <p:stCondLst>
                               <p:cond delay="0"/>
                             </p:stCondLst>
                             <p:childTnLst>
                               <p:par>
-                                <p:cTn id="23" presetID="10" presetClass="exit" presetSubtype="0" fill="hold" grpId="0" nodeType="clickEffect">
+                                <p:cTn id="41" presetID="10" presetClass="exit" presetSubtype="0" fill="hold" grpId="0" nodeType="clickEffect">
                                   <p:stCondLst>
                                     <p:cond delay="0"/>
                                   </p:stCondLst>
                                   <p:childTnLst>
                                     <p:animEffect transition="out" filter="fade">
                                       <p:cBhvr>
-                                        <p:cTn id="24" dur="500"/>
+                                        <p:cTn id="42" dur="500"/>
                                         <p:tgtEl>
                                           <p:spTgt spid="253"/>
                                         </p:tgtEl>
@@ -25627,7 +25906,7 @@
                                     </p:animEffect>
                                     <p:set>
                                       <p:cBhvr>
-                                        <p:cTn id="25" dur="1" fill="hold">
+                                        <p:cTn id="43" dur="1" fill="hold">
                                           <p:stCondLst>
                                             <p:cond delay="499"/>
                                           </p:stCondLst>
@@ -25650,7 +25929,7 @@
                                         <p:cTn dur="1" fill="hold" display="0" masterRel="sameClick" afterEffect="1">
                                           <p:stCondLst>
                                             <p:cond evt="end" delay="0">
-                                              <p:tn val="23"/>
+                                              <p:tn val="41"/>
                                             </p:cond>
                                           </p:stCondLst>
                                         </p:cTn>
@@ -25685,7 +25964,7 @@
               </p:nextCondLst>
             </p:seq>
             <p:seq concurrent="1" nextAc="seek">
-              <p:cTn id="26" restart="whenNotActive" fill="hold" evtFilter="cancelBubble" nodeType="interactiveSeq">
+              <p:cTn id="44" restart="whenNotActive" fill="hold" evtFilter="cancelBubble" nodeType="interactiveSeq">
                 <p:stCondLst>
                   <p:cond evt="onClick" delay="0">
                     <p:tgtEl>
@@ -25698,26 +25977,26 @@
                 </p:endSync>
                 <p:childTnLst>
                   <p:par>
-                    <p:cTn id="27" fill="hold">
+                    <p:cTn id="45" fill="hold">
                       <p:stCondLst>
                         <p:cond delay="0"/>
                       </p:stCondLst>
                       <p:childTnLst>
                         <p:par>
-                          <p:cTn id="28" fill="hold">
+                          <p:cTn id="46" fill="hold">
                             <p:stCondLst>
                               <p:cond delay="0"/>
                             </p:stCondLst>
                             <p:childTnLst>
                               <p:par>
-                                <p:cTn id="29" presetID="10" presetClass="exit" presetSubtype="0" fill="hold" grpId="0" nodeType="clickEffect">
+                                <p:cTn id="47" presetID="10" presetClass="exit" presetSubtype="0" fill="hold" grpId="0" nodeType="clickEffect">
                                   <p:stCondLst>
                                     <p:cond delay="0"/>
                                   </p:stCondLst>
                                   <p:childTnLst>
                                     <p:animEffect transition="out" filter="fade">
                                       <p:cBhvr>
-                                        <p:cTn id="30" dur="500"/>
+                                        <p:cTn id="48" dur="500"/>
                                         <p:tgtEl>
                                           <p:spTgt spid="258"/>
                                         </p:tgtEl>
@@ -25725,7 +26004,7 @@
                                     </p:animEffect>
                                     <p:set>
                                       <p:cBhvr>
-                                        <p:cTn id="31" dur="1" fill="hold">
+                                        <p:cTn id="49" dur="1" fill="hold">
                                           <p:stCondLst>
                                             <p:cond delay="499"/>
                                           </p:stCondLst>
@@ -25748,7 +26027,7 @@
                                         <p:cTn dur="1" fill="hold" display="0" masterRel="sameClick" afterEffect="1">
                                           <p:stCondLst>
                                             <p:cond evt="end" delay="0">
-                                              <p:tn val="29"/>
+                                              <p:tn val="47"/>
                                             </p:cond>
                                           </p:stCondLst>
                                         </p:cTn>
@@ -25783,7 +26062,7 @@
               </p:nextCondLst>
             </p:seq>
             <p:seq concurrent="1" nextAc="seek">
-              <p:cTn id="32" restart="whenNotActive" fill="hold" evtFilter="cancelBubble" nodeType="interactiveSeq">
+              <p:cTn id="50" restart="whenNotActive" fill="hold" evtFilter="cancelBubble" nodeType="interactiveSeq">
                 <p:stCondLst>
                   <p:cond evt="onClick" delay="0">
                     <p:tgtEl>
@@ -25796,26 +26075,26 @@
                 </p:endSync>
                 <p:childTnLst>
                   <p:par>
-                    <p:cTn id="33" fill="hold">
+                    <p:cTn id="51" fill="hold">
                       <p:stCondLst>
                         <p:cond delay="0"/>
                       </p:stCondLst>
                       <p:childTnLst>
                         <p:par>
-                          <p:cTn id="34" fill="hold">
+                          <p:cTn id="52" fill="hold">
                             <p:stCondLst>
                               <p:cond delay="0"/>
                             </p:stCondLst>
                             <p:childTnLst>
                               <p:par>
-                                <p:cTn id="35" presetID="10" presetClass="exit" presetSubtype="0" fill="hold" grpId="0" nodeType="clickEffect">
+                                <p:cTn id="53" presetID="10" presetClass="exit" presetSubtype="0" fill="hold" grpId="0" nodeType="clickEffect">
                                   <p:stCondLst>
                                     <p:cond delay="0"/>
                                   </p:stCondLst>
                                   <p:childTnLst>
                                     <p:animEffect transition="out" filter="fade">
                                       <p:cBhvr>
-                                        <p:cTn id="36" dur="500"/>
+                                        <p:cTn id="54" dur="500"/>
                                         <p:tgtEl>
                                           <p:spTgt spid="263"/>
                                         </p:tgtEl>
@@ -25823,7 +26102,7 @@
                                     </p:animEffect>
                                     <p:set>
                                       <p:cBhvr>
-                                        <p:cTn id="37" dur="1" fill="hold">
+                                        <p:cTn id="55" dur="1" fill="hold">
                                           <p:stCondLst>
                                             <p:cond delay="499"/>
                                           </p:stCondLst>
@@ -25846,7 +26125,7 @@
                                         <p:cTn dur="1" fill="hold" display="0" masterRel="sameClick" afterEffect="1">
                                           <p:stCondLst>
                                             <p:cond evt="end" delay="0">
-                                              <p:tn val="35"/>
+                                              <p:tn val="53"/>
                                             </p:cond>
                                           </p:stCondLst>
                                         </p:cTn>
@@ -25881,7 +26160,7 @@
               </p:nextCondLst>
             </p:seq>
             <p:seq concurrent="1" nextAc="seek">
-              <p:cTn id="38" restart="whenNotActive" fill="hold" evtFilter="cancelBubble" nodeType="interactiveSeq">
+              <p:cTn id="56" restart="whenNotActive" fill="hold" evtFilter="cancelBubble" nodeType="interactiveSeq">
                 <p:stCondLst>
                   <p:cond evt="onClick" delay="0">
                     <p:tgtEl>
@@ -25894,26 +26173,26 @@
                 </p:endSync>
                 <p:childTnLst>
                   <p:par>
-                    <p:cTn id="39" fill="hold">
+                    <p:cTn id="57" fill="hold">
                       <p:stCondLst>
                         <p:cond delay="0"/>
                       </p:stCondLst>
                       <p:childTnLst>
                         <p:par>
-                          <p:cTn id="40" fill="hold">
+                          <p:cTn id="58" fill="hold">
                             <p:stCondLst>
                               <p:cond delay="0"/>
                             </p:stCondLst>
                             <p:childTnLst>
                               <p:par>
-                                <p:cTn id="41" presetID="10" presetClass="exit" presetSubtype="0" fill="hold" grpId="0" nodeType="clickEffect">
+                                <p:cTn id="59" presetID="10" presetClass="exit" presetSubtype="0" fill="hold" grpId="0" nodeType="clickEffect">
                                   <p:stCondLst>
                                     <p:cond delay="0"/>
                                   </p:stCondLst>
                                   <p:childTnLst>
                                     <p:animEffect transition="out" filter="fade">
                                       <p:cBhvr>
-                                        <p:cTn id="42" dur="500"/>
+                                        <p:cTn id="60" dur="500"/>
                                         <p:tgtEl>
                                           <p:spTgt spid="2"/>
                                         </p:tgtEl>
@@ -25921,7 +26200,7 @@
                                     </p:animEffect>
                                     <p:set>
                                       <p:cBhvr>
-                                        <p:cTn id="43" dur="1" fill="hold">
+                                        <p:cTn id="61" dur="1" fill="hold">
                                           <p:stCondLst>
                                             <p:cond delay="499"/>
                                           </p:stCondLst>
@@ -25944,7 +26223,7 @@
                                         <p:cTn dur="1" fill="hold" display="0" masterRel="sameClick" afterEffect="1">
                                           <p:stCondLst>
                                             <p:cond evt="end" delay="0">
-                                              <p:tn val="41"/>
+                                              <p:tn val="59"/>
                                             </p:cond>
                                           </p:stCondLst>
                                         </p:cTn>
@@ -25979,7 +26258,105 @@
               </p:nextCondLst>
             </p:seq>
             <p:seq concurrent="1" nextAc="seek">
-              <p:cTn id="44" restart="whenNotActive" fill="hold" evtFilter="cancelBubble" nodeType="interactiveSeq">
+              <p:cTn id="62" restart="whenNotActive" fill="hold" evtFilter="cancelBubble" nodeType="interactiveSeq">
+                <p:stCondLst>
+                  <p:cond evt="onClick" delay="0">
+                    <p:tgtEl>
+                      <p:spTgt spid="5"/>
+                    </p:tgtEl>
+                  </p:cond>
+                </p:stCondLst>
+                <p:endSync evt="end" delay="0">
+                  <p:rtn val="all"/>
+                </p:endSync>
+                <p:childTnLst>
+                  <p:par>
+                    <p:cTn id="63" fill="hold">
+                      <p:stCondLst>
+                        <p:cond delay="0"/>
+                      </p:stCondLst>
+                      <p:childTnLst>
+                        <p:par>
+                          <p:cTn id="64" fill="hold">
+                            <p:stCondLst>
+                              <p:cond delay="0"/>
+                            </p:stCondLst>
+                            <p:childTnLst>
+                              <p:par>
+                                <p:cTn id="65" presetID="10" presetClass="exit" presetSubtype="0" fill="hold" grpId="0" nodeType="clickEffect">
+                                  <p:stCondLst>
+                                    <p:cond delay="0"/>
+                                  </p:stCondLst>
+                                  <p:childTnLst>
+                                    <p:animEffect transition="out" filter="fade">
+                                      <p:cBhvr>
+                                        <p:cTn id="66" dur="500"/>
+                                        <p:tgtEl>
+                                          <p:spTgt spid="5"/>
+                                        </p:tgtEl>
+                                      </p:cBhvr>
+                                    </p:animEffect>
+                                    <p:set>
+                                      <p:cBhvr>
+                                        <p:cTn id="67" dur="1" fill="hold">
+                                          <p:stCondLst>
+                                            <p:cond delay="499"/>
+                                          </p:stCondLst>
+                                        </p:cTn>
+                                        <p:tgtEl>
+                                          <p:spTgt spid="5"/>
+                                        </p:tgtEl>
+                                        <p:attrNameLst>
+                                          <p:attrName>style.visibility</p:attrName>
+                                        </p:attrNameLst>
+                                      </p:cBhvr>
+                                      <p:to>
+                                        <p:strVal val="hidden"/>
+                                      </p:to>
+                                    </p:set>
+                                  </p:childTnLst>
+                                  <p:subTnLst>
+                                    <p:set>
+                                      <p:cBhvr override="childStyle">
+                                        <p:cTn dur="1" fill="hold" display="0" masterRel="sameClick" afterEffect="1">
+                                          <p:stCondLst>
+                                            <p:cond evt="end" delay="0">
+                                              <p:tn val="65"/>
+                                            </p:cond>
+                                          </p:stCondLst>
+                                        </p:cTn>
+                                        <p:tgtEl>
+                                          <p:spTgt spid="5"/>
+                                        </p:tgtEl>
+                                        <p:attrNameLst>
+                                          <p:attrName>style.visibility</p:attrName>
+                                        </p:attrNameLst>
+                                      </p:cBhvr>
+                                      <p:to>
+                                        <p:strVal val="hidden"/>
+                                      </p:to>
+                                    </p:set>
+                                  </p:subTnLst>
+                                </p:cTn>
+                              </p:par>
+                            </p:childTnLst>
+                          </p:cTn>
+                        </p:par>
+                      </p:childTnLst>
+                    </p:cTn>
+                  </p:par>
+                </p:childTnLst>
+              </p:cTn>
+              <p:nextCondLst>
+                <p:cond evt="onClick" delay="0">
+                  <p:tgtEl>
+                    <p:spTgt spid="5"/>
+                  </p:tgtEl>
+                </p:cond>
+              </p:nextCondLst>
+            </p:seq>
+            <p:seq concurrent="1" nextAc="seek">
+              <p:cTn id="68" restart="whenNotActive" fill="hold" evtFilter="cancelBubble" nodeType="interactiveSeq">
                 <p:stCondLst>
                   <p:cond evt="onClick" delay="0">
                     <p:tgtEl>
@@ -25992,26 +26369,26 @@
                 </p:endSync>
                 <p:childTnLst>
                   <p:par>
-                    <p:cTn id="45" fill="hold">
+                    <p:cTn id="69" fill="hold">
                       <p:stCondLst>
                         <p:cond delay="0"/>
                       </p:stCondLst>
                       <p:childTnLst>
                         <p:par>
-                          <p:cTn id="46" fill="hold">
+                          <p:cTn id="70" fill="hold">
                             <p:stCondLst>
                               <p:cond delay="0"/>
                             </p:stCondLst>
                             <p:childTnLst>
                               <p:par>
-                                <p:cTn id="47" presetID="10" presetClass="exit" presetSubtype="0" fill="hold" grpId="0" nodeType="clickEffect">
+                                <p:cTn id="71" presetID="10" presetClass="exit" presetSubtype="0" fill="hold" grpId="0" nodeType="clickEffect">
                                   <p:stCondLst>
                                     <p:cond delay="0"/>
                                   </p:stCondLst>
                                   <p:childTnLst>
                                     <p:animEffect transition="out" filter="fade">
                                       <p:cBhvr>
-                                        <p:cTn id="48" dur="500"/>
+                                        <p:cTn id="72" dur="500"/>
                                         <p:tgtEl>
                                           <p:spTgt spid="6"/>
                                         </p:tgtEl>
@@ -26019,7 +26396,7 @@
                                     </p:animEffect>
                                     <p:set>
                                       <p:cBhvr>
-                                        <p:cTn id="49" dur="1" fill="hold">
+                                        <p:cTn id="73" dur="1" fill="hold">
                                           <p:stCondLst>
                                             <p:cond delay="499"/>
                                           </p:stCondLst>
@@ -26042,7 +26419,7 @@
                                         <p:cTn dur="1" fill="hold" display="0" masterRel="sameClick" afterEffect="1">
                                           <p:stCondLst>
                                             <p:cond evt="end" delay="0">
-                                              <p:tn val="47"/>
+                                              <p:tn val="71"/>
                                             </p:cond>
                                           </p:stCondLst>
                                         </p:cTn>
@@ -26077,7 +26454,105 @@
               </p:nextCondLst>
             </p:seq>
             <p:seq concurrent="1" nextAc="seek">
-              <p:cTn id="50" restart="whenNotActive" fill="hold" evtFilter="cancelBubble" nodeType="interactiveSeq">
+              <p:cTn id="74" restart="whenNotActive" fill="hold" evtFilter="cancelBubble" nodeType="interactiveSeq">
+                <p:stCondLst>
+                  <p:cond evt="onClick" delay="0">
+                    <p:tgtEl>
+                      <p:spTgt spid="7"/>
+                    </p:tgtEl>
+                  </p:cond>
+                </p:stCondLst>
+                <p:endSync evt="end" delay="0">
+                  <p:rtn val="all"/>
+                </p:endSync>
+                <p:childTnLst>
+                  <p:par>
+                    <p:cTn id="75" fill="hold">
+                      <p:stCondLst>
+                        <p:cond delay="0"/>
+                      </p:stCondLst>
+                      <p:childTnLst>
+                        <p:par>
+                          <p:cTn id="76" fill="hold">
+                            <p:stCondLst>
+                              <p:cond delay="0"/>
+                            </p:stCondLst>
+                            <p:childTnLst>
+                              <p:par>
+                                <p:cTn id="77" presetID="10" presetClass="exit" presetSubtype="0" fill="hold" grpId="0" nodeType="clickEffect">
+                                  <p:stCondLst>
+                                    <p:cond delay="0"/>
+                                  </p:stCondLst>
+                                  <p:childTnLst>
+                                    <p:animEffect transition="out" filter="fade">
+                                      <p:cBhvr>
+                                        <p:cTn id="78" dur="500"/>
+                                        <p:tgtEl>
+                                          <p:spTgt spid="7"/>
+                                        </p:tgtEl>
+                                      </p:cBhvr>
+                                    </p:animEffect>
+                                    <p:set>
+                                      <p:cBhvr>
+                                        <p:cTn id="79" dur="1" fill="hold">
+                                          <p:stCondLst>
+                                            <p:cond delay="499"/>
+                                          </p:stCondLst>
+                                        </p:cTn>
+                                        <p:tgtEl>
+                                          <p:spTgt spid="7"/>
+                                        </p:tgtEl>
+                                        <p:attrNameLst>
+                                          <p:attrName>style.visibility</p:attrName>
+                                        </p:attrNameLst>
+                                      </p:cBhvr>
+                                      <p:to>
+                                        <p:strVal val="hidden"/>
+                                      </p:to>
+                                    </p:set>
+                                  </p:childTnLst>
+                                  <p:subTnLst>
+                                    <p:set>
+                                      <p:cBhvr override="childStyle">
+                                        <p:cTn dur="1" fill="hold" display="0" masterRel="sameClick" afterEffect="1">
+                                          <p:stCondLst>
+                                            <p:cond evt="end" delay="0">
+                                              <p:tn val="77"/>
+                                            </p:cond>
+                                          </p:stCondLst>
+                                        </p:cTn>
+                                        <p:tgtEl>
+                                          <p:spTgt spid="7"/>
+                                        </p:tgtEl>
+                                        <p:attrNameLst>
+                                          <p:attrName>style.visibility</p:attrName>
+                                        </p:attrNameLst>
+                                      </p:cBhvr>
+                                      <p:to>
+                                        <p:strVal val="hidden"/>
+                                      </p:to>
+                                    </p:set>
+                                  </p:subTnLst>
+                                </p:cTn>
+                              </p:par>
+                            </p:childTnLst>
+                          </p:cTn>
+                        </p:par>
+                      </p:childTnLst>
+                    </p:cTn>
+                  </p:par>
+                </p:childTnLst>
+              </p:cTn>
+              <p:nextCondLst>
+                <p:cond evt="onClick" delay="0">
+                  <p:tgtEl>
+                    <p:spTgt spid="7"/>
+                  </p:tgtEl>
+                </p:cond>
+              </p:nextCondLst>
+            </p:seq>
+            <p:seq concurrent="1" nextAc="seek">
+              <p:cTn id="80" restart="whenNotActive" fill="hold" evtFilter="cancelBubble" nodeType="interactiveSeq">
                 <p:stCondLst>
                   <p:cond evt="onClick" delay="0">
                     <p:tgtEl>
@@ -26090,26 +26565,26 @@
                 </p:endSync>
                 <p:childTnLst>
                   <p:par>
-                    <p:cTn id="51" fill="hold">
+                    <p:cTn id="81" fill="hold">
                       <p:stCondLst>
                         <p:cond delay="0"/>
                       </p:stCondLst>
                       <p:childTnLst>
                         <p:par>
-                          <p:cTn id="52" fill="hold">
+                          <p:cTn id="82" fill="hold">
                             <p:stCondLst>
                               <p:cond delay="0"/>
                             </p:stCondLst>
                             <p:childTnLst>
                               <p:par>
-                                <p:cTn id="53" presetID="10" presetClass="exit" presetSubtype="0" fill="hold" grpId="0" nodeType="clickEffect">
+                                <p:cTn id="83" presetID="10" presetClass="exit" presetSubtype="0" fill="hold" grpId="0" nodeType="clickEffect">
                                   <p:stCondLst>
                                     <p:cond delay="0"/>
                                   </p:stCondLst>
                                   <p:childTnLst>
                                     <p:animEffect transition="out" filter="fade">
                                       <p:cBhvr>
-                                        <p:cTn id="54" dur="500"/>
+                                        <p:cTn id="84" dur="500"/>
                                         <p:tgtEl>
                                           <p:spTgt spid="8"/>
                                         </p:tgtEl>
@@ -26117,7 +26592,7 @@
                                     </p:animEffect>
                                     <p:set>
                                       <p:cBhvr>
-                                        <p:cTn id="55" dur="1" fill="hold">
+                                        <p:cTn id="85" dur="1" fill="hold">
                                           <p:stCondLst>
                                             <p:cond delay="499"/>
                                           </p:stCondLst>
@@ -26140,7 +26615,7 @@
                                         <p:cTn dur="1" fill="hold" display="0" masterRel="sameClick" afterEffect="1">
                                           <p:stCondLst>
                                             <p:cond evt="end" delay="0">
-                                              <p:tn val="53"/>
+                                              <p:tn val="83"/>
                                             </p:cond>
                                           </p:stCondLst>
                                         </p:cTn>
@@ -26175,7 +26650,7 @@
               </p:nextCondLst>
             </p:seq>
             <p:seq concurrent="1" nextAc="seek">
-              <p:cTn id="56" restart="whenNotActive" fill="hold" evtFilter="cancelBubble" nodeType="interactiveSeq">
+              <p:cTn id="86" restart="whenNotActive" fill="hold" evtFilter="cancelBubble" nodeType="interactiveSeq">
                 <p:stCondLst>
                   <p:cond evt="onClick" delay="0">
                     <p:tgtEl>
@@ -26188,26 +26663,26 @@
                 </p:endSync>
                 <p:childTnLst>
                   <p:par>
-                    <p:cTn id="57" fill="hold">
+                    <p:cTn id="87" fill="hold">
                       <p:stCondLst>
                         <p:cond delay="0"/>
                       </p:stCondLst>
                       <p:childTnLst>
                         <p:par>
-                          <p:cTn id="58" fill="hold">
+                          <p:cTn id="88" fill="hold">
                             <p:stCondLst>
                               <p:cond delay="0"/>
                             </p:stCondLst>
                             <p:childTnLst>
                               <p:par>
-                                <p:cTn id="59" presetID="10" presetClass="exit" presetSubtype="0" fill="hold" grpId="0" nodeType="clickEffect">
+                                <p:cTn id="89" presetID="10" presetClass="exit" presetSubtype="0" fill="hold" grpId="0" nodeType="clickEffect">
                                   <p:stCondLst>
                                     <p:cond delay="0"/>
                                   </p:stCondLst>
                                   <p:childTnLst>
                                     <p:animEffect transition="out" filter="fade">
                                       <p:cBhvr>
-                                        <p:cTn id="60" dur="500"/>
+                                        <p:cTn id="90" dur="500"/>
                                         <p:tgtEl>
                                           <p:spTgt spid="9"/>
                                         </p:tgtEl>
@@ -26215,7 +26690,7 @@
                                     </p:animEffect>
                                     <p:set>
                                       <p:cBhvr>
-                                        <p:cTn id="61" dur="1" fill="hold">
+                                        <p:cTn id="91" dur="1" fill="hold">
                                           <p:stCondLst>
                                             <p:cond delay="499"/>
                                           </p:stCondLst>
@@ -26238,7 +26713,7 @@
                                         <p:cTn dur="1" fill="hold" display="0" masterRel="sameClick" afterEffect="1">
                                           <p:stCondLst>
                                             <p:cond evt="end" delay="0">
-                                              <p:tn val="59"/>
+                                              <p:tn val="89"/>
                                             </p:cond>
                                           </p:stCondLst>
                                         </p:cTn>
@@ -26272,501 +26747,14 @@
                 </p:cond>
               </p:nextCondLst>
             </p:seq>
-            <p:seq concurrent="1" nextAc="seek">
-              <p:cTn id="62" restart="whenNotActive" fill="hold" evtFilter="cancelBubble" nodeType="interactiveSeq">
-                <p:stCondLst>
-                  <p:cond evt="onClick" delay="0">
-                    <p:tgtEl>
-                      <p:spTgt spid="3"/>
-                    </p:tgtEl>
-                  </p:cond>
-                </p:stCondLst>
-                <p:endSync evt="end" delay="0">
-                  <p:rtn val="all"/>
-                </p:endSync>
-                <p:childTnLst>
-                  <p:par>
-                    <p:cTn id="63" fill="hold">
-                      <p:stCondLst>
-                        <p:cond delay="0"/>
-                      </p:stCondLst>
-                      <p:childTnLst>
-                        <p:par>
-                          <p:cTn id="64" fill="hold">
-                            <p:stCondLst>
-                              <p:cond delay="0"/>
-                            </p:stCondLst>
-                            <p:childTnLst>
-                              <p:par>
-                                <p:cTn id="65" presetID="10" presetClass="exit" presetSubtype="0" fill="hold" grpId="0" nodeType="clickEffect">
-                                  <p:stCondLst>
-                                    <p:cond delay="0"/>
-                                  </p:stCondLst>
-                                  <p:childTnLst>
-                                    <p:animEffect transition="out" filter="fade">
-                                      <p:cBhvr>
-                                        <p:cTn id="66" dur="500"/>
-                                        <p:tgtEl>
-                                          <p:spTgt spid="3"/>
-                                        </p:tgtEl>
-                                      </p:cBhvr>
-                                    </p:animEffect>
-                                    <p:set>
-                                      <p:cBhvr>
-                                        <p:cTn id="67" dur="1" fill="hold">
-                                          <p:stCondLst>
-                                            <p:cond delay="499"/>
-                                          </p:stCondLst>
-                                        </p:cTn>
-                                        <p:tgtEl>
-                                          <p:spTgt spid="3"/>
-                                        </p:tgtEl>
-                                        <p:attrNameLst>
-                                          <p:attrName>style.visibility</p:attrName>
-                                        </p:attrNameLst>
-                                      </p:cBhvr>
-                                      <p:to>
-                                        <p:strVal val="hidden"/>
-                                      </p:to>
-                                    </p:set>
-                                  </p:childTnLst>
-                                  <p:subTnLst>
-                                    <p:set>
-                                      <p:cBhvr override="childStyle">
-                                        <p:cTn dur="1" fill="hold" display="0" masterRel="sameClick" afterEffect="1">
-                                          <p:stCondLst>
-                                            <p:cond evt="end" delay="0">
-                                              <p:tn val="65"/>
-                                            </p:cond>
-                                          </p:stCondLst>
-                                        </p:cTn>
-                                        <p:tgtEl>
-                                          <p:spTgt spid="3"/>
-                                        </p:tgtEl>
-                                        <p:attrNameLst>
-                                          <p:attrName>style.visibility</p:attrName>
-                                        </p:attrNameLst>
-                                      </p:cBhvr>
-                                      <p:to>
-                                        <p:strVal val="hidden"/>
-                                      </p:to>
-                                    </p:set>
-                                  </p:subTnLst>
-                                </p:cTn>
-                              </p:par>
-                            </p:childTnLst>
-                          </p:cTn>
-                        </p:par>
-                      </p:childTnLst>
-                    </p:cTn>
-                  </p:par>
-                </p:childTnLst>
-              </p:cTn>
-              <p:nextCondLst>
-                <p:cond evt="onClick" delay="0">
-                  <p:tgtEl>
-                    <p:spTgt spid="3"/>
-                  </p:tgtEl>
-                </p:cond>
-              </p:nextCondLst>
-            </p:seq>
-            <p:seq concurrent="1" nextAc="seek">
-              <p:cTn id="68" restart="whenNotActive" fill="hold" evtFilter="cancelBubble" nodeType="interactiveSeq">
-                <p:stCondLst>
-                  <p:cond evt="onClick" delay="0">
-                    <p:tgtEl>
-                      <p:spTgt spid="4"/>
-                    </p:tgtEl>
-                  </p:cond>
-                </p:stCondLst>
-                <p:endSync evt="end" delay="0">
-                  <p:rtn val="all"/>
-                </p:endSync>
-                <p:childTnLst>
-                  <p:par>
-                    <p:cTn id="69" fill="hold">
-                      <p:stCondLst>
-                        <p:cond delay="0"/>
-                      </p:stCondLst>
-                      <p:childTnLst>
-                        <p:par>
-                          <p:cTn id="70" fill="hold">
-                            <p:stCondLst>
-                              <p:cond delay="0"/>
-                            </p:stCondLst>
-                            <p:childTnLst>
-                              <p:par>
-                                <p:cTn id="71" presetID="10" presetClass="exit" presetSubtype="0" fill="hold" grpId="0" nodeType="clickEffect">
-                                  <p:stCondLst>
-                                    <p:cond delay="0"/>
-                                  </p:stCondLst>
-                                  <p:childTnLst>
-                                    <p:animEffect transition="out" filter="fade">
-                                      <p:cBhvr>
-                                        <p:cTn id="72" dur="500"/>
-                                        <p:tgtEl>
-                                          <p:spTgt spid="4"/>
-                                        </p:tgtEl>
-                                      </p:cBhvr>
-                                    </p:animEffect>
-                                    <p:set>
-                                      <p:cBhvr>
-                                        <p:cTn id="73" dur="1" fill="hold">
-                                          <p:stCondLst>
-                                            <p:cond delay="499"/>
-                                          </p:stCondLst>
-                                        </p:cTn>
-                                        <p:tgtEl>
-                                          <p:spTgt spid="4"/>
-                                        </p:tgtEl>
-                                        <p:attrNameLst>
-                                          <p:attrName>style.visibility</p:attrName>
-                                        </p:attrNameLst>
-                                      </p:cBhvr>
-                                      <p:to>
-                                        <p:strVal val="hidden"/>
-                                      </p:to>
-                                    </p:set>
-                                  </p:childTnLst>
-                                  <p:subTnLst>
-                                    <p:set>
-                                      <p:cBhvr override="childStyle">
-                                        <p:cTn dur="1" fill="hold" display="0" masterRel="sameClick" afterEffect="1">
-                                          <p:stCondLst>
-                                            <p:cond evt="end" delay="0">
-                                              <p:tn val="71"/>
-                                            </p:cond>
-                                          </p:stCondLst>
-                                        </p:cTn>
-                                        <p:tgtEl>
-                                          <p:spTgt spid="4"/>
-                                        </p:tgtEl>
-                                        <p:attrNameLst>
-                                          <p:attrName>style.visibility</p:attrName>
-                                        </p:attrNameLst>
-                                      </p:cBhvr>
-                                      <p:to>
-                                        <p:strVal val="hidden"/>
-                                      </p:to>
-                                    </p:set>
-                                  </p:subTnLst>
-                                </p:cTn>
-                              </p:par>
-                            </p:childTnLst>
-                          </p:cTn>
-                        </p:par>
-                      </p:childTnLst>
-                    </p:cTn>
-                  </p:par>
-                </p:childTnLst>
-              </p:cTn>
-              <p:nextCondLst>
-                <p:cond evt="onClick" delay="0">
-                  <p:tgtEl>
-                    <p:spTgt spid="4"/>
-                  </p:tgtEl>
-                </p:cond>
-              </p:nextCondLst>
-            </p:seq>
-            <p:seq concurrent="1" nextAc="seek">
-              <p:cTn id="74" restart="whenNotActive" fill="hold" evtFilter="cancelBubble" nodeType="interactiveSeq">
-                <p:stCondLst>
-                  <p:cond evt="onClick" delay="0">
-                    <p:tgtEl>
-                      <p:spTgt spid="5"/>
-                    </p:tgtEl>
-                  </p:cond>
-                </p:stCondLst>
-                <p:endSync evt="end" delay="0">
-                  <p:rtn val="all"/>
-                </p:endSync>
-                <p:childTnLst>
-                  <p:par>
-                    <p:cTn id="75" fill="hold">
-                      <p:stCondLst>
-                        <p:cond delay="0"/>
-                      </p:stCondLst>
-                      <p:childTnLst>
-                        <p:par>
-                          <p:cTn id="76" fill="hold">
-                            <p:stCondLst>
-                              <p:cond delay="0"/>
-                            </p:stCondLst>
-                            <p:childTnLst>
-                              <p:par>
-                                <p:cTn id="77" presetID="10" presetClass="exit" presetSubtype="0" fill="hold" grpId="0" nodeType="clickEffect">
-                                  <p:stCondLst>
-                                    <p:cond delay="0"/>
-                                  </p:stCondLst>
-                                  <p:childTnLst>
-                                    <p:animEffect transition="out" filter="fade">
-                                      <p:cBhvr>
-                                        <p:cTn id="78" dur="500"/>
-                                        <p:tgtEl>
-                                          <p:spTgt spid="5"/>
-                                        </p:tgtEl>
-                                      </p:cBhvr>
-                                    </p:animEffect>
-                                    <p:set>
-                                      <p:cBhvr>
-                                        <p:cTn id="79" dur="1" fill="hold">
-                                          <p:stCondLst>
-                                            <p:cond delay="499"/>
-                                          </p:stCondLst>
-                                        </p:cTn>
-                                        <p:tgtEl>
-                                          <p:spTgt spid="5"/>
-                                        </p:tgtEl>
-                                        <p:attrNameLst>
-                                          <p:attrName>style.visibility</p:attrName>
-                                        </p:attrNameLst>
-                                      </p:cBhvr>
-                                      <p:to>
-                                        <p:strVal val="hidden"/>
-                                      </p:to>
-                                    </p:set>
-                                  </p:childTnLst>
-                                  <p:subTnLst>
-                                    <p:set>
-                                      <p:cBhvr override="childStyle">
-                                        <p:cTn dur="1" fill="hold" display="0" masterRel="sameClick" afterEffect="1">
-                                          <p:stCondLst>
-                                            <p:cond evt="end" delay="0">
-                                              <p:tn val="77"/>
-                                            </p:cond>
-                                          </p:stCondLst>
-                                        </p:cTn>
-                                        <p:tgtEl>
-                                          <p:spTgt spid="5"/>
-                                        </p:tgtEl>
-                                        <p:attrNameLst>
-                                          <p:attrName>style.visibility</p:attrName>
-                                        </p:attrNameLst>
-                                      </p:cBhvr>
-                                      <p:to>
-                                        <p:strVal val="hidden"/>
-                                      </p:to>
-                                    </p:set>
-                                  </p:subTnLst>
-                                </p:cTn>
-                              </p:par>
-                            </p:childTnLst>
-                          </p:cTn>
-                        </p:par>
-                      </p:childTnLst>
-                    </p:cTn>
-                  </p:par>
-                </p:childTnLst>
-              </p:cTn>
-              <p:nextCondLst>
-                <p:cond evt="onClick" delay="0">
-                  <p:tgtEl>
-                    <p:spTgt spid="5"/>
-                  </p:tgtEl>
-                </p:cond>
-              </p:nextCondLst>
-            </p:seq>
-            <p:seq concurrent="1" nextAc="seek">
-              <p:cTn id="80" restart="whenNotActive" fill="hold" evtFilter="cancelBubble" nodeType="interactiveSeq">
-                <p:stCondLst>
-                  <p:cond evt="onClick" delay="0">
-                    <p:tgtEl>
-                      <p:spTgt spid="7"/>
-                    </p:tgtEl>
-                  </p:cond>
-                </p:stCondLst>
-                <p:endSync evt="end" delay="0">
-                  <p:rtn val="all"/>
-                </p:endSync>
-                <p:childTnLst>
-                  <p:par>
-                    <p:cTn id="81" fill="hold">
-                      <p:stCondLst>
-                        <p:cond delay="0"/>
-                      </p:stCondLst>
-                      <p:childTnLst>
-                        <p:par>
-                          <p:cTn id="82" fill="hold">
-                            <p:stCondLst>
-                              <p:cond delay="0"/>
-                            </p:stCondLst>
-                            <p:childTnLst>
-                              <p:par>
-                                <p:cTn id="83" presetID="10" presetClass="exit" presetSubtype="0" fill="hold" grpId="0" nodeType="clickEffect">
-                                  <p:stCondLst>
-                                    <p:cond delay="0"/>
-                                  </p:stCondLst>
-                                  <p:childTnLst>
-                                    <p:animEffect transition="out" filter="fade">
-                                      <p:cBhvr>
-                                        <p:cTn id="84" dur="500"/>
-                                        <p:tgtEl>
-                                          <p:spTgt spid="7"/>
-                                        </p:tgtEl>
-                                      </p:cBhvr>
-                                    </p:animEffect>
-                                    <p:set>
-                                      <p:cBhvr>
-                                        <p:cTn id="85" dur="1" fill="hold">
-                                          <p:stCondLst>
-                                            <p:cond delay="499"/>
-                                          </p:stCondLst>
-                                        </p:cTn>
-                                        <p:tgtEl>
-                                          <p:spTgt spid="7"/>
-                                        </p:tgtEl>
-                                        <p:attrNameLst>
-                                          <p:attrName>style.visibility</p:attrName>
-                                        </p:attrNameLst>
-                                      </p:cBhvr>
-                                      <p:to>
-                                        <p:strVal val="hidden"/>
-                                      </p:to>
-                                    </p:set>
-                                  </p:childTnLst>
-                                  <p:subTnLst>
-                                    <p:set>
-                                      <p:cBhvr override="childStyle">
-                                        <p:cTn dur="1" fill="hold" display="0" masterRel="sameClick" afterEffect="1">
-                                          <p:stCondLst>
-                                            <p:cond evt="end" delay="0">
-                                              <p:tn val="83"/>
-                                            </p:cond>
-                                          </p:stCondLst>
-                                        </p:cTn>
-                                        <p:tgtEl>
-                                          <p:spTgt spid="7"/>
-                                        </p:tgtEl>
-                                        <p:attrNameLst>
-                                          <p:attrName>style.visibility</p:attrName>
-                                        </p:attrNameLst>
-                                      </p:cBhvr>
-                                      <p:to>
-                                        <p:strVal val="hidden"/>
-                                      </p:to>
-                                    </p:set>
-                                  </p:subTnLst>
-                                </p:cTn>
-                              </p:par>
-                            </p:childTnLst>
-                          </p:cTn>
-                        </p:par>
-                      </p:childTnLst>
-                    </p:cTn>
-                  </p:par>
-                </p:childTnLst>
-              </p:cTn>
-              <p:nextCondLst>
-                <p:cond evt="onClick" delay="0">
-                  <p:tgtEl>
-                    <p:spTgt spid="7"/>
-                  </p:tgtEl>
-                </p:cond>
-              </p:nextCondLst>
-            </p:seq>
-            <p:seq concurrent="1" nextAc="seek">
-              <p:cTn id="86" restart="whenNotActive" fill="hold" evtFilter="cancelBubble" nodeType="interactiveSeq">
-                <p:stCondLst>
-                  <p:cond evt="onClick" delay="0">
-                    <p:tgtEl>
-                      <p:spTgt spid="10"/>
-                    </p:tgtEl>
-                  </p:cond>
-                </p:stCondLst>
-                <p:endSync evt="end" delay="0">
-                  <p:rtn val="all"/>
-                </p:endSync>
-                <p:childTnLst>
-                  <p:par>
-                    <p:cTn id="87" fill="hold">
-                      <p:stCondLst>
-                        <p:cond delay="0"/>
-                      </p:stCondLst>
-                      <p:childTnLst>
-                        <p:par>
-                          <p:cTn id="88" fill="hold">
-                            <p:stCondLst>
-                              <p:cond delay="0"/>
-                            </p:stCondLst>
-                            <p:childTnLst>
-                              <p:par>
-                                <p:cTn id="89" presetID="10" presetClass="exit" presetSubtype="0" fill="hold" grpId="0" nodeType="clickEffect">
-                                  <p:stCondLst>
-                                    <p:cond delay="0"/>
-                                  </p:stCondLst>
-                                  <p:childTnLst>
-                                    <p:animEffect transition="out" filter="fade">
-                                      <p:cBhvr>
-                                        <p:cTn id="90" dur="500"/>
-                                        <p:tgtEl>
-                                          <p:spTgt spid="10"/>
-                                        </p:tgtEl>
-                                      </p:cBhvr>
-                                    </p:animEffect>
-                                    <p:set>
-                                      <p:cBhvr>
-                                        <p:cTn id="91" dur="1" fill="hold">
-                                          <p:stCondLst>
-                                            <p:cond delay="499"/>
-                                          </p:stCondLst>
-                                        </p:cTn>
-                                        <p:tgtEl>
-                                          <p:spTgt spid="10"/>
-                                        </p:tgtEl>
-                                        <p:attrNameLst>
-                                          <p:attrName>style.visibility</p:attrName>
-                                        </p:attrNameLst>
-                                      </p:cBhvr>
-                                      <p:to>
-                                        <p:strVal val="hidden"/>
-                                      </p:to>
-                                    </p:set>
-                                  </p:childTnLst>
-                                  <p:subTnLst>
-                                    <p:set>
-                                      <p:cBhvr override="childStyle">
-                                        <p:cTn dur="1" fill="hold" display="0" masterRel="sameClick" afterEffect="1">
-                                          <p:stCondLst>
-                                            <p:cond evt="end" delay="0">
-                                              <p:tn val="89"/>
-                                            </p:cond>
-                                          </p:stCondLst>
-                                        </p:cTn>
-                                        <p:tgtEl>
-                                          <p:spTgt spid="10"/>
-                                        </p:tgtEl>
-                                        <p:attrNameLst>
-                                          <p:attrName>style.visibility</p:attrName>
-                                        </p:attrNameLst>
-                                      </p:cBhvr>
-                                      <p:to>
-                                        <p:strVal val="hidden"/>
-                                      </p:to>
-                                    </p:set>
-                                  </p:subTnLst>
-                                </p:cTn>
-                              </p:par>
-                            </p:childTnLst>
-                          </p:cTn>
-                        </p:par>
-                      </p:childTnLst>
-                    </p:cTn>
-                  </p:par>
-                </p:childTnLst>
-              </p:cTn>
-              <p:nextCondLst>
-                <p:cond evt="onClick" delay="0">
-                  <p:tgtEl>
-                    <p:spTgt spid="10"/>
-                  </p:tgtEl>
-                </p:cond>
-              </p:nextCondLst>
-            </p:seq>
           </p:childTnLst>
         </p:cTn>
       </p:par>
     </p:tnLst>
     <p:bldLst>
+      <p:bldP spid="243" grpId="0"/>
+      <p:bldP spid="244" grpId="0"/>
+      <p:bldP spid="245" grpId="0"/>
       <p:bldP spid="248" grpId="0"/>
       <p:bldP spid="249" grpId="0"/>
       <p:bldP spid="250" grpId="0"/>
@@ -26774,14 +26762,11 @@
       <p:bldP spid="258" grpId="0"/>
       <p:bldP spid="263" grpId="0"/>
       <p:bldP spid="2" grpId="0"/>
+      <p:bldP spid="5" grpId="0"/>
       <p:bldP spid="6" grpId="0"/>
+      <p:bldP spid="7" grpId="0"/>
       <p:bldP spid="8" grpId="0"/>
       <p:bldP spid="9" grpId="0"/>
-      <p:bldP spid="3" grpId="0"/>
-      <p:bldP spid="4" grpId="0"/>
-      <p:bldP spid="5" grpId="0"/>
-      <p:bldP spid="7" grpId="0"/>
-      <p:bldP spid="10" grpId="0"/>
     </p:bldLst>
   </p:timing>
 </p:sld>

--- a/lectures/week4/lecture3/notebooks/week4_lecture3.pptx
+++ b/lectures/week4/lecture3/notebooks/week4_lecture3.pptx
@@ -5,51 +5,53 @@
     <p:sldMasterId id="2147483661" r:id="rId1"/>
   </p:sldMasterIdLst>
   <p:notesMasterIdLst>
-    <p:notesMasterId r:id="rId26"/>
+    <p:notesMasterId r:id="rId28"/>
   </p:notesMasterIdLst>
   <p:sldIdLst>
     <p:sldId id="256" r:id="rId2"/>
     <p:sldId id="257" r:id="rId3"/>
     <p:sldId id="258" r:id="rId4"/>
     <p:sldId id="259" r:id="rId5"/>
-    <p:sldId id="260" r:id="rId6"/>
-    <p:sldId id="261" r:id="rId7"/>
-    <p:sldId id="264" r:id="rId8"/>
-    <p:sldId id="265" r:id="rId9"/>
-    <p:sldId id="266" r:id="rId10"/>
-    <p:sldId id="269" r:id="rId11"/>
-    <p:sldId id="270" r:id="rId12"/>
-    <p:sldId id="271" r:id="rId13"/>
-    <p:sldId id="292" r:id="rId14"/>
-    <p:sldId id="274" r:id="rId15"/>
-    <p:sldId id="297" r:id="rId16"/>
-    <p:sldId id="275" r:id="rId17"/>
-    <p:sldId id="300" r:id="rId18"/>
-    <p:sldId id="276" r:id="rId19"/>
-    <p:sldId id="299" r:id="rId20"/>
-    <p:sldId id="279" r:id="rId21"/>
-    <p:sldId id="280" r:id="rId22"/>
-    <p:sldId id="281" r:id="rId23"/>
-    <p:sldId id="289" r:id="rId24"/>
-    <p:sldId id="290" r:id="rId25"/>
+    <p:sldId id="301" r:id="rId6"/>
+    <p:sldId id="260" r:id="rId7"/>
+    <p:sldId id="302" r:id="rId8"/>
+    <p:sldId id="261" r:id="rId9"/>
+    <p:sldId id="264" r:id="rId10"/>
+    <p:sldId id="265" r:id="rId11"/>
+    <p:sldId id="266" r:id="rId12"/>
+    <p:sldId id="269" r:id="rId13"/>
+    <p:sldId id="270" r:id="rId14"/>
+    <p:sldId id="271" r:id="rId15"/>
+    <p:sldId id="292" r:id="rId16"/>
+    <p:sldId id="274" r:id="rId17"/>
+    <p:sldId id="297" r:id="rId18"/>
+    <p:sldId id="275" r:id="rId19"/>
+    <p:sldId id="300" r:id="rId20"/>
+    <p:sldId id="276" r:id="rId21"/>
+    <p:sldId id="299" r:id="rId22"/>
+    <p:sldId id="279" r:id="rId23"/>
+    <p:sldId id="280" r:id="rId24"/>
+    <p:sldId id="281" r:id="rId25"/>
+    <p:sldId id="289" r:id="rId26"/>
+    <p:sldId id="290" r:id="rId27"/>
   </p:sldIdLst>
   <p:sldSz cx="9144000" cy="5143500" type="screen16x9"/>
   <p:notesSz cx="6858000" cy="9144000"/>
   <p:embeddedFontLst>
     <p:embeddedFont>
-      <p:font typeface="Bebas Neue" panose="020B0604020202020204" pitchFamily="34" charset="0"/>
-      <p:regular r:id="rId27"/>
+      <p:font typeface="Bebas Neue" panose="020B0606020202050201" pitchFamily="34" charset="0"/>
+      <p:regular r:id="rId29"/>
     </p:embeddedFont>
     <p:embeddedFont>
       <p:font typeface="Calibri" panose="020F0502020204030204" pitchFamily="34" charset="0"/>
-      <p:regular r:id="rId28"/>
-      <p:bold r:id="rId29"/>
-      <p:italic r:id="rId30"/>
-      <p:boldItalic r:id="rId31"/>
+      <p:regular r:id="rId30"/>
+      <p:bold r:id="rId31"/>
+      <p:italic r:id="rId32"/>
+      <p:boldItalic r:id="rId33"/>
     </p:embeddedFont>
     <p:embeddedFont>
       <p:font typeface="Della Respira" panose="020B0604020202020204" charset="0"/>
-      <p:regular r:id="rId32"/>
+      <p:regular r:id="rId34"/>
     </p:embeddedFont>
   </p:embeddedFontLst>
   <p:defaultTextStyle>
@@ -839,6 +841,214 @@
   <p:cSld>
     <p:spTree>
       <p:nvGrpSpPr>
+        <p:cNvPr id="1" name="Shape 309"/>
+        <p:cNvGrpSpPr/>
+        <p:nvPr/>
+      </p:nvGrpSpPr>
+      <p:grpSpPr>
+        <a:xfrm>
+          <a:off x="0" y="0"/>
+          <a:ext cx="0" cy="0"/>
+          <a:chOff x="0" y="0"/>
+          <a:chExt cx="0" cy="0"/>
+        </a:xfrm>
+      </p:grpSpPr>
+      <p:sp>
+        <p:nvSpPr>
+          <p:cNvPr id="310" name="Google Shape;310;g7834a636a1_1_267:notes"/>
+          <p:cNvSpPr>
+            <a:spLocks noGrp="1" noRot="1" noChangeAspect="1"/>
+          </p:cNvSpPr>
+          <p:nvPr>
+            <p:ph type="sldImg" idx="2"/>
+          </p:nvPr>
+        </p:nvSpPr>
+        <p:spPr>
+          <a:xfrm>
+            <a:off x="381000" y="685800"/>
+            <a:ext cx="6096000" cy="3429000"/>
+          </a:xfrm>
+          <a:custGeom>
+            <a:avLst/>
+            <a:gdLst/>
+            <a:ahLst/>
+            <a:cxnLst/>
+            <a:rect l="l" t="t" r="r" b="b"/>
+            <a:pathLst>
+              <a:path w="120000" h="120000" extrusionOk="0">
+                <a:moveTo>
+                  <a:pt x="0" y="0"/>
+                </a:moveTo>
+                <a:lnTo>
+                  <a:pt x="120000" y="0"/>
+                </a:lnTo>
+                <a:lnTo>
+                  <a:pt x="120000" y="120000"/>
+                </a:lnTo>
+                <a:lnTo>
+                  <a:pt x="0" y="120000"/>
+                </a:lnTo>
+                <a:close/>
+              </a:path>
+            </a:pathLst>
+          </a:custGeom>
+        </p:spPr>
+      </p:sp>
+      <p:sp>
+        <p:nvSpPr>
+          <p:cNvPr id="311" name="Google Shape;311;g7834a636a1_1_267:notes"/>
+          <p:cNvSpPr txBox="1">
+            <a:spLocks noGrp="1"/>
+          </p:cNvSpPr>
+          <p:nvPr>
+            <p:ph type="body" idx="1"/>
+          </p:nvPr>
+        </p:nvSpPr>
+        <p:spPr>
+          <a:xfrm>
+            <a:off x="685800" y="4343400"/>
+            <a:ext cx="5486400" cy="4114800"/>
+          </a:xfrm>
+          <a:prstGeom prst="rect">
+            <a:avLst/>
+          </a:prstGeom>
+        </p:spPr>
+        <p:txBody>
+          <a:bodyPr spcFirstLastPara="1" wrap="square" lIns="91425" tIns="91425" rIns="91425" bIns="91425" anchor="t" anchorCtr="0">
+            <a:noAutofit/>
+          </a:bodyPr>
+          <a:lstStyle/>
+          <a:p>
+            <a:pPr marL="0" lvl="0" indent="0" algn="l" rtl="0">
+              <a:spcBef>
+                <a:spcPts val="0"/>
+              </a:spcBef>
+              <a:spcAft>
+                <a:spcPts val="0"/>
+              </a:spcAft>
+              <a:buNone/>
+            </a:pPr>
+            <a:endParaRPr/>
+          </a:p>
+        </p:txBody>
+      </p:sp>
+    </p:spTree>
+  </p:cSld>
+  <p:clrMapOvr>
+    <a:masterClrMapping/>
+  </p:clrMapOvr>
+</p:notes>
+</file>
+
+<file path=ppt/notesSlides/notesSlide11.xml><?xml version="1.0" encoding="utf-8"?>
+<p:notes xmlns:a="http://schemas.openxmlformats.org/drawingml/2006/main" xmlns:r="http://schemas.openxmlformats.org/officeDocument/2006/relationships" xmlns:p="http://schemas.openxmlformats.org/presentationml/2006/main" showMasterSp="0" showMasterPhAnim="0">
+  <p:cSld>
+    <p:spTree>
+      <p:nvGrpSpPr>
+        <p:cNvPr id="1" name="Shape 315"/>
+        <p:cNvGrpSpPr/>
+        <p:nvPr/>
+      </p:nvGrpSpPr>
+      <p:grpSpPr>
+        <a:xfrm>
+          <a:off x="0" y="0"/>
+          <a:ext cx="0" cy="0"/>
+          <a:chOff x="0" y="0"/>
+          <a:chExt cx="0" cy="0"/>
+        </a:xfrm>
+      </p:grpSpPr>
+      <p:sp>
+        <p:nvSpPr>
+          <p:cNvPr id="316" name="Google Shape;316;g7834a636a1_1_273:notes"/>
+          <p:cNvSpPr>
+            <a:spLocks noGrp="1" noRot="1" noChangeAspect="1"/>
+          </p:cNvSpPr>
+          <p:nvPr>
+            <p:ph type="sldImg" idx="2"/>
+          </p:nvPr>
+        </p:nvSpPr>
+        <p:spPr>
+          <a:xfrm>
+            <a:off x="381000" y="685800"/>
+            <a:ext cx="6096000" cy="3429000"/>
+          </a:xfrm>
+          <a:custGeom>
+            <a:avLst/>
+            <a:gdLst/>
+            <a:ahLst/>
+            <a:cxnLst/>
+            <a:rect l="l" t="t" r="r" b="b"/>
+            <a:pathLst>
+              <a:path w="120000" h="120000" extrusionOk="0">
+                <a:moveTo>
+                  <a:pt x="0" y="0"/>
+                </a:moveTo>
+                <a:lnTo>
+                  <a:pt x="120000" y="0"/>
+                </a:lnTo>
+                <a:lnTo>
+                  <a:pt x="120000" y="120000"/>
+                </a:lnTo>
+                <a:lnTo>
+                  <a:pt x="0" y="120000"/>
+                </a:lnTo>
+                <a:close/>
+              </a:path>
+            </a:pathLst>
+          </a:custGeom>
+        </p:spPr>
+      </p:sp>
+      <p:sp>
+        <p:nvSpPr>
+          <p:cNvPr id="317" name="Google Shape;317;g7834a636a1_1_273:notes"/>
+          <p:cNvSpPr txBox="1">
+            <a:spLocks noGrp="1"/>
+          </p:cNvSpPr>
+          <p:nvPr>
+            <p:ph type="body" idx="1"/>
+          </p:nvPr>
+        </p:nvSpPr>
+        <p:spPr>
+          <a:xfrm>
+            <a:off x="685800" y="4343400"/>
+            <a:ext cx="5486400" cy="4114800"/>
+          </a:xfrm>
+          <a:prstGeom prst="rect">
+            <a:avLst/>
+          </a:prstGeom>
+        </p:spPr>
+        <p:txBody>
+          <a:bodyPr spcFirstLastPara="1" wrap="square" lIns="91425" tIns="91425" rIns="91425" bIns="91425" anchor="t" anchorCtr="0">
+            <a:noAutofit/>
+          </a:bodyPr>
+          <a:lstStyle/>
+          <a:p>
+            <a:pPr marL="0" lvl="0" indent="0" algn="l" rtl="0">
+              <a:spcBef>
+                <a:spcPts val="0"/>
+              </a:spcBef>
+              <a:spcAft>
+                <a:spcPts val="0"/>
+              </a:spcAft>
+              <a:buNone/>
+            </a:pPr>
+            <a:endParaRPr/>
+          </a:p>
+        </p:txBody>
+      </p:sp>
+    </p:spTree>
+  </p:cSld>
+  <p:clrMapOvr>
+    <a:masterClrMapping/>
+  </p:clrMapOvr>
+</p:notes>
+</file>
+
+<file path=ppt/notesSlides/notesSlide12.xml><?xml version="1.0" encoding="utf-8"?>
+<p:notes xmlns:a="http://schemas.openxmlformats.org/drawingml/2006/main" xmlns:r="http://schemas.openxmlformats.org/officeDocument/2006/relationships" xmlns:p="http://schemas.openxmlformats.org/presentationml/2006/main" showMasterSp="0" showMasterPhAnim="0">
+  <p:cSld>
+    <p:spTree>
+      <p:nvGrpSpPr>
         <p:cNvPr id="1" name="Shape 333"/>
         <p:cNvGrpSpPr/>
         <p:nvPr/>
@@ -938,7 +1148,7 @@
 </p:notes>
 </file>
 
-<file path=ppt/notesSlides/notesSlide11.xml><?xml version="1.0" encoding="utf-8"?>
+<file path=ppt/notesSlides/notesSlide13.xml><?xml version="1.0" encoding="utf-8"?>
 <p:notes xmlns:a="http://schemas.openxmlformats.org/drawingml/2006/main" xmlns:r="http://schemas.openxmlformats.org/officeDocument/2006/relationships" xmlns:p="http://schemas.openxmlformats.org/presentationml/2006/main" showMasterSp="0" showMasterPhAnim="0">
   <p:cSld>
     <p:spTree>
@@ -1042,7 +1252,7 @@
 </p:notes>
 </file>
 
-<file path=ppt/notesSlides/notesSlide12.xml><?xml version="1.0" encoding="utf-8"?>
+<file path=ppt/notesSlides/notesSlide14.xml><?xml version="1.0" encoding="utf-8"?>
 <p:notes xmlns:a="http://schemas.openxmlformats.org/drawingml/2006/main" xmlns:r="http://schemas.openxmlformats.org/officeDocument/2006/relationships" xmlns:p="http://schemas.openxmlformats.org/presentationml/2006/main" showMasterSp="0" showMasterPhAnim="0">
   <p:cSld>
     <p:spTree>
@@ -1146,7 +1356,7 @@
 </p:notes>
 </file>
 
-<file path=ppt/notesSlides/notesSlide13.xml><?xml version="1.0" encoding="utf-8"?>
+<file path=ppt/notesSlides/notesSlide15.xml><?xml version="1.0" encoding="utf-8"?>
 <p:notes xmlns:a="http://schemas.openxmlformats.org/drawingml/2006/main" xmlns:r="http://schemas.openxmlformats.org/officeDocument/2006/relationships" xmlns:p="http://schemas.openxmlformats.org/presentationml/2006/main" showMasterSp="0" showMasterPhAnim="0">
   <p:cSld>
     <p:spTree>
@@ -1255,7 +1465,7 @@
 </p:notes>
 </file>
 
-<file path=ppt/notesSlides/notesSlide14.xml><?xml version="1.0" encoding="utf-8"?>
+<file path=ppt/notesSlides/notesSlide16.xml><?xml version="1.0" encoding="utf-8"?>
 <p:notes xmlns:a="http://schemas.openxmlformats.org/drawingml/2006/main" xmlns:r="http://schemas.openxmlformats.org/officeDocument/2006/relationships" xmlns:p="http://schemas.openxmlformats.org/presentationml/2006/main" showMasterSp="0" showMasterPhAnim="0">
   <p:cSld>
     <p:spTree>
@@ -1316,219 +1526,6 @@
       <p:sp>
         <p:nvSpPr>
           <p:cNvPr id="365" name="Google Shape;365;g7834a636a1_1_321:notes"/>
-          <p:cNvSpPr txBox="1">
-            <a:spLocks noGrp="1"/>
-          </p:cNvSpPr>
-          <p:nvPr>
-            <p:ph type="body" idx="1"/>
-          </p:nvPr>
-        </p:nvSpPr>
-        <p:spPr>
-          <a:xfrm>
-            <a:off x="685800" y="4343400"/>
-            <a:ext cx="5486400" cy="4114800"/>
-          </a:xfrm>
-          <a:prstGeom prst="rect">
-            <a:avLst/>
-          </a:prstGeom>
-        </p:spPr>
-        <p:txBody>
-          <a:bodyPr spcFirstLastPara="1" wrap="square" lIns="91425" tIns="91425" rIns="91425" bIns="91425" anchor="t" anchorCtr="0">
-            <a:noAutofit/>
-          </a:bodyPr>
-          <a:lstStyle/>
-          <a:p>
-            <a:pPr marL="0" lvl="0" indent="0" algn="l" rtl="0">
-              <a:spcBef>
-                <a:spcPts val="0"/>
-              </a:spcBef>
-              <a:spcAft>
-                <a:spcPts val="0"/>
-              </a:spcAft>
-              <a:buNone/>
-            </a:pPr>
-            <a:endParaRPr/>
-          </a:p>
-        </p:txBody>
-      </p:sp>
-    </p:spTree>
-  </p:cSld>
-  <p:clrMapOvr>
-    <a:masterClrMapping/>
-  </p:clrMapOvr>
-</p:notes>
-</file>
-
-<file path=ppt/notesSlides/notesSlide15.xml><?xml version="1.0" encoding="utf-8"?>
-<p:notes xmlns:a="http://schemas.openxmlformats.org/drawingml/2006/main" xmlns:r="http://schemas.openxmlformats.org/officeDocument/2006/relationships" xmlns:p="http://schemas.openxmlformats.org/presentationml/2006/main" showMasterSp="0" showMasterPhAnim="0">
-  <p:cSld>
-    <p:spTree>
-      <p:nvGrpSpPr>
-        <p:cNvPr id="1" name="Shape 363"/>
-        <p:cNvGrpSpPr/>
-        <p:nvPr/>
-      </p:nvGrpSpPr>
-      <p:grpSpPr>
-        <a:xfrm>
-          <a:off x="0" y="0"/>
-          <a:ext cx="0" cy="0"/>
-          <a:chOff x="0" y="0"/>
-          <a:chExt cx="0" cy="0"/>
-        </a:xfrm>
-      </p:grpSpPr>
-      <p:sp>
-        <p:nvSpPr>
-          <p:cNvPr id="364" name="Google Shape;364;g7834a636a1_1_321:notes"/>
-          <p:cNvSpPr>
-            <a:spLocks noGrp="1" noRot="1" noChangeAspect="1"/>
-          </p:cNvSpPr>
-          <p:nvPr>
-            <p:ph type="sldImg" idx="2"/>
-          </p:nvPr>
-        </p:nvSpPr>
-        <p:spPr>
-          <a:xfrm>
-            <a:off x="381000" y="685800"/>
-            <a:ext cx="6096000" cy="3429000"/>
-          </a:xfrm>
-          <a:custGeom>
-            <a:avLst/>
-            <a:gdLst/>
-            <a:ahLst/>
-            <a:cxnLst/>
-            <a:rect l="l" t="t" r="r" b="b"/>
-            <a:pathLst>
-              <a:path w="120000" h="120000" extrusionOk="0">
-                <a:moveTo>
-                  <a:pt x="0" y="0"/>
-                </a:moveTo>
-                <a:lnTo>
-                  <a:pt x="120000" y="0"/>
-                </a:lnTo>
-                <a:lnTo>
-                  <a:pt x="120000" y="120000"/>
-                </a:lnTo>
-                <a:lnTo>
-                  <a:pt x="0" y="120000"/>
-                </a:lnTo>
-                <a:close/>
-              </a:path>
-            </a:pathLst>
-          </a:custGeom>
-        </p:spPr>
-      </p:sp>
-      <p:sp>
-        <p:nvSpPr>
-          <p:cNvPr id="365" name="Google Shape;365;g7834a636a1_1_321:notes"/>
-          <p:cNvSpPr txBox="1">
-            <a:spLocks noGrp="1"/>
-          </p:cNvSpPr>
-          <p:nvPr>
-            <p:ph type="body" idx="1"/>
-          </p:nvPr>
-        </p:nvSpPr>
-        <p:spPr>
-          <a:xfrm>
-            <a:off x="685800" y="4343400"/>
-            <a:ext cx="5486400" cy="4114800"/>
-          </a:xfrm>
-          <a:prstGeom prst="rect">
-            <a:avLst/>
-          </a:prstGeom>
-        </p:spPr>
-        <p:txBody>
-          <a:bodyPr spcFirstLastPara="1" wrap="square" lIns="91425" tIns="91425" rIns="91425" bIns="91425" anchor="t" anchorCtr="0">
-            <a:noAutofit/>
-          </a:bodyPr>
-          <a:lstStyle/>
-          <a:p>
-            <a:pPr marL="0" lvl="0" indent="0" algn="l" rtl="0">
-              <a:spcBef>
-                <a:spcPts val="0"/>
-              </a:spcBef>
-              <a:spcAft>
-                <a:spcPts val="0"/>
-              </a:spcAft>
-              <a:buNone/>
-            </a:pPr>
-            <a:endParaRPr/>
-          </a:p>
-        </p:txBody>
-      </p:sp>
-    </p:spTree>
-    <p:extLst>
-      <p:ext uri="{BB962C8B-B14F-4D97-AF65-F5344CB8AC3E}">
-        <p14:creationId xmlns:p14="http://schemas.microsoft.com/office/powerpoint/2010/main" val="2998656076"/>
-      </p:ext>
-    </p:extLst>
-  </p:cSld>
-  <p:clrMapOvr>
-    <a:masterClrMapping/>
-  </p:clrMapOvr>
-</p:notes>
-</file>
-
-<file path=ppt/notesSlides/notesSlide16.xml><?xml version="1.0" encoding="utf-8"?>
-<p:notes xmlns:a="http://schemas.openxmlformats.org/drawingml/2006/main" xmlns:r="http://schemas.openxmlformats.org/officeDocument/2006/relationships" xmlns:p="http://schemas.openxmlformats.org/presentationml/2006/main" showMasterSp="0" showMasterPhAnim="0">
-  <p:cSld>
-    <p:spTree>
-      <p:nvGrpSpPr>
-        <p:cNvPr id="1" name="Shape 369"/>
-        <p:cNvGrpSpPr/>
-        <p:nvPr/>
-      </p:nvGrpSpPr>
-      <p:grpSpPr>
-        <a:xfrm>
-          <a:off x="0" y="0"/>
-          <a:ext cx="0" cy="0"/>
-          <a:chOff x="0" y="0"/>
-          <a:chExt cx="0" cy="0"/>
-        </a:xfrm>
-      </p:grpSpPr>
-      <p:sp>
-        <p:nvSpPr>
-          <p:cNvPr id="370" name="Google Shape;370;g7834a636a1_1_327:notes"/>
-          <p:cNvSpPr>
-            <a:spLocks noGrp="1" noRot="1" noChangeAspect="1"/>
-          </p:cNvSpPr>
-          <p:nvPr>
-            <p:ph type="sldImg" idx="2"/>
-          </p:nvPr>
-        </p:nvSpPr>
-        <p:spPr>
-          <a:xfrm>
-            <a:off x="381000" y="685800"/>
-            <a:ext cx="6096000" cy="3429000"/>
-          </a:xfrm>
-          <a:custGeom>
-            <a:avLst/>
-            <a:gdLst/>
-            <a:ahLst/>
-            <a:cxnLst/>
-            <a:rect l="l" t="t" r="r" b="b"/>
-            <a:pathLst>
-              <a:path w="120000" h="120000" extrusionOk="0">
-                <a:moveTo>
-                  <a:pt x="0" y="0"/>
-                </a:moveTo>
-                <a:lnTo>
-                  <a:pt x="120000" y="0"/>
-                </a:lnTo>
-                <a:lnTo>
-                  <a:pt x="120000" y="120000"/>
-                </a:lnTo>
-                <a:lnTo>
-                  <a:pt x="0" y="120000"/>
-                </a:lnTo>
-                <a:close/>
-              </a:path>
-            </a:pathLst>
-          </a:custGeom>
-        </p:spPr>
-      </p:sp>
-      <p:sp>
-        <p:nvSpPr>
-          <p:cNvPr id="371" name="Google Shape;371;g7834a636a1_1_327:notes"/>
           <p:cNvSpPr txBox="1">
             <a:spLocks noGrp="1"/>
           </p:cNvSpPr>
@@ -1671,7 +1668,7 @@
     </p:spTree>
     <p:extLst>
       <p:ext uri="{BB962C8B-B14F-4D97-AF65-F5344CB8AC3E}">
-        <p14:creationId xmlns:p14="http://schemas.microsoft.com/office/powerpoint/2010/main" val="2139650927"/>
+        <p14:creationId xmlns:p14="http://schemas.microsoft.com/office/powerpoint/2010/main" val="2998656076"/>
       </p:ext>
     </p:extLst>
   </p:cSld>
@@ -1686,7 +1683,7 @@
   <p:cSld>
     <p:spTree>
       <p:nvGrpSpPr>
-        <p:cNvPr id="1" name="Shape 375"/>
+        <p:cNvPr id="1" name="Shape 369"/>
         <p:cNvGrpSpPr/>
         <p:nvPr/>
       </p:nvGrpSpPr>
@@ -1700,7 +1697,7 @@
       </p:grpSpPr>
       <p:sp>
         <p:nvSpPr>
-          <p:cNvPr id="376" name="Google Shape;376;g7834a636a1_1_333:notes"/>
+          <p:cNvPr id="370" name="Google Shape;370;g7834a636a1_1_327:notes"/>
           <p:cNvSpPr>
             <a:spLocks noGrp="1" noRot="1" noChangeAspect="1"/>
           </p:cNvSpPr>
@@ -1741,7 +1738,7 @@
       </p:sp>
       <p:sp>
         <p:nvSpPr>
-          <p:cNvPr id="377" name="Google Shape;377;g7834a636a1_1_333:notes"/>
+          <p:cNvPr id="371" name="Google Shape;371;g7834a636a1_1_327:notes"/>
           <p:cNvSpPr txBox="1">
             <a:spLocks noGrp="1"/>
           </p:cNvSpPr>
@@ -1884,7 +1881,7 @@
     </p:spTree>
     <p:extLst>
       <p:ext uri="{BB962C8B-B14F-4D97-AF65-F5344CB8AC3E}">
-        <p14:creationId xmlns:p14="http://schemas.microsoft.com/office/powerpoint/2010/main" val="3926762884"/>
+        <p14:creationId xmlns:p14="http://schemas.microsoft.com/office/powerpoint/2010/main" val="2139650927"/>
       </p:ext>
     </p:extLst>
   </p:cSld>
@@ -2003,6 +2000,219 @@
   <p:cSld>
     <p:spTree>
       <p:nvGrpSpPr>
+        <p:cNvPr id="1" name="Shape 375"/>
+        <p:cNvGrpSpPr/>
+        <p:nvPr/>
+      </p:nvGrpSpPr>
+      <p:grpSpPr>
+        <a:xfrm>
+          <a:off x="0" y="0"/>
+          <a:ext cx="0" cy="0"/>
+          <a:chOff x="0" y="0"/>
+          <a:chExt cx="0" cy="0"/>
+        </a:xfrm>
+      </p:grpSpPr>
+      <p:sp>
+        <p:nvSpPr>
+          <p:cNvPr id="376" name="Google Shape;376;g7834a636a1_1_333:notes"/>
+          <p:cNvSpPr>
+            <a:spLocks noGrp="1" noRot="1" noChangeAspect="1"/>
+          </p:cNvSpPr>
+          <p:nvPr>
+            <p:ph type="sldImg" idx="2"/>
+          </p:nvPr>
+        </p:nvSpPr>
+        <p:spPr>
+          <a:xfrm>
+            <a:off x="381000" y="685800"/>
+            <a:ext cx="6096000" cy="3429000"/>
+          </a:xfrm>
+          <a:custGeom>
+            <a:avLst/>
+            <a:gdLst/>
+            <a:ahLst/>
+            <a:cxnLst/>
+            <a:rect l="l" t="t" r="r" b="b"/>
+            <a:pathLst>
+              <a:path w="120000" h="120000" extrusionOk="0">
+                <a:moveTo>
+                  <a:pt x="0" y="0"/>
+                </a:moveTo>
+                <a:lnTo>
+                  <a:pt x="120000" y="0"/>
+                </a:lnTo>
+                <a:lnTo>
+                  <a:pt x="120000" y="120000"/>
+                </a:lnTo>
+                <a:lnTo>
+                  <a:pt x="0" y="120000"/>
+                </a:lnTo>
+                <a:close/>
+              </a:path>
+            </a:pathLst>
+          </a:custGeom>
+        </p:spPr>
+      </p:sp>
+      <p:sp>
+        <p:nvSpPr>
+          <p:cNvPr id="377" name="Google Shape;377;g7834a636a1_1_333:notes"/>
+          <p:cNvSpPr txBox="1">
+            <a:spLocks noGrp="1"/>
+          </p:cNvSpPr>
+          <p:nvPr>
+            <p:ph type="body" idx="1"/>
+          </p:nvPr>
+        </p:nvSpPr>
+        <p:spPr>
+          <a:xfrm>
+            <a:off x="685800" y="4343400"/>
+            <a:ext cx="5486400" cy="4114800"/>
+          </a:xfrm>
+          <a:prstGeom prst="rect">
+            <a:avLst/>
+          </a:prstGeom>
+        </p:spPr>
+        <p:txBody>
+          <a:bodyPr spcFirstLastPara="1" wrap="square" lIns="91425" tIns="91425" rIns="91425" bIns="91425" anchor="t" anchorCtr="0">
+            <a:noAutofit/>
+          </a:bodyPr>
+          <a:lstStyle/>
+          <a:p>
+            <a:pPr marL="0" lvl="0" indent="0" algn="l" rtl="0">
+              <a:spcBef>
+                <a:spcPts val="0"/>
+              </a:spcBef>
+              <a:spcAft>
+                <a:spcPts val="0"/>
+              </a:spcAft>
+              <a:buNone/>
+            </a:pPr>
+            <a:endParaRPr/>
+          </a:p>
+        </p:txBody>
+      </p:sp>
+    </p:spTree>
+  </p:cSld>
+  <p:clrMapOvr>
+    <a:masterClrMapping/>
+  </p:clrMapOvr>
+</p:notes>
+</file>
+
+<file path=ppt/notesSlides/notesSlide21.xml><?xml version="1.0" encoding="utf-8"?>
+<p:notes xmlns:a="http://schemas.openxmlformats.org/drawingml/2006/main" xmlns:r="http://schemas.openxmlformats.org/officeDocument/2006/relationships" xmlns:p="http://schemas.openxmlformats.org/presentationml/2006/main" showMasterSp="0" showMasterPhAnim="0">
+  <p:cSld>
+    <p:spTree>
+      <p:nvGrpSpPr>
+        <p:cNvPr id="1" name="Shape 363"/>
+        <p:cNvGrpSpPr/>
+        <p:nvPr/>
+      </p:nvGrpSpPr>
+      <p:grpSpPr>
+        <a:xfrm>
+          <a:off x="0" y="0"/>
+          <a:ext cx="0" cy="0"/>
+          <a:chOff x="0" y="0"/>
+          <a:chExt cx="0" cy="0"/>
+        </a:xfrm>
+      </p:grpSpPr>
+      <p:sp>
+        <p:nvSpPr>
+          <p:cNvPr id="364" name="Google Shape;364;g7834a636a1_1_321:notes"/>
+          <p:cNvSpPr>
+            <a:spLocks noGrp="1" noRot="1" noChangeAspect="1"/>
+          </p:cNvSpPr>
+          <p:nvPr>
+            <p:ph type="sldImg" idx="2"/>
+          </p:nvPr>
+        </p:nvSpPr>
+        <p:spPr>
+          <a:xfrm>
+            <a:off x="381000" y="685800"/>
+            <a:ext cx="6096000" cy="3429000"/>
+          </a:xfrm>
+          <a:custGeom>
+            <a:avLst/>
+            <a:gdLst/>
+            <a:ahLst/>
+            <a:cxnLst/>
+            <a:rect l="l" t="t" r="r" b="b"/>
+            <a:pathLst>
+              <a:path w="120000" h="120000" extrusionOk="0">
+                <a:moveTo>
+                  <a:pt x="0" y="0"/>
+                </a:moveTo>
+                <a:lnTo>
+                  <a:pt x="120000" y="0"/>
+                </a:lnTo>
+                <a:lnTo>
+                  <a:pt x="120000" y="120000"/>
+                </a:lnTo>
+                <a:lnTo>
+                  <a:pt x="0" y="120000"/>
+                </a:lnTo>
+                <a:close/>
+              </a:path>
+            </a:pathLst>
+          </a:custGeom>
+        </p:spPr>
+      </p:sp>
+      <p:sp>
+        <p:nvSpPr>
+          <p:cNvPr id="365" name="Google Shape;365;g7834a636a1_1_321:notes"/>
+          <p:cNvSpPr txBox="1">
+            <a:spLocks noGrp="1"/>
+          </p:cNvSpPr>
+          <p:nvPr>
+            <p:ph type="body" idx="1"/>
+          </p:nvPr>
+        </p:nvSpPr>
+        <p:spPr>
+          <a:xfrm>
+            <a:off x="685800" y="4343400"/>
+            <a:ext cx="5486400" cy="4114800"/>
+          </a:xfrm>
+          <a:prstGeom prst="rect">
+            <a:avLst/>
+          </a:prstGeom>
+        </p:spPr>
+        <p:txBody>
+          <a:bodyPr spcFirstLastPara="1" wrap="square" lIns="91425" tIns="91425" rIns="91425" bIns="91425" anchor="t" anchorCtr="0">
+            <a:noAutofit/>
+          </a:bodyPr>
+          <a:lstStyle/>
+          <a:p>
+            <a:pPr marL="0" lvl="0" indent="0" algn="l" rtl="0">
+              <a:spcBef>
+                <a:spcPts val="0"/>
+              </a:spcBef>
+              <a:spcAft>
+                <a:spcPts val="0"/>
+              </a:spcAft>
+              <a:buNone/>
+            </a:pPr>
+            <a:endParaRPr/>
+          </a:p>
+        </p:txBody>
+      </p:sp>
+    </p:spTree>
+    <p:extLst>
+      <p:ext uri="{BB962C8B-B14F-4D97-AF65-F5344CB8AC3E}">
+        <p14:creationId xmlns:p14="http://schemas.microsoft.com/office/powerpoint/2010/main" val="3926762884"/>
+      </p:ext>
+    </p:extLst>
+  </p:cSld>
+  <p:clrMapOvr>
+    <a:masterClrMapping/>
+  </p:clrMapOvr>
+</p:notes>
+</file>
+
+<file path=ppt/notesSlides/notesSlide22.xml><?xml version="1.0" encoding="utf-8"?>
+<p:notes xmlns:a="http://schemas.openxmlformats.org/drawingml/2006/main" xmlns:r="http://schemas.openxmlformats.org/officeDocument/2006/relationships" xmlns:p="http://schemas.openxmlformats.org/presentationml/2006/main" showMasterSp="0" showMasterPhAnim="0">
+  <p:cSld>
+    <p:spTree>
+      <p:nvGrpSpPr>
         <p:cNvPr id="1" name="Shape 393"/>
         <p:cNvGrpSpPr/>
         <p:nvPr/>
@@ -2102,7 +2312,7 @@
 </p:notes>
 </file>
 
-<file path=ppt/notesSlides/notesSlide21.xml><?xml version="1.0" encoding="utf-8"?>
+<file path=ppt/notesSlides/notesSlide23.xml><?xml version="1.0" encoding="utf-8"?>
 <p:notes xmlns:a="http://schemas.openxmlformats.org/drawingml/2006/main" xmlns:r="http://schemas.openxmlformats.org/officeDocument/2006/relationships" xmlns:p="http://schemas.openxmlformats.org/presentationml/2006/main" showMasterSp="0" showMasterPhAnim="0">
   <p:cSld>
     <p:spTree>
@@ -2206,7 +2416,7 @@
 </p:notes>
 </file>
 
-<file path=ppt/notesSlides/notesSlide22.xml><?xml version="1.0" encoding="utf-8"?>
+<file path=ppt/notesSlides/notesSlide24.xml><?xml version="1.0" encoding="utf-8"?>
 <p:notes xmlns:a="http://schemas.openxmlformats.org/drawingml/2006/main" xmlns:r="http://schemas.openxmlformats.org/officeDocument/2006/relationships" xmlns:p="http://schemas.openxmlformats.org/presentationml/2006/main" showMasterSp="0" showMasterPhAnim="0">
   <p:cSld>
     <p:spTree>
@@ -2310,7 +2520,7 @@
 </p:notes>
 </file>
 
-<file path=ppt/notesSlides/notesSlide23.xml><?xml version="1.0" encoding="utf-8"?>
+<file path=ppt/notesSlides/notesSlide25.xml><?xml version="1.0" encoding="utf-8"?>
 <p:notes xmlns:a="http://schemas.openxmlformats.org/drawingml/2006/main" xmlns:r="http://schemas.openxmlformats.org/officeDocument/2006/relationships" xmlns:p="http://schemas.openxmlformats.org/presentationml/2006/main" showMasterSp="0" showMasterPhAnim="0">
   <p:cSld>
     <p:spTree>
@@ -2414,7 +2624,7 @@
 </p:notes>
 </file>
 
-<file path=ppt/notesSlides/notesSlide24.xml><?xml version="1.0" encoding="utf-8"?>
+<file path=ppt/notesSlides/notesSlide26.xml><?xml version="1.0" encoding="utf-8"?>
 <p:notes xmlns:a="http://schemas.openxmlformats.org/drawingml/2006/main" xmlns:r="http://schemas.openxmlformats.org/officeDocument/2006/relationships" xmlns:p="http://schemas.openxmlformats.org/presentationml/2006/main" showMasterSp="0" showMasterPhAnim="0">
   <p:cSld>
     <p:spTree>
@@ -2736,6 +2946,115 @@
   <p:cSld>
     <p:spTree>
       <p:nvGrpSpPr>
+        <p:cNvPr id="1" name="Shape 273"/>
+        <p:cNvGrpSpPr/>
+        <p:nvPr/>
+      </p:nvGrpSpPr>
+      <p:grpSpPr>
+        <a:xfrm>
+          <a:off x="0" y="0"/>
+          <a:ext cx="0" cy="0"/>
+          <a:chOff x="0" y="0"/>
+          <a:chExt cx="0" cy="0"/>
+        </a:xfrm>
+      </p:grpSpPr>
+      <p:sp>
+        <p:nvSpPr>
+          <p:cNvPr id="274" name="Google Shape;274;g7834a636a1_0_295:notes"/>
+          <p:cNvSpPr>
+            <a:spLocks noGrp="1" noRot="1" noChangeAspect="1"/>
+          </p:cNvSpPr>
+          <p:nvPr>
+            <p:ph type="sldImg" idx="2"/>
+          </p:nvPr>
+        </p:nvSpPr>
+        <p:spPr>
+          <a:xfrm>
+            <a:off x="381000" y="685800"/>
+            <a:ext cx="6096000" cy="3429000"/>
+          </a:xfrm>
+          <a:custGeom>
+            <a:avLst/>
+            <a:gdLst/>
+            <a:ahLst/>
+            <a:cxnLst/>
+            <a:rect l="l" t="t" r="r" b="b"/>
+            <a:pathLst>
+              <a:path w="120000" h="120000" extrusionOk="0">
+                <a:moveTo>
+                  <a:pt x="0" y="0"/>
+                </a:moveTo>
+                <a:lnTo>
+                  <a:pt x="120000" y="0"/>
+                </a:lnTo>
+                <a:lnTo>
+                  <a:pt x="120000" y="120000"/>
+                </a:lnTo>
+                <a:lnTo>
+                  <a:pt x="0" y="120000"/>
+                </a:lnTo>
+                <a:close/>
+              </a:path>
+            </a:pathLst>
+          </a:custGeom>
+        </p:spPr>
+      </p:sp>
+      <p:sp>
+        <p:nvSpPr>
+          <p:cNvPr id="275" name="Google Shape;275;g7834a636a1_0_295:notes"/>
+          <p:cNvSpPr txBox="1">
+            <a:spLocks noGrp="1"/>
+          </p:cNvSpPr>
+          <p:nvPr>
+            <p:ph type="body" idx="1"/>
+          </p:nvPr>
+        </p:nvSpPr>
+        <p:spPr>
+          <a:xfrm>
+            <a:off x="685800" y="4343400"/>
+            <a:ext cx="5486400" cy="4114800"/>
+          </a:xfrm>
+          <a:prstGeom prst="rect">
+            <a:avLst/>
+          </a:prstGeom>
+        </p:spPr>
+        <p:txBody>
+          <a:bodyPr spcFirstLastPara="1" wrap="square" lIns="91425" tIns="91425" rIns="91425" bIns="91425" anchor="t" anchorCtr="0">
+            <a:noAutofit/>
+          </a:bodyPr>
+          <a:lstStyle/>
+          <a:p>
+            <a:pPr marL="0" lvl="0" indent="0" algn="l" rtl="0">
+              <a:spcBef>
+                <a:spcPts val="0"/>
+              </a:spcBef>
+              <a:spcAft>
+                <a:spcPts val="0"/>
+              </a:spcAft>
+              <a:buNone/>
+            </a:pPr>
+            <a:endParaRPr/>
+          </a:p>
+        </p:txBody>
+      </p:sp>
+    </p:spTree>
+    <p:extLst>
+      <p:ext uri="{BB962C8B-B14F-4D97-AF65-F5344CB8AC3E}">
+        <p14:creationId xmlns:p14="http://schemas.microsoft.com/office/powerpoint/2010/main" val="2559455087"/>
+      </p:ext>
+    </p:extLst>
+  </p:cSld>
+  <p:clrMapOvr>
+    <a:masterClrMapping/>
+  </p:clrMapOvr>
+</p:notes>
+</file>
+
+<file path=ppt/notesSlides/notesSlide6.xml><?xml version="1.0" encoding="utf-8"?>
+<p:notes xmlns:a="http://schemas.openxmlformats.org/drawingml/2006/main" xmlns:r="http://schemas.openxmlformats.org/officeDocument/2006/relationships" xmlns:p="http://schemas.openxmlformats.org/presentationml/2006/main" showMasterSp="0" showMasterPhAnim="0">
+  <p:cSld>
+    <p:spTree>
+      <p:nvGrpSpPr>
         <p:cNvPr id="1" name="Shape 279"/>
         <p:cNvGrpSpPr/>
         <p:nvPr/>
@@ -2835,7 +3154,116 @@
 </p:notes>
 </file>
 
-<file path=ppt/notesSlides/notesSlide6.xml><?xml version="1.0" encoding="utf-8"?>
+<file path=ppt/notesSlides/notesSlide7.xml><?xml version="1.0" encoding="utf-8"?>
+<p:notes xmlns:a="http://schemas.openxmlformats.org/drawingml/2006/main" xmlns:r="http://schemas.openxmlformats.org/officeDocument/2006/relationships" xmlns:p="http://schemas.openxmlformats.org/presentationml/2006/main" showMasterSp="0" showMasterPhAnim="0">
+  <p:cSld>
+    <p:spTree>
+      <p:nvGrpSpPr>
+        <p:cNvPr id="1" name="Shape 279"/>
+        <p:cNvGrpSpPr/>
+        <p:nvPr/>
+      </p:nvGrpSpPr>
+      <p:grpSpPr>
+        <a:xfrm>
+          <a:off x="0" y="0"/>
+          <a:ext cx="0" cy="0"/>
+          <a:chOff x="0" y="0"/>
+          <a:chExt cx="0" cy="0"/>
+        </a:xfrm>
+      </p:grpSpPr>
+      <p:sp>
+        <p:nvSpPr>
+          <p:cNvPr id="280" name="Google Shape;280;g7834a636a1_1_231:notes"/>
+          <p:cNvSpPr>
+            <a:spLocks noGrp="1" noRot="1" noChangeAspect="1"/>
+          </p:cNvSpPr>
+          <p:nvPr>
+            <p:ph type="sldImg" idx="2"/>
+          </p:nvPr>
+        </p:nvSpPr>
+        <p:spPr>
+          <a:xfrm>
+            <a:off x="381000" y="685800"/>
+            <a:ext cx="6096000" cy="3429000"/>
+          </a:xfrm>
+          <a:custGeom>
+            <a:avLst/>
+            <a:gdLst/>
+            <a:ahLst/>
+            <a:cxnLst/>
+            <a:rect l="l" t="t" r="r" b="b"/>
+            <a:pathLst>
+              <a:path w="120000" h="120000" extrusionOk="0">
+                <a:moveTo>
+                  <a:pt x="0" y="0"/>
+                </a:moveTo>
+                <a:lnTo>
+                  <a:pt x="120000" y="0"/>
+                </a:lnTo>
+                <a:lnTo>
+                  <a:pt x="120000" y="120000"/>
+                </a:lnTo>
+                <a:lnTo>
+                  <a:pt x="0" y="120000"/>
+                </a:lnTo>
+                <a:close/>
+              </a:path>
+            </a:pathLst>
+          </a:custGeom>
+        </p:spPr>
+      </p:sp>
+      <p:sp>
+        <p:nvSpPr>
+          <p:cNvPr id="281" name="Google Shape;281;g7834a636a1_1_231:notes"/>
+          <p:cNvSpPr txBox="1">
+            <a:spLocks noGrp="1"/>
+          </p:cNvSpPr>
+          <p:nvPr>
+            <p:ph type="body" idx="1"/>
+          </p:nvPr>
+        </p:nvSpPr>
+        <p:spPr>
+          <a:xfrm>
+            <a:off x="685800" y="4343400"/>
+            <a:ext cx="5486400" cy="4114800"/>
+          </a:xfrm>
+          <a:prstGeom prst="rect">
+            <a:avLst/>
+          </a:prstGeom>
+        </p:spPr>
+        <p:txBody>
+          <a:bodyPr spcFirstLastPara="1" wrap="square" lIns="91425" tIns="91425" rIns="91425" bIns="91425" anchor="t" anchorCtr="0">
+            <a:noAutofit/>
+          </a:bodyPr>
+          <a:lstStyle/>
+          <a:p>
+            <a:pPr marL="0" lvl="0" indent="0" algn="l" rtl="0">
+              <a:spcBef>
+                <a:spcPts val="0"/>
+              </a:spcBef>
+              <a:spcAft>
+                <a:spcPts val="0"/>
+              </a:spcAft>
+              <a:buNone/>
+            </a:pPr>
+            <a:endParaRPr/>
+          </a:p>
+        </p:txBody>
+      </p:sp>
+    </p:spTree>
+    <p:extLst>
+      <p:ext uri="{BB962C8B-B14F-4D97-AF65-F5344CB8AC3E}">
+        <p14:creationId xmlns:p14="http://schemas.microsoft.com/office/powerpoint/2010/main" val="3920631983"/>
+      </p:ext>
+    </p:extLst>
+  </p:cSld>
+  <p:clrMapOvr>
+    <a:masterClrMapping/>
+  </p:clrMapOvr>
+</p:notes>
+</file>
+
+<file path=ppt/notesSlides/notesSlide8.xml><?xml version="1.0" encoding="utf-8"?>
 <p:notes xmlns:a="http://schemas.openxmlformats.org/drawingml/2006/main" xmlns:r="http://schemas.openxmlformats.org/officeDocument/2006/relationships" xmlns:p="http://schemas.openxmlformats.org/presentationml/2006/main" showMasterSp="0" showMasterPhAnim="0">
   <p:cSld>
     <p:spTree>
@@ -2939,7 +3367,7 @@
 </p:notes>
 </file>
 
-<file path=ppt/notesSlides/notesSlide7.xml><?xml version="1.0" encoding="utf-8"?>
+<file path=ppt/notesSlides/notesSlide9.xml><?xml version="1.0" encoding="utf-8"?>
 <p:notes xmlns:a="http://schemas.openxmlformats.org/drawingml/2006/main" xmlns:r="http://schemas.openxmlformats.org/officeDocument/2006/relationships" xmlns:p="http://schemas.openxmlformats.org/presentationml/2006/main" showMasterSp="0" showMasterPhAnim="0">
   <p:cSld>
     <p:spTree>
@@ -3000,214 +3428,6 @@
       <p:sp>
         <p:nvSpPr>
           <p:cNvPr id="305" name="Google Shape;305;g7834a636a1_1_261:notes"/>
-          <p:cNvSpPr txBox="1">
-            <a:spLocks noGrp="1"/>
-          </p:cNvSpPr>
-          <p:nvPr>
-            <p:ph type="body" idx="1"/>
-          </p:nvPr>
-        </p:nvSpPr>
-        <p:spPr>
-          <a:xfrm>
-            <a:off x="685800" y="4343400"/>
-            <a:ext cx="5486400" cy="4114800"/>
-          </a:xfrm>
-          <a:prstGeom prst="rect">
-            <a:avLst/>
-          </a:prstGeom>
-        </p:spPr>
-        <p:txBody>
-          <a:bodyPr spcFirstLastPara="1" wrap="square" lIns="91425" tIns="91425" rIns="91425" bIns="91425" anchor="t" anchorCtr="0">
-            <a:noAutofit/>
-          </a:bodyPr>
-          <a:lstStyle/>
-          <a:p>
-            <a:pPr marL="0" lvl="0" indent="0" algn="l" rtl="0">
-              <a:spcBef>
-                <a:spcPts val="0"/>
-              </a:spcBef>
-              <a:spcAft>
-                <a:spcPts val="0"/>
-              </a:spcAft>
-              <a:buNone/>
-            </a:pPr>
-            <a:endParaRPr/>
-          </a:p>
-        </p:txBody>
-      </p:sp>
-    </p:spTree>
-  </p:cSld>
-  <p:clrMapOvr>
-    <a:masterClrMapping/>
-  </p:clrMapOvr>
-</p:notes>
-</file>
-
-<file path=ppt/notesSlides/notesSlide8.xml><?xml version="1.0" encoding="utf-8"?>
-<p:notes xmlns:a="http://schemas.openxmlformats.org/drawingml/2006/main" xmlns:r="http://schemas.openxmlformats.org/officeDocument/2006/relationships" xmlns:p="http://schemas.openxmlformats.org/presentationml/2006/main" showMasterSp="0" showMasterPhAnim="0">
-  <p:cSld>
-    <p:spTree>
-      <p:nvGrpSpPr>
-        <p:cNvPr id="1" name="Shape 309"/>
-        <p:cNvGrpSpPr/>
-        <p:nvPr/>
-      </p:nvGrpSpPr>
-      <p:grpSpPr>
-        <a:xfrm>
-          <a:off x="0" y="0"/>
-          <a:ext cx="0" cy="0"/>
-          <a:chOff x="0" y="0"/>
-          <a:chExt cx="0" cy="0"/>
-        </a:xfrm>
-      </p:grpSpPr>
-      <p:sp>
-        <p:nvSpPr>
-          <p:cNvPr id="310" name="Google Shape;310;g7834a636a1_1_267:notes"/>
-          <p:cNvSpPr>
-            <a:spLocks noGrp="1" noRot="1" noChangeAspect="1"/>
-          </p:cNvSpPr>
-          <p:nvPr>
-            <p:ph type="sldImg" idx="2"/>
-          </p:nvPr>
-        </p:nvSpPr>
-        <p:spPr>
-          <a:xfrm>
-            <a:off x="381000" y="685800"/>
-            <a:ext cx="6096000" cy="3429000"/>
-          </a:xfrm>
-          <a:custGeom>
-            <a:avLst/>
-            <a:gdLst/>
-            <a:ahLst/>
-            <a:cxnLst/>
-            <a:rect l="l" t="t" r="r" b="b"/>
-            <a:pathLst>
-              <a:path w="120000" h="120000" extrusionOk="0">
-                <a:moveTo>
-                  <a:pt x="0" y="0"/>
-                </a:moveTo>
-                <a:lnTo>
-                  <a:pt x="120000" y="0"/>
-                </a:lnTo>
-                <a:lnTo>
-                  <a:pt x="120000" y="120000"/>
-                </a:lnTo>
-                <a:lnTo>
-                  <a:pt x="0" y="120000"/>
-                </a:lnTo>
-                <a:close/>
-              </a:path>
-            </a:pathLst>
-          </a:custGeom>
-        </p:spPr>
-      </p:sp>
-      <p:sp>
-        <p:nvSpPr>
-          <p:cNvPr id="311" name="Google Shape;311;g7834a636a1_1_267:notes"/>
-          <p:cNvSpPr txBox="1">
-            <a:spLocks noGrp="1"/>
-          </p:cNvSpPr>
-          <p:nvPr>
-            <p:ph type="body" idx="1"/>
-          </p:nvPr>
-        </p:nvSpPr>
-        <p:spPr>
-          <a:xfrm>
-            <a:off x="685800" y="4343400"/>
-            <a:ext cx="5486400" cy="4114800"/>
-          </a:xfrm>
-          <a:prstGeom prst="rect">
-            <a:avLst/>
-          </a:prstGeom>
-        </p:spPr>
-        <p:txBody>
-          <a:bodyPr spcFirstLastPara="1" wrap="square" lIns="91425" tIns="91425" rIns="91425" bIns="91425" anchor="t" anchorCtr="0">
-            <a:noAutofit/>
-          </a:bodyPr>
-          <a:lstStyle/>
-          <a:p>
-            <a:pPr marL="0" lvl="0" indent="0" algn="l" rtl="0">
-              <a:spcBef>
-                <a:spcPts val="0"/>
-              </a:spcBef>
-              <a:spcAft>
-                <a:spcPts val="0"/>
-              </a:spcAft>
-              <a:buNone/>
-            </a:pPr>
-            <a:endParaRPr/>
-          </a:p>
-        </p:txBody>
-      </p:sp>
-    </p:spTree>
-  </p:cSld>
-  <p:clrMapOvr>
-    <a:masterClrMapping/>
-  </p:clrMapOvr>
-</p:notes>
-</file>
-
-<file path=ppt/notesSlides/notesSlide9.xml><?xml version="1.0" encoding="utf-8"?>
-<p:notes xmlns:a="http://schemas.openxmlformats.org/drawingml/2006/main" xmlns:r="http://schemas.openxmlformats.org/officeDocument/2006/relationships" xmlns:p="http://schemas.openxmlformats.org/presentationml/2006/main" showMasterSp="0" showMasterPhAnim="0">
-  <p:cSld>
-    <p:spTree>
-      <p:nvGrpSpPr>
-        <p:cNvPr id="1" name="Shape 315"/>
-        <p:cNvGrpSpPr/>
-        <p:nvPr/>
-      </p:nvGrpSpPr>
-      <p:grpSpPr>
-        <a:xfrm>
-          <a:off x="0" y="0"/>
-          <a:ext cx="0" cy="0"/>
-          <a:chOff x="0" y="0"/>
-          <a:chExt cx="0" cy="0"/>
-        </a:xfrm>
-      </p:grpSpPr>
-      <p:sp>
-        <p:nvSpPr>
-          <p:cNvPr id="316" name="Google Shape;316;g7834a636a1_1_273:notes"/>
-          <p:cNvSpPr>
-            <a:spLocks noGrp="1" noRot="1" noChangeAspect="1"/>
-          </p:cNvSpPr>
-          <p:nvPr>
-            <p:ph type="sldImg" idx="2"/>
-          </p:nvPr>
-        </p:nvSpPr>
-        <p:spPr>
-          <a:xfrm>
-            <a:off x="381000" y="685800"/>
-            <a:ext cx="6096000" cy="3429000"/>
-          </a:xfrm>
-          <a:custGeom>
-            <a:avLst/>
-            <a:gdLst/>
-            <a:ahLst/>
-            <a:cxnLst/>
-            <a:rect l="l" t="t" r="r" b="b"/>
-            <a:pathLst>
-              <a:path w="120000" h="120000" extrusionOk="0">
-                <a:moveTo>
-                  <a:pt x="0" y="0"/>
-                </a:moveTo>
-                <a:lnTo>
-                  <a:pt x="120000" y="0"/>
-                </a:lnTo>
-                <a:lnTo>
-                  <a:pt x="120000" y="120000"/>
-                </a:lnTo>
-                <a:lnTo>
-                  <a:pt x="0" y="120000"/>
-                </a:lnTo>
-                <a:close/>
-              </a:path>
-            </a:pathLst>
-          </a:custGeom>
-        </p:spPr>
-      </p:sp>
-      <p:sp>
-        <p:nvSpPr>
-          <p:cNvPr id="317" name="Google Shape;317;g7834a636a1_1_273:notes"/>
           <p:cNvSpPr txBox="1">
             <a:spLocks noGrp="1"/>
           </p:cNvSpPr>
@@ -20336,6 +20556,629 @@
   <p:cSld>
     <p:spTree>
       <p:nvGrpSpPr>
+        <p:cNvPr id="1" name="Shape 312"/>
+        <p:cNvGrpSpPr/>
+        <p:nvPr/>
+      </p:nvGrpSpPr>
+      <p:grpSpPr>
+        <a:xfrm>
+          <a:off x="0" y="0"/>
+          <a:ext cx="0" cy="0"/>
+          <a:chOff x="0" y="0"/>
+          <a:chExt cx="0" cy="0"/>
+        </a:xfrm>
+      </p:grpSpPr>
+      <p:sp>
+        <p:nvSpPr>
+          <p:cNvPr id="313" name="Google Shape;313;p24"/>
+          <p:cNvSpPr txBox="1">
+            <a:spLocks noGrp="1"/>
+          </p:cNvSpPr>
+          <p:nvPr>
+            <p:ph type="title"/>
+          </p:nvPr>
+        </p:nvSpPr>
+        <p:spPr>
+          <a:xfrm>
+            <a:off x="1038650" y="30410"/>
+            <a:ext cx="7081800" cy="3188100"/>
+          </a:xfrm>
+          <a:prstGeom prst="rect">
+            <a:avLst/>
+          </a:prstGeom>
+        </p:spPr>
+        <p:txBody>
+          <a:bodyPr spcFirstLastPara="1" wrap="square" lIns="0" tIns="0" rIns="0" bIns="0" anchor="ctr" anchorCtr="0">
+            <a:noAutofit/>
+          </a:bodyPr>
+          <a:lstStyle/>
+          <a:p>
+            <a:pPr marL="0" lvl="0" indent="0" algn="ctr" rtl="0">
+              <a:spcBef>
+                <a:spcPts val="0"/>
+              </a:spcBef>
+              <a:spcAft>
+                <a:spcPts val="0"/>
+              </a:spcAft>
+              <a:buNone/>
+            </a:pPr>
+            <a:r>
+              <a:rPr lang="en" dirty="0"/>
+              <a:t>What is the output of the code?</a:t>
+            </a:r>
+            <a:endParaRPr dirty="0"/>
+          </a:p>
+        </p:txBody>
+      </p:sp>
+      <p:sp>
+        <p:nvSpPr>
+          <p:cNvPr id="314" name="Google Shape;314;p24"/>
+          <p:cNvSpPr txBox="1">
+            <a:spLocks noGrp="1"/>
+          </p:cNvSpPr>
+          <p:nvPr>
+            <p:ph type="subTitle" idx="1"/>
+          </p:nvPr>
+        </p:nvSpPr>
+        <p:spPr>
+          <a:xfrm>
+            <a:off x="1038650" y="640325"/>
+            <a:ext cx="7079700" cy="444300"/>
+          </a:xfrm>
+          <a:prstGeom prst="rect">
+            <a:avLst/>
+          </a:prstGeom>
+        </p:spPr>
+        <p:txBody>
+          <a:bodyPr spcFirstLastPara="1" wrap="square" lIns="0" tIns="0" rIns="0" bIns="0" anchor="t" anchorCtr="0">
+            <a:noAutofit/>
+          </a:bodyPr>
+          <a:lstStyle/>
+          <a:p>
+            <a:pPr marL="0" indent="0"/>
+            <a:r>
+              <a:rPr lang="en-US" dirty="0">
+                <a:solidFill>
+                  <a:schemeClr val="lt1"/>
+                </a:solidFill>
+                <a:latin typeface="Bebas Neue"/>
+                <a:ea typeface="Bebas Neue"/>
+                <a:cs typeface="Bebas Neue"/>
+                <a:sym typeface="Bebas Neue"/>
+              </a:rPr>
+              <a:t>TIME TO COMPARE AND GET LOOPY </a:t>
+            </a:r>
+            <a:r>
+              <a:rPr lang="en-US" dirty="0"/>
+              <a:t>· </a:t>
+            </a:r>
+            <a:r>
+              <a:rPr lang="en-US" dirty="0">
+                <a:solidFill>
+                  <a:srgbClr val="FFC319"/>
+                </a:solidFill>
+              </a:rPr>
+              <a:t>$500</a:t>
+            </a:r>
+          </a:p>
+        </p:txBody>
+      </p:sp>
+      <p:pic>
+        <p:nvPicPr>
+          <p:cNvPr id="2" name="Picture 1">
+            <a:extLst>
+              <a:ext uri="{FF2B5EF4-FFF2-40B4-BE49-F238E27FC236}">
+                <a16:creationId xmlns:a16="http://schemas.microsoft.com/office/drawing/2014/main" id="{1811EE74-E2A4-288D-4D60-6F13EC2F1048}"/>
+              </a:ext>
+            </a:extLst>
+          </p:cNvPr>
+          <p:cNvPicPr>
+            <a:picLocks noChangeAspect="1"/>
+          </p:cNvPicPr>
+          <p:nvPr/>
+        </p:nvPicPr>
+        <p:blipFill rotWithShape="1">
+          <a:blip r:embed="rId3"/>
+          <a:srcRect l="1334" t="19258" r="2629" b="16222"/>
+          <a:stretch/>
+        </p:blipFill>
+        <p:spPr>
+          <a:xfrm>
+            <a:off x="828339" y="2355925"/>
+            <a:ext cx="7465807" cy="666974"/>
+          </a:xfrm>
+          <a:prstGeom prst="rect">
+            <a:avLst/>
+          </a:prstGeom>
+        </p:spPr>
+      </p:pic>
+      <p:sp>
+        <p:nvSpPr>
+          <p:cNvPr id="3" name="TextBox 2">
+            <a:extLst>
+              <a:ext uri="{FF2B5EF4-FFF2-40B4-BE49-F238E27FC236}">
+                <a16:creationId xmlns:a16="http://schemas.microsoft.com/office/drawing/2014/main" id="{B4CF5838-FA4F-8F66-0066-3931075797C0}"/>
+              </a:ext>
+            </a:extLst>
+          </p:cNvPr>
+          <p:cNvSpPr txBox="1"/>
+          <p:nvPr/>
+        </p:nvSpPr>
+        <p:spPr>
+          <a:xfrm>
+            <a:off x="7201113" y="4257202"/>
+            <a:ext cx="1505068" cy="307777"/>
+          </a:xfrm>
+          <a:prstGeom prst="rect">
+            <a:avLst/>
+          </a:prstGeom>
+          <a:noFill/>
+        </p:spPr>
+        <p:txBody>
+          <a:bodyPr wrap="square" rtlCol="0">
+            <a:spAutoFit/>
+          </a:bodyPr>
+          <a:lstStyle/>
+          <a:p>
+            <a:r>
+              <a:rPr lang="en-CA" dirty="0">
+                <a:hlinkClick r:id="rId4" action="ppaction://hlinksldjump"/>
+              </a:rPr>
+              <a:t>Question board</a:t>
+            </a:r>
+            <a:endParaRPr lang="en-CA" dirty="0"/>
+          </a:p>
+        </p:txBody>
+      </p:sp>
+    </p:spTree>
+  </p:cSld>
+  <p:clrMapOvr>
+    <a:masterClrMapping/>
+  </p:clrMapOvr>
+</p:sld>
+</file>
+
+<file path=ppt/slides/slide11.xml><?xml version="1.0" encoding="utf-8"?>
+<p:sld xmlns:a="http://schemas.openxmlformats.org/drawingml/2006/main" xmlns:r="http://schemas.openxmlformats.org/officeDocument/2006/relationships" xmlns:p="http://schemas.openxmlformats.org/presentationml/2006/main">
+  <p:cSld>
+    <p:spTree>
+      <p:nvGrpSpPr>
+        <p:cNvPr id="1" name="Shape 318"/>
+        <p:cNvGrpSpPr/>
+        <p:nvPr/>
+      </p:nvGrpSpPr>
+      <p:grpSpPr>
+        <a:xfrm>
+          <a:off x="0" y="0"/>
+          <a:ext cx="0" cy="0"/>
+          <a:chOff x="0" y="0"/>
+          <a:chExt cx="0" cy="0"/>
+        </a:xfrm>
+      </p:grpSpPr>
+      <p:sp>
+        <p:nvSpPr>
+          <p:cNvPr id="319" name="Google Shape;319;p25"/>
+          <p:cNvSpPr txBox="1">
+            <a:spLocks noGrp="1"/>
+          </p:cNvSpPr>
+          <p:nvPr>
+            <p:ph type="title"/>
+          </p:nvPr>
+        </p:nvSpPr>
+        <p:spPr>
+          <a:xfrm>
+            <a:off x="1023550" y="137986"/>
+            <a:ext cx="7081800" cy="3188100"/>
+          </a:xfrm>
+          <a:prstGeom prst="rect">
+            <a:avLst/>
+          </a:prstGeom>
+        </p:spPr>
+        <p:txBody>
+          <a:bodyPr spcFirstLastPara="1" wrap="square" lIns="0" tIns="0" rIns="0" bIns="0" anchor="ctr" anchorCtr="0">
+            <a:noAutofit/>
+          </a:bodyPr>
+          <a:lstStyle/>
+          <a:p>
+            <a:pPr marL="0" lvl="0" indent="0" algn="ctr" rtl="0">
+              <a:spcBef>
+                <a:spcPts val="0"/>
+              </a:spcBef>
+              <a:spcAft>
+                <a:spcPts val="0"/>
+              </a:spcAft>
+              <a:buNone/>
+            </a:pPr>
+            <a:r>
+              <a:rPr lang="en" dirty="0"/>
+              <a:t>Verbally explain what happens in the following piece of code:</a:t>
+            </a:r>
+            <a:endParaRPr dirty="0"/>
+          </a:p>
+        </p:txBody>
+      </p:sp>
+      <p:pic>
+        <p:nvPicPr>
+          <p:cNvPr id="2" name="Picture 1">
+            <a:extLst>
+              <a:ext uri="{FF2B5EF4-FFF2-40B4-BE49-F238E27FC236}">
+                <a16:creationId xmlns:a16="http://schemas.microsoft.com/office/drawing/2014/main" id="{637065F9-9194-FD28-3065-E707BB630E8F}"/>
+              </a:ext>
+            </a:extLst>
+          </p:cNvPr>
+          <p:cNvPicPr>
+            <a:picLocks noChangeAspect="1"/>
+          </p:cNvPicPr>
+          <p:nvPr/>
+        </p:nvPicPr>
+        <p:blipFill rotWithShape="1">
+          <a:blip r:embed="rId3"/>
+          <a:srcRect t="14444" r="5346" b="49200"/>
+          <a:stretch/>
+        </p:blipFill>
+        <p:spPr>
+          <a:xfrm>
+            <a:off x="868640" y="2436750"/>
+            <a:ext cx="7391619" cy="1488554"/>
+          </a:xfrm>
+          <a:prstGeom prst="rect">
+            <a:avLst/>
+          </a:prstGeom>
+        </p:spPr>
+      </p:pic>
+      <p:sp>
+        <p:nvSpPr>
+          <p:cNvPr id="5" name="Google Shape;314;p24">
+            <a:extLst>
+              <a:ext uri="{FF2B5EF4-FFF2-40B4-BE49-F238E27FC236}">
+                <a16:creationId xmlns:a16="http://schemas.microsoft.com/office/drawing/2014/main" id="{CE083041-A739-3083-9A96-F80E4A179A1C}"/>
+              </a:ext>
+            </a:extLst>
+          </p:cNvPr>
+          <p:cNvSpPr txBox="1">
+            <a:spLocks/>
+          </p:cNvSpPr>
+          <p:nvPr/>
+        </p:nvSpPr>
+        <p:spPr>
+          <a:xfrm>
+            <a:off x="1191050" y="792725"/>
+            <a:ext cx="7079700" cy="444300"/>
+          </a:xfrm>
+          <a:prstGeom prst="rect">
+            <a:avLst/>
+          </a:prstGeom>
+          <a:noFill/>
+          <a:ln>
+            <a:noFill/>
+          </a:ln>
+          <a:effectLst>
+            <a:outerShdw blurRad="14288" dist="28575" dir="2700000" algn="bl" rotWithShape="0">
+              <a:schemeClr val="dk1">
+                <a:alpha val="91000"/>
+              </a:schemeClr>
+            </a:outerShdw>
+          </a:effectLst>
+        </p:spPr>
+        <p:txBody>
+          <a:bodyPr spcFirstLastPara="1" wrap="square" lIns="0" tIns="0" rIns="0" bIns="0" anchor="t" anchorCtr="0">
+            <a:noAutofit/>
+          </a:bodyPr>
+          <a:lstStyle>
+            <a:defPPr marR="0" lvl="0" algn="l" rtl="0">
+              <a:lnSpc>
+                <a:spcPct val="100000"/>
+              </a:lnSpc>
+              <a:spcBef>
+                <a:spcPts val="0"/>
+              </a:spcBef>
+              <a:spcAft>
+                <a:spcPts val="0"/>
+              </a:spcAft>
+            </a:defPPr>
+            <a:lvl1pPr marL="457200" marR="0" lvl="0" indent="-381000" algn="ctr" rtl="0">
+              <a:lnSpc>
+                <a:spcPct val="100000"/>
+              </a:lnSpc>
+              <a:spcBef>
+                <a:spcPts val="600"/>
+              </a:spcBef>
+              <a:spcAft>
+                <a:spcPts val="0"/>
+              </a:spcAft>
+              <a:buClr>
+                <a:schemeClr val="lt1"/>
+              </a:buClr>
+              <a:buSzPts val="2400"/>
+              <a:buFont typeface="Della Respira"/>
+              <a:buNone/>
+              <a:defRPr sz="2000" b="0" i="0" u="none" strike="noStrike" cap="none">
+                <a:solidFill>
+                  <a:schemeClr val="lt1"/>
+                </a:solidFill>
+                <a:latin typeface="Bebas Neue"/>
+                <a:ea typeface="Bebas Neue"/>
+                <a:cs typeface="Bebas Neue"/>
+                <a:sym typeface="Bebas Neue"/>
+              </a:defRPr>
+            </a:lvl1pPr>
+            <a:lvl2pPr marL="914400" marR="0" lvl="1" indent="-381000" algn="l" rtl="0">
+              <a:lnSpc>
+                <a:spcPct val="100000"/>
+              </a:lnSpc>
+              <a:spcBef>
+                <a:spcPts val="600"/>
+              </a:spcBef>
+              <a:spcAft>
+                <a:spcPts val="0"/>
+              </a:spcAft>
+              <a:buClr>
+                <a:schemeClr val="lt1"/>
+              </a:buClr>
+              <a:buSzPts val="2400"/>
+              <a:buFont typeface="Della Respira"/>
+              <a:buNone/>
+              <a:defRPr sz="2000" b="1" i="0" u="none" strike="noStrike" cap="none">
+                <a:solidFill>
+                  <a:schemeClr val="lt1"/>
+                </a:solidFill>
+                <a:latin typeface="Della Respira"/>
+                <a:ea typeface="Della Respira"/>
+                <a:cs typeface="Della Respira"/>
+                <a:sym typeface="Della Respira"/>
+              </a:defRPr>
+            </a:lvl2pPr>
+            <a:lvl3pPr marL="1371600" marR="0" lvl="2" indent="-381000" algn="l" rtl="0">
+              <a:lnSpc>
+                <a:spcPct val="100000"/>
+              </a:lnSpc>
+              <a:spcBef>
+                <a:spcPts val="600"/>
+              </a:spcBef>
+              <a:spcAft>
+                <a:spcPts val="0"/>
+              </a:spcAft>
+              <a:buClr>
+                <a:schemeClr val="lt1"/>
+              </a:buClr>
+              <a:buSzPts val="2400"/>
+              <a:buFont typeface="Della Respira"/>
+              <a:buNone/>
+              <a:defRPr sz="2000" b="1" i="0" u="none" strike="noStrike" cap="none">
+                <a:solidFill>
+                  <a:schemeClr val="lt1"/>
+                </a:solidFill>
+                <a:latin typeface="Della Respira"/>
+                <a:ea typeface="Della Respira"/>
+                <a:cs typeface="Della Respira"/>
+                <a:sym typeface="Della Respira"/>
+              </a:defRPr>
+            </a:lvl3pPr>
+            <a:lvl4pPr marL="1828800" marR="0" lvl="3" indent="-381000" algn="l" rtl="0">
+              <a:lnSpc>
+                <a:spcPct val="100000"/>
+              </a:lnSpc>
+              <a:spcBef>
+                <a:spcPts val="600"/>
+              </a:spcBef>
+              <a:spcAft>
+                <a:spcPts val="0"/>
+              </a:spcAft>
+              <a:buClr>
+                <a:schemeClr val="lt1"/>
+              </a:buClr>
+              <a:buSzPts val="2400"/>
+              <a:buFont typeface="Della Respira"/>
+              <a:buNone/>
+              <a:defRPr sz="2000" b="1" i="0" u="none" strike="noStrike" cap="none">
+                <a:solidFill>
+                  <a:schemeClr val="lt1"/>
+                </a:solidFill>
+                <a:latin typeface="Della Respira"/>
+                <a:ea typeface="Della Respira"/>
+                <a:cs typeface="Della Respira"/>
+                <a:sym typeface="Della Respira"/>
+              </a:defRPr>
+            </a:lvl4pPr>
+            <a:lvl5pPr marL="2286000" marR="0" lvl="4" indent="-381000" algn="l" rtl="0">
+              <a:lnSpc>
+                <a:spcPct val="100000"/>
+              </a:lnSpc>
+              <a:spcBef>
+                <a:spcPts val="600"/>
+              </a:spcBef>
+              <a:spcAft>
+                <a:spcPts val="0"/>
+              </a:spcAft>
+              <a:buClr>
+                <a:schemeClr val="lt1"/>
+              </a:buClr>
+              <a:buSzPts val="2400"/>
+              <a:buFont typeface="Della Respira"/>
+              <a:buNone/>
+              <a:defRPr sz="2000" b="1" i="0" u="none" strike="noStrike" cap="none">
+                <a:solidFill>
+                  <a:schemeClr val="lt1"/>
+                </a:solidFill>
+                <a:latin typeface="Della Respira"/>
+                <a:ea typeface="Della Respira"/>
+                <a:cs typeface="Della Respira"/>
+                <a:sym typeface="Della Respira"/>
+              </a:defRPr>
+            </a:lvl5pPr>
+            <a:lvl6pPr marL="2743200" marR="0" lvl="5" indent="-381000" algn="l" rtl="0">
+              <a:lnSpc>
+                <a:spcPct val="100000"/>
+              </a:lnSpc>
+              <a:spcBef>
+                <a:spcPts val="600"/>
+              </a:spcBef>
+              <a:spcAft>
+                <a:spcPts val="0"/>
+              </a:spcAft>
+              <a:buClr>
+                <a:schemeClr val="lt1"/>
+              </a:buClr>
+              <a:buSzPts val="2400"/>
+              <a:buFont typeface="Della Respira"/>
+              <a:buNone/>
+              <a:defRPr sz="2000" b="1" i="0" u="none" strike="noStrike" cap="none">
+                <a:solidFill>
+                  <a:schemeClr val="lt1"/>
+                </a:solidFill>
+                <a:latin typeface="Della Respira"/>
+                <a:ea typeface="Della Respira"/>
+                <a:cs typeface="Della Respira"/>
+                <a:sym typeface="Della Respira"/>
+              </a:defRPr>
+            </a:lvl6pPr>
+            <a:lvl7pPr marL="3200400" marR="0" lvl="6" indent="-381000" algn="l" rtl="0">
+              <a:lnSpc>
+                <a:spcPct val="100000"/>
+              </a:lnSpc>
+              <a:spcBef>
+                <a:spcPts val="600"/>
+              </a:spcBef>
+              <a:spcAft>
+                <a:spcPts val="0"/>
+              </a:spcAft>
+              <a:buClr>
+                <a:schemeClr val="lt1"/>
+              </a:buClr>
+              <a:buSzPts val="2400"/>
+              <a:buFont typeface="Della Respira"/>
+              <a:buNone/>
+              <a:defRPr sz="2000" b="1" i="0" u="none" strike="noStrike" cap="none">
+                <a:solidFill>
+                  <a:schemeClr val="lt1"/>
+                </a:solidFill>
+                <a:latin typeface="Della Respira"/>
+                <a:ea typeface="Della Respira"/>
+                <a:cs typeface="Della Respira"/>
+                <a:sym typeface="Della Respira"/>
+              </a:defRPr>
+            </a:lvl7pPr>
+            <a:lvl8pPr marL="3657600" marR="0" lvl="7" indent="-381000" algn="l" rtl="0">
+              <a:lnSpc>
+                <a:spcPct val="100000"/>
+              </a:lnSpc>
+              <a:spcBef>
+                <a:spcPts val="600"/>
+              </a:spcBef>
+              <a:spcAft>
+                <a:spcPts val="0"/>
+              </a:spcAft>
+              <a:buClr>
+                <a:schemeClr val="lt1"/>
+              </a:buClr>
+              <a:buSzPts val="2400"/>
+              <a:buFont typeface="Della Respira"/>
+              <a:buNone/>
+              <a:defRPr sz="2000" b="1" i="0" u="none" strike="noStrike" cap="none">
+                <a:solidFill>
+                  <a:schemeClr val="lt1"/>
+                </a:solidFill>
+                <a:latin typeface="Della Respira"/>
+                <a:ea typeface="Della Respira"/>
+                <a:cs typeface="Della Respira"/>
+                <a:sym typeface="Della Respira"/>
+              </a:defRPr>
+            </a:lvl8pPr>
+            <a:lvl9pPr marL="4114800" marR="0" lvl="8" indent="-381000" algn="l" rtl="0">
+              <a:lnSpc>
+                <a:spcPct val="100000"/>
+              </a:lnSpc>
+              <a:spcBef>
+                <a:spcPts val="600"/>
+              </a:spcBef>
+              <a:spcAft>
+                <a:spcPts val="0"/>
+              </a:spcAft>
+              <a:buClr>
+                <a:schemeClr val="lt1"/>
+              </a:buClr>
+              <a:buSzPts val="2400"/>
+              <a:buFont typeface="Della Respira"/>
+              <a:buNone/>
+              <a:defRPr sz="2000" b="1" i="0" u="none" strike="noStrike" cap="none">
+                <a:solidFill>
+                  <a:schemeClr val="lt1"/>
+                </a:solidFill>
+                <a:latin typeface="Della Respira"/>
+                <a:ea typeface="Della Respira"/>
+                <a:cs typeface="Della Respira"/>
+                <a:sym typeface="Della Respira"/>
+              </a:defRPr>
+            </a:lvl9pPr>
+          </a:lstStyle>
+          <a:p>
+            <a:pPr marL="0" indent="0"/>
+            <a:r>
+              <a:rPr lang="en-US" dirty="0"/>
+              <a:t>TIME TO COMPARE AND GET LOOPY · </a:t>
+            </a:r>
+            <a:r>
+              <a:rPr lang="en-US" dirty="0">
+                <a:solidFill>
+                  <a:srgbClr val="FFC319"/>
+                </a:solidFill>
+              </a:rPr>
+              <a:t>$1000</a:t>
+            </a:r>
+          </a:p>
+        </p:txBody>
+      </p:sp>
+      <p:sp>
+        <p:nvSpPr>
+          <p:cNvPr id="3" name="TextBox 2">
+            <a:extLst>
+              <a:ext uri="{FF2B5EF4-FFF2-40B4-BE49-F238E27FC236}">
+                <a16:creationId xmlns:a16="http://schemas.microsoft.com/office/drawing/2014/main" id="{6E61AB81-0845-A5A0-8E3E-9658F3558E96}"/>
+              </a:ext>
+            </a:extLst>
+          </p:cNvPr>
+          <p:cNvSpPr txBox="1"/>
+          <p:nvPr/>
+        </p:nvSpPr>
+        <p:spPr>
+          <a:xfrm>
+            <a:off x="7201113" y="4257202"/>
+            <a:ext cx="1505068" cy="307777"/>
+          </a:xfrm>
+          <a:prstGeom prst="rect">
+            <a:avLst/>
+          </a:prstGeom>
+          <a:noFill/>
+        </p:spPr>
+        <p:txBody>
+          <a:bodyPr wrap="square" rtlCol="0">
+            <a:spAutoFit/>
+          </a:bodyPr>
+          <a:lstStyle/>
+          <a:p>
+            <a:r>
+              <a:rPr lang="en-CA" dirty="0">
+                <a:hlinkClick r:id="rId4" action="ppaction://hlinksldjump"/>
+              </a:rPr>
+              <a:t>Question board</a:t>
+            </a:r>
+            <a:endParaRPr lang="en-CA" dirty="0"/>
+          </a:p>
+        </p:txBody>
+      </p:sp>
+    </p:spTree>
+  </p:cSld>
+  <p:clrMapOvr>
+    <a:masterClrMapping/>
+  </p:clrMapOvr>
+</p:sld>
+</file>
+
+<file path=ppt/slides/slide12.xml><?xml version="1.0" encoding="utf-8"?>
+<p:sld xmlns:a="http://schemas.openxmlformats.org/drawingml/2006/main" xmlns:r="http://schemas.openxmlformats.org/officeDocument/2006/relationships" xmlns:p="http://schemas.openxmlformats.org/presentationml/2006/main">
+  <p:cSld>
+    <p:spTree>
+      <p:nvGrpSpPr>
         <p:cNvPr id="1" name="Shape 336"/>
         <p:cNvGrpSpPr/>
         <p:nvPr/>
@@ -20519,7 +21362,7 @@
 </p:sld>
 </file>
 
-<file path=ppt/slides/slide11.xml><?xml version="1.0" encoding="utf-8"?>
+<file path=ppt/slides/slide13.xml><?xml version="1.0" encoding="utf-8"?>
 <p:sld xmlns:a="http://schemas.openxmlformats.org/drawingml/2006/main" xmlns:r="http://schemas.openxmlformats.org/officeDocument/2006/relationships" xmlns:p="http://schemas.openxmlformats.org/presentationml/2006/main">
   <p:cSld>
     <p:spTree>
@@ -20719,7 +21562,7 @@
 </p:sld>
 </file>
 
-<file path=ppt/slides/slide12.xml><?xml version="1.0" encoding="utf-8"?>
+<file path=ppt/slides/slide14.xml><?xml version="1.0" encoding="utf-8"?>
 <p:sld xmlns:a="http://schemas.openxmlformats.org/drawingml/2006/main" xmlns:r="http://schemas.openxmlformats.org/officeDocument/2006/relationships" xmlns:p="http://schemas.openxmlformats.org/presentationml/2006/main">
   <p:cSld>
     <p:spTree>
@@ -20919,7 +21762,7 @@
 </p:sld>
 </file>
 
-<file path=ppt/slides/slide13.xml><?xml version="1.0" encoding="utf-8"?>
+<file path=ppt/slides/slide15.xml><?xml version="1.0" encoding="utf-8"?>
 <p:sld xmlns:a="http://schemas.openxmlformats.org/drawingml/2006/main" xmlns:r="http://schemas.openxmlformats.org/officeDocument/2006/relationships" xmlns:p="http://schemas.openxmlformats.org/presentationml/2006/main">
   <p:cSld>
     <p:spTree>
@@ -21112,7 +21955,7 @@
 </p:sld>
 </file>
 
-<file path=ppt/slides/slide14.xml><?xml version="1.0" encoding="utf-8"?>
+<file path=ppt/slides/slide16.xml><?xml version="1.0" encoding="utf-8"?>
 <p:sld xmlns:a="http://schemas.openxmlformats.org/drawingml/2006/main" xmlns:r="http://schemas.openxmlformats.org/officeDocument/2006/relationships" xmlns:p="http://schemas.openxmlformats.org/presentationml/2006/main">
   <p:cSld>
     <p:spTree>
@@ -21300,7 +22143,7 @@
 </p:sld>
 </file>
 
-<file path=ppt/slides/slide15.xml><?xml version="1.0" encoding="utf-8"?>
+<file path=ppt/slides/slide17.xml><?xml version="1.0" encoding="utf-8"?>
 <p:sld xmlns:a="http://schemas.openxmlformats.org/drawingml/2006/main" xmlns:r="http://schemas.openxmlformats.org/officeDocument/2006/relationships" xmlns:p="http://schemas.openxmlformats.org/presentationml/2006/main">
   <p:cSld>
     <p:spTree>
@@ -21476,7 +22319,7 @@
 </p:sld>
 </file>
 
-<file path=ppt/slides/slide16.xml><?xml version="1.0" encoding="utf-8"?>
+<file path=ppt/slides/slide18.xml><?xml version="1.0" encoding="utf-8"?>
 <p:sld xmlns:a="http://schemas.openxmlformats.org/drawingml/2006/main" xmlns:r="http://schemas.openxmlformats.org/officeDocument/2006/relationships" xmlns:p="http://schemas.openxmlformats.org/presentationml/2006/main">
   <p:cSld>
     <p:spTree>
@@ -21952,7 +22795,7 @@
 </p:sld>
 </file>
 
-<file path=ppt/slides/slide17.xml><?xml version="1.0" encoding="utf-8"?>
+<file path=ppt/slides/slide19.xml><?xml version="1.0" encoding="utf-8"?>
 <p:sld xmlns:a="http://schemas.openxmlformats.org/drawingml/2006/main" xmlns:r="http://schemas.openxmlformats.org/officeDocument/2006/relationships" xmlns:p="http://schemas.openxmlformats.org/presentationml/2006/main">
   <p:cSld>
     <p:spTree>
@@ -22128,7 +22971,172 @@
 </p:sld>
 </file>
 
-<file path=ppt/slides/slide18.xml><?xml version="1.0" encoding="utf-8"?>
+<file path=ppt/slides/slide2.xml><?xml version="1.0" encoding="utf-8"?>
+<p:sld xmlns:a="http://schemas.openxmlformats.org/drawingml/2006/main" xmlns:r="http://schemas.openxmlformats.org/officeDocument/2006/relationships" xmlns:p="http://schemas.openxmlformats.org/presentationml/2006/main">
+  <p:cSld>
+    <p:spTree>
+      <p:nvGrpSpPr>
+        <p:cNvPr id="1" name="Shape 226"/>
+        <p:cNvGrpSpPr/>
+        <p:nvPr/>
+      </p:nvGrpSpPr>
+      <p:grpSpPr>
+        <a:xfrm>
+          <a:off x="0" y="0"/>
+          <a:ext cx="0" cy="0"/>
+          <a:chOff x="0" y="0"/>
+          <a:chExt cx="0" cy="0"/>
+        </a:xfrm>
+      </p:grpSpPr>
+      <p:sp>
+        <p:nvSpPr>
+          <p:cNvPr id="227" name="Google Shape;227;p16"/>
+          <p:cNvSpPr txBox="1">
+            <a:spLocks noGrp="1"/>
+          </p:cNvSpPr>
+          <p:nvPr>
+            <p:ph type="title"/>
+          </p:nvPr>
+        </p:nvSpPr>
+        <p:spPr>
+          <a:xfrm>
+            <a:off x="1022525" y="1008050"/>
+            <a:ext cx="7098900" cy="357900"/>
+          </a:xfrm>
+          <a:prstGeom prst="rect">
+            <a:avLst/>
+          </a:prstGeom>
+        </p:spPr>
+        <p:txBody>
+          <a:bodyPr spcFirstLastPara="1" wrap="square" lIns="0" tIns="0" rIns="0" bIns="0" anchor="b" anchorCtr="0">
+            <a:noAutofit/>
+          </a:bodyPr>
+          <a:lstStyle/>
+          <a:p>
+            <a:pPr marL="0" lvl="0" indent="0" algn="l" rtl="0">
+              <a:spcBef>
+                <a:spcPts val="0"/>
+              </a:spcBef>
+              <a:spcAft>
+                <a:spcPts val="0"/>
+              </a:spcAft>
+              <a:buNone/>
+            </a:pPr>
+            <a:r>
+              <a:rPr lang="en" dirty="0"/>
+              <a:t>Rules of the GAME</a:t>
+            </a:r>
+            <a:endParaRPr dirty="0"/>
+          </a:p>
+        </p:txBody>
+      </p:sp>
+      <p:sp>
+        <p:nvSpPr>
+          <p:cNvPr id="229" name="Google Shape;229;p16"/>
+          <p:cNvSpPr txBox="1">
+            <a:spLocks noGrp="1"/>
+          </p:cNvSpPr>
+          <p:nvPr>
+            <p:ph type="body" idx="1"/>
+          </p:nvPr>
+        </p:nvSpPr>
+        <p:spPr>
+          <a:xfrm>
+            <a:off x="1022537" y="1475825"/>
+            <a:ext cx="7380058" cy="2689800"/>
+          </a:xfrm>
+          <a:prstGeom prst="rect">
+            <a:avLst/>
+          </a:prstGeom>
+        </p:spPr>
+        <p:txBody>
+          <a:bodyPr spcFirstLastPara="1" wrap="square" lIns="0" tIns="0" rIns="0" bIns="0" anchor="t" anchorCtr="0">
+            <a:noAutofit/>
+          </a:bodyPr>
+          <a:lstStyle/>
+          <a:p>
+            <a:r>
+              <a:rPr lang="en-CA" sz="1600" dirty="0"/>
+              <a:t>Must use button on the table to answer question verbally and explain your answer – you will be called on to answer by one of the instructors</a:t>
+            </a:r>
+          </a:p>
+          <a:p>
+            <a:r>
+              <a:rPr lang="en-CA" sz="1600" dirty="0"/>
+              <a:t>Must tell us which discipline you’re in before you answer for points (we’ll rely on the honour system) </a:t>
+            </a:r>
+          </a:p>
+          <a:p>
+            <a:r>
+              <a:rPr lang="en-CA" sz="1600" dirty="0"/>
+              <a:t>If you get the answer right, you pick the next category</a:t>
+            </a:r>
+          </a:p>
+          <a:p>
+            <a:r>
+              <a:rPr lang="en-CA" sz="1600" dirty="0"/>
+              <a:t>If you get the answer wrong, the next person whose hand is up can steal </a:t>
+            </a:r>
+          </a:p>
+          <a:p>
+            <a:r>
+              <a:rPr lang="en-CA" sz="1600" dirty="0"/>
+              <a:t>Everyone is here to learn and review for the midterm so be kind to everyone who answers!</a:t>
+            </a:r>
+          </a:p>
+        </p:txBody>
+      </p:sp>
+      <p:sp>
+        <p:nvSpPr>
+          <p:cNvPr id="231" name="Google Shape;231;p16"/>
+          <p:cNvSpPr txBox="1">
+            <a:spLocks noGrp="1"/>
+          </p:cNvSpPr>
+          <p:nvPr>
+            <p:ph type="sldNum" idx="12"/>
+          </p:nvPr>
+        </p:nvSpPr>
+        <p:spPr>
+          <a:xfrm>
+            <a:off x="4297650" y="4749851"/>
+            <a:ext cx="548700" cy="393600"/>
+          </a:xfrm>
+          <a:prstGeom prst="rect">
+            <a:avLst/>
+          </a:prstGeom>
+        </p:spPr>
+        <p:txBody>
+          <a:bodyPr spcFirstLastPara="1" wrap="square" lIns="0" tIns="0" rIns="0" bIns="0" anchor="ctr" anchorCtr="0">
+            <a:noAutofit/>
+          </a:bodyPr>
+          <a:lstStyle/>
+          <a:p>
+            <a:pPr marL="0" lvl="0" indent="0" algn="ctr" rtl="0">
+              <a:spcBef>
+                <a:spcPts val="0"/>
+              </a:spcBef>
+              <a:spcAft>
+                <a:spcPts val="0"/>
+              </a:spcAft>
+              <a:buNone/>
+            </a:pPr>
+            <a:fld id="{00000000-1234-1234-1234-123412341234}" type="slidenum">
+              <a:rPr lang="en"/>
+              <a:t>2</a:t>
+            </a:fld>
+            <a:endParaRPr/>
+          </a:p>
+        </p:txBody>
+      </p:sp>
+    </p:spTree>
+  </p:cSld>
+  <p:clrMapOvr>
+    <a:masterClrMapping/>
+  </p:clrMapOvr>
+</p:sld>
+</file>
+
+<file path=ppt/slides/slide20.xml><?xml version="1.0" encoding="utf-8"?>
 <p:sld xmlns:a="http://schemas.openxmlformats.org/drawingml/2006/main" xmlns:r="http://schemas.openxmlformats.org/officeDocument/2006/relationships" xmlns:p="http://schemas.openxmlformats.org/presentationml/2006/main">
   <p:cSld>
     <p:spTree>
@@ -22530,7 +23538,7 @@
 </p:sld>
 </file>
 
-<file path=ppt/slides/slide19.xml><?xml version="1.0" encoding="utf-8"?>
+<file path=ppt/slides/slide21.xml><?xml version="1.0" encoding="utf-8"?>
 <p:sld xmlns:a="http://schemas.openxmlformats.org/drawingml/2006/main" xmlns:r="http://schemas.openxmlformats.org/officeDocument/2006/relationships" xmlns:p="http://schemas.openxmlformats.org/presentationml/2006/main">
   <p:cSld>
     <p:spTree>
@@ -22681,172 +23689,7 @@
 </p:sld>
 </file>
 
-<file path=ppt/slides/slide2.xml><?xml version="1.0" encoding="utf-8"?>
-<p:sld xmlns:a="http://schemas.openxmlformats.org/drawingml/2006/main" xmlns:r="http://schemas.openxmlformats.org/officeDocument/2006/relationships" xmlns:p="http://schemas.openxmlformats.org/presentationml/2006/main">
-  <p:cSld>
-    <p:spTree>
-      <p:nvGrpSpPr>
-        <p:cNvPr id="1" name="Shape 226"/>
-        <p:cNvGrpSpPr/>
-        <p:nvPr/>
-      </p:nvGrpSpPr>
-      <p:grpSpPr>
-        <a:xfrm>
-          <a:off x="0" y="0"/>
-          <a:ext cx="0" cy="0"/>
-          <a:chOff x="0" y="0"/>
-          <a:chExt cx="0" cy="0"/>
-        </a:xfrm>
-      </p:grpSpPr>
-      <p:sp>
-        <p:nvSpPr>
-          <p:cNvPr id="227" name="Google Shape;227;p16"/>
-          <p:cNvSpPr txBox="1">
-            <a:spLocks noGrp="1"/>
-          </p:cNvSpPr>
-          <p:nvPr>
-            <p:ph type="title"/>
-          </p:nvPr>
-        </p:nvSpPr>
-        <p:spPr>
-          <a:xfrm>
-            <a:off x="1022525" y="1008050"/>
-            <a:ext cx="7098900" cy="357900"/>
-          </a:xfrm>
-          <a:prstGeom prst="rect">
-            <a:avLst/>
-          </a:prstGeom>
-        </p:spPr>
-        <p:txBody>
-          <a:bodyPr spcFirstLastPara="1" wrap="square" lIns="0" tIns="0" rIns="0" bIns="0" anchor="b" anchorCtr="0">
-            <a:noAutofit/>
-          </a:bodyPr>
-          <a:lstStyle/>
-          <a:p>
-            <a:pPr marL="0" lvl="0" indent="0" algn="l" rtl="0">
-              <a:spcBef>
-                <a:spcPts val="0"/>
-              </a:spcBef>
-              <a:spcAft>
-                <a:spcPts val="0"/>
-              </a:spcAft>
-              <a:buNone/>
-            </a:pPr>
-            <a:r>
-              <a:rPr lang="en" dirty="0"/>
-              <a:t>Rules of the GAME</a:t>
-            </a:r>
-            <a:endParaRPr dirty="0"/>
-          </a:p>
-        </p:txBody>
-      </p:sp>
-      <p:sp>
-        <p:nvSpPr>
-          <p:cNvPr id="229" name="Google Shape;229;p16"/>
-          <p:cNvSpPr txBox="1">
-            <a:spLocks noGrp="1"/>
-          </p:cNvSpPr>
-          <p:nvPr>
-            <p:ph type="body" idx="1"/>
-          </p:nvPr>
-        </p:nvSpPr>
-        <p:spPr>
-          <a:xfrm>
-            <a:off x="1022537" y="1475825"/>
-            <a:ext cx="7380058" cy="2689800"/>
-          </a:xfrm>
-          <a:prstGeom prst="rect">
-            <a:avLst/>
-          </a:prstGeom>
-        </p:spPr>
-        <p:txBody>
-          <a:bodyPr spcFirstLastPara="1" wrap="square" lIns="0" tIns="0" rIns="0" bIns="0" anchor="t" anchorCtr="0">
-            <a:noAutofit/>
-          </a:bodyPr>
-          <a:lstStyle/>
-          <a:p>
-            <a:r>
-              <a:rPr lang="en-CA" sz="1600" dirty="0"/>
-              <a:t>Must use button on the table to answer question verbally and explain your answer – you will be called on to answer by one of the instructors</a:t>
-            </a:r>
-          </a:p>
-          <a:p>
-            <a:r>
-              <a:rPr lang="en-CA" sz="1600" dirty="0"/>
-              <a:t>Must tell us which discipline you’re in before you answer for points (we’ll rely on the honour system) </a:t>
-            </a:r>
-          </a:p>
-          <a:p>
-            <a:r>
-              <a:rPr lang="en-CA" sz="1600" dirty="0"/>
-              <a:t>If you get the answer right, you pick the next category</a:t>
-            </a:r>
-          </a:p>
-          <a:p>
-            <a:r>
-              <a:rPr lang="en-CA" sz="1600" dirty="0"/>
-              <a:t>If you get the answer wrong, the next person whose hand is up can steal </a:t>
-            </a:r>
-          </a:p>
-          <a:p>
-            <a:r>
-              <a:rPr lang="en-CA" sz="1600" dirty="0"/>
-              <a:t>Everyone is here to learn and review for the midterm so be kind to everyone who answers!</a:t>
-            </a:r>
-          </a:p>
-        </p:txBody>
-      </p:sp>
-      <p:sp>
-        <p:nvSpPr>
-          <p:cNvPr id="231" name="Google Shape;231;p16"/>
-          <p:cNvSpPr txBox="1">
-            <a:spLocks noGrp="1"/>
-          </p:cNvSpPr>
-          <p:nvPr>
-            <p:ph type="sldNum" idx="12"/>
-          </p:nvPr>
-        </p:nvSpPr>
-        <p:spPr>
-          <a:xfrm>
-            <a:off x="4297650" y="4749851"/>
-            <a:ext cx="548700" cy="393600"/>
-          </a:xfrm>
-          <a:prstGeom prst="rect">
-            <a:avLst/>
-          </a:prstGeom>
-        </p:spPr>
-        <p:txBody>
-          <a:bodyPr spcFirstLastPara="1" wrap="square" lIns="0" tIns="0" rIns="0" bIns="0" anchor="ctr" anchorCtr="0">
-            <a:noAutofit/>
-          </a:bodyPr>
-          <a:lstStyle/>
-          <a:p>
-            <a:pPr marL="0" lvl="0" indent="0" algn="ctr" rtl="0">
-              <a:spcBef>
-                <a:spcPts val="0"/>
-              </a:spcBef>
-              <a:spcAft>
-                <a:spcPts val="0"/>
-              </a:spcAft>
-              <a:buNone/>
-            </a:pPr>
-            <a:fld id="{00000000-1234-1234-1234-123412341234}" type="slidenum">
-              <a:rPr lang="en"/>
-              <a:t>2</a:t>
-            </a:fld>
-            <a:endParaRPr/>
-          </a:p>
-        </p:txBody>
-      </p:sp>
-    </p:spTree>
-  </p:cSld>
-  <p:clrMapOvr>
-    <a:masterClrMapping/>
-  </p:clrMapOvr>
-</p:sld>
-</file>
-
-<file path=ppt/slides/slide20.xml><?xml version="1.0" encoding="utf-8"?>
+<file path=ppt/slides/slide22.xml><?xml version="1.0" encoding="utf-8"?>
 <p:sld xmlns:a="http://schemas.openxmlformats.org/drawingml/2006/main" xmlns:r="http://schemas.openxmlformats.org/officeDocument/2006/relationships" xmlns:p="http://schemas.openxmlformats.org/presentationml/2006/main">
   <p:cSld>
     <p:spTree>
@@ -23005,7 +23848,7 @@
 </p:sld>
 </file>
 
-<file path=ppt/slides/slide21.xml><?xml version="1.0" encoding="utf-8"?>
+<file path=ppt/slides/slide23.xml><?xml version="1.0" encoding="utf-8"?>
 <p:sld xmlns:a="http://schemas.openxmlformats.org/drawingml/2006/main" xmlns:r="http://schemas.openxmlformats.org/officeDocument/2006/relationships" xmlns:p="http://schemas.openxmlformats.org/presentationml/2006/main">
   <p:cSld>
     <p:spTree>
@@ -23205,7 +24048,7 @@
 </p:sld>
 </file>
 
-<file path=ppt/slides/slide22.xml><?xml version="1.0" encoding="utf-8"?>
+<file path=ppt/slides/slide24.xml><?xml version="1.0" encoding="utf-8"?>
 <p:sld xmlns:a="http://schemas.openxmlformats.org/drawingml/2006/main" xmlns:r="http://schemas.openxmlformats.org/officeDocument/2006/relationships" xmlns:p="http://schemas.openxmlformats.org/presentationml/2006/main">
   <p:cSld>
     <p:spTree>
@@ -23634,7 +24477,7 @@
 </p:sld>
 </file>
 
-<file path=ppt/slides/slide23.xml><?xml version="1.0" encoding="utf-8"?>
+<file path=ppt/slides/slide25.xml><?xml version="1.0" encoding="utf-8"?>
 <p:sld xmlns:a="http://schemas.openxmlformats.org/drawingml/2006/main" xmlns:r="http://schemas.openxmlformats.org/officeDocument/2006/relationships" xmlns:p="http://schemas.openxmlformats.org/presentationml/2006/main">
   <p:cSld>
     <p:spTree>
@@ -23732,7 +24575,7 @@
 </p:sld>
 </file>
 
-<file path=ppt/slides/slide24.xml><?xml version="1.0" encoding="utf-8"?>
+<file path=ppt/slides/slide26.xml><?xml version="1.0" encoding="utf-8"?>
 <p:sld xmlns:a="http://schemas.openxmlformats.org/drawingml/2006/main" xmlns:r="http://schemas.openxmlformats.org/officeDocument/2006/relationships" xmlns:p="http://schemas.openxmlformats.org/presentationml/2006/main">
   <p:cSld>
     <p:spTree>
@@ -23958,7 +24801,7 @@
                 <a:cs typeface="Bebas Neue"/>
                 <a:sym typeface="Bebas Neue"/>
               </a:rPr>
-              <a:t>“HELLO WORLD”</a:t>
+              <a:t>Things and strings</a:t>
             </a:r>
             <a:endParaRPr dirty="0">
               <a:solidFill>
@@ -24023,7 +24866,7 @@
                 <a:cs typeface="Bebas Neue"/>
                 <a:sym typeface="Bebas Neue"/>
               </a:rPr>
-              <a:t>TIME TO COMPARE AND GET LOOPY</a:t>
+              <a:t>For a while there…</a:t>
             </a:r>
             <a:endParaRPr dirty="0">
               <a:solidFill>
@@ -24088,7 +24931,7 @@
                 <a:cs typeface="Bebas Neue"/>
                 <a:sym typeface="Bebas Neue"/>
               </a:rPr>
-              <a:t>To AND OR NOT to AND</a:t>
+              <a:t>Fantastic containers and where to find them</a:t>
             </a:r>
             <a:endParaRPr dirty="0">
               <a:solidFill>
@@ -24153,7 +24996,30 @@
                 <a:cs typeface="Bebas Neue"/>
                 <a:sym typeface="Bebas Neue"/>
               </a:rPr>
-              <a:t>GET FUNC-Y WITH IT</a:t>
+              <a:t>Check your </a:t>
+            </a:r>
+          </a:p>
+          <a:p>
+            <a:pPr marL="0" lvl="0" indent="0" algn="ctr" rtl="0">
+              <a:spcBef>
+                <a:spcPts val="0"/>
+              </a:spcBef>
+              <a:spcAft>
+                <a:spcPts val="0"/>
+              </a:spcAft>
+              <a:buNone/>
+            </a:pPr>
+            <a:r>
+              <a:rPr lang="en" dirty="0">
+                <a:solidFill>
+                  <a:schemeClr val="lt1"/>
+                </a:solidFill>
+                <a:latin typeface="Bebas Neue"/>
+                <a:ea typeface="Bebas Neue"/>
+                <a:cs typeface="Bebas Neue"/>
+                <a:sym typeface="Bebas Neue"/>
+              </a:rPr>
+              <a:t>Method-ology</a:t>
             </a:r>
             <a:endParaRPr dirty="0">
               <a:solidFill>
@@ -24209,6 +25075,18 @@
               <a:buNone/>
             </a:pPr>
             <a:r>
+              <a:rPr lang="en-CA" dirty="0">
+                <a:solidFill>
+                  <a:schemeClr val="lt1"/>
+                </a:solidFill>
+                <a:latin typeface="Bebas Neue"/>
+                <a:ea typeface="Bebas Neue"/>
+                <a:cs typeface="Bebas Neue"/>
+                <a:sym typeface="Bebas Neue"/>
+              </a:rPr>
+              <a:t>A</a:t>
+            </a:r>
+            <a:r>
               <a:rPr lang="en" dirty="0">
                 <a:solidFill>
                   <a:schemeClr val="lt1"/>
@@ -24218,7 +25096,7 @@
                 <a:cs typeface="Bebas Neue"/>
                 <a:sym typeface="Bebas Neue"/>
               </a:rPr>
-              <a:t>ERR-ING ON THE SIDE OF CAUTION</a:t>
+              <a:t>ll things index</a:t>
             </a:r>
             <a:endParaRPr dirty="0">
               <a:solidFill>
@@ -26791,6 +27669,299 @@
       </p:grpSpPr>
       <p:sp>
         <p:nvSpPr>
+          <p:cNvPr id="4" name="Google Shape;283;p19">
+            <a:extLst>
+              <a:ext uri="{FF2B5EF4-FFF2-40B4-BE49-F238E27FC236}">
+                <a16:creationId xmlns:a16="http://schemas.microsoft.com/office/drawing/2014/main" id="{D88927EF-5F19-BC73-2E1E-70D345E4F0A8}"/>
+              </a:ext>
+            </a:extLst>
+          </p:cNvPr>
+          <p:cNvSpPr txBox="1">
+            <a:spLocks/>
+          </p:cNvSpPr>
+          <p:nvPr/>
+        </p:nvSpPr>
+        <p:spPr>
+          <a:xfrm>
+            <a:off x="1023550" y="-254947"/>
+            <a:ext cx="7081800" cy="3188100"/>
+          </a:xfrm>
+          <a:prstGeom prst="rect">
+            <a:avLst/>
+          </a:prstGeom>
+          <a:noFill/>
+          <a:ln>
+            <a:noFill/>
+          </a:ln>
+          <a:effectLst>
+            <a:outerShdw blurRad="28575" dist="38100" dir="2700000" algn="bl" rotWithShape="0">
+              <a:schemeClr val="dk1">
+                <a:alpha val="91000"/>
+              </a:schemeClr>
+            </a:outerShdw>
+          </a:effectLst>
+        </p:spPr>
+        <p:txBody>
+          <a:bodyPr spcFirstLastPara="1" wrap="square" lIns="0" tIns="0" rIns="0" bIns="0" anchor="ctr" anchorCtr="0">
+            <a:noAutofit/>
+          </a:bodyPr>
+          <a:lstStyle>
+            <a:defPPr marR="0" lvl="0" algn="l" rtl="0">
+              <a:lnSpc>
+                <a:spcPct val="100000"/>
+              </a:lnSpc>
+              <a:spcBef>
+                <a:spcPts val="0"/>
+              </a:spcBef>
+              <a:spcAft>
+                <a:spcPts val="0"/>
+              </a:spcAft>
+            </a:defPPr>
+            <a:lvl1pPr marR="0" lvl="0" algn="ctr" rtl="0">
+              <a:lnSpc>
+                <a:spcPct val="115000"/>
+              </a:lnSpc>
+              <a:spcBef>
+                <a:spcPts val="0"/>
+              </a:spcBef>
+              <a:spcAft>
+                <a:spcPts val="0"/>
+              </a:spcAft>
+              <a:buClr>
+                <a:schemeClr val="lt1"/>
+              </a:buClr>
+              <a:buSzPts val="3400"/>
+              <a:buFont typeface="Della Respira"/>
+              <a:buNone/>
+              <a:defRPr sz="3400" b="1" i="0" u="none" strike="noStrike" cap="none">
+                <a:solidFill>
+                  <a:schemeClr val="lt1"/>
+                </a:solidFill>
+                <a:latin typeface="Della Respira"/>
+                <a:ea typeface="Della Respira"/>
+                <a:cs typeface="Della Respira"/>
+                <a:sym typeface="Della Respira"/>
+              </a:defRPr>
+            </a:lvl1pPr>
+            <a:lvl2pPr marR="0" lvl="1" algn="ctr" rtl="0">
+              <a:lnSpc>
+                <a:spcPct val="115000"/>
+              </a:lnSpc>
+              <a:spcBef>
+                <a:spcPts val="0"/>
+              </a:spcBef>
+              <a:spcAft>
+                <a:spcPts val="0"/>
+              </a:spcAft>
+              <a:buClr>
+                <a:schemeClr val="lt1"/>
+              </a:buClr>
+              <a:buSzPts val="3400"/>
+              <a:buFont typeface="Della Respira"/>
+              <a:buNone/>
+              <a:defRPr sz="3400" b="1" i="0" u="none" strike="noStrike" cap="none">
+                <a:solidFill>
+                  <a:schemeClr val="lt1"/>
+                </a:solidFill>
+                <a:latin typeface="Della Respira"/>
+                <a:ea typeface="Della Respira"/>
+                <a:cs typeface="Della Respira"/>
+                <a:sym typeface="Della Respira"/>
+              </a:defRPr>
+            </a:lvl2pPr>
+            <a:lvl3pPr marR="0" lvl="2" algn="ctr" rtl="0">
+              <a:lnSpc>
+                <a:spcPct val="115000"/>
+              </a:lnSpc>
+              <a:spcBef>
+                <a:spcPts val="0"/>
+              </a:spcBef>
+              <a:spcAft>
+                <a:spcPts val="0"/>
+              </a:spcAft>
+              <a:buClr>
+                <a:schemeClr val="lt1"/>
+              </a:buClr>
+              <a:buSzPts val="3400"/>
+              <a:buFont typeface="Della Respira"/>
+              <a:buNone/>
+              <a:defRPr sz="3400" b="1" i="0" u="none" strike="noStrike" cap="none">
+                <a:solidFill>
+                  <a:schemeClr val="lt1"/>
+                </a:solidFill>
+                <a:latin typeface="Della Respira"/>
+                <a:ea typeface="Della Respira"/>
+                <a:cs typeface="Della Respira"/>
+                <a:sym typeface="Della Respira"/>
+              </a:defRPr>
+            </a:lvl3pPr>
+            <a:lvl4pPr marR="0" lvl="3" algn="ctr" rtl="0">
+              <a:lnSpc>
+                <a:spcPct val="115000"/>
+              </a:lnSpc>
+              <a:spcBef>
+                <a:spcPts val="0"/>
+              </a:spcBef>
+              <a:spcAft>
+                <a:spcPts val="0"/>
+              </a:spcAft>
+              <a:buClr>
+                <a:schemeClr val="lt1"/>
+              </a:buClr>
+              <a:buSzPts val="3400"/>
+              <a:buFont typeface="Della Respira"/>
+              <a:buNone/>
+              <a:defRPr sz="3400" b="1" i="0" u="none" strike="noStrike" cap="none">
+                <a:solidFill>
+                  <a:schemeClr val="lt1"/>
+                </a:solidFill>
+                <a:latin typeface="Della Respira"/>
+                <a:ea typeface="Della Respira"/>
+                <a:cs typeface="Della Respira"/>
+                <a:sym typeface="Della Respira"/>
+              </a:defRPr>
+            </a:lvl4pPr>
+            <a:lvl5pPr marR="0" lvl="4" algn="ctr" rtl="0">
+              <a:lnSpc>
+                <a:spcPct val="115000"/>
+              </a:lnSpc>
+              <a:spcBef>
+                <a:spcPts val="0"/>
+              </a:spcBef>
+              <a:spcAft>
+                <a:spcPts val="0"/>
+              </a:spcAft>
+              <a:buClr>
+                <a:schemeClr val="lt1"/>
+              </a:buClr>
+              <a:buSzPts val="3400"/>
+              <a:buFont typeface="Della Respira"/>
+              <a:buNone/>
+              <a:defRPr sz="3400" b="1" i="0" u="none" strike="noStrike" cap="none">
+                <a:solidFill>
+                  <a:schemeClr val="lt1"/>
+                </a:solidFill>
+                <a:latin typeface="Della Respira"/>
+                <a:ea typeface="Della Respira"/>
+                <a:cs typeface="Della Respira"/>
+                <a:sym typeface="Della Respira"/>
+              </a:defRPr>
+            </a:lvl5pPr>
+            <a:lvl6pPr marR="0" lvl="5" algn="ctr" rtl="0">
+              <a:lnSpc>
+                <a:spcPct val="115000"/>
+              </a:lnSpc>
+              <a:spcBef>
+                <a:spcPts val="0"/>
+              </a:spcBef>
+              <a:spcAft>
+                <a:spcPts val="0"/>
+              </a:spcAft>
+              <a:buClr>
+                <a:schemeClr val="lt1"/>
+              </a:buClr>
+              <a:buSzPts val="3400"/>
+              <a:buFont typeface="Della Respira"/>
+              <a:buNone/>
+              <a:defRPr sz="3400" b="1" i="0" u="none" strike="noStrike" cap="none">
+                <a:solidFill>
+                  <a:schemeClr val="lt1"/>
+                </a:solidFill>
+                <a:latin typeface="Della Respira"/>
+                <a:ea typeface="Della Respira"/>
+                <a:cs typeface="Della Respira"/>
+                <a:sym typeface="Della Respira"/>
+              </a:defRPr>
+            </a:lvl6pPr>
+            <a:lvl7pPr marR="0" lvl="6" algn="ctr" rtl="0">
+              <a:lnSpc>
+                <a:spcPct val="115000"/>
+              </a:lnSpc>
+              <a:spcBef>
+                <a:spcPts val="0"/>
+              </a:spcBef>
+              <a:spcAft>
+                <a:spcPts val="0"/>
+              </a:spcAft>
+              <a:buClr>
+                <a:schemeClr val="lt1"/>
+              </a:buClr>
+              <a:buSzPts val="3400"/>
+              <a:buFont typeface="Della Respira"/>
+              <a:buNone/>
+              <a:defRPr sz="3400" b="1" i="0" u="none" strike="noStrike" cap="none">
+                <a:solidFill>
+                  <a:schemeClr val="lt1"/>
+                </a:solidFill>
+                <a:latin typeface="Della Respira"/>
+                <a:ea typeface="Della Respira"/>
+                <a:cs typeface="Della Respira"/>
+                <a:sym typeface="Della Respira"/>
+              </a:defRPr>
+            </a:lvl7pPr>
+            <a:lvl8pPr marR="0" lvl="7" algn="ctr" rtl="0">
+              <a:lnSpc>
+                <a:spcPct val="115000"/>
+              </a:lnSpc>
+              <a:spcBef>
+                <a:spcPts val="0"/>
+              </a:spcBef>
+              <a:spcAft>
+                <a:spcPts val="0"/>
+              </a:spcAft>
+              <a:buClr>
+                <a:schemeClr val="lt1"/>
+              </a:buClr>
+              <a:buSzPts val="3400"/>
+              <a:buFont typeface="Della Respira"/>
+              <a:buNone/>
+              <a:defRPr sz="3400" b="1" i="0" u="none" strike="noStrike" cap="none">
+                <a:solidFill>
+                  <a:schemeClr val="lt1"/>
+                </a:solidFill>
+                <a:latin typeface="Della Respira"/>
+                <a:ea typeface="Della Respira"/>
+                <a:cs typeface="Della Respira"/>
+                <a:sym typeface="Della Respira"/>
+              </a:defRPr>
+            </a:lvl8pPr>
+            <a:lvl9pPr marR="0" lvl="8" algn="ctr" rtl="0">
+              <a:lnSpc>
+                <a:spcPct val="115000"/>
+              </a:lnSpc>
+              <a:spcBef>
+                <a:spcPts val="0"/>
+              </a:spcBef>
+              <a:spcAft>
+                <a:spcPts val="0"/>
+              </a:spcAft>
+              <a:buClr>
+                <a:schemeClr val="lt1"/>
+              </a:buClr>
+              <a:buSzPts val="3400"/>
+              <a:buFont typeface="Della Respira"/>
+              <a:buNone/>
+              <a:defRPr sz="3400" b="1" i="0" u="none" strike="noStrike" cap="none">
+                <a:solidFill>
+                  <a:schemeClr val="lt1"/>
+                </a:solidFill>
+                <a:latin typeface="Della Respira"/>
+                <a:ea typeface="Della Respira"/>
+                <a:cs typeface="Della Respira"/>
+                <a:sym typeface="Della Respira"/>
+              </a:defRPr>
+            </a:lvl9pPr>
+          </a:lstStyle>
+          <a:p>
+            <a:r>
+              <a:rPr lang="en-CA" dirty="0"/>
+              <a:t>What is the output?</a:t>
+            </a:r>
+          </a:p>
+        </p:txBody>
+      </p:sp>
+      <p:sp>
+        <p:nvSpPr>
           <p:cNvPr id="278" name="Google Shape;278;p18"/>
           <p:cNvSpPr txBox="1">
             <a:spLocks noGrp="1"/>
@@ -26825,7 +27996,7 @@
                 <a:cs typeface="Bebas Neue"/>
                 <a:sym typeface="Bebas Neue"/>
               </a:rPr>
-              <a:t>“HELLO WORLD”</a:t>
+              <a:t>things and strings</a:t>
             </a:r>
             <a:r>
               <a:rPr lang="en-CA" dirty="0"/>
@@ -26842,6 +28013,99 @@
           </a:p>
         </p:txBody>
       </p:sp>
+      <p:sp>
+        <p:nvSpPr>
+          <p:cNvPr id="2" name="TextBox 1">
+            <a:extLst>
+              <a:ext uri="{FF2B5EF4-FFF2-40B4-BE49-F238E27FC236}">
+                <a16:creationId xmlns:a16="http://schemas.microsoft.com/office/drawing/2014/main" id="{E2B94619-D591-5D3F-C263-E79B6F987C9A}"/>
+              </a:ext>
+            </a:extLst>
+          </p:cNvPr>
+          <p:cNvSpPr txBox="1"/>
+          <p:nvPr/>
+        </p:nvSpPr>
+        <p:spPr>
+          <a:xfrm>
+            <a:off x="7201113" y="4257202"/>
+            <a:ext cx="1505068" cy="307777"/>
+          </a:xfrm>
+          <a:prstGeom prst="rect">
+            <a:avLst/>
+          </a:prstGeom>
+          <a:noFill/>
+        </p:spPr>
+        <p:txBody>
+          <a:bodyPr wrap="square" rtlCol="0">
+            <a:spAutoFit/>
+          </a:bodyPr>
+          <a:lstStyle/>
+          <a:p>
+            <a:r>
+              <a:rPr lang="en-CA" dirty="0">
+                <a:hlinkClick r:id="rId3" action="ppaction://hlinksldjump"/>
+              </a:rPr>
+              <a:t>Question board</a:t>
+            </a:r>
+            <a:endParaRPr lang="en-CA" dirty="0"/>
+          </a:p>
+        </p:txBody>
+      </p:sp>
+      <p:pic>
+        <p:nvPicPr>
+          <p:cNvPr id="3" name="Picture 2">
+            <a:extLst>
+              <a:ext uri="{FF2B5EF4-FFF2-40B4-BE49-F238E27FC236}">
+                <a16:creationId xmlns:a16="http://schemas.microsoft.com/office/drawing/2014/main" id="{21017000-0CAF-05D5-B515-AE13498CA144}"/>
+              </a:ext>
+            </a:extLst>
+          </p:cNvPr>
+          <p:cNvPicPr>
+            <a:picLocks noChangeAspect="1"/>
+          </p:cNvPicPr>
+          <p:nvPr/>
+        </p:nvPicPr>
+        <p:blipFill>
+          <a:blip r:embed="rId4"/>
+          <a:stretch>
+            <a:fillRect/>
+          </a:stretch>
+        </p:blipFill>
+        <p:spPr>
+          <a:xfrm>
+            <a:off x="1086877" y="1923270"/>
+            <a:ext cx="6955146" cy="1176390"/>
+          </a:xfrm>
+          <a:prstGeom prst="rect">
+            <a:avLst/>
+          </a:prstGeom>
+        </p:spPr>
+      </p:pic>
+    </p:spTree>
+  </p:cSld>
+  <p:clrMapOvr>
+    <a:masterClrMapping/>
+  </p:clrMapOvr>
+</p:sld>
+</file>
+
+<file path=ppt/slides/slide5.xml><?xml version="1.0" encoding="utf-8"?>
+<p:sld xmlns:a="http://schemas.openxmlformats.org/drawingml/2006/main" xmlns:r="http://schemas.openxmlformats.org/officeDocument/2006/relationships" xmlns:p="http://schemas.openxmlformats.org/presentationml/2006/main">
+  <p:cSld>
+    <p:spTree>
+      <p:nvGrpSpPr>
+        <p:cNvPr id="1" name="Shape 276"/>
+        <p:cNvGrpSpPr/>
+        <p:nvPr/>
+      </p:nvGrpSpPr>
+      <p:grpSpPr>
+        <a:xfrm>
+          <a:off x="0" y="0"/>
+          <a:ext cx="0" cy="0"/>
+          <a:chOff x="0" y="0"/>
+          <a:chExt cx="0" cy="0"/>
+        </a:xfrm>
+      </p:grpSpPr>
       <p:sp>
         <p:nvSpPr>
           <p:cNvPr id="4" name="Google Shape;283;p19">
@@ -27129,42 +28393,65 @@
           </a:lstStyle>
           <a:p>
             <a:r>
-              <a:rPr lang="en-CA"/>
+              <a:rPr lang="en-CA" dirty="0"/>
               <a:t>What is the output?</a:t>
             </a:r>
-            <a:endParaRPr lang="en-CA" dirty="0"/>
           </a:p>
         </p:txBody>
       </p:sp>
-      <p:pic>
-        <p:nvPicPr>
-          <p:cNvPr id="5" name="Picture 4">
-            <a:extLst>
-              <a:ext uri="{FF2B5EF4-FFF2-40B4-BE49-F238E27FC236}">
-                <a16:creationId xmlns:a16="http://schemas.microsoft.com/office/drawing/2014/main" id="{F7625C7F-43A8-4AC7-90FE-8498F427690C}"/>
-              </a:ext>
-            </a:extLst>
-          </p:cNvPr>
-          <p:cNvPicPr>
-            <a:picLocks noChangeAspect="1"/>
-          </p:cNvPicPr>
-          <p:nvPr/>
-        </p:nvPicPr>
-        <p:blipFill rotWithShape="1">
-          <a:blip r:embed="rId3"/>
-          <a:srcRect l="2308" t="20936" r="64785" b="6988"/>
-          <a:stretch/>
-        </p:blipFill>
+      <p:sp>
+        <p:nvSpPr>
+          <p:cNvPr id="278" name="Google Shape;278;p18"/>
+          <p:cNvSpPr txBox="1">
+            <a:spLocks noGrp="1"/>
+          </p:cNvSpPr>
+          <p:nvPr>
+            <p:ph type="subTitle" idx="1"/>
+          </p:nvPr>
+        </p:nvSpPr>
         <p:spPr>
           <a:xfrm>
-            <a:off x="3248809" y="1691960"/>
-            <a:ext cx="2850777" cy="2482385"/>
+            <a:off x="1038650" y="640325"/>
+            <a:ext cx="7079700" cy="444300"/>
           </a:xfrm>
           <a:prstGeom prst="rect">
             <a:avLst/>
           </a:prstGeom>
         </p:spPr>
-      </p:pic>
+        <p:txBody>
+          <a:bodyPr spcFirstLastPara="1" wrap="square" lIns="0" tIns="0" rIns="0" bIns="0" anchor="t" anchorCtr="0">
+            <a:noAutofit/>
+          </a:bodyPr>
+          <a:lstStyle/>
+          <a:p>
+            <a:pPr marL="0" indent="0"/>
+            <a:r>
+              <a:rPr lang="en-CA" dirty="0">
+                <a:solidFill>
+                  <a:schemeClr val="lt1"/>
+                </a:solidFill>
+                <a:latin typeface="Bebas Neue"/>
+                <a:ea typeface="Bebas Neue"/>
+                <a:cs typeface="Bebas Neue"/>
+                <a:sym typeface="Bebas Neue"/>
+              </a:rPr>
+              <a:t>things and strings</a:t>
+            </a:r>
+            <a:r>
+              <a:rPr lang="en-CA" dirty="0"/>
+              <a:t> · </a:t>
+            </a:r>
+            <a:r>
+              <a:rPr lang="en-CA" dirty="0">
+                <a:solidFill>
+                  <a:srgbClr val="FFC319"/>
+                </a:solidFill>
+              </a:rPr>
+              <a:t>$250</a:t>
+            </a:r>
+          </a:p>
+        </p:txBody>
+      </p:sp>
       <p:sp>
         <p:nvSpPr>
           <p:cNvPr id="2" name="TextBox 1">
@@ -27195,7 +28482,7 @@
           <a:p>
             <a:r>
               <a:rPr lang="en-CA" dirty="0">
-                <a:hlinkClick r:id="rId4" action="ppaction://hlinksldjump"/>
+                <a:hlinkClick r:id="rId3" action="ppaction://hlinksldjump"/>
               </a:rPr>
               <a:t>Question board</a:t>
             </a:r>
@@ -27203,7 +28490,71 @@
           </a:p>
         </p:txBody>
       </p:sp>
+      <p:pic>
+        <p:nvPicPr>
+          <p:cNvPr id="3" name="Picture 2">
+            <a:extLst>
+              <a:ext uri="{FF2B5EF4-FFF2-40B4-BE49-F238E27FC236}">
+                <a16:creationId xmlns:a16="http://schemas.microsoft.com/office/drawing/2014/main" id="{21017000-0CAF-05D5-B515-AE13498CA144}"/>
+              </a:ext>
+            </a:extLst>
+          </p:cNvPr>
+          <p:cNvPicPr>
+            <a:picLocks noChangeAspect="1"/>
+          </p:cNvPicPr>
+          <p:nvPr/>
+        </p:nvPicPr>
+        <p:blipFill>
+          <a:blip r:embed="rId4"/>
+          <a:stretch>
+            <a:fillRect/>
+          </a:stretch>
+        </p:blipFill>
+        <p:spPr>
+          <a:xfrm>
+            <a:off x="1023550" y="1654756"/>
+            <a:ext cx="6955146" cy="1176390"/>
+          </a:xfrm>
+          <a:prstGeom prst="rect">
+            <a:avLst/>
+          </a:prstGeom>
+        </p:spPr>
+      </p:pic>
+      <p:pic>
+        <p:nvPicPr>
+          <p:cNvPr id="5" name="Picture 4">
+            <a:extLst>
+              <a:ext uri="{FF2B5EF4-FFF2-40B4-BE49-F238E27FC236}">
+                <a16:creationId xmlns:a16="http://schemas.microsoft.com/office/drawing/2014/main" id="{C134C38E-C56A-7F79-E0AF-88A6B6AE228F}"/>
+              </a:ext>
+            </a:extLst>
+          </p:cNvPr>
+          <p:cNvPicPr>
+            <a:picLocks noChangeAspect="1"/>
+          </p:cNvPicPr>
+          <p:nvPr/>
+        </p:nvPicPr>
+        <p:blipFill rotWithShape="1">
+          <a:blip r:embed="rId5"/>
+          <a:srcRect l="4412"/>
+          <a:stretch/>
+        </p:blipFill>
+        <p:spPr>
+          <a:xfrm>
+            <a:off x="1023550" y="2925215"/>
+            <a:ext cx="6116020" cy="1312101"/>
+          </a:xfrm>
+          <a:prstGeom prst="rect">
+            <a:avLst/>
+          </a:prstGeom>
+        </p:spPr>
+      </p:pic>
     </p:spTree>
+    <p:extLst>
+      <p:ext uri="{BB962C8B-B14F-4D97-AF65-F5344CB8AC3E}">
+        <p14:creationId xmlns:p14="http://schemas.microsoft.com/office/powerpoint/2010/main" val="2748646108"/>
+      </p:ext>
+    </p:extLst>
   </p:cSld>
   <p:clrMapOvr>
     <a:masterClrMapping/>
@@ -27211,7 +28562,7 @@
 </p:sld>
 </file>
 
-<file path=ppt/slides/slide5.xml><?xml version="1.0" encoding="utf-8"?>
+<file path=ppt/slides/slide6.xml><?xml version="1.0" encoding="utf-8"?>
 <p:sld xmlns:a="http://schemas.openxmlformats.org/drawingml/2006/main" xmlns:r="http://schemas.openxmlformats.org/officeDocument/2006/relationships" xmlns:p="http://schemas.openxmlformats.org/presentationml/2006/main">
   <p:cSld>
     <p:spTree>
@@ -27297,20 +28648,8 @@
           <a:p>
             <a:pPr marL="0" indent="0"/>
             <a:r>
-              <a:rPr lang="en-CA" dirty="0">
-                <a:solidFill>
-                  <a:schemeClr val="lt1"/>
-                </a:solidFill>
-                <a:latin typeface="Bebas Neue"/>
-                <a:ea typeface="Bebas Neue"/>
-                <a:cs typeface="Bebas Neue"/>
-                <a:sym typeface="Bebas Neue"/>
-              </a:rPr>
-              <a:t>“HELLO WORLD”</a:t>
-            </a:r>
-            <a:r>
               <a:rPr lang="en-CA" dirty="0"/>
-              <a:t> · </a:t>
+              <a:t>Things and strings · </a:t>
             </a:r>
             <a:r>
               <a:rPr lang="en-CA" dirty="0">
@@ -27323,35 +28662,6 @@
           </a:p>
         </p:txBody>
       </p:sp>
-      <p:pic>
-        <p:nvPicPr>
-          <p:cNvPr id="4" name="Picture 3">
-            <a:extLst>
-              <a:ext uri="{FF2B5EF4-FFF2-40B4-BE49-F238E27FC236}">
-                <a16:creationId xmlns:a16="http://schemas.microsoft.com/office/drawing/2014/main" id="{B05EB8EA-0483-CC71-1820-88B61F26B7A0}"/>
-              </a:ext>
-            </a:extLst>
-          </p:cNvPr>
-          <p:cNvPicPr>
-            <a:picLocks noChangeAspect="1"/>
-          </p:cNvPicPr>
-          <p:nvPr/>
-        </p:nvPicPr>
-        <p:blipFill rotWithShape="1">
-          <a:blip r:embed="rId3"/>
-          <a:srcRect l="6374" t="26472" b="7853"/>
-          <a:stretch/>
-        </p:blipFill>
-        <p:spPr>
-          <a:xfrm>
-            <a:off x="1162259" y="1972142"/>
-            <a:ext cx="6832482" cy="1381141"/>
-          </a:xfrm>
-          <a:prstGeom prst="rect">
-            <a:avLst/>
-          </a:prstGeom>
-        </p:spPr>
-      </p:pic>
       <p:sp>
         <p:nvSpPr>
           <p:cNvPr id="2" name="TextBox 1">
@@ -27382,7 +28692,7 @@
           <a:p>
             <a:r>
               <a:rPr lang="en-CA" dirty="0">
-                <a:hlinkClick r:id="rId4" action="ppaction://hlinksldjump"/>
+                <a:hlinkClick r:id="rId3" action="ppaction://hlinksldjump"/>
               </a:rPr>
               <a:t>Question board</a:t>
             </a:r>
@@ -27390,6 +28700,36 @@
           </a:p>
         </p:txBody>
       </p:sp>
+      <p:pic>
+        <p:nvPicPr>
+          <p:cNvPr id="3" name="Picture 2">
+            <a:extLst>
+              <a:ext uri="{FF2B5EF4-FFF2-40B4-BE49-F238E27FC236}">
+                <a16:creationId xmlns:a16="http://schemas.microsoft.com/office/drawing/2014/main" id="{65FCD888-8588-F68B-0447-6B13CA44E706}"/>
+              </a:ext>
+            </a:extLst>
+          </p:cNvPr>
+          <p:cNvPicPr>
+            <a:picLocks noChangeAspect="1"/>
+          </p:cNvPicPr>
+          <p:nvPr/>
+        </p:nvPicPr>
+        <p:blipFill>
+          <a:blip r:embed="rId4"/>
+          <a:stretch>
+            <a:fillRect/>
+          </a:stretch>
+        </p:blipFill>
+        <p:spPr>
+          <a:xfrm>
+            <a:off x="1189258" y="1904135"/>
+            <a:ext cx="6750383" cy="1533556"/>
+          </a:xfrm>
+          <a:prstGeom prst="rect">
+            <a:avLst/>
+          </a:prstGeom>
+        </p:spPr>
+      </p:pic>
     </p:spTree>
   </p:cSld>
   <p:clrMapOvr>
@@ -27398,7 +28738,188 @@
 </p:sld>
 </file>
 
-<file path=ppt/slides/slide6.xml><?xml version="1.0" encoding="utf-8"?>
+<file path=ppt/slides/slide7.xml><?xml version="1.0" encoding="utf-8"?>
+<p:sld xmlns:a="http://schemas.openxmlformats.org/drawingml/2006/main" xmlns:r="http://schemas.openxmlformats.org/officeDocument/2006/relationships" xmlns:p="http://schemas.openxmlformats.org/presentationml/2006/main">
+  <p:cSld>
+    <p:spTree>
+      <p:nvGrpSpPr>
+        <p:cNvPr id="1" name="Shape 282"/>
+        <p:cNvGrpSpPr/>
+        <p:nvPr/>
+      </p:nvGrpSpPr>
+      <p:grpSpPr>
+        <a:xfrm>
+          <a:off x="0" y="0"/>
+          <a:ext cx="0" cy="0"/>
+          <a:chOff x="0" y="0"/>
+          <a:chExt cx="0" cy="0"/>
+        </a:xfrm>
+      </p:grpSpPr>
+      <p:sp>
+        <p:nvSpPr>
+          <p:cNvPr id="283" name="Google Shape;283;p19"/>
+          <p:cNvSpPr txBox="1">
+            <a:spLocks noGrp="1"/>
+          </p:cNvSpPr>
+          <p:nvPr>
+            <p:ph type="title"/>
+          </p:nvPr>
+        </p:nvSpPr>
+        <p:spPr>
+          <a:xfrm>
+            <a:off x="1023550" y="-254947"/>
+            <a:ext cx="7081800" cy="3188100"/>
+          </a:xfrm>
+          <a:prstGeom prst="rect">
+            <a:avLst/>
+          </a:prstGeom>
+        </p:spPr>
+        <p:txBody>
+          <a:bodyPr spcFirstLastPara="1" wrap="square" lIns="0" tIns="0" rIns="0" bIns="0" anchor="ctr" anchorCtr="0">
+            <a:noAutofit/>
+          </a:bodyPr>
+          <a:lstStyle/>
+          <a:p>
+            <a:pPr marL="0" lvl="0" indent="0" algn="ctr" rtl="0">
+              <a:spcBef>
+                <a:spcPts val="0"/>
+              </a:spcBef>
+              <a:spcAft>
+                <a:spcPts val="0"/>
+              </a:spcAft>
+              <a:buNone/>
+            </a:pPr>
+            <a:r>
+              <a:rPr lang="en-CA" dirty="0"/>
+              <a:t>What is the output?</a:t>
+            </a:r>
+            <a:endParaRPr dirty="0"/>
+          </a:p>
+        </p:txBody>
+      </p:sp>
+      <p:sp>
+        <p:nvSpPr>
+          <p:cNvPr id="284" name="Google Shape;284;p19"/>
+          <p:cNvSpPr txBox="1">
+            <a:spLocks noGrp="1"/>
+          </p:cNvSpPr>
+          <p:nvPr>
+            <p:ph type="subTitle" idx="1"/>
+          </p:nvPr>
+        </p:nvSpPr>
+        <p:spPr>
+          <a:xfrm>
+            <a:off x="1038650" y="640325"/>
+            <a:ext cx="7079700" cy="444300"/>
+          </a:xfrm>
+          <a:prstGeom prst="rect">
+            <a:avLst/>
+          </a:prstGeom>
+        </p:spPr>
+        <p:txBody>
+          <a:bodyPr spcFirstLastPara="1" wrap="square" lIns="0" tIns="0" rIns="0" bIns="0" anchor="t" anchorCtr="0">
+            <a:noAutofit/>
+          </a:bodyPr>
+          <a:lstStyle/>
+          <a:p>
+            <a:pPr marL="0" indent="0"/>
+            <a:r>
+              <a:rPr lang="en-CA" dirty="0"/>
+              <a:t>Things and strings · </a:t>
+            </a:r>
+            <a:r>
+              <a:rPr lang="en-CA" dirty="0">
+                <a:solidFill>
+                  <a:srgbClr val="FFC319"/>
+                </a:solidFill>
+              </a:rPr>
+              <a:t>$500</a:t>
+            </a:r>
+          </a:p>
+        </p:txBody>
+      </p:sp>
+      <p:sp>
+        <p:nvSpPr>
+          <p:cNvPr id="2" name="TextBox 1">
+            <a:extLst>
+              <a:ext uri="{FF2B5EF4-FFF2-40B4-BE49-F238E27FC236}">
+                <a16:creationId xmlns:a16="http://schemas.microsoft.com/office/drawing/2014/main" id="{A03FFA0C-FB07-6319-AA9D-F430A880DB78}"/>
+              </a:ext>
+            </a:extLst>
+          </p:cNvPr>
+          <p:cNvSpPr txBox="1"/>
+          <p:nvPr/>
+        </p:nvSpPr>
+        <p:spPr>
+          <a:xfrm>
+            <a:off x="7201113" y="4257202"/>
+            <a:ext cx="1505068" cy="307777"/>
+          </a:xfrm>
+          <a:prstGeom prst="rect">
+            <a:avLst/>
+          </a:prstGeom>
+          <a:noFill/>
+        </p:spPr>
+        <p:txBody>
+          <a:bodyPr wrap="square" rtlCol="0">
+            <a:spAutoFit/>
+          </a:bodyPr>
+          <a:lstStyle/>
+          <a:p>
+            <a:r>
+              <a:rPr lang="en-CA" dirty="0">
+                <a:hlinkClick r:id="rId3" action="ppaction://hlinksldjump"/>
+              </a:rPr>
+              <a:t>Question board</a:t>
+            </a:r>
+            <a:endParaRPr lang="en-CA" dirty="0"/>
+          </a:p>
+        </p:txBody>
+      </p:sp>
+      <p:pic>
+        <p:nvPicPr>
+          <p:cNvPr id="4" name="Picture 3">
+            <a:extLst>
+              <a:ext uri="{FF2B5EF4-FFF2-40B4-BE49-F238E27FC236}">
+                <a16:creationId xmlns:a16="http://schemas.microsoft.com/office/drawing/2014/main" id="{EAA54A23-D575-EE66-0E04-54DCE6D9D856}"/>
+              </a:ext>
+            </a:extLst>
+          </p:cNvPr>
+          <p:cNvPicPr>
+            <a:picLocks noChangeAspect="1"/>
+          </p:cNvPicPr>
+          <p:nvPr/>
+        </p:nvPicPr>
+        <p:blipFill>
+          <a:blip r:embed="rId4"/>
+          <a:stretch>
+            <a:fillRect/>
+          </a:stretch>
+        </p:blipFill>
+        <p:spPr>
+          <a:xfrm>
+            <a:off x="1161665" y="1882913"/>
+            <a:ext cx="6296481" cy="1506173"/>
+          </a:xfrm>
+          <a:prstGeom prst="rect">
+            <a:avLst/>
+          </a:prstGeom>
+        </p:spPr>
+      </p:pic>
+    </p:spTree>
+    <p:extLst>
+      <p:ext uri="{BB962C8B-B14F-4D97-AF65-F5344CB8AC3E}">
+        <p14:creationId xmlns:p14="http://schemas.microsoft.com/office/powerpoint/2010/main" val="721364684"/>
+      </p:ext>
+    </p:extLst>
+  </p:cSld>
+  <p:clrMapOvr>
+    <a:masterClrMapping/>
+  </p:clrMapOvr>
+</p:sld>
+</file>
+
+<file path=ppt/slides/slide8.xml><?xml version="1.0" encoding="utf-8"?>
 <p:sld xmlns:a="http://schemas.openxmlformats.org/drawingml/2006/main" xmlns:r="http://schemas.openxmlformats.org/officeDocument/2006/relationships" xmlns:p="http://schemas.openxmlformats.org/presentationml/2006/main">
   <p:cSld>
     <p:spTree>
@@ -27427,8 +28948,8 @@
         </p:nvSpPr>
         <p:spPr>
           <a:xfrm>
-            <a:off x="1032075" y="966325"/>
-            <a:ext cx="7081800" cy="3188100"/>
+            <a:off x="362857" y="268193"/>
+            <a:ext cx="8343324" cy="3188100"/>
           </a:xfrm>
           <a:prstGeom prst="rect">
             <a:avLst/>
@@ -27450,13 +28971,10 @@
               <a:buNone/>
             </a:pPr>
             <a:r>
-              <a:rPr lang="en" dirty="0"/>
-              <a:t>Verbally describe the function call with syntax that would product this output using a print() statement:</a:t>
+              <a:rPr lang="en" sz="2800" dirty="0"/>
+              <a:t>Provide the print statement that will give this output</a:t>
             </a:r>
-            <a:br>
-              <a:rPr lang="en" dirty="0"/>
-            </a:br>
-            <a:endParaRPr dirty="0"/>
+            <a:endParaRPr sz="2800" dirty="0"/>
           </a:p>
         </p:txBody>
       </p:sp>
@@ -27487,20 +29005,8 @@
           <a:p>
             <a:pPr marL="0" indent="0"/>
             <a:r>
-              <a:rPr lang="en-CA" dirty="0">
-                <a:solidFill>
-                  <a:schemeClr val="lt1"/>
-                </a:solidFill>
-                <a:latin typeface="Bebas Neue"/>
-                <a:ea typeface="Bebas Neue"/>
-                <a:cs typeface="Bebas Neue"/>
-                <a:sym typeface="Bebas Neue"/>
-              </a:rPr>
-              <a:t>“HELLO WORLD”</a:t>
-            </a:r>
-            <a:r>
               <a:rPr lang="en-CA" dirty="0"/>
-              <a:t> · </a:t>
+              <a:t>Things and strings · </a:t>
             </a:r>
             <a:r>
               <a:rPr lang="en-CA" dirty="0">
@@ -27513,35 +29019,6 @@
           </a:p>
         </p:txBody>
       </p:sp>
-      <p:pic>
-        <p:nvPicPr>
-          <p:cNvPr id="2" name="Picture 1" descr="Graphical user interface, text, application&#10;&#10;Description automatically generated">
-            <a:extLst>
-              <a:ext uri="{FF2B5EF4-FFF2-40B4-BE49-F238E27FC236}">
-                <a16:creationId xmlns:a16="http://schemas.microsoft.com/office/drawing/2014/main" id="{5D9DD25A-272E-37D2-CC5F-E13C5234610E}"/>
-              </a:ext>
-            </a:extLst>
-          </p:cNvPr>
-          <p:cNvPicPr>
-            <a:picLocks noChangeAspect="1"/>
-          </p:cNvPicPr>
-          <p:nvPr/>
-        </p:nvPicPr>
-        <p:blipFill rotWithShape="1">
-          <a:blip r:embed="rId3"/>
-          <a:srcRect t="26455" b="59365"/>
-          <a:stretch/>
-        </p:blipFill>
-        <p:spPr>
-          <a:xfrm>
-            <a:off x="1868448" y="3281257"/>
-            <a:ext cx="5960097" cy="729343"/>
-          </a:xfrm>
-          <a:prstGeom prst="rect">
-            <a:avLst/>
-          </a:prstGeom>
-        </p:spPr>
-      </p:pic>
       <p:sp>
         <p:nvSpPr>
           <p:cNvPr id="3" name="TextBox 2">
@@ -27572,11 +29049,363 @@
           <a:p>
             <a:r>
               <a:rPr lang="en-CA" dirty="0">
-                <a:hlinkClick r:id="rId4" action="ppaction://hlinksldjump"/>
+                <a:hlinkClick r:id="rId3" action="ppaction://hlinksldjump"/>
               </a:rPr>
               <a:t>Question board</a:t>
             </a:r>
             <a:endParaRPr lang="en-CA" dirty="0"/>
+          </a:p>
+        </p:txBody>
+      </p:sp>
+      <p:pic>
+        <p:nvPicPr>
+          <p:cNvPr id="4" name="Picture 3">
+            <a:extLst>
+              <a:ext uri="{FF2B5EF4-FFF2-40B4-BE49-F238E27FC236}">
+                <a16:creationId xmlns:a16="http://schemas.microsoft.com/office/drawing/2014/main" id="{9CFBEA36-B539-0D63-D310-EDAB6BE57C8E}"/>
+              </a:ext>
+            </a:extLst>
+          </p:cNvPr>
+          <p:cNvPicPr>
+            <a:picLocks noChangeAspect="1"/>
+          </p:cNvPicPr>
+          <p:nvPr/>
+        </p:nvPicPr>
+        <p:blipFill>
+          <a:blip r:embed="rId4"/>
+          <a:stretch>
+            <a:fillRect/>
+          </a:stretch>
+        </p:blipFill>
+        <p:spPr>
+          <a:xfrm>
+            <a:off x="2799556" y="2153866"/>
+            <a:ext cx="3675637" cy="1068015"/>
+          </a:xfrm>
+          <a:prstGeom prst="rect">
+            <a:avLst/>
+          </a:prstGeom>
+        </p:spPr>
+      </p:pic>
+      <p:pic>
+        <p:nvPicPr>
+          <p:cNvPr id="5" name="Picture 4">
+            <a:extLst>
+              <a:ext uri="{FF2B5EF4-FFF2-40B4-BE49-F238E27FC236}">
+                <a16:creationId xmlns:a16="http://schemas.microsoft.com/office/drawing/2014/main" id="{98C312C7-6601-A869-FC05-BE78CA32B3BF}"/>
+              </a:ext>
+            </a:extLst>
+          </p:cNvPr>
+          <p:cNvPicPr>
+            <a:picLocks noChangeAspect="1"/>
+          </p:cNvPicPr>
+          <p:nvPr/>
+        </p:nvPicPr>
+        <p:blipFill rotWithShape="1">
+          <a:blip r:embed="rId5"/>
+          <a:srcRect b="8890"/>
+          <a:stretch/>
+        </p:blipFill>
+        <p:spPr>
+          <a:xfrm>
+            <a:off x="2791043" y="3264155"/>
+            <a:ext cx="3675637" cy="1000304"/>
+          </a:xfrm>
+          <a:prstGeom prst="rect">
+            <a:avLst/>
+          </a:prstGeom>
+        </p:spPr>
+      </p:pic>
+      <p:sp>
+        <p:nvSpPr>
+          <p:cNvPr id="7" name="Google Shape;289;p20">
+            <a:extLst>
+              <a:ext uri="{FF2B5EF4-FFF2-40B4-BE49-F238E27FC236}">
+                <a16:creationId xmlns:a16="http://schemas.microsoft.com/office/drawing/2014/main" id="{CB6515C0-547E-14FD-5DFD-521743E7502B}"/>
+              </a:ext>
+            </a:extLst>
+          </p:cNvPr>
+          <p:cNvSpPr txBox="1">
+            <a:spLocks/>
+          </p:cNvSpPr>
+          <p:nvPr/>
+        </p:nvSpPr>
+        <p:spPr>
+          <a:xfrm>
+            <a:off x="1380457" y="3029522"/>
+            <a:ext cx="1313543" cy="734785"/>
+          </a:xfrm>
+          <a:prstGeom prst="rect">
+            <a:avLst/>
+          </a:prstGeom>
+          <a:noFill/>
+          <a:ln>
+            <a:noFill/>
+          </a:ln>
+          <a:effectLst>
+            <a:outerShdw blurRad="28575" dist="38100" dir="2700000" algn="bl" rotWithShape="0">
+              <a:schemeClr val="dk1">
+                <a:alpha val="91000"/>
+              </a:schemeClr>
+            </a:outerShdw>
+          </a:effectLst>
+        </p:spPr>
+        <p:txBody>
+          <a:bodyPr spcFirstLastPara="1" wrap="square" lIns="0" tIns="0" rIns="0" bIns="0" anchor="ctr" anchorCtr="0">
+            <a:noAutofit/>
+          </a:bodyPr>
+          <a:lstStyle>
+            <a:defPPr marR="0" lvl="0" algn="l" rtl="0">
+              <a:lnSpc>
+                <a:spcPct val="100000"/>
+              </a:lnSpc>
+              <a:spcBef>
+                <a:spcPts val="0"/>
+              </a:spcBef>
+              <a:spcAft>
+                <a:spcPts val="0"/>
+              </a:spcAft>
+            </a:defPPr>
+            <a:lvl1pPr marR="0" lvl="0" algn="ctr" rtl="0">
+              <a:lnSpc>
+                <a:spcPct val="115000"/>
+              </a:lnSpc>
+              <a:spcBef>
+                <a:spcPts val="0"/>
+              </a:spcBef>
+              <a:spcAft>
+                <a:spcPts val="0"/>
+              </a:spcAft>
+              <a:buClr>
+                <a:schemeClr val="lt1"/>
+              </a:buClr>
+              <a:buSzPts val="3400"/>
+              <a:buFont typeface="Della Respira"/>
+              <a:buNone/>
+              <a:defRPr sz="3400" b="1" i="0" u="none" strike="noStrike" cap="none">
+                <a:solidFill>
+                  <a:schemeClr val="lt1"/>
+                </a:solidFill>
+                <a:latin typeface="Della Respira"/>
+                <a:ea typeface="Della Respira"/>
+                <a:cs typeface="Della Respira"/>
+                <a:sym typeface="Della Respira"/>
+              </a:defRPr>
+            </a:lvl1pPr>
+            <a:lvl2pPr marR="0" lvl="1" algn="ctr" rtl="0">
+              <a:lnSpc>
+                <a:spcPct val="115000"/>
+              </a:lnSpc>
+              <a:spcBef>
+                <a:spcPts val="0"/>
+              </a:spcBef>
+              <a:spcAft>
+                <a:spcPts val="0"/>
+              </a:spcAft>
+              <a:buClr>
+                <a:schemeClr val="lt1"/>
+              </a:buClr>
+              <a:buSzPts val="3400"/>
+              <a:buFont typeface="Della Respira"/>
+              <a:buNone/>
+              <a:defRPr sz="3400" b="1" i="0" u="none" strike="noStrike" cap="none">
+                <a:solidFill>
+                  <a:schemeClr val="lt1"/>
+                </a:solidFill>
+                <a:latin typeface="Della Respira"/>
+                <a:ea typeface="Della Respira"/>
+                <a:cs typeface="Della Respira"/>
+                <a:sym typeface="Della Respira"/>
+              </a:defRPr>
+            </a:lvl2pPr>
+            <a:lvl3pPr marR="0" lvl="2" algn="ctr" rtl="0">
+              <a:lnSpc>
+                <a:spcPct val="115000"/>
+              </a:lnSpc>
+              <a:spcBef>
+                <a:spcPts val="0"/>
+              </a:spcBef>
+              <a:spcAft>
+                <a:spcPts val="0"/>
+              </a:spcAft>
+              <a:buClr>
+                <a:schemeClr val="lt1"/>
+              </a:buClr>
+              <a:buSzPts val="3400"/>
+              <a:buFont typeface="Della Respira"/>
+              <a:buNone/>
+              <a:defRPr sz="3400" b="1" i="0" u="none" strike="noStrike" cap="none">
+                <a:solidFill>
+                  <a:schemeClr val="lt1"/>
+                </a:solidFill>
+                <a:latin typeface="Della Respira"/>
+                <a:ea typeface="Della Respira"/>
+                <a:cs typeface="Della Respira"/>
+                <a:sym typeface="Della Respira"/>
+              </a:defRPr>
+            </a:lvl3pPr>
+            <a:lvl4pPr marR="0" lvl="3" algn="ctr" rtl="0">
+              <a:lnSpc>
+                <a:spcPct val="115000"/>
+              </a:lnSpc>
+              <a:spcBef>
+                <a:spcPts val="0"/>
+              </a:spcBef>
+              <a:spcAft>
+                <a:spcPts val="0"/>
+              </a:spcAft>
+              <a:buClr>
+                <a:schemeClr val="lt1"/>
+              </a:buClr>
+              <a:buSzPts val="3400"/>
+              <a:buFont typeface="Della Respira"/>
+              <a:buNone/>
+              <a:defRPr sz="3400" b="1" i="0" u="none" strike="noStrike" cap="none">
+                <a:solidFill>
+                  <a:schemeClr val="lt1"/>
+                </a:solidFill>
+                <a:latin typeface="Della Respira"/>
+                <a:ea typeface="Della Respira"/>
+                <a:cs typeface="Della Respira"/>
+                <a:sym typeface="Della Respira"/>
+              </a:defRPr>
+            </a:lvl4pPr>
+            <a:lvl5pPr marR="0" lvl="4" algn="ctr" rtl="0">
+              <a:lnSpc>
+                <a:spcPct val="115000"/>
+              </a:lnSpc>
+              <a:spcBef>
+                <a:spcPts val="0"/>
+              </a:spcBef>
+              <a:spcAft>
+                <a:spcPts val="0"/>
+              </a:spcAft>
+              <a:buClr>
+                <a:schemeClr val="lt1"/>
+              </a:buClr>
+              <a:buSzPts val="3400"/>
+              <a:buFont typeface="Della Respira"/>
+              <a:buNone/>
+              <a:defRPr sz="3400" b="1" i="0" u="none" strike="noStrike" cap="none">
+                <a:solidFill>
+                  <a:schemeClr val="lt1"/>
+                </a:solidFill>
+                <a:latin typeface="Della Respira"/>
+                <a:ea typeface="Della Respira"/>
+                <a:cs typeface="Della Respira"/>
+                <a:sym typeface="Della Respira"/>
+              </a:defRPr>
+            </a:lvl5pPr>
+            <a:lvl6pPr marR="0" lvl="5" algn="ctr" rtl="0">
+              <a:lnSpc>
+                <a:spcPct val="115000"/>
+              </a:lnSpc>
+              <a:spcBef>
+                <a:spcPts val="0"/>
+              </a:spcBef>
+              <a:spcAft>
+                <a:spcPts val="0"/>
+              </a:spcAft>
+              <a:buClr>
+                <a:schemeClr val="lt1"/>
+              </a:buClr>
+              <a:buSzPts val="3400"/>
+              <a:buFont typeface="Della Respira"/>
+              <a:buNone/>
+              <a:defRPr sz="3400" b="1" i="0" u="none" strike="noStrike" cap="none">
+                <a:solidFill>
+                  <a:schemeClr val="lt1"/>
+                </a:solidFill>
+                <a:latin typeface="Della Respira"/>
+                <a:ea typeface="Della Respira"/>
+                <a:cs typeface="Della Respira"/>
+                <a:sym typeface="Della Respira"/>
+              </a:defRPr>
+            </a:lvl6pPr>
+            <a:lvl7pPr marR="0" lvl="6" algn="ctr" rtl="0">
+              <a:lnSpc>
+                <a:spcPct val="115000"/>
+              </a:lnSpc>
+              <a:spcBef>
+                <a:spcPts val="0"/>
+              </a:spcBef>
+              <a:spcAft>
+                <a:spcPts val="0"/>
+              </a:spcAft>
+              <a:buClr>
+                <a:schemeClr val="lt1"/>
+              </a:buClr>
+              <a:buSzPts val="3400"/>
+              <a:buFont typeface="Della Respira"/>
+              <a:buNone/>
+              <a:defRPr sz="3400" b="1" i="0" u="none" strike="noStrike" cap="none">
+                <a:solidFill>
+                  <a:schemeClr val="lt1"/>
+                </a:solidFill>
+                <a:latin typeface="Della Respira"/>
+                <a:ea typeface="Della Respira"/>
+                <a:cs typeface="Della Respira"/>
+                <a:sym typeface="Della Respira"/>
+              </a:defRPr>
+            </a:lvl7pPr>
+            <a:lvl8pPr marR="0" lvl="7" algn="ctr" rtl="0">
+              <a:lnSpc>
+                <a:spcPct val="115000"/>
+              </a:lnSpc>
+              <a:spcBef>
+                <a:spcPts val="0"/>
+              </a:spcBef>
+              <a:spcAft>
+                <a:spcPts val="0"/>
+              </a:spcAft>
+              <a:buClr>
+                <a:schemeClr val="lt1"/>
+              </a:buClr>
+              <a:buSzPts val="3400"/>
+              <a:buFont typeface="Della Respira"/>
+              <a:buNone/>
+              <a:defRPr sz="3400" b="1" i="0" u="none" strike="noStrike" cap="none">
+                <a:solidFill>
+                  <a:schemeClr val="lt1"/>
+                </a:solidFill>
+                <a:latin typeface="Della Respira"/>
+                <a:ea typeface="Della Respira"/>
+                <a:cs typeface="Della Respira"/>
+                <a:sym typeface="Della Respira"/>
+              </a:defRPr>
+            </a:lvl8pPr>
+            <a:lvl9pPr marR="0" lvl="8" algn="ctr" rtl="0">
+              <a:lnSpc>
+                <a:spcPct val="115000"/>
+              </a:lnSpc>
+              <a:spcBef>
+                <a:spcPts val="0"/>
+              </a:spcBef>
+              <a:spcAft>
+                <a:spcPts val="0"/>
+              </a:spcAft>
+              <a:buClr>
+                <a:schemeClr val="lt1"/>
+              </a:buClr>
+              <a:buSzPts val="3400"/>
+              <a:buFont typeface="Della Respira"/>
+              <a:buNone/>
+              <a:defRPr sz="3400" b="1" i="0" u="none" strike="noStrike" cap="none">
+                <a:solidFill>
+                  <a:schemeClr val="lt1"/>
+                </a:solidFill>
+                <a:latin typeface="Della Respira"/>
+                <a:ea typeface="Della Respira"/>
+                <a:cs typeface="Della Respira"/>
+                <a:sym typeface="Della Respira"/>
+              </a:defRPr>
+            </a:lvl9pPr>
+          </a:lstStyle>
+          <a:p>
+            <a:r>
+              <a:rPr lang="en-US" sz="2800" dirty="0"/>
+              <a:t>Output:</a:t>
+            </a:r>
           </a:p>
         </p:txBody>
       </p:sp>
@@ -27588,7 +29417,7 @@
 </p:sld>
 </file>
 
-<file path=ppt/slides/slide7.xml><?xml version="1.0" encoding="utf-8"?>
+<file path=ppt/slides/slide9.xml><?xml version="1.0" encoding="utf-8"?>
 <p:sld xmlns:a="http://schemas.openxmlformats.org/drawingml/2006/main" xmlns:r="http://schemas.openxmlformats.org/officeDocument/2006/relationships" xmlns:p="http://schemas.openxmlformats.org/presentationml/2006/main">
   <p:cSld>
     <p:spTree>
@@ -27741,629 +29570,6 @@
             <a:extLst>
               <a:ext uri="{FF2B5EF4-FFF2-40B4-BE49-F238E27FC236}">
                 <a16:creationId xmlns:a16="http://schemas.microsoft.com/office/drawing/2014/main" id="{3ED6C150-AD4F-96D7-09B9-A69ADEC2C74D}"/>
-              </a:ext>
-            </a:extLst>
-          </p:cNvPr>
-          <p:cNvSpPr txBox="1"/>
-          <p:nvPr/>
-        </p:nvSpPr>
-        <p:spPr>
-          <a:xfrm>
-            <a:off x="7201113" y="4257202"/>
-            <a:ext cx="1505068" cy="307777"/>
-          </a:xfrm>
-          <a:prstGeom prst="rect">
-            <a:avLst/>
-          </a:prstGeom>
-          <a:noFill/>
-        </p:spPr>
-        <p:txBody>
-          <a:bodyPr wrap="square" rtlCol="0">
-            <a:spAutoFit/>
-          </a:bodyPr>
-          <a:lstStyle/>
-          <a:p>
-            <a:r>
-              <a:rPr lang="en-CA" dirty="0">
-                <a:hlinkClick r:id="rId4" action="ppaction://hlinksldjump"/>
-              </a:rPr>
-              <a:t>Question board</a:t>
-            </a:r>
-            <a:endParaRPr lang="en-CA" dirty="0"/>
-          </a:p>
-        </p:txBody>
-      </p:sp>
-    </p:spTree>
-  </p:cSld>
-  <p:clrMapOvr>
-    <a:masterClrMapping/>
-  </p:clrMapOvr>
-</p:sld>
-</file>
-
-<file path=ppt/slides/slide8.xml><?xml version="1.0" encoding="utf-8"?>
-<p:sld xmlns:a="http://schemas.openxmlformats.org/drawingml/2006/main" xmlns:r="http://schemas.openxmlformats.org/officeDocument/2006/relationships" xmlns:p="http://schemas.openxmlformats.org/presentationml/2006/main">
-  <p:cSld>
-    <p:spTree>
-      <p:nvGrpSpPr>
-        <p:cNvPr id="1" name="Shape 312"/>
-        <p:cNvGrpSpPr/>
-        <p:nvPr/>
-      </p:nvGrpSpPr>
-      <p:grpSpPr>
-        <a:xfrm>
-          <a:off x="0" y="0"/>
-          <a:ext cx="0" cy="0"/>
-          <a:chOff x="0" y="0"/>
-          <a:chExt cx="0" cy="0"/>
-        </a:xfrm>
-      </p:grpSpPr>
-      <p:sp>
-        <p:nvSpPr>
-          <p:cNvPr id="313" name="Google Shape;313;p24"/>
-          <p:cNvSpPr txBox="1">
-            <a:spLocks noGrp="1"/>
-          </p:cNvSpPr>
-          <p:nvPr>
-            <p:ph type="title"/>
-          </p:nvPr>
-        </p:nvSpPr>
-        <p:spPr>
-          <a:xfrm>
-            <a:off x="1038650" y="30410"/>
-            <a:ext cx="7081800" cy="3188100"/>
-          </a:xfrm>
-          <a:prstGeom prst="rect">
-            <a:avLst/>
-          </a:prstGeom>
-        </p:spPr>
-        <p:txBody>
-          <a:bodyPr spcFirstLastPara="1" wrap="square" lIns="0" tIns="0" rIns="0" bIns="0" anchor="ctr" anchorCtr="0">
-            <a:noAutofit/>
-          </a:bodyPr>
-          <a:lstStyle/>
-          <a:p>
-            <a:pPr marL="0" lvl="0" indent="0" algn="ctr" rtl="0">
-              <a:spcBef>
-                <a:spcPts val="0"/>
-              </a:spcBef>
-              <a:spcAft>
-                <a:spcPts val="0"/>
-              </a:spcAft>
-              <a:buNone/>
-            </a:pPr>
-            <a:r>
-              <a:rPr lang="en" dirty="0"/>
-              <a:t>What is the output of the code?</a:t>
-            </a:r>
-            <a:endParaRPr dirty="0"/>
-          </a:p>
-        </p:txBody>
-      </p:sp>
-      <p:sp>
-        <p:nvSpPr>
-          <p:cNvPr id="314" name="Google Shape;314;p24"/>
-          <p:cNvSpPr txBox="1">
-            <a:spLocks noGrp="1"/>
-          </p:cNvSpPr>
-          <p:nvPr>
-            <p:ph type="subTitle" idx="1"/>
-          </p:nvPr>
-        </p:nvSpPr>
-        <p:spPr>
-          <a:xfrm>
-            <a:off x="1038650" y="640325"/>
-            <a:ext cx="7079700" cy="444300"/>
-          </a:xfrm>
-          <a:prstGeom prst="rect">
-            <a:avLst/>
-          </a:prstGeom>
-        </p:spPr>
-        <p:txBody>
-          <a:bodyPr spcFirstLastPara="1" wrap="square" lIns="0" tIns="0" rIns="0" bIns="0" anchor="t" anchorCtr="0">
-            <a:noAutofit/>
-          </a:bodyPr>
-          <a:lstStyle/>
-          <a:p>
-            <a:pPr marL="0" indent="0"/>
-            <a:r>
-              <a:rPr lang="en-US" dirty="0">
-                <a:solidFill>
-                  <a:schemeClr val="lt1"/>
-                </a:solidFill>
-                <a:latin typeface="Bebas Neue"/>
-                <a:ea typeface="Bebas Neue"/>
-                <a:cs typeface="Bebas Neue"/>
-                <a:sym typeface="Bebas Neue"/>
-              </a:rPr>
-              <a:t>TIME TO COMPARE AND GET LOOPY </a:t>
-            </a:r>
-            <a:r>
-              <a:rPr lang="en-US" dirty="0"/>
-              <a:t>· </a:t>
-            </a:r>
-            <a:r>
-              <a:rPr lang="en-US" dirty="0">
-                <a:solidFill>
-                  <a:srgbClr val="FFC319"/>
-                </a:solidFill>
-              </a:rPr>
-              <a:t>$500</a:t>
-            </a:r>
-          </a:p>
-        </p:txBody>
-      </p:sp>
-      <p:pic>
-        <p:nvPicPr>
-          <p:cNvPr id="2" name="Picture 1">
-            <a:extLst>
-              <a:ext uri="{FF2B5EF4-FFF2-40B4-BE49-F238E27FC236}">
-                <a16:creationId xmlns:a16="http://schemas.microsoft.com/office/drawing/2014/main" id="{1811EE74-E2A4-288D-4D60-6F13EC2F1048}"/>
-              </a:ext>
-            </a:extLst>
-          </p:cNvPr>
-          <p:cNvPicPr>
-            <a:picLocks noChangeAspect="1"/>
-          </p:cNvPicPr>
-          <p:nvPr/>
-        </p:nvPicPr>
-        <p:blipFill rotWithShape="1">
-          <a:blip r:embed="rId3"/>
-          <a:srcRect l="1334" t="19258" r="2629" b="16222"/>
-          <a:stretch/>
-        </p:blipFill>
-        <p:spPr>
-          <a:xfrm>
-            <a:off x="828339" y="2355925"/>
-            <a:ext cx="7465807" cy="666974"/>
-          </a:xfrm>
-          <a:prstGeom prst="rect">
-            <a:avLst/>
-          </a:prstGeom>
-        </p:spPr>
-      </p:pic>
-      <p:sp>
-        <p:nvSpPr>
-          <p:cNvPr id="3" name="TextBox 2">
-            <a:extLst>
-              <a:ext uri="{FF2B5EF4-FFF2-40B4-BE49-F238E27FC236}">
-                <a16:creationId xmlns:a16="http://schemas.microsoft.com/office/drawing/2014/main" id="{B4CF5838-FA4F-8F66-0066-3931075797C0}"/>
-              </a:ext>
-            </a:extLst>
-          </p:cNvPr>
-          <p:cNvSpPr txBox="1"/>
-          <p:nvPr/>
-        </p:nvSpPr>
-        <p:spPr>
-          <a:xfrm>
-            <a:off x="7201113" y="4257202"/>
-            <a:ext cx="1505068" cy="307777"/>
-          </a:xfrm>
-          <a:prstGeom prst="rect">
-            <a:avLst/>
-          </a:prstGeom>
-          <a:noFill/>
-        </p:spPr>
-        <p:txBody>
-          <a:bodyPr wrap="square" rtlCol="0">
-            <a:spAutoFit/>
-          </a:bodyPr>
-          <a:lstStyle/>
-          <a:p>
-            <a:r>
-              <a:rPr lang="en-CA" dirty="0">
-                <a:hlinkClick r:id="rId4" action="ppaction://hlinksldjump"/>
-              </a:rPr>
-              <a:t>Question board</a:t>
-            </a:r>
-            <a:endParaRPr lang="en-CA" dirty="0"/>
-          </a:p>
-        </p:txBody>
-      </p:sp>
-    </p:spTree>
-  </p:cSld>
-  <p:clrMapOvr>
-    <a:masterClrMapping/>
-  </p:clrMapOvr>
-</p:sld>
-</file>
-
-<file path=ppt/slides/slide9.xml><?xml version="1.0" encoding="utf-8"?>
-<p:sld xmlns:a="http://schemas.openxmlformats.org/drawingml/2006/main" xmlns:r="http://schemas.openxmlformats.org/officeDocument/2006/relationships" xmlns:p="http://schemas.openxmlformats.org/presentationml/2006/main">
-  <p:cSld>
-    <p:spTree>
-      <p:nvGrpSpPr>
-        <p:cNvPr id="1" name="Shape 318"/>
-        <p:cNvGrpSpPr/>
-        <p:nvPr/>
-      </p:nvGrpSpPr>
-      <p:grpSpPr>
-        <a:xfrm>
-          <a:off x="0" y="0"/>
-          <a:ext cx="0" cy="0"/>
-          <a:chOff x="0" y="0"/>
-          <a:chExt cx="0" cy="0"/>
-        </a:xfrm>
-      </p:grpSpPr>
-      <p:sp>
-        <p:nvSpPr>
-          <p:cNvPr id="319" name="Google Shape;319;p25"/>
-          <p:cNvSpPr txBox="1">
-            <a:spLocks noGrp="1"/>
-          </p:cNvSpPr>
-          <p:nvPr>
-            <p:ph type="title"/>
-          </p:nvPr>
-        </p:nvSpPr>
-        <p:spPr>
-          <a:xfrm>
-            <a:off x="1023550" y="137986"/>
-            <a:ext cx="7081800" cy="3188100"/>
-          </a:xfrm>
-          <a:prstGeom prst="rect">
-            <a:avLst/>
-          </a:prstGeom>
-        </p:spPr>
-        <p:txBody>
-          <a:bodyPr spcFirstLastPara="1" wrap="square" lIns="0" tIns="0" rIns="0" bIns="0" anchor="ctr" anchorCtr="0">
-            <a:noAutofit/>
-          </a:bodyPr>
-          <a:lstStyle/>
-          <a:p>
-            <a:pPr marL="0" lvl="0" indent="0" algn="ctr" rtl="0">
-              <a:spcBef>
-                <a:spcPts val="0"/>
-              </a:spcBef>
-              <a:spcAft>
-                <a:spcPts val="0"/>
-              </a:spcAft>
-              <a:buNone/>
-            </a:pPr>
-            <a:r>
-              <a:rPr lang="en" dirty="0"/>
-              <a:t>Verbally explain what happens in the following piece of code:</a:t>
-            </a:r>
-            <a:endParaRPr dirty="0"/>
-          </a:p>
-        </p:txBody>
-      </p:sp>
-      <p:pic>
-        <p:nvPicPr>
-          <p:cNvPr id="2" name="Picture 1">
-            <a:extLst>
-              <a:ext uri="{FF2B5EF4-FFF2-40B4-BE49-F238E27FC236}">
-                <a16:creationId xmlns:a16="http://schemas.microsoft.com/office/drawing/2014/main" id="{637065F9-9194-FD28-3065-E707BB630E8F}"/>
-              </a:ext>
-            </a:extLst>
-          </p:cNvPr>
-          <p:cNvPicPr>
-            <a:picLocks noChangeAspect="1"/>
-          </p:cNvPicPr>
-          <p:nvPr/>
-        </p:nvPicPr>
-        <p:blipFill rotWithShape="1">
-          <a:blip r:embed="rId3"/>
-          <a:srcRect t="14444" r="5346" b="49200"/>
-          <a:stretch/>
-        </p:blipFill>
-        <p:spPr>
-          <a:xfrm>
-            <a:off x="868640" y="2436750"/>
-            <a:ext cx="7391619" cy="1488554"/>
-          </a:xfrm>
-          <a:prstGeom prst="rect">
-            <a:avLst/>
-          </a:prstGeom>
-        </p:spPr>
-      </p:pic>
-      <p:sp>
-        <p:nvSpPr>
-          <p:cNvPr id="5" name="Google Shape;314;p24">
-            <a:extLst>
-              <a:ext uri="{FF2B5EF4-FFF2-40B4-BE49-F238E27FC236}">
-                <a16:creationId xmlns:a16="http://schemas.microsoft.com/office/drawing/2014/main" id="{CE083041-A739-3083-9A96-F80E4A179A1C}"/>
-              </a:ext>
-            </a:extLst>
-          </p:cNvPr>
-          <p:cNvSpPr txBox="1">
-            <a:spLocks/>
-          </p:cNvSpPr>
-          <p:nvPr/>
-        </p:nvSpPr>
-        <p:spPr>
-          <a:xfrm>
-            <a:off x="1191050" y="792725"/>
-            <a:ext cx="7079700" cy="444300"/>
-          </a:xfrm>
-          <a:prstGeom prst="rect">
-            <a:avLst/>
-          </a:prstGeom>
-          <a:noFill/>
-          <a:ln>
-            <a:noFill/>
-          </a:ln>
-          <a:effectLst>
-            <a:outerShdw blurRad="14288" dist="28575" dir="2700000" algn="bl" rotWithShape="0">
-              <a:schemeClr val="dk1">
-                <a:alpha val="91000"/>
-              </a:schemeClr>
-            </a:outerShdw>
-          </a:effectLst>
-        </p:spPr>
-        <p:txBody>
-          <a:bodyPr spcFirstLastPara="1" wrap="square" lIns="0" tIns="0" rIns="0" bIns="0" anchor="t" anchorCtr="0">
-            <a:noAutofit/>
-          </a:bodyPr>
-          <a:lstStyle>
-            <a:defPPr marR="0" lvl="0" algn="l" rtl="0">
-              <a:lnSpc>
-                <a:spcPct val="100000"/>
-              </a:lnSpc>
-              <a:spcBef>
-                <a:spcPts val="0"/>
-              </a:spcBef>
-              <a:spcAft>
-                <a:spcPts val="0"/>
-              </a:spcAft>
-            </a:defPPr>
-            <a:lvl1pPr marL="457200" marR="0" lvl="0" indent="-381000" algn="ctr" rtl="0">
-              <a:lnSpc>
-                <a:spcPct val="100000"/>
-              </a:lnSpc>
-              <a:spcBef>
-                <a:spcPts val="600"/>
-              </a:spcBef>
-              <a:spcAft>
-                <a:spcPts val="0"/>
-              </a:spcAft>
-              <a:buClr>
-                <a:schemeClr val="lt1"/>
-              </a:buClr>
-              <a:buSzPts val="2400"/>
-              <a:buFont typeface="Della Respira"/>
-              <a:buNone/>
-              <a:defRPr sz="2000" b="0" i="0" u="none" strike="noStrike" cap="none">
-                <a:solidFill>
-                  <a:schemeClr val="lt1"/>
-                </a:solidFill>
-                <a:latin typeface="Bebas Neue"/>
-                <a:ea typeface="Bebas Neue"/>
-                <a:cs typeface="Bebas Neue"/>
-                <a:sym typeface="Bebas Neue"/>
-              </a:defRPr>
-            </a:lvl1pPr>
-            <a:lvl2pPr marL="914400" marR="0" lvl="1" indent="-381000" algn="l" rtl="0">
-              <a:lnSpc>
-                <a:spcPct val="100000"/>
-              </a:lnSpc>
-              <a:spcBef>
-                <a:spcPts val="600"/>
-              </a:spcBef>
-              <a:spcAft>
-                <a:spcPts val="0"/>
-              </a:spcAft>
-              <a:buClr>
-                <a:schemeClr val="lt1"/>
-              </a:buClr>
-              <a:buSzPts val="2400"/>
-              <a:buFont typeface="Della Respira"/>
-              <a:buNone/>
-              <a:defRPr sz="2000" b="1" i="0" u="none" strike="noStrike" cap="none">
-                <a:solidFill>
-                  <a:schemeClr val="lt1"/>
-                </a:solidFill>
-                <a:latin typeface="Della Respira"/>
-                <a:ea typeface="Della Respira"/>
-                <a:cs typeface="Della Respira"/>
-                <a:sym typeface="Della Respira"/>
-              </a:defRPr>
-            </a:lvl2pPr>
-            <a:lvl3pPr marL="1371600" marR="0" lvl="2" indent="-381000" algn="l" rtl="0">
-              <a:lnSpc>
-                <a:spcPct val="100000"/>
-              </a:lnSpc>
-              <a:spcBef>
-                <a:spcPts val="600"/>
-              </a:spcBef>
-              <a:spcAft>
-                <a:spcPts val="0"/>
-              </a:spcAft>
-              <a:buClr>
-                <a:schemeClr val="lt1"/>
-              </a:buClr>
-              <a:buSzPts val="2400"/>
-              <a:buFont typeface="Della Respira"/>
-              <a:buNone/>
-              <a:defRPr sz="2000" b="1" i="0" u="none" strike="noStrike" cap="none">
-                <a:solidFill>
-                  <a:schemeClr val="lt1"/>
-                </a:solidFill>
-                <a:latin typeface="Della Respira"/>
-                <a:ea typeface="Della Respira"/>
-                <a:cs typeface="Della Respira"/>
-                <a:sym typeface="Della Respira"/>
-              </a:defRPr>
-            </a:lvl3pPr>
-            <a:lvl4pPr marL="1828800" marR="0" lvl="3" indent="-381000" algn="l" rtl="0">
-              <a:lnSpc>
-                <a:spcPct val="100000"/>
-              </a:lnSpc>
-              <a:spcBef>
-                <a:spcPts val="600"/>
-              </a:spcBef>
-              <a:spcAft>
-                <a:spcPts val="0"/>
-              </a:spcAft>
-              <a:buClr>
-                <a:schemeClr val="lt1"/>
-              </a:buClr>
-              <a:buSzPts val="2400"/>
-              <a:buFont typeface="Della Respira"/>
-              <a:buNone/>
-              <a:defRPr sz="2000" b="1" i="0" u="none" strike="noStrike" cap="none">
-                <a:solidFill>
-                  <a:schemeClr val="lt1"/>
-                </a:solidFill>
-                <a:latin typeface="Della Respira"/>
-                <a:ea typeface="Della Respira"/>
-                <a:cs typeface="Della Respira"/>
-                <a:sym typeface="Della Respira"/>
-              </a:defRPr>
-            </a:lvl4pPr>
-            <a:lvl5pPr marL="2286000" marR="0" lvl="4" indent="-381000" algn="l" rtl="0">
-              <a:lnSpc>
-                <a:spcPct val="100000"/>
-              </a:lnSpc>
-              <a:spcBef>
-                <a:spcPts val="600"/>
-              </a:spcBef>
-              <a:spcAft>
-                <a:spcPts val="0"/>
-              </a:spcAft>
-              <a:buClr>
-                <a:schemeClr val="lt1"/>
-              </a:buClr>
-              <a:buSzPts val="2400"/>
-              <a:buFont typeface="Della Respira"/>
-              <a:buNone/>
-              <a:defRPr sz="2000" b="1" i="0" u="none" strike="noStrike" cap="none">
-                <a:solidFill>
-                  <a:schemeClr val="lt1"/>
-                </a:solidFill>
-                <a:latin typeface="Della Respira"/>
-                <a:ea typeface="Della Respira"/>
-                <a:cs typeface="Della Respira"/>
-                <a:sym typeface="Della Respira"/>
-              </a:defRPr>
-            </a:lvl5pPr>
-            <a:lvl6pPr marL="2743200" marR="0" lvl="5" indent="-381000" algn="l" rtl="0">
-              <a:lnSpc>
-                <a:spcPct val="100000"/>
-              </a:lnSpc>
-              <a:spcBef>
-                <a:spcPts val="600"/>
-              </a:spcBef>
-              <a:spcAft>
-                <a:spcPts val="0"/>
-              </a:spcAft>
-              <a:buClr>
-                <a:schemeClr val="lt1"/>
-              </a:buClr>
-              <a:buSzPts val="2400"/>
-              <a:buFont typeface="Della Respira"/>
-              <a:buNone/>
-              <a:defRPr sz="2000" b="1" i="0" u="none" strike="noStrike" cap="none">
-                <a:solidFill>
-                  <a:schemeClr val="lt1"/>
-                </a:solidFill>
-                <a:latin typeface="Della Respira"/>
-                <a:ea typeface="Della Respira"/>
-                <a:cs typeface="Della Respira"/>
-                <a:sym typeface="Della Respira"/>
-              </a:defRPr>
-            </a:lvl6pPr>
-            <a:lvl7pPr marL="3200400" marR="0" lvl="6" indent="-381000" algn="l" rtl="0">
-              <a:lnSpc>
-                <a:spcPct val="100000"/>
-              </a:lnSpc>
-              <a:spcBef>
-                <a:spcPts val="600"/>
-              </a:spcBef>
-              <a:spcAft>
-                <a:spcPts val="0"/>
-              </a:spcAft>
-              <a:buClr>
-                <a:schemeClr val="lt1"/>
-              </a:buClr>
-              <a:buSzPts val="2400"/>
-              <a:buFont typeface="Della Respira"/>
-              <a:buNone/>
-              <a:defRPr sz="2000" b="1" i="0" u="none" strike="noStrike" cap="none">
-                <a:solidFill>
-                  <a:schemeClr val="lt1"/>
-                </a:solidFill>
-                <a:latin typeface="Della Respira"/>
-                <a:ea typeface="Della Respira"/>
-                <a:cs typeface="Della Respira"/>
-                <a:sym typeface="Della Respira"/>
-              </a:defRPr>
-            </a:lvl7pPr>
-            <a:lvl8pPr marL="3657600" marR="0" lvl="7" indent="-381000" algn="l" rtl="0">
-              <a:lnSpc>
-                <a:spcPct val="100000"/>
-              </a:lnSpc>
-              <a:spcBef>
-                <a:spcPts val="600"/>
-              </a:spcBef>
-              <a:spcAft>
-                <a:spcPts val="0"/>
-              </a:spcAft>
-              <a:buClr>
-                <a:schemeClr val="lt1"/>
-              </a:buClr>
-              <a:buSzPts val="2400"/>
-              <a:buFont typeface="Della Respira"/>
-              <a:buNone/>
-              <a:defRPr sz="2000" b="1" i="0" u="none" strike="noStrike" cap="none">
-                <a:solidFill>
-                  <a:schemeClr val="lt1"/>
-                </a:solidFill>
-                <a:latin typeface="Della Respira"/>
-                <a:ea typeface="Della Respira"/>
-                <a:cs typeface="Della Respira"/>
-                <a:sym typeface="Della Respira"/>
-              </a:defRPr>
-            </a:lvl8pPr>
-            <a:lvl9pPr marL="4114800" marR="0" lvl="8" indent="-381000" algn="l" rtl="0">
-              <a:lnSpc>
-                <a:spcPct val="100000"/>
-              </a:lnSpc>
-              <a:spcBef>
-                <a:spcPts val="600"/>
-              </a:spcBef>
-              <a:spcAft>
-                <a:spcPts val="0"/>
-              </a:spcAft>
-              <a:buClr>
-                <a:schemeClr val="lt1"/>
-              </a:buClr>
-              <a:buSzPts val="2400"/>
-              <a:buFont typeface="Della Respira"/>
-              <a:buNone/>
-              <a:defRPr sz="2000" b="1" i="0" u="none" strike="noStrike" cap="none">
-                <a:solidFill>
-                  <a:schemeClr val="lt1"/>
-                </a:solidFill>
-                <a:latin typeface="Della Respira"/>
-                <a:ea typeface="Della Respira"/>
-                <a:cs typeface="Della Respira"/>
-                <a:sym typeface="Della Respira"/>
-              </a:defRPr>
-            </a:lvl9pPr>
-          </a:lstStyle>
-          <a:p>
-            <a:pPr marL="0" indent="0"/>
-            <a:r>
-              <a:rPr lang="en-US" dirty="0"/>
-              <a:t>TIME TO COMPARE AND GET LOOPY · </a:t>
-            </a:r>
-            <a:r>
-              <a:rPr lang="en-US" dirty="0">
-                <a:solidFill>
-                  <a:srgbClr val="FFC319"/>
-                </a:solidFill>
-              </a:rPr>
-              <a:t>$1000</a:t>
-            </a:r>
-          </a:p>
-        </p:txBody>
-      </p:sp>
-      <p:sp>
-        <p:nvSpPr>
-          <p:cNvPr id="3" name="TextBox 2">
-            <a:extLst>
-              <a:ext uri="{FF2B5EF4-FFF2-40B4-BE49-F238E27FC236}">
-                <a16:creationId xmlns:a16="http://schemas.microsoft.com/office/drawing/2014/main" id="{6E61AB81-0845-A5A0-8E3E-9658F3558E96}"/>
               </a:ext>
             </a:extLst>
           </p:cNvPr>
